--- a/etc/immsocket.pptx
+++ b/etc/immsocket.pptx
@@ -195,7 +195,7 @@
           <a:p>
             <a:fld id="{22CC3290-24F6-477F-95D9-2B730663FC8A}" type="datetimeFigureOut">
               <a:rPr kumimoji="1" lang="ja-JP" altLang="en-US" smtClean="0"/>
-              <a:t>2017/8/10</a:t>
+              <a:t>2017/12/8</a:t>
             </a:fld>
             <a:endParaRPr kumimoji="1" lang="ja-JP" altLang="en-US"/>
           </a:p>
@@ -676,7 +676,7 @@
           <a:p>
             <a:fld id="{58F1A61C-07EC-4CEE-80EB-D6F8CCBD6E84}" type="datetimeFigureOut">
               <a:rPr kumimoji="1" lang="ja-JP" altLang="en-US" smtClean="0"/>
-              <a:t>2017/8/10</a:t>
+              <a:t>2017/12/8</a:t>
             </a:fld>
             <a:endParaRPr kumimoji="1" lang="ja-JP" altLang="en-US"/>
           </a:p>
@@ -878,7 +878,7 @@
           <a:p>
             <a:fld id="{58F1A61C-07EC-4CEE-80EB-D6F8CCBD6E84}" type="datetimeFigureOut">
               <a:rPr kumimoji="1" lang="ja-JP" altLang="en-US" smtClean="0"/>
-              <a:t>2017/8/10</a:t>
+              <a:t>2017/12/8</a:t>
             </a:fld>
             <a:endParaRPr kumimoji="1" lang="ja-JP" altLang="en-US"/>
           </a:p>
@@ -1090,7 +1090,7 @@
           <a:p>
             <a:fld id="{58F1A61C-07EC-4CEE-80EB-D6F8CCBD6E84}" type="datetimeFigureOut">
               <a:rPr kumimoji="1" lang="ja-JP" altLang="en-US" smtClean="0"/>
-              <a:t>2017/8/10</a:t>
+              <a:t>2017/12/8</a:t>
             </a:fld>
             <a:endParaRPr kumimoji="1" lang="ja-JP" altLang="en-US"/>
           </a:p>
@@ -1292,7 +1292,7 @@
           <a:p>
             <a:fld id="{58F1A61C-07EC-4CEE-80EB-D6F8CCBD6E84}" type="datetimeFigureOut">
               <a:rPr kumimoji="1" lang="ja-JP" altLang="en-US" smtClean="0"/>
-              <a:t>2017/8/10</a:t>
+              <a:t>2017/12/8</a:t>
             </a:fld>
             <a:endParaRPr kumimoji="1" lang="ja-JP" altLang="en-US"/>
           </a:p>
@@ -1538,7 +1538,7 @@
           <a:p>
             <a:fld id="{58F1A61C-07EC-4CEE-80EB-D6F8CCBD6E84}" type="datetimeFigureOut">
               <a:rPr kumimoji="1" lang="ja-JP" altLang="en-US" smtClean="0"/>
-              <a:t>2017/8/10</a:t>
+              <a:t>2017/12/8</a:t>
             </a:fld>
             <a:endParaRPr kumimoji="1" lang="ja-JP" altLang="en-US"/>
           </a:p>
@@ -1890,7 +1890,7 @@
           <a:p>
             <a:fld id="{58F1A61C-07EC-4CEE-80EB-D6F8CCBD6E84}" type="datetimeFigureOut">
               <a:rPr kumimoji="1" lang="ja-JP" altLang="en-US" smtClean="0"/>
-              <a:t>2017/8/10</a:t>
+              <a:t>2017/12/8</a:t>
             </a:fld>
             <a:endParaRPr kumimoji="1" lang="ja-JP" altLang="en-US"/>
           </a:p>
@@ -2376,7 +2376,7 @@
           <a:p>
             <a:fld id="{58F1A61C-07EC-4CEE-80EB-D6F8CCBD6E84}" type="datetimeFigureOut">
               <a:rPr kumimoji="1" lang="ja-JP" altLang="en-US" smtClean="0"/>
-              <a:t>2017/8/10</a:t>
+              <a:t>2017/12/8</a:t>
             </a:fld>
             <a:endParaRPr kumimoji="1" lang="ja-JP" altLang="en-US"/>
           </a:p>
@@ -2494,7 +2494,7 @@
           <a:p>
             <a:fld id="{58F1A61C-07EC-4CEE-80EB-D6F8CCBD6E84}" type="datetimeFigureOut">
               <a:rPr kumimoji="1" lang="ja-JP" altLang="en-US" smtClean="0"/>
-              <a:t>2017/8/10</a:t>
+              <a:t>2017/12/8</a:t>
             </a:fld>
             <a:endParaRPr kumimoji="1" lang="ja-JP" altLang="en-US"/>
           </a:p>
@@ -2589,7 +2589,7 @@
           <a:p>
             <a:fld id="{58F1A61C-07EC-4CEE-80EB-D6F8CCBD6E84}" type="datetimeFigureOut">
               <a:rPr kumimoji="1" lang="ja-JP" altLang="en-US" smtClean="0"/>
-              <a:t>2017/8/10</a:t>
+              <a:t>2017/12/8</a:t>
             </a:fld>
             <a:endParaRPr kumimoji="1" lang="ja-JP" altLang="en-US"/>
           </a:p>
@@ -2898,7 +2898,7 @@
           <a:p>
             <a:fld id="{58F1A61C-07EC-4CEE-80EB-D6F8CCBD6E84}" type="datetimeFigureOut">
               <a:rPr kumimoji="1" lang="ja-JP" altLang="en-US" smtClean="0"/>
-              <a:t>2017/8/10</a:t>
+              <a:t>2017/12/8</a:t>
             </a:fld>
             <a:endParaRPr kumimoji="1" lang="ja-JP" altLang="en-US"/>
           </a:p>
@@ -3151,7 +3151,7 @@
           <a:p>
             <a:fld id="{58F1A61C-07EC-4CEE-80EB-D6F8CCBD6E84}" type="datetimeFigureOut">
               <a:rPr kumimoji="1" lang="ja-JP" altLang="en-US" smtClean="0"/>
-              <a:t>2017/8/10</a:t>
+              <a:t>2017/12/8</a:t>
             </a:fld>
             <a:endParaRPr kumimoji="1" lang="ja-JP" altLang="en-US"/>
           </a:p>
@@ -3396,7 +3396,7 @@
           <a:p>
             <a:fld id="{58F1A61C-07EC-4CEE-80EB-D6F8CCBD6E84}" type="datetimeFigureOut">
               <a:rPr kumimoji="1" lang="ja-JP" altLang="en-US" smtClean="0"/>
-              <a:t>2017/8/10</a:t>
+              <a:t>2017/12/8</a:t>
             </a:fld>
             <a:endParaRPr kumimoji="1" lang="ja-JP" altLang="en-US"/>
           </a:p>
@@ -3779,7 +3779,7 @@
         </p:nvSpPr>
         <p:spPr>
           <a:xfrm>
-            <a:off x="1223216" y="4509120"/>
+            <a:off x="1223216" y="4094656"/>
             <a:ext cx="2304256" cy="1296144"/>
           </a:xfrm>
           <a:prstGeom prst="rect">
@@ -3835,7 +3835,7 @@
         </p:nvSpPr>
         <p:spPr>
           <a:xfrm>
-            <a:off x="1070816" y="3789040"/>
+            <a:off x="1070816" y="3599392"/>
             <a:ext cx="2304256" cy="1296144"/>
           </a:xfrm>
           <a:prstGeom prst="rect">
@@ -3891,7 +3891,7 @@
         </p:nvSpPr>
         <p:spPr>
           <a:xfrm>
-            <a:off x="899592" y="2852936"/>
+            <a:off x="899592" y="2663288"/>
             <a:ext cx="2304256" cy="1296144"/>
           </a:xfrm>
           <a:prstGeom prst="rect">
@@ -3944,7 +3944,7 @@
         </p:nvSpPr>
         <p:spPr>
           <a:xfrm>
-            <a:off x="971600" y="3023847"/>
+            <a:off x="971600" y="3050223"/>
             <a:ext cx="1008112" cy="189129"/>
           </a:xfrm>
           <a:prstGeom prst="rect">
@@ -3992,11 +3992,6 @@
               </a:rPr>
               <a:t> process</a:t>
             </a:r>
-            <a:endParaRPr kumimoji="1" lang="en-US" altLang="ja-JP" sz="1000" dirty="0" smtClean="0">
-              <a:solidFill>
-                <a:schemeClr val="tx1"/>
-              </a:solidFill>
-            </a:endParaRPr>
           </a:p>
         </p:txBody>
       </p:sp>
@@ -4008,7 +4003,7 @@
         </p:nvSpPr>
         <p:spPr>
           <a:xfrm>
-            <a:off x="1979712" y="3501008"/>
+            <a:off x="1979712" y="3311360"/>
             <a:ext cx="1080120" cy="504056"/>
           </a:xfrm>
           <a:prstGeom prst="rect">
@@ -4061,7 +4056,7 @@
         </p:nvSpPr>
         <p:spPr>
           <a:xfrm>
-            <a:off x="2411760" y="3356992"/>
+            <a:off x="2411760" y="3167344"/>
             <a:ext cx="720080" cy="189129"/>
           </a:xfrm>
           <a:prstGeom prst="rect">
@@ -4101,78 +4096,6 @@
               </a:rPr>
               <a:t>1 thread</a:t>
             </a:r>
-            <a:endParaRPr kumimoji="1" lang="en-US" altLang="ja-JP" sz="1000" dirty="0" smtClean="0">
-              <a:solidFill>
-                <a:schemeClr val="tx1"/>
-              </a:solidFill>
-            </a:endParaRPr>
-          </a:p>
-        </p:txBody>
-      </p:sp>
-      <p:sp>
-        <p:nvSpPr>
-          <p:cNvPr id="92" name="正方形/長方形 91"/>
-          <p:cNvSpPr/>
-          <p:nvPr/>
-        </p:nvSpPr>
-        <p:spPr>
-          <a:xfrm>
-            <a:off x="1979712" y="3505810"/>
-            <a:ext cx="1080120" cy="333145"/>
-          </a:xfrm>
-          <a:prstGeom prst="rect">
-            <a:avLst/>
-          </a:prstGeom>
-          <a:noFill/>
-          <a:ln w="12700">
-            <a:noFill/>
-          </a:ln>
-        </p:spPr>
-        <p:style>
-          <a:lnRef idx="2">
-            <a:schemeClr val="accent1">
-              <a:shade val="50000"/>
-            </a:schemeClr>
-          </a:lnRef>
-          <a:fillRef idx="1">
-            <a:schemeClr val="accent1"/>
-          </a:fillRef>
-          <a:effectRef idx="0">
-            <a:schemeClr val="accent1"/>
-          </a:effectRef>
-          <a:fontRef idx="minor">
-            <a:schemeClr val="lt1"/>
-          </a:fontRef>
-        </p:style>
-        <p:txBody>
-          <a:bodyPr rtlCol="0" anchor="ctr"/>
-          <a:lstStyle/>
-          <a:p>
-            <a:pPr algn="ctr"/>
-            <a:r>
-              <a:rPr kumimoji="1" lang="en-US" altLang="ja-JP" sz="1000" dirty="0" err="1" smtClean="0">
-                <a:solidFill>
-                  <a:schemeClr val="tx1"/>
-                </a:solidFill>
-              </a:rPr>
-              <a:t>Immsocketclient</a:t>
-            </a:r>
-          </a:p>
-          <a:p>
-            <a:pPr algn="ctr"/>
-            <a:r>
-              <a:rPr lang="en-US" altLang="ja-JP" sz="1000" dirty="0" smtClean="0">
-                <a:solidFill>
-                  <a:schemeClr val="tx1"/>
-                </a:solidFill>
-              </a:rPr>
-              <a:t>instance</a:t>
-            </a:r>
-            <a:endParaRPr kumimoji="1" lang="en-US" altLang="ja-JP" sz="1000" dirty="0" smtClean="0">
-              <a:solidFill>
-                <a:schemeClr val="tx1"/>
-              </a:solidFill>
-            </a:endParaRPr>
           </a:p>
         </p:txBody>
       </p:sp>
@@ -4278,11 +4201,6 @@
               </a:rPr>
               <a:t>omponent diagram</a:t>
             </a:r>
-            <a:endParaRPr kumimoji="1" lang="en-US" altLang="ja-JP" sz="1100" dirty="0" smtClean="0">
-              <a:solidFill>
-                <a:schemeClr val="tx1"/>
-              </a:solidFill>
-            </a:endParaRPr>
           </a:p>
         </p:txBody>
       </p:sp>
@@ -4295,7 +4213,7 @@
         <p:spPr>
           <a:xfrm>
             <a:off x="4860032" y="1412776"/>
-            <a:ext cx="3672408" cy="4392488"/>
+            <a:ext cx="3672408" cy="4032448"/>
           </a:xfrm>
           <a:prstGeom prst="rect">
             <a:avLst/>
@@ -4389,11 +4307,6 @@
               </a:rPr>
               <a:t>erver process</a:t>
             </a:r>
-            <a:endParaRPr kumimoji="1" lang="en-US" altLang="ja-JP" sz="1000" dirty="0" smtClean="0">
-              <a:solidFill>
-                <a:schemeClr val="bg1"/>
-              </a:solidFill>
-            </a:endParaRPr>
           </a:p>
         </p:txBody>
       </p:sp>
@@ -4405,18 +4318,20 @@
         </p:nvSpPr>
         <p:spPr>
           <a:xfrm>
-            <a:off x="5076056" y="2050472"/>
-            <a:ext cx="2160240" cy="2890696"/>
+            <a:off x="6696236" y="2050472"/>
+            <a:ext cx="1548172" cy="2890696"/>
           </a:xfrm>
           <a:prstGeom prst="rect">
             <a:avLst/>
           </a:prstGeom>
           <a:solidFill>
-            <a:schemeClr val="accent1">
-              <a:lumMod val="60000"/>
-              <a:lumOff val="40000"/>
-            </a:schemeClr>
+            <a:srgbClr val="92D050"/>
           </a:solidFill>
+          <a:ln>
+            <a:solidFill>
+              <a:srgbClr val="FF0000"/>
+            </a:solidFill>
+          </a:ln>
           <a:effectLst>
             <a:outerShdw blurRad="50800" dist="38100" dir="2700000" algn="tl" rotWithShape="0">
               <a:prstClr val="black">
@@ -4458,8 +4373,8 @@
         </p:nvSpPr>
         <p:spPr>
           <a:xfrm>
-            <a:off x="5076056" y="2050272"/>
-            <a:ext cx="1152128" cy="333145"/>
+            <a:off x="6732240" y="2096016"/>
+            <a:ext cx="1224136" cy="177556"/>
           </a:xfrm>
           <a:prstGeom prst="rect">
             <a:avLst/>
@@ -4489,31 +4404,30 @@
           <a:bodyPr rtlCol="0" anchor="ctr"/>
           <a:lstStyle/>
           <a:p>
-            <a:pPr algn="ctr"/>
-            <a:r>
-              <a:rPr kumimoji="1" lang="en-US" altLang="ja-JP" sz="1000" dirty="0" err="1" smtClean="0">
+            <a:r>
+              <a:rPr kumimoji="1" lang="en-US" altLang="ja-JP" sz="1000" dirty="0" smtClean="0">
                 <a:solidFill>
                   <a:schemeClr val="tx1"/>
                 </a:solidFill>
               </a:rPr>
-              <a:t>Immsocketserver</a:t>
-            </a:r>
-          </a:p>
-          <a:p>
-            <a:pPr algn="ctr"/>
+              <a:t>Server</a:t>
+            </a:r>
             <a:r>
               <a:rPr lang="en-US" altLang="ja-JP" sz="1000" dirty="0" smtClean="0">
                 <a:solidFill>
                   <a:schemeClr val="tx1"/>
                 </a:solidFill>
               </a:rPr>
+              <a:t> </a:t>
+            </a:r>
+            <a:r>
+              <a:rPr lang="en-US" altLang="ja-JP" sz="1000" dirty="0" smtClean="0">
+                <a:solidFill>
+                  <a:schemeClr val="tx1"/>
+                </a:solidFill>
+              </a:rPr>
               <a:t>instance</a:t>
             </a:r>
-            <a:endParaRPr kumimoji="1" lang="en-US" altLang="ja-JP" sz="1000" dirty="0" smtClean="0">
-              <a:solidFill>
-                <a:schemeClr val="tx1"/>
-              </a:solidFill>
-            </a:endParaRPr>
           </a:p>
         </p:txBody>
       </p:sp>
@@ -4525,7 +4439,7 @@
         </p:nvSpPr>
         <p:spPr>
           <a:xfrm>
-            <a:off x="6588224" y="1861343"/>
+            <a:off x="7668344" y="2015735"/>
             <a:ext cx="720080" cy="189129"/>
           </a:xfrm>
           <a:prstGeom prst="rect">
@@ -4560,16 +4474,11 @@
             <a:r>
               <a:rPr kumimoji="1" lang="en-US" altLang="ja-JP" sz="1000" dirty="0" smtClean="0">
                 <a:solidFill>
-                  <a:schemeClr val="bg1"/>
+                  <a:schemeClr val="tx1"/>
                 </a:solidFill>
               </a:rPr>
               <a:t>1 thread</a:t>
             </a:r>
-            <a:endParaRPr kumimoji="1" lang="en-US" altLang="ja-JP" sz="1000" dirty="0" smtClean="0">
-              <a:solidFill>
-                <a:schemeClr val="bg1"/>
-              </a:solidFill>
-            </a:endParaRPr>
           </a:p>
         </p:txBody>
       </p:sp>
@@ -4581,7 +4490,7 @@
         </p:nvSpPr>
         <p:spPr>
           <a:xfrm>
-            <a:off x="5609588" y="3778664"/>
+            <a:off x="5321556" y="3778664"/>
             <a:ext cx="1080120" cy="504056"/>
           </a:xfrm>
           <a:prstGeom prst="rect">
@@ -4637,7 +4546,7 @@
         </p:nvSpPr>
         <p:spPr>
           <a:xfrm>
-            <a:off x="5518737" y="3426834"/>
+            <a:off x="5230705" y="3426834"/>
             <a:ext cx="1080120" cy="504056"/>
           </a:xfrm>
           <a:prstGeom prst="rect">
@@ -4693,7 +4602,7 @@
         </p:nvSpPr>
         <p:spPr>
           <a:xfrm>
-            <a:off x="5436096" y="3058584"/>
+            <a:off x="5148064" y="3058584"/>
             <a:ext cx="1080120" cy="504056"/>
           </a:xfrm>
           <a:prstGeom prst="rect">
@@ -4740,14 +4649,14 @@
       </p:sp>
       <p:sp>
         <p:nvSpPr>
-          <p:cNvPr id="61" name="正方形/長方形 60"/>
+          <p:cNvPr id="63" name="正方形/長方形 62"/>
           <p:cNvSpPr/>
           <p:nvPr/>
         </p:nvSpPr>
         <p:spPr>
           <a:xfrm>
-            <a:off x="5436096" y="3125588"/>
-            <a:ext cx="1080120" cy="333145"/>
+            <a:off x="5868144" y="3167863"/>
+            <a:ext cx="720080" cy="189129"/>
           </a:xfrm>
           <a:prstGeom prst="rect">
             <a:avLst/>
@@ -4779,85 +4688,13 @@
           <a:p>
             <a:pPr algn="ctr"/>
             <a:r>
-              <a:rPr kumimoji="1" lang="en-US" altLang="ja-JP" sz="1000" dirty="0" err="1" smtClean="0">
+              <a:rPr kumimoji="1" lang="en-US" altLang="ja-JP" sz="1000" dirty="0" smtClean="0">
                 <a:solidFill>
                   <a:schemeClr val="tx1"/>
                 </a:solidFill>
               </a:rPr>
-              <a:t>Immsocketclient</a:t>
-            </a:r>
-          </a:p>
-          <a:p>
-            <a:pPr algn="ctr"/>
-            <a:r>
-              <a:rPr lang="en-US" altLang="ja-JP" sz="1000" dirty="0" smtClean="0">
-                <a:solidFill>
-                  <a:schemeClr val="tx1"/>
-                </a:solidFill>
-              </a:rPr>
-              <a:t>instance</a:t>
-            </a:r>
-            <a:endParaRPr kumimoji="1" lang="en-US" altLang="ja-JP" sz="1000" dirty="0" smtClean="0">
-              <a:solidFill>
-                <a:schemeClr val="tx1"/>
-              </a:solidFill>
-            </a:endParaRPr>
-          </a:p>
-        </p:txBody>
-      </p:sp>
-      <p:sp>
-        <p:nvSpPr>
-          <p:cNvPr id="63" name="正方形/長方形 62"/>
-          <p:cNvSpPr/>
-          <p:nvPr/>
-        </p:nvSpPr>
-        <p:spPr>
-          <a:xfrm>
-            <a:off x="6422942" y="2935468"/>
-            <a:ext cx="720080" cy="189129"/>
-          </a:xfrm>
-          <a:prstGeom prst="rect">
-            <a:avLst/>
-          </a:prstGeom>
-          <a:noFill/>
-          <a:ln w="12700">
-            <a:noFill/>
-          </a:ln>
-        </p:spPr>
-        <p:style>
-          <a:lnRef idx="2">
-            <a:schemeClr val="accent1">
-              <a:shade val="50000"/>
-            </a:schemeClr>
-          </a:lnRef>
-          <a:fillRef idx="1">
-            <a:schemeClr val="accent1"/>
-          </a:fillRef>
-          <a:effectRef idx="0">
-            <a:schemeClr val="accent1"/>
-          </a:effectRef>
-          <a:fontRef idx="minor">
-            <a:schemeClr val="lt1"/>
-          </a:fontRef>
-        </p:style>
-        <p:txBody>
-          <a:bodyPr rtlCol="0" anchor="ctr"/>
-          <a:lstStyle/>
-          <a:p>
-            <a:pPr algn="ctr"/>
-            <a:r>
-              <a:rPr kumimoji="1" lang="en-US" altLang="ja-JP" sz="1000" dirty="0" smtClean="0">
-                <a:solidFill>
-                  <a:schemeClr val="tx1"/>
-                </a:solidFill>
-              </a:rPr>
               <a:t>1 thread</a:t>
             </a:r>
-            <a:endParaRPr kumimoji="1" lang="en-US" altLang="ja-JP" sz="1000" dirty="0" smtClean="0">
-              <a:solidFill>
-                <a:schemeClr val="tx1"/>
-              </a:solidFill>
-            </a:endParaRPr>
           </a:p>
         </p:txBody>
       </p:sp>
@@ -4869,8 +4706,8 @@
         </p:nvSpPr>
         <p:spPr>
           <a:xfrm>
-            <a:off x="755576" y="1700808"/>
-            <a:ext cx="2304256" cy="1296144"/>
+            <a:off x="755576" y="1367144"/>
+            <a:ext cx="2304256" cy="1656184"/>
           </a:xfrm>
           <a:prstGeom prst="rect">
             <a:avLst/>
@@ -4922,7 +4759,7 @@
         </p:nvSpPr>
         <p:spPr>
           <a:xfrm>
-            <a:off x="827584" y="1772816"/>
+            <a:off x="827584" y="1394039"/>
             <a:ext cx="1008112" cy="189129"/>
           </a:xfrm>
           <a:prstGeom prst="rect">
@@ -4970,11 +4807,6 @@
               </a:rPr>
               <a:t> process</a:t>
             </a:r>
-            <a:endParaRPr kumimoji="1" lang="en-US" altLang="ja-JP" sz="1000" dirty="0" smtClean="0">
-              <a:solidFill>
-                <a:schemeClr val="tx1"/>
-              </a:solidFill>
-            </a:endParaRPr>
           </a:p>
         </p:txBody>
       </p:sp>
@@ -4986,8 +4818,8 @@
         </p:nvSpPr>
         <p:spPr>
           <a:xfrm>
-            <a:off x="1835696" y="2348880"/>
-            <a:ext cx="1080120" cy="504056"/>
+            <a:off x="1835696" y="2375256"/>
+            <a:ext cx="1080120" cy="376032"/>
           </a:xfrm>
           <a:prstGeom prst="rect">
             <a:avLst/>
@@ -5039,7 +4871,7 @@
         </p:nvSpPr>
         <p:spPr>
           <a:xfrm>
-            <a:off x="2267744" y="2204864"/>
+            <a:off x="1331640" y="2280691"/>
             <a:ext cx="720080" cy="189129"/>
           </a:xfrm>
           <a:prstGeom prst="rect">
@@ -5079,94 +4911,22 @@
               </a:rPr>
               <a:t>1 thread</a:t>
             </a:r>
-            <a:endParaRPr kumimoji="1" lang="en-US" altLang="ja-JP" sz="1000" dirty="0" smtClean="0">
-              <a:solidFill>
-                <a:schemeClr val="tx1"/>
-              </a:solidFill>
-            </a:endParaRPr>
-          </a:p>
-        </p:txBody>
-      </p:sp>
-      <p:sp>
-        <p:nvSpPr>
-          <p:cNvPr id="77" name="正方形/長方形 76"/>
-          <p:cNvSpPr/>
-          <p:nvPr/>
-        </p:nvSpPr>
-        <p:spPr>
-          <a:xfrm>
-            <a:off x="1835696" y="2353682"/>
-            <a:ext cx="1080120" cy="333145"/>
-          </a:xfrm>
-          <a:prstGeom prst="rect">
-            <a:avLst/>
-          </a:prstGeom>
-          <a:noFill/>
-          <a:ln w="12700">
-            <a:noFill/>
-          </a:ln>
-        </p:spPr>
-        <p:style>
-          <a:lnRef idx="2">
-            <a:schemeClr val="accent1">
-              <a:shade val="50000"/>
-            </a:schemeClr>
-          </a:lnRef>
-          <a:fillRef idx="1">
-            <a:schemeClr val="accent1"/>
-          </a:fillRef>
-          <a:effectRef idx="0">
-            <a:schemeClr val="accent1"/>
-          </a:effectRef>
-          <a:fontRef idx="minor">
-            <a:schemeClr val="lt1"/>
-          </a:fontRef>
-        </p:style>
-        <p:txBody>
-          <a:bodyPr rtlCol="0" anchor="ctr"/>
-          <a:lstStyle/>
-          <a:p>
-            <a:pPr algn="ctr"/>
-            <a:r>
-              <a:rPr kumimoji="1" lang="en-US" altLang="ja-JP" sz="1000" dirty="0" err="1" smtClean="0">
-                <a:solidFill>
-                  <a:schemeClr val="tx1"/>
-                </a:solidFill>
-              </a:rPr>
-              <a:t>Immsocketclient</a:t>
-            </a:r>
-          </a:p>
-          <a:p>
-            <a:pPr algn="ctr"/>
-            <a:r>
-              <a:rPr lang="en-US" altLang="ja-JP" sz="1000" dirty="0" smtClean="0">
-                <a:solidFill>
-                  <a:schemeClr val="tx1"/>
-                </a:solidFill>
-              </a:rPr>
-              <a:t>instance</a:t>
-            </a:r>
-            <a:endParaRPr kumimoji="1" lang="en-US" altLang="ja-JP" sz="1000" dirty="0" smtClean="0">
-              <a:solidFill>
-                <a:schemeClr val="tx1"/>
-              </a:solidFill>
-            </a:endParaRPr>
           </a:p>
         </p:txBody>
       </p:sp>
       <p:cxnSp>
         <p:nvCxnSpPr>
-          <p:cNvPr id="9" name="直線矢印コネクタ 8"/>
+          <p:cNvPr id="104" name="直線矢印コネクタ 103"/>
           <p:cNvCxnSpPr>
-            <a:stCxn id="70" idx="3"/>
-            <a:endCxn id="6" idx="1"/>
+            <a:stCxn id="39" idx="3"/>
+            <a:endCxn id="40" idx="1"/>
           </p:cNvCxnSpPr>
           <p:nvPr/>
         </p:nvCxnSpPr>
         <p:spPr>
-          <a:xfrm>
-            <a:off x="2915816" y="2600908"/>
-            <a:ext cx="2448272" cy="277656"/>
+          <a:xfrm flipV="1">
+            <a:off x="2961448" y="3315180"/>
+            <a:ext cx="2285000" cy="261656"/>
           </a:xfrm>
           <a:prstGeom prst="straightConnector1">
             <a:avLst/>
@@ -5196,14 +4956,368 @@
       </p:cxnSp>
       <p:sp>
         <p:nvSpPr>
-          <p:cNvPr id="6" name="正方形/長方形 5"/>
+          <p:cNvPr id="105" name="正方形/長方形 104"/>
           <p:cNvSpPr/>
           <p:nvPr/>
         </p:nvSpPr>
         <p:spPr>
-          <a:xfrm>
-            <a:off x="5364088" y="2626536"/>
-            <a:ext cx="1080120" cy="504056"/>
+          <a:xfrm rot="840000">
+            <a:off x="3193449" y="2457280"/>
+            <a:ext cx="1698318" cy="298549"/>
+          </a:xfrm>
+          <a:prstGeom prst="rect">
+            <a:avLst/>
+          </a:prstGeom>
+          <a:noFill/>
+          <a:ln w="12700">
+            <a:noFill/>
+          </a:ln>
+        </p:spPr>
+        <p:style>
+          <a:lnRef idx="2">
+            <a:schemeClr val="accent1">
+              <a:shade val="50000"/>
+            </a:schemeClr>
+          </a:lnRef>
+          <a:fillRef idx="1">
+            <a:schemeClr val="accent1"/>
+          </a:fillRef>
+          <a:effectRef idx="0">
+            <a:schemeClr val="accent1"/>
+          </a:effectRef>
+          <a:fontRef idx="minor">
+            <a:schemeClr val="lt1"/>
+          </a:fontRef>
+        </p:style>
+        <p:txBody>
+          <a:bodyPr rtlCol="0" anchor="ctr"/>
+          <a:lstStyle/>
+          <a:p>
+            <a:pPr algn="ctr"/>
+            <a:r>
+              <a:rPr lang="en-US" altLang="ja-JP" sz="1000" dirty="0">
+                <a:solidFill>
+                  <a:srgbClr val="FF0000"/>
+                </a:solidFill>
+              </a:rPr>
+              <a:t>s</a:t>
+            </a:r>
+            <a:r>
+              <a:rPr kumimoji="1" lang="en-US" altLang="ja-JP" sz="1000" dirty="0" smtClean="0">
+                <a:solidFill>
+                  <a:srgbClr val="FF0000"/>
+                </a:solidFill>
+              </a:rPr>
+              <a:t>ocket </a:t>
+            </a:r>
+            <a:r>
+              <a:rPr kumimoji="1" lang="en-US" altLang="ja-JP" sz="1000" dirty="0" smtClean="0">
+                <a:solidFill>
+                  <a:srgbClr val="FF0000"/>
+                </a:solidFill>
+              </a:rPr>
+              <a:t>communication</a:t>
+            </a:r>
+          </a:p>
+          <a:p>
+            <a:pPr algn="ctr"/>
+            <a:r>
+              <a:rPr kumimoji="1" lang="en-US" altLang="ja-JP" sz="1000" dirty="0" smtClean="0">
+                <a:solidFill>
+                  <a:srgbClr val="FF0000"/>
+                </a:solidFill>
+              </a:rPr>
+              <a:t>Local / TCP</a:t>
+            </a:r>
+            <a:endParaRPr kumimoji="1" lang="en-US" altLang="ja-JP" sz="1000" dirty="0" smtClean="0">
+              <a:solidFill>
+                <a:srgbClr val="FF0000"/>
+              </a:solidFill>
+            </a:endParaRPr>
+          </a:p>
+        </p:txBody>
+      </p:sp>
+      <p:sp>
+        <p:nvSpPr>
+          <p:cNvPr id="110" name="正方形/長方形 109"/>
+          <p:cNvSpPr/>
+          <p:nvPr/>
+        </p:nvSpPr>
+        <p:spPr>
+          <a:xfrm rot="21240000">
+            <a:off x="3455287" y="3315436"/>
+            <a:ext cx="1470319" cy="278012"/>
+          </a:xfrm>
+          <a:prstGeom prst="rect">
+            <a:avLst/>
+          </a:prstGeom>
+          <a:noFill/>
+          <a:ln w="12700">
+            <a:noFill/>
+          </a:ln>
+        </p:spPr>
+        <p:style>
+          <a:lnRef idx="2">
+            <a:schemeClr val="accent1">
+              <a:shade val="50000"/>
+            </a:schemeClr>
+          </a:lnRef>
+          <a:fillRef idx="1">
+            <a:schemeClr val="accent1"/>
+          </a:fillRef>
+          <a:effectRef idx="0">
+            <a:schemeClr val="accent1"/>
+          </a:effectRef>
+          <a:fontRef idx="minor">
+            <a:schemeClr val="lt1"/>
+          </a:fontRef>
+        </p:style>
+        <p:txBody>
+          <a:bodyPr rtlCol="0" anchor="ctr"/>
+          <a:lstStyle/>
+          <a:p>
+            <a:pPr algn="ctr"/>
+            <a:r>
+              <a:rPr lang="en-US" altLang="ja-JP" sz="1000" dirty="0">
+                <a:solidFill>
+                  <a:srgbClr val="FF0000"/>
+                </a:solidFill>
+              </a:rPr>
+              <a:t>s</a:t>
+            </a:r>
+            <a:r>
+              <a:rPr kumimoji="1" lang="en-US" altLang="ja-JP" sz="1000" dirty="0" smtClean="0">
+                <a:solidFill>
+                  <a:srgbClr val="FF0000"/>
+                </a:solidFill>
+              </a:rPr>
+              <a:t>ocket</a:t>
+            </a:r>
+            <a:r>
+              <a:rPr lang="ja-JP" altLang="en-US" sz="1000" dirty="0" smtClean="0">
+                <a:solidFill>
+                  <a:srgbClr val="FF0000"/>
+                </a:solidFill>
+              </a:rPr>
+              <a:t> </a:t>
+            </a:r>
+            <a:r>
+              <a:rPr kumimoji="1" lang="en-US" altLang="ja-JP" sz="1000" dirty="0" smtClean="0">
+                <a:solidFill>
+                  <a:srgbClr val="FF0000"/>
+                </a:solidFill>
+              </a:rPr>
+              <a:t>communication</a:t>
+            </a:r>
+          </a:p>
+          <a:p>
+            <a:pPr algn="ctr"/>
+            <a:r>
+              <a:rPr kumimoji="1" lang="en-US" altLang="ja-JP" sz="1000" dirty="0" smtClean="0">
+                <a:solidFill>
+                  <a:srgbClr val="FF0000"/>
+                </a:solidFill>
+              </a:rPr>
+              <a:t>Local</a:t>
+            </a:r>
+            <a:r>
+              <a:rPr lang="en-US" altLang="ja-JP" sz="1000" dirty="0" smtClean="0">
+                <a:solidFill>
+                  <a:srgbClr val="FF0000"/>
+                </a:solidFill>
+              </a:rPr>
+              <a:t> / TCP</a:t>
+            </a:r>
+            <a:endParaRPr kumimoji="1" lang="en-US" altLang="ja-JP" sz="1000" dirty="0" smtClean="0">
+              <a:solidFill>
+                <a:srgbClr val="FF0000"/>
+              </a:solidFill>
+            </a:endParaRPr>
+          </a:p>
+        </p:txBody>
+      </p:sp>
+      <p:sp>
+        <p:nvSpPr>
+          <p:cNvPr id="39" name="正方形/長方形 38"/>
+          <p:cNvSpPr/>
+          <p:nvPr/>
+        </p:nvSpPr>
+        <p:spPr>
+          <a:xfrm>
+            <a:off x="2267744" y="3410263"/>
+            <a:ext cx="693704" cy="333145"/>
+          </a:xfrm>
+          <a:prstGeom prst="rect">
+            <a:avLst/>
+          </a:prstGeom>
+          <a:solidFill>
+            <a:schemeClr val="accent6">
+              <a:lumMod val="40000"/>
+              <a:lumOff val="60000"/>
+            </a:schemeClr>
+          </a:solidFill>
+          <a:ln w="19050">
+            <a:solidFill>
+              <a:srgbClr val="FF0000"/>
+            </a:solidFill>
+          </a:ln>
+          <a:effectLst>
+            <a:outerShdw blurRad="50800" dist="38100" dir="2700000" algn="tl" rotWithShape="0">
+              <a:prstClr val="black">
+                <a:alpha val="40000"/>
+              </a:prstClr>
+            </a:outerShdw>
+          </a:effectLst>
+        </p:spPr>
+        <p:style>
+          <a:lnRef idx="2">
+            <a:schemeClr val="accent1">
+              <a:shade val="50000"/>
+            </a:schemeClr>
+          </a:lnRef>
+          <a:fillRef idx="1">
+            <a:schemeClr val="accent1"/>
+          </a:fillRef>
+          <a:effectRef idx="0">
+            <a:schemeClr val="accent1"/>
+          </a:effectRef>
+          <a:fontRef idx="minor">
+            <a:schemeClr val="lt1"/>
+          </a:fontRef>
+        </p:style>
+        <p:txBody>
+          <a:bodyPr rtlCol="0" anchor="ctr"/>
+          <a:lstStyle/>
+          <a:p>
+            <a:pPr algn="ctr"/>
+            <a:r>
+              <a:rPr kumimoji="1" lang="en-US" altLang="ja-JP" sz="1000" dirty="0" smtClean="0">
+                <a:solidFill>
+                  <a:schemeClr val="tx1"/>
+                </a:solidFill>
+              </a:rPr>
+              <a:t>client</a:t>
+            </a:r>
+            <a:endParaRPr kumimoji="1" lang="en-US" altLang="ja-JP" sz="1000" dirty="0" smtClean="0">
+              <a:solidFill>
+                <a:schemeClr val="tx1"/>
+              </a:solidFill>
+            </a:endParaRPr>
+          </a:p>
+          <a:p>
+            <a:pPr algn="ctr"/>
+            <a:r>
+              <a:rPr lang="en-US" altLang="ja-JP" sz="1000" dirty="0" smtClean="0">
+                <a:solidFill>
+                  <a:schemeClr val="tx1"/>
+                </a:solidFill>
+              </a:rPr>
+              <a:t>instance</a:t>
+            </a:r>
+            <a:endParaRPr kumimoji="1" lang="en-US" altLang="ja-JP" sz="1000" dirty="0" smtClean="0">
+              <a:solidFill>
+                <a:schemeClr val="tx1"/>
+              </a:solidFill>
+            </a:endParaRPr>
+          </a:p>
+        </p:txBody>
+      </p:sp>
+      <p:sp>
+        <p:nvSpPr>
+          <p:cNvPr id="40" name="正方形/長方形 39"/>
+          <p:cNvSpPr/>
+          <p:nvPr/>
+        </p:nvSpPr>
+        <p:spPr>
+          <a:xfrm>
+            <a:off x="5246448" y="3148607"/>
+            <a:ext cx="693704" cy="333145"/>
+          </a:xfrm>
+          <a:prstGeom prst="rect">
+            <a:avLst/>
+          </a:prstGeom>
+          <a:solidFill>
+            <a:schemeClr val="accent6">
+              <a:lumMod val="40000"/>
+              <a:lumOff val="60000"/>
+            </a:schemeClr>
+          </a:solidFill>
+          <a:ln w="19050">
+            <a:solidFill>
+              <a:srgbClr val="FF0000"/>
+            </a:solidFill>
+          </a:ln>
+          <a:effectLst>
+            <a:outerShdw blurRad="50800" dist="38100" dir="2700000" algn="tl" rotWithShape="0">
+              <a:prstClr val="black">
+                <a:alpha val="40000"/>
+              </a:prstClr>
+            </a:outerShdw>
+          </a:effectLst>
+        </p:spPr>
+        <p:style>
+          <a:lnRef idx="2">
+            <a:schemeClr val="accent1">
+              <a:shade val="50000"/>
+            </a:schemeClr>
+          </a:lnRef>
+          <a:fillRef idx="1">
+            <a:schemeClr val="accent1"/>
+          </a:fillRef>
+          <a:effectRef idx="0">
+            <a:schemeClr val="accent1"/>
+          </a:effectRef>
+          <a:fontRef idx="minor">
+            <a:schemeClr val="lt1"/>
+          </a:fontRef>
+        </p:style>
+        <p:txBody>
+          <a:bodyPr rtlCol="0" anchor="ctr"/>
+          <a:lstStyle/>
+          <a:p>
+            <a:pPr algn="ctr"/>
+            <a:r>
+              <a:rPr kumimoji="1" lang="en-US" altLang="ja-JP" sz="1000" dirty="0" smtClean="0">
+                <a:solidFill>
+                  <a:schemeClr val="tx1"/>
+                </a:solidFill>
+              </a:rPr>
+              <a:t>client</a:t>
+            </a:r>
+            <a:endParaRPr kumimoji="1" lang="en-US" altLang="ja-JP" sz="1000" dirty="0" smtClean="0">
+              <a:solidFill>
+                <a:schemeClr val="tx1"/>
+              </a:solidFill>
+            </a:endParaRPr>
+          </a:p>
+          <a:p>
+            <a:pPr algn="ctr"/>
+            <a:r>
+              <a:rPr lang="en-US" altLang="ja-JP" sz="1000" dirty="0" smtClean="0">
+                <a:solidFill>
+                  <a:schemeClr val="tx1"/>
+                </a:solidFill>
+              </a:rPr>
+              <a:t>instance</a:t>
+            </a:r>
+            <a:endParaRPr kumimoji="1" lang="en-US" altLang="ja-JP" sz="1000" dirty="0" smtClean="0">
+              <a:solidFill>
+                <a:schemeClr val="tx1"/>
+              </a:solidFill>
+            </a:endParaRPr>
+          </a:p>
+        </p:txBody>
+      </p:sp>
+      <p:sp>
+        <p:nvSpPr>
+          <p:cNvPr id="46" name="正方形/長方形 45"/>
+          <p:cNvSpPr/>
+          <p:nvPr/>
+        </p:nvSpPr>
+        <p:spPr>
+          <a:xfrm>
+            <a:off x="1835696" y="1854632"/>
+            <a:ext cx="1080120" cy="388587"/>
           </a:xfrm>
           <a:prstGeom prst="rect">
             <a:avLst/>
@@ -5249,14 +5363,14 @@
       </p:sp>
       <p:sp>
         <p:nvSpPr>
-          <p:cNvPr id="58" name="正方形/長方形 57"/>
+          <p:cNvPr id="47" name="正方形/長方形 46"/>
           <p:cNvSpPr/>
           <p:nvPr/>
         </p:nvSpPr>
         <p:spPr>
           <a:xfrm>
-            <a:off x="5364088" y="2626536"/>
-            <a:ext cx="1080120" cy="333145"/>
+            <a:off x="1331640" y="1726641"/>
+            <a:ext cx="720080" cy="189129"/>
           </a:xfrm>
           <a:prstGeom prst="rect">
             <a:avLst/>
@@ -5288,23 +5402,77 @@
           <a:p>
             <a:pPr algn="ctr"/>
             <a:r>
-              <a:rPr kumimoji="1" lang="en-US" altLang="ja-JP" sz="1000" dirty="0" err="1" smtClean="0">
+              <a:rPr kumimoji="1" lang="en-US" altLang="ja-JP" sz="1000" dirty="0" smtClean="0">
                 <a:solidFill>
                   <a:schemeClr val="tx1"/>
                 </a:solidFill>
               </a:rPr>
-              <a:t>Immsocketclient</a:t>
-            </a:r>
-          </a:p>
-          <a:p>
-            <a:pPr algn="ctr"/>
-            <a:r>
-              <a:rPr lang="en-US" altLang="ja-JP" sz="1000" dirty="0" smtClean="0">
+              <a:t>1 thread</a:t>
+            </a:r>
+          </a:p>
+        </p:txBody>
+      </p:sp>
+      <p:sp>
+        <p:nvSpPr>
+          <p:cNvPr id="77" name="正方形/長方形 76"/>
+          <p:cNvSpPr/>
+          <p:nvPr/>
+        </p:nvSpPr>
+        <p:spPr>
+          <a:xfrm>
+            <a:off x="2123728" y="2133375"/>
+            <a:ext cx="693704" cy="333145"/>
+          </a:xfrm>
+          <a:prstGeom prst="rect">
+            <a:avLst/>
+          </a:prstGeom>
+          <a:solidFill>
+            <a:schemeClr val="accent6">
+              <a:lumMod val="40000"/>
+              <a:lumOff val="60000"/>
+            </a:schemeClr>
+          </a:solidFill>
+          <a:ln w="19050">
+            <a:solidFill>
+              <a:srgbClr val="FF0000"/>
+            </a:solidFill>
+          </a:ln>
+          <a:effectLst>
+            <a:outerShdw blurRad="50800" dist="38100" dir="2700000" algn="tl" rotWithShape="0">
+              <a:prstClr val="black">
+                <a:alpha val="40000"/>
+              </a:prstClr>
+            </a:outerShdw>
+          </a:effectLst>
+        </p:spPr>
+        <p:style>
+          <a:lnRef idx="2">
+            <a:schemeClr val="accent1">
+              <a:shade val="50000"/>
+            </a:schemeClr>
+          </a:lnRef>
+          <a:fillRef idx="1">
+            <a:schemeClr val="accent1"/>
+          </a:fillRef>
+          <a:effectRef idx="0">
+            <a:schemeClr val="accent1"/>
+          </a:effectRef>
+          <a:fontRef idx="minor">
+            <a:schemeClr val="lt1"/>
+          </a:fontRef>
+        </p:style>
+        <p:txBody>
+          <a:bodyPr rtlCol="0" anchor="ctr"/>
+          <a:lstStyle/>
+          <a:p>
+            <a:pPr algn="ctr"/>
+            <a:r>
+              <a:rPr kumimoji="1" lang="en-US" altLang="ja-JP" sz="1000" dirty="0" smtClean="0">
                 <a:solidFill>
                   <a:schemeClr val="tx1"/>
                 </a:solidFill>
               </a:rPr>
-              <a:t>instance</a:t>
+              <a:t>client</a:t>
             </a:r>
             <a:endParaRPr kumimoji="1" lang="en-US" altLang="ja-JP" sz="1000" dirty="0" smtClean="0">
               <a:solidFill>
@@ -5312,55 +5480,15 @@
               </a:solidFill>
             </a:endParaRPr>
           </a:p>
-        </p:txBody>
-      </p:sp>
-      <p:sp>
-        <p:nvSpPr>
-          <p:cNvPr id="59" name="正方形/長方形 58"/>
-          <p:cNvSpPr/>
-          <p:nvPr/>
-        </p:nvSpPr>
-        <p:spPr>
-          <a:xfrm>
-            <a:off x="6329668" y="2482520"/>
-            <a:ext cx="720080" cy="189129"/>
-          </a:xfrm>
-          <a:prstGeom prst="rect">
-            <a:avLst/>
-          </a:prstGeom>
-          <a:noFill/>
-          <a:ln w="12700">
-            <a:noFill/>
-          </a:ln>
-        </p:spPr>
-        <p:style>
-          <a:lnRef idx="2">
-            <a:schemeClr val="accent1">
-              <a:shade val="50000"/>
-            </a:schemeClr>
-          </a:lnRef>
-          <a:fillRef idx="1">
-            <a:schemeClr val="accent1"/>
-          </a:fillRef>
-          <a:effectRef idx="0">
-            <a:schemeClr val="accent1"/>
-          </a:effectRef>
-          <a:fontRef idx="minor">
-            <a:schemeClr val="lt1"/>
-          </a:fontRef>
-        </p:style>
-        <p:txBody>
-          <a:bodyPr rtlCol="0" anchor="ctr"/>
-          <a:lstStyle/>
-          <a:p>
-            <a:pPr algn="ctr"/>
-            <a:r>
-              <a:rPr kumimoji="1" lang="en-US" altLang="ja-JP" sz="1000" dirty="0" smtClean="0">
+          <a:p>
+            <a:pPr algn="ctr"/>
+            <a:r>
+              <a:rPr lang="en-US" altLang="ja-JP" sz="1000" dirty="0" smtClean="0">
                 <a:solidFill>
                   <a:schemeClr val="tx1"/>
                 </a:solidFill>
               </a:rPr>
-              <a:t>1 thread</a:t>
+              <a:t>instance</a:t>
             </a:r>
             <a:endParaRPr kumimoji="1" lang="en-US" altLang="ja-JP" sz="1000" dirty="0" smtClean="0">
               <a:solidFill>
@@ -5370,19 +5498,158 @@
           </a:p>
         </p:txBody>
       </p:sp>
+      <p:sp>
+        <p:nvSpPr>
+          <p:cNvPr id="6" name="正方形/長方形 5"/>
+          <p:cNvSpPr/>
+          <p:nvPr/>
+        </p:nvSpPr>
+        <p:spPr>
+          <a:xfrm>
+            <a:off x="5076056" y="2626536"/>
+            <a:ext cx="1080120" cy="504056"/>
+          </a:xfrm>
+          <a:prstGeom prst="rect">
+            <a:avLst/>
+          </a:prstGeom>
+          <a:solidFill>
+            <a:schemeClr val="accent1">
+              <a:lumMod val="40000"/>
+              <a:lumOff val="60000"/>
+            </a:schemeClr>
+          </a:solidFill>
+          <a:effectLst>
+            <a:outerShdw blurRad="50800" dist="38100" dir="2700000" algn="tl" rotWithShape="0">
+              <a:prstClr val="black">
+                <a:alpha val="40000"/>
+              </a:prstClr>
+            </a:outerShdw>
+          </a:effectLst>
+        </p:spPr>
+        <p:style>
+          <a:lnRef idx="2">
+            <a:schemeClr val="accent1">
+              <a:shade val="50000"/>
+            </a:schemeClr>
+          </a:lnRef>
+          <a:fillRef idx="1">
+            <a:schemeClr val="accent1"/>
+          </a:fillRef>
+          <a:effectRef idx="0">
+            <a:schemeClr val="accent1"/>
+          </a:effectRef>
+          <a:fontRef idx="minor">
+            <a:schemeClr val="lt1"/>
+          </a:fontRef>
+        </p:style>
+        <p:txBody>
+          <a:bodyPr rtlCol="0" anchor="ctr"/>
+          <a:lstStyle/>
+          <a:p>
+            <a:pPr algn="ctr"/>
+            <a:endParaRPr kumimoji="1" lang="ja-JP" altLang="en-US"/>
+          </a:p>
+        </p:txBody>
+      </p:sp>
+      <p:sp>
+        <p:nvSpPr>
+          <p:cNvPr id="38" name="正方形/長方形 37"/>
+          <p:cNvSpPr/>
+          <p:nvPr/>
+        </p:nvSpPr>
+        <p:spPr>
+          <a:xfrm>
+            <a:off x="5174440" y="2711991"/>
+            <a:ext cx="693704" cy="333145"/>
+          </a:xfrm>
+          <a:prstGeom prst="rect">
+            <a:avLst/>
+          </a:prstGeom>
+          <a:solidFill>
+            <a:schemeClr val="accent6">
+              <a:lumMod val="40000"/>
+              <a:lumOff val="60000"/>
+            </a:schemeClr>
+          </a:solidFill>
+          <a:ln w="19050">
+            <a:solidFill>
+              <a:srgbClr val="FF0000"/>
+            </a:solidFill>
+          </a:ln>
+          <a:effectLst>
+            <a:outerShdw blurRad="50800" dist="38100" dir="2700000" algn="tl" rotWithShape="0">
+              <a:prstClr val="black">
+                <a:alpha val="40000"/>
+              </a:prstClr>
+            </a:outerShdw>
+          </a:effectLst>
+        </p:spPr>
+        <p:style>
+          <a:lnRef idx="2">
+            <a:schemeClr val="accent1">
+              <a:shade val="50000"/>
+            </a:schemeClr>
+          </a:lnRef>
+          <a:fillRef idx="1">
+            <a:schemeClr val="accent1"/>
+          </a:fillRef>
+          <a:effectRef idx="0">
+            <a:schemeClr val="accent1"/>
+          </a:effectRef>
+          <a:fontRef idx="minor">
+            <a:schemeClr val="lt1"/>
+          </a:fontRef>
+        </p:style>
+        <p:txBody>
+          <a:bodyPr rtlCol="0" anchor="ctr"/>
+          <a:lstStyle/>
+          <a:p>
+            <a:pPr algn="ctr"/>
+            <a:r>
+              <a:rPr kumimoji="1" lang="en-US" altLang="ja-JP" sz="1000" dirty="0" smtClean="0">
+                <a:solidFill>
+                  <a:schemeClr val="tx1"/>
+                </a:solidFill>
+              </a:rPr>
+              <a:t>client</a:t>
+            </a:r>
+            <a:endParaRPr kumimoji="1" lang="en-US" altLang="ja-JP" sz="1000" dirty="0" smtClean="0">
+              <a:solidFill>
+                <a:schemeClr val="tx1"/>
+              </a:solidFill>
+            </a:endParaRPr>
+          </a:p>
+          <a:p>
+            <a:pPr algn="ctr"/>
+            <a:r>
+              <a:rPr lang="en-US" altLang="ja-JP" sz="1000" dirty="0" smtClean="0">
+                <a:solidFill>
+                  <a:schemeClr val="tx1"/>
+                </a:solidFill>
+              </a:rPr>
+              <a:t>instance</a:t>
+            </a:r>
+            <a:endParaRPr kumimoji="1" lang="en-US" altLang="ja-JP" sz="1000" dirty="0" smtClean="0">
+              <a:solidFill>
+                <a:schemeClr val="tx1"/>
+              </a:solidFill>
+            </a:endParaRPr>
+          </a:p>
+        </p:txBody>
+      </p:sp>
       <p:cxnSp>
         <p:nvCxnSpPr>
-          <p:cNvPr id="104" name="直線矢印コネクタ 103"/>
+          <p:cNvPr id="9" name="直線矢印コネクタ 8"/>
           <p:cNvCxnSpPr>
-            <a:stCxn id="88" idx="3"/>
-            <a:endCxn id="60" idx="1"/>
+            <a:stCxn id="77" idx="3"/>
+            <a:endCxn id="38" idx="1"/>
           </p:cNvCxnSpPr>
           <p:nvPr/>
         </p:nvCxnSpPr>
         <p:spPr>
-          <a:xfrm flipV="1">
-            <a:off x="3059832" y="3310612"/>
-            <a:ext cx="2376264" cy="442424"/>
+          <a:xfrm>
+            <a:off x="2817432" y="2299948"/>
+            <a:ext cx="2357008" cy="578616"/>
           </a:xfrm>
           <a:prstGeom prst="straightConnector1">
             <a:avLst/>
@@ -5412,161 +5679,19 @@
       </p:cxnSp>
       <p:sp>
         <p:nvSpPr>
-          <p:cNvPr id="105" name="正方形/長方形 104"/>
-          <p:cNvSpPr/>
-          <p:nvPr/>
-        </p:nvSpPr>
-        <p:spPr>
-          <a:xfrm rot="430197">
-            <a:off x="3207569" y="2605568"/>
-            <a:ext cx="1698318" cy="162723"/>
-          </a:xfrm>
-          <a:prstGeom prst="rect">
-            <a:avLst/>
-          </a:prstGeom>
-          <a:noFill/>
-          <a:ln w="12700">
-            <a:noFill/>
-          </a:ln>
-        </p:spPr>
-        <p:style>
-          <a:lnRef idx="2">
-            <a:schemeClr val="accent1">
-              <a:shade val="50000"/>
-            </a:schemeClr>
-          </a:lnRef>
-          <a:fillRef idx="1">
-            <a:schemeClr val="accent1"/>
-          </a:fillRef>
-          <a:effectRef idx="0">
-            <a:schemeClr val="accent1"/>
-          </a:effectRef>
-          <a:fontRef idx="minor">
-            <a:schemeClr val="lt1"/>
-          </a:fontRef>
-        </p:style>
-        <p:txBody>
-          <a:bodyPr rtlCol="0" anchor="ctr"/>
-          <a:lstStyle/>
-          <a:p>
-            <a:pPr algn="ctr"/>
-            <a:r>
-              <a:rPr lang="en-US" altLang="ja-JP" sz="1000" dirty="0">
-                <a:solidFill>
-                  <a:srgbClr val="FF0000"/>
-                </a:solidFill>
-              </a:rPr>
-              <a:t>s</a:t>
-            </a:r>
-            <a:r>
-              <a:rPr kumimoji="1" lang="en-US" altLang="ja-JP" sz="1000" dirty="0" smtClean="0">
-                <a:solidFill>
-                  <a:srgbClr val="FF0000"/>
-                </a:solidFill>
-              </a:rPr>
-              <a:t>ocket communication</a:t>
-            </a:r>
-            <a:endParaRPr kumimoji="1" lang="en-US" altLang="ja-JP" sz="1000" dirty="0" smtClean="0">
-              <a:solidFill>
-                <a:srgbClr val="FF0000"/>
-              </a:solidFill>
-            </a:endParaRPr>
-          </a:p>
-        </p:txBody>
-      </p:sp>
-      <p:sp>
-        <p:nvSpPr>
-          <p:cNvPr id="110" name="正方形/長方形 109"/>
-          <p:cNvSpPr/>
-          <p:nvPr/>
-        </p:nvSpPr>
-        <p:spPr>
-          <a:xfrm rot="21012664">
-            <a:off x="3446722" y="3398052"/>
-            <a:ext cx="1470319" cy="177260"/>
-          </a:xfrm>
-          <a:prstGeom prst="rect">
-            <a:avLst/>
-          </a:prstGeom>
-          <a:noFill/>
-          <a:ln w="12700">
-            <a:noFill/>
-          </a:ln>
-        </p:spPr>
-        <p:style>
-          <a:lnRef idx="2">
-            <a:schemeClr val="accent1">
-              <a:shade val="50000"/>
-            </a:schemeClr>
-          </a:lnRef>
-          <a:fillRef idx="1">
-            <a:schemeClr val="accent1"/>
-          </a:fillRef>
-          <a:effectRef idx="0">
-            <a:schemeClr val="accent1"/>
-          </a:effectRef>
-          <a:fontRef idx="minor">
-            <a:schemeClr val="lt1"/>
-          </a:fontRef>
-        </p:style>
-        <p:txBody>
-          <a:bodyPr rtlCol="0" anchor="ctr"/>
-          <a:lstStyle/>
-          <a:p>
-            <a:pPr algn="ctr"/>
-            <a:r>
-              <a:rPr lang="en-US" altLang="ja-JP" sz="1000" dirty="0" smtClean="0">
-                <a:solidFill>
-                  <a:srgbClr val="FF0000"/>
-                </a:solidFill>
-              </a:rPr>
-              <a:t>s</a:t>
-            </a:r>
-            <a:r>
-              <a:rPr kumimoji="1" lang="en-US" altLang="ja-JP" sz="1000" dirty="0" smtClean="0">
-                <a:solidFill>
-                  <a:srgbClr val="FF0000"/>
-                </a:solidFill>
-              </a:rPr>
-              <a:t>ocket</a:t>
-            </a:r>
-            <a:r>
-              <a:rPr kumimoji="1" lang="ja-JP" altLang="en-US" sz="1000" dirty="0" smtClean="0">
-                <a:solidFill>
-                  <a:srgbClr val="FF0000"/>
-                </a:solidFill>
-              </a:rPr>
-              <a:t>　</a:t>
-            </a:r>
-            <a:r>
-              <a:rPr kumimoji="1" lang="en-US" altLang="ja-JP" sz="1000" dirty="0" smtClean="0">
-                <a:solidFill>
-                  <a:srgbClr val="FF0000"/>
-                </a:solidFill>
-              </a:rPr>
-              <a:t>communication</a:t>
-            </a:r>
-            <a:endParaRPr kumimoji="1" lang="en-US" altLang="ja-JP" sz="1000" dirty="0" smtClean="0">
-              <a:solidFill>
-                <a:srgbClr val="FF0000"/>
-              </a:solidFill>
-            </a:endParaRPr>
-          </a:p>
-        </p:txBody>
-      </p:sp>
-      <p:sp>
-        <p:nvSpPr>
           <p:cNvPr id="13" name="角丸四角形 12"/>
           <p:cNvSpPr/>
           <p:nvPr/>
         </p:nvSpPr>
         <p:spPr>
-          <a:xfrm rot="409864">
-            <a:off x="2885853" y="2608312"/>
-            <a:ext cx="2500795" cy="230099"/>
+          <a:xfrm rot="900000">
+            <a:off x="2672912" y="2328886"/>
+            <a:ext cx="2622561" cy="477247"/>
           </a:xfrm>
           <a:prstGeom prst="roundRect">
-            <a:avLst/>
+            <a:avLst>
+              <a:gd name="adj" fmla="val 50000"/>
+            </a:avLst>
           </a:prstGeom>
           <a:noFill/>
           <a:ln>
@@ -5603,17 +5728,460 @@
       </p:sp>
       <p:sp>
         <p:nvSpPr>
-          <p:cNvPr id="111" name="角丸四角形 110"/>
+          <p:cNvPr id="112" name="正方形/長方形 111"/>
           <p:cNvSpPr/>
           <p:nvPr/>
         </p:nvSpPr>
         <p:spPr>
-          <a:xfrm rot="20952782">
-            <a:off x="2992632" y="3372957"/>
-            <a:ext cx="2500795" cy="230099"/>
+          <a:xfrm rot="840000">
+            <a:off x="3430540" y="2134439"/>
+            <a:ext cx="1224136" cy="166573"/>
+          </a:xfrm>
+          <a:prstGeom prst="rect">
+            <a:avLst/>
+          </a:prstGeom>
+          <a:noFill/>
+          <a:ln w="12700">
+            <a:noFill/>
+          </a:ln>
+        </p:spPr>
+        <p:style>
+          <a:lnRef idx="2">
+            <a:schemeClr val="accent1">
+              <a:shade val="50000"/>
+            </a:schemeClr>
+          </a:lnRef>
+          <a:fillRef idx="1">
+            <a:schemeClr val="accent1"/>
+          </a:fillRef>
+          <a:effectRef idx="0">
+            <a:schemeClr val="accent1"/>
+          </a:effectRef>
+          <a:fontRef idx="minor">
+            <a:schemeClr val="lt1"/>
+          </a:fontRef>
+        </p:style>
+        <p:txBody>
+          <a:bodyPr rtlCol="0" anchor="ctr"/>
+          <a:lstStyle/>
+          <a:p>
+            <a:pPr algn="ctr"/>
+            <a:r>
+              <a:rPr kumimoji="1" lang="en-US" altLang="ja-JP" sz="1000" dirty="0" err="1" smtClean="0">
+                <a:solidFill>
+                  <a:srgbClr val="0070C0"/>
+                </a:solidFill>
+              </a:rPr>
+              <a:t>ImmSocketService</a:t>
+            </a:r>
+            <a:endParaRPr kumimoji="1" lang="en-US" altLang="ja-JP" sz="1000" dirty="0" smtClean="0">
+              <a:solidFill>
+                <a:srgbClr val="0070C0"/>
+              </a:solidFill>
+            </a:endParaRPr>
+          </a:p>
+        </p:txBody>
+      </p:sp>
+      <p:sp>
+        <p:nvSpPr>
+          <p:cNvPr id="16" name="正方形/長方形 15"/>
+          <p:cNvSpPr/>
+          <p:nvPr/>
+        </p:nvSpPr>
+        <p:spPr>
+          <a:xfrm>
+            <a:off x="6930680" y="2482520"/>
+            <a:ext cx="1080120" cy="666087"/>
+          </a:xfrm>
+          <a:prstGeom prst="rect">
+            <a:avLst/>
+          </a:prstGeom>
+          <a:solidFill>
+            <a:schemeClr val="bg1">
+              <a:lumMod val="75000"/>
+            </a:schemeClr>
+          </a:solidFill>
+        </p:spPr>
+        <p:style>
+          <a:lnRef idx="2">
+            <a:schemeClr val="accent1">
+              <a:shade val="50000"/>
+            </a:schemeClr>
+          </a:lnRef>
+          <a:fillRef idx="1">
+            <a:schemeClr val="accent1"/>
+          </a:fillRef>
+          <a:effectRef idx="0">
+            <a:schemeClr val="accent1"/>
+          </a:effectRef>
+          <a:fontRef idx="minor">
+            <a:schemeClr val="lt1"/>
+          </a:fontRef>
+        </p:style>
+        <p:txBody>
+          <a:bodyPr rtlCol="0" anchor="ctr"/>
+          <a:lstStyle/>
+          <a:p>
+            <a:pPr algn="ctr"/>
+            <a:r>
+              <a:rPr lang="en-US" altLang="ja-JP" sz="1000" dirty="0">
+                <a:solidFill>
+                  <a:schemeClr val="tx1"/>
+                </a:solidFill>
+              </a:rPr>
+              <a:t>Waiting for connection and disconnection management</a:t>
+            </a:r>
+            <a:endParaRPr kumimoji="1" lang="ja-JP" altLang="en-US" sz="1000" dirty="0">
+              <a:solidFill>
+                <a:schemeClr val="tx1"/>
+              </a:solidFill>
+            </a:endParaRPr>
+          </a:p>
+        </p:txBody>
+      </p:sp>
+      <p:sp>
+        <p:nvSpPr>
+          <p:cNvPr id="56" name="正方形/長方形 55"/>
+          <p:cNvSpPr/>
+          <p:nvPr/>
+        </p:nvSpPr>
+        <p:spPr>
+          <a:xfrm>
+            <a:off x="6930680" y="4215900"/>
+            <a:ext cx="1080120" cy="509244"/>
+          </a:xfrm>
+          <a:prstGeom prst="rect">
+            <a:avLst/>
+          </a:prstGeom>
+          <a:solidFill>
+            <a:schemeClr val="bg1">
+              <a:lumMod val="75000"/>
+            </a:schemeClr>
+          </a:solidFill>
+        </p:spPr>
+        <p:style>
+          <a:lnRef idx="2">
+            <a:schemeClr val="accent1">
+              <a:shade val="50000"/>
+            </a:schemeClr>
+          </a:lnRef>
+          <a:fillRef idx="1">
+            <a:schemeClr val="accent1"/>
+          </a:fillRef>
+          <a:effectRef idx="0">
+            <a:schemeClr val="accent1"/>
+          </a:effectRef>
+          <a:fontRef idx="minor">
+            <a:schemeClr val="lt1"/>
+          </a:fontRef>
+        </p:style>
+        <p:txBody>
+          <a:bodyPr rtlCol="0" anchor="ctr"/>
+          <a:lstStyle/>
+          <a:p>
+            <a:pPr algn="ctr"/>
+            <a:r>
+              <a:rPr lang="en-US" altLang="ja-JP" sz="1000" dirty="0" smtClean="0">
+                <a:solidFill>
+                  <a:schemeClr val="tx1"/>
+                </a:solidFill>
+              </a:rPr>
+              <a:t>Local / TCP</a:t>
+            </a:r>
+          </a:p>
+          <a:p>
+            <a:pPr algn="ctr"/>
+            <a:r>
+              <a:rPr kumimoji="1" lang="en-US" altLang="ja-JP" sz="1000" dirty="0" err="1" smtClean="0">
+                <a:solidFill>
+                  <a:schemeClr val="tx1"/>
+                </a:solidFill>
+              </a:rPr>
+              <a:t>config</a:t>
+            </a:r>
+            <a:endParaRPr kumimoji="1" lang="ja-JP" altLang="en-US" sz="1000" dirty="0">
+              <a:solidFill>
+                <a:schemeClr val="tx1"/>
+              </a:solidFill>
+            </a:endParaRPr>
+          </a:p>
+        </p:txBody>
+      </p:sp>
+      <p:sp>
+        <p:nvSpPr>
+          <p:cNvPr id="62" name="正方形/長方形 61"/>
+          <p:cNvSpPr/>
+          <p:nvPr/>
+        </p:nvSpPr>
+        <p:spPr>
+          <a:xfrm>
+            <a:off x="6930680" y="3338977"/>
+            <a:ext cx="1080120" cy="666087"/>
+          </a:xfrm>
+          <a:prstGeom prst="rect">
+            <a:avLst/>
+          </a:prstGeom>
+          <a:solidFill>
+            <a:schemeClr val="bg1">
+              <a:lumMod val="75000"/>
+            </a:schemeClr>
+          </a:solidFill>
+        </p:spPr>
+        <p:style>
+          <a:lnRef idx="2">
+            <a:schemeClr val="accent1">
+              <a:shade val="50000"/>
+            </a:schemeClr>
+          </a:lnRef>
+          <a:fillRef idx="1">
+            <a:schemeClr val="accent1"/>
+          </a:fillRef>
+          <a:effectRef idx="0">
+            <a:schemeClr val="accent1"/>
+          </a:effectRef>
+          <a:fontRef idx="minor">
+            <a:schemeClr val="lt1"/>
+          </a:fontRef>
+        </p:style>
+        <p:txBody>
+          <a:bodyPr rtlCol="0" anchor="ctr"/>
+          <a:lstStyle/>
+          <a:p>
+            <a:pPr algn="ctr"/>
+            <a:r>
+              <a:rPr lang="en-US" altLang="ja-JP" sz="1000" dirty="0">
+                <a:solidFill>
+                  <a:schemeClr val="tx1"/>
+                </a:solidFill>
+              </a:rPr>
+              <a:t>Managing client tables</a:t>
+            </a:r>
+            <a:endParaRPr kumimoji="1" lang="ja-JP" altLang="en-US" sz="1000" dirty="0">
+              <a:solidFill>
+                <a:schemeClr val="tx1"/>
+              </a:solidFill>
+            </a:endParaRPr>
+          </a:p>
+        </p:txBody>
+      </p:sp>
+      <p:sp>
+        <p:nvSpPr>
+          <p:cNvPr id="59" name="正方形/長方形 58"/>
+          <p:cNvSpPr/>
+          <p:nvPr/>
+        </p:nvSpPr>
+        <p:spPr>
+          <a:xfrm>
+            <a:off x="5796136" y="2636912"/>
+            <a:ext cx="720080" cy="189129"/>
+          </a:xfrm>
+          <a:prstGeom prst="rect">
+            <a:avLst/>
+          </a:prstGeom>
+          <a:noFill/>
+          <a:ln w="12700">
+            <a:noFill/>
+          </a:ln>
+        </p:spPr>
+        <p:style>
+          <a:lnRef idx="2">
+            <a:schemeClr val="accent1">
+              <a:shade val="50000"/>
+            </a:schemeClr>
+          </a:lnRef>
+          <a:fillRef idx="1">
+            <a:schemeClr val="accent1"/>
+          </a:fillRef>
+          <a:effectRef idx="0">
+            <a:schemeClr val="accent1"/>
+          </a:effectRef>
+          <a:fontRef idx="minor">
+            <a:schemeClr val="lt1"/>
+          </a:fontRef>
+        </p:style>
+        <p:txBody>
+          <a:bodyPr rtlCol="0" anchor="ctr"/>
+          <a:lstStyle/>
+          <a:p>
+            <a:pPr algn="ctr"/>
+            <a:r>
+              <a:rPr kumimoji="1" lang="en-US" altLang="ja-JP" sz="1000" dirty="0" smtClean="0">
+                <a:solidFill>
+                  <a:schemeClr val="tx1"/>
+                </a:solidFill>
+              </a:rPr>
+              <a:t>1 thread</a:t>
+            </a:r>
+          </a:p>
+        </p:txBody>
+      </p:sp>
+      <p:cxnSp>
+        <p:nvCxnSpPr>
+          <p:cNvPr id="18" name="直線コネクタ 17"/>
+          <p:cNvCxnSpPr>
+            <a:stCxn id="62" idx="1"/>
+          </p:cNvCxnSpPr>
+          <p:nvPr/>
+        </p:nvCxnSpPr>
+        <p:spPr>
+          <a:xfrm flipH="1" flipV="1">
+            <a:off x="5868144" y="2878563"/>
+            <a:ext cx="1062536" cy="793458"/>
+          </a:xfrm>
+          <a:prstGeom prst="line">
+            <a:avLst/>
+          </a:prstGeom>
+          <a:ln>
+            <a:solidFill>
+              <a:srgbClr val="FFFF00"/>
+            </a:solidFill>
+            <a:prstDash val="sysDot"/>
+          </a:ln>
+        </p:spPr>
+        <p:style>
+          <a:lnRef idx="1">
+            <a:schemeClr val="accent1"/>
+          </a:lnRef>
+          <a:fillRef idx="0">
+            <a:schemeClr val="accent1"/>
+          </a:fillRef>
+          <a:effectRef idx="0">
+            <a:schemeClr val="accent1"/>
+          </a:effectRef>
+          <a:fontRef idx="minor">
+            <a:schemeClr val="tx1"/>
+          </a:fontRef>
+        </p:style>
+      </p:cxnSp>
+      <p:cxnSp>
+        <p:nvCxnSpPr>
+          <p:cNvPr id="20" name="直線コネクタ 19"/>
+          <p:cNvCxnSpPr>
+            <a:stCxn id="62" idx="1"/>
+          </p:cNvCxnSpPr>
+          <p:nvPr/>
+        </p:nvCxnSpPr>
+        <p:spPr>
+          <a:xfrm flipH="1" flipV="1">
+            <a:off x="5940152" y="3315179"/>
+            <a:ext cx="990528" cy="356842"/>
+          </a:xfrm>
+          <a:prstGeom prst="line">
+            <a:avLst/>
+          </a:prstGeom>
+          <a:ln>
+            <a:solidFill>
+              <a:srgbClr val="FFFF00"/>
+            </a:solidFill>
+            <a:prstDash val="sysDot"/>
+          </a:ln>
+        </p:spPr>
+        <p:style>
+          <a:lnRef idx="1">
+            <a:schemeClr val="accent1"/>
+          </a:lnRef>
+          <a:fillRef idx="0">
+            <a:schemeClr val="accent1"/>
+          </a:fillRef>
+          <a:effectRef idx="0">
+            <a:schemeClr val="accent1"/>
+          </a:effectRef>
+          <a:fontRef idx="minor">
+            <a:schemeClr val="tx1"/>
+          </a:fontRef>
+        </p:style>
+      </p:cxnSp>
+      <p:cxnSp>
+        <p:nvCxnSpPr>
+          <p:cNvPr id="64" name="直線コネクタ 63"/>
+          <p:cNvCxnSpPr>
+            <a:stCxn id="62" idx="1"/>
+          </p:cNvCxnSpPr>
+          <p:nvPr/>
+        </p:nvCxnSpPr>
+        <p:spPr>
+          <a:xfrm flipH="1">
+            <a:off x="6084168" y="3672021"/>
+            <a:ext cx="846512" cy="6841"/>
+          </a:xfrm>
+          <a:prstGeom prst="line">
+            <a:avLst/>
+          </a:prstGeom>
+          <a:ln>
+            <a:solidFill>
+              <a:srgbClr val="FFFF00"/>
+            </a:solidFill>
+            <a:prstDash val="sysDot"/>
+          </a:ln>
+        </p:spPr>
+        <p:style>
+          <a:lnRef idx="1">
+            <a:schemeClr val="accent1"/>
+          </a:lnRef>
+          <a:fillRef idx="0">
+            <a:schemeClr val="accent1"/>
+          </a:fillRef>
+          <a:effectRef idx="0">
+            <a:schemeClr val="accent1"/>
+          </a:effectRef>
+          <a:fontRef idx="minor">
+            <a:schemeClr val="tx1"/>
+          </a:fontRef>
+        </p:style>
+      </p:cxnSp>
+      <p:cxnSp>
+        <p:nvCxnSpPr>
+          <p:cNvPr id="65" name="直線コネクタ 64"/>
+          <p:cNvCxnSpPr>
+            <a:stCxn id="62" idx="1"/>
+          </p:cNvCxnSpPr>
+          <p:nvPr/>
+        </p:nvCxnSpPr>
+        <p:spPr>
+          <a:xfrm flipH="1">
+            <a:off x="6156176" y="3672021"/>
+            <a:ext cx="774504" cy="358671"/>
+          </a:xfrm>
+          <a:prstGeom prst="line">
+            <a:avLst/>
+          </a:prstGeom>
+          <a:ln>
+            <a:solidFill>
+              <a:srgbClr val="FFFF00"/>
+            </a:solidFill>
+            <a:prstDash val="sysDot"/>
+          </a:ln>
+        </p:spPr>
+        <p:style>
+          <a:lnRef idx="1">
+            <a:schemeClr val="accent1"/>
+          </a:lnRef>
+          <a:fillRef idx="0">
+            <a:schemeClr val="accent1"/>
+          </a:fillRef>
+          <a:effectRef idx="0">
+            <a:schemeClr val="accent1"/>
+          </a:effectRef>
+          <a:fontRef idx="minor">
+            <a:schemeClr val="tx1"/>
+          </a:fontRef>
+        </p:style>
+      </p:cxnSp>
+      <p:sp>
+        <p:nvSpPr>
+          <p:cNvPr id="66" name="角丸四角形 65"/>
+          <p:cNvSpPr/>
+          <p:nvPr/>
+        </p:nvSpPr>
+        <p:spPr>
+          <a:xfrm rot="-420000">
+            <a:off x="2817950" y="3290653"/>
+            <a:ext cx="2622561" cy="356425"/>
           </a:xfrm>
           <a:prstGeom prst="roundRect">
-            <a:avLst/>
+            <a:avLst>
+              <a:gd name="adj" fmla="val 50000"/>
+            </a:avLst>
           </a:prstGeom>
           <a:noFill/>
           <a:ln>
@@ -5650,13 +6218,13 @@
       </p:sp>
       <p:sp>
         <p:nvSpPr>
-          <p:cNvPr id="112" name="正方形/長方形 111"/>
+          <p:cNvPr id="68" name="正方形/長方形 67"/>
           <p:cNvSpPr/>
           <p:nvPr/>
         </p:nvSpPr>
         <p:spPr>
-          <a:xfrm rot="354176">
-            <a:off x="3344009" y="2413012"/>
+          <a:xfrm rot="-420000">
+            <a:off x="3477436" y="3129201"/>
             <a:ext cx="1224136" cy="166573"/>
           </a:xfrm>
           <a:prstGeom prst="rect">
@@ -5694,7 +6262,7 @@
                   <a:srgbClr val="0070C0"/>
                 </a:solidFill>
               </a:rPr>
-              <a:t>Immsocketservice</a:t>
+              <a:t>ImmSocketService</a:t>
             </a:r>
             <a:endParaRPr kumimoji="1" lang="en-US" altLang="ja-JP" sz="1000" dirty="0" smtClean="0">
               <a:solidFill>
@@ -5706,22 +6274,33 @@
       </p:sp>
       <p:sp>
         <p:nvSpPr>
-          <p:cNvPr id="113" name="正方形/長方形 112"/>
+          <p:cNvPr id="71" name="正方形/長方形 70"/>
           <p:cNvSpPr/>
           <p:nvPr/>
         </p:nvSpPr>
         <p:spPr>
-          <a:xfrm rot="20941117">
-            <a:off x="3496409" y="3219367"/>
-            <a:ext cx="1224136" cy="166573"/>
+          <a:xfrm>
+            <a:off x="7182290" y="5620109"/>
+            <a:ext cx="1528801" cy="216024"/>
           </a:xfrm>
           <a:prstGeom prst="rect">
             <a:avLst/>
           </a:prstGeom>
-          <a:noFill/>
-          <a:ln w="12700">
-            <a:noFill/>
+          <a:solidFill>
+            <a:srgbClr val="92D050"/>
+          </a:solidFill>
+          <a:ln>
+            <a:solidFill>
+              <a:srgbClr val="FF0000"/>
+            </a:solidFill>
           </a:ln>
+          <a:effectLst>
+            <a:outerShdw blurRad="50800" dist="38100" dir="2700000" algn="tl" rotWithShape="0">
+              <a:prstClr val="black">
+                <a:alpha val="40000"/>
+              </a:prstClr>
+            </a:outerShdw>
+          </a:effectLst>
         </p:spPr>
         <p:style>
           <a:lnRef idx="2">
@@ -5747,14 +6326,84 @@
             <a:r>
               <a:rPr kumimoji="1" lang="en-US" altLang="ja-JP" sz="1000" dirty="0" err="1" smtClean="0">
                 <a:solidFill>
-                  <a:srgbClr val="0070C0"/>
-                </a:solidFill>
-              </a:rPr>
-              <a:t>Immsocketservice</a:t>
+                  <a:schemeClr val="tx1"/>
+                </a:solidFill>
+              </a:rPr>
+              <a:t>CImmSocketServer</a:t>
+            </a:r>
+            <a:endParaRPr kumimoji="1" lang="ja-JP" altLang="en-US" sz="1000" dirty="0">
+              <a:solidFill>
+                <a:schemeClr val="tx1"/>
+              </a:solidFill>
+            </a:endParaRPr>
+          </a:p>
+        </p:txBody>
+      </p:sp>
+      <p:sp>
+        <p:nvSpPr>
+          <p:cNvPr id="72" name="正方形/長方形 71"/>
+          <p:cNvSpPr/>
+          <p:nvPr/>
+        </p:nvSpPr>
+        <p:spPr>
+          <a:xfrm>
+            <a:off x="7182290" y="5870339"/>
+            <a:ext cx="1528801" cy="196353"/>
+          </a:xfrm>
+          <a:prstGeom prst="rect">
+            <a:avLst/>
+          </a:prstGeom>
+          <a:solidFill>
+            <a:schemeClr val="accent6">
+              <a:lumMod val="40000"/>
+              <a:lumOff val="60000"/>
+            </a:schemeClr>
+          </a:solidFill>
+          <a:ln w="19050">
+            <a:solidFill>
+              <a:srgbClr val="FF0000"/>
+            </a:solidFill>
+          </a:ln>
+          <a:effectLst>
+            <a:outerShdw blurRad="50800" dist="38100" dir="2700000" algn="tl" rotWithShape="0">
+              <a:prstClr val="black">
+                <a:alpha val="40000"/>
+              </a:prstClr>
+            </a:outerShdw>
+          </a:effectLst>
+        </p:spPr>
+        <p:style>
+          <a:lnRef idx="2">
+            <a:schemeClr val="accent1">
+              <a:shade val="50000"/>
+            </a:schemeClr>
+          </a:lnRef>
+          <a:fillRef idx="1">
+            <a:schemeClr val="accent1"/>
+          </a:fillRef>
+          <a:effectRef idx="0">
+            <a:schemeClr val="accent1"/>
+          </a:effectRef>
+          <a:fontRef idx="minor">
+            <a:schemeClr val="lt1"/>
+          </a:fontRef>
+        </p:style>
+        <p:txBody>
+          <a:bodyPr rtlCol="0" anchor="ctr"/>
+          <a:lstStyle/>
+          <a:p>
+            <a:pPr algn="ctr"/>
+            <a:r>
+              <a:rPr kumimoji="1" lang="en-US" altLang="ja-JP" sz="1000" dirty="0" err="1" smtClean="0">
+                <a:solidFill>
+                  <a:schemeClr val="tx1"/>
+                </a:solidFill>
+              </a:rPr>
+              <a:t>CImmSocketClient</a:t>
             </a:r>
             <a:endParaRPr kumimoji="1" lang="en-US" altLang="ja-JP" sz="1000" dirty="0" smtClean="0">
               <a:solidFill>
-                <a:srgbClr val="0070C0"/>
+                <a:schemeClr val="tx1"/>
               </a:solidFill>
             </a:endParaRPr>
           </a:p>
@@ -9627,15 +10276,7 @@
                   <a:schemeClr val="tx1"/>
                 </a:solidFill>
               </a:rPr>
-              <a:t>渡す必要</a:t>
-            </a:r>
-            <a:r>
-              <a:rPr lang="ja-JP" altLang="en-US" sz="800" dirty="0" smtClean="0">
-                <a:solidFill>
-                  <a:schemeClr val="tx1"/>
-                </a:solidFill>
-              </a:rPr>
-              <a:t>あれば</a:t>
+              <a:t>渡す必要あれば</a:t>
             </a:r>
             <a:r>
               <a:rPr lang="en-US" altLang="ja-JP" sz="800" dirty="0">
@@ -11053,7 +11694,7 @@
         <p:spPr>
           <a:xfrm>
             <a:off x="5868144" y="1848721"/>
-            <a:ext cx="2754280" cy="215444"/>
+            <a:ext cx="2593980" cy="215444"/>
           </a:xfrm>
           <a:prstGeom prst="rect">
             <a:avLst/>
@@ -11079,15 +11720,11 @@
             </a:r>
             <a:r>
               <a:rPr lang="ja-JP" altLang="en-US" sz="800" dirty="0" smtClean="0"/>
-              <a:t>ユーザ側で</a:t>
+              <a:t>ユーザ側で実装</a:t>
             </a:r>
             <a:r>
               <a:rPr lang="ja-JP" altLang="en-US" sz="800" dirty="0" smtClean="0"/>
-              <a:t>実装</a:t>
-            </a:r>
-            <a:r>
-              <a:rPr lang="ja-JP" altLang="en-US" sz="800" dirty="0" smtClean="0"/>
-              <a:t>すること</a:t>
+              <a:t>する</a:t>
             </a:r>
             <a:endParaRPr kumimoji="1" lang="en-US" altLang="ja-JP" sz="800" dirty="0" smtClean="0"/>
           </a:p>

--- a/etc/immsocket.pptx
+++ b/etc/immsocket.pptx
@@ -4418,15 +4418,7 @@
                   <a:schemeClr val="tx1"/>
                 </a:solidFill>
               </a:rPr>
-              <a:t> </a:t>
-            </a:r>
-            <a:r>
-              <a:rPr lang="en-US" altLang="ja-JP" sz="1000" dirty="0" smtClean="0">
-                <a:solidFill>
-                  <a:schemeClr val="tx1"/>
-                </a:solidFill>
-              </a:rPr>
-              <a:t>instance</a:t>
+              <a:t> instance</a:t>
             </a:r>
           </a:p>
         </p:txBody>
@@ -5008,32 +5000,19 @@
                   <a:srgbClr val="FF0000"/>
                 </a:solidFill>
               </a:rPr>
-              <a:t>ocket </a:t>
-            </a:r>
+              <a:t>ocket communication</a:t>
+            </a:r>
+          </a:p>
+          <a:p>
+            <a:pPr algn="ctr"/>
             <a:r>
               <a:rPr kumimoji="1" lang="en-US" altLang="ja-JP" sz="1000" dirty="0" smtClean="0">
                 <a:solidFill>
                   <a:srgbClr val="FF0000"/>
                 </a:solidFill>
               </a:rPr>
-              <a:t>communication</a:t>
-            </a:r>
-          </a:p>
-          <a:p>
-            <a:pPr algn="ctr"/>
-            <a:r>
-              <a:rPr kumimoji="1" lang="en-US" altLang="ja-JP" sz="1000" dirty="0" smtClean="0">
-                <a:solidFill>
-                  <a:srgbClr val="FF0000"/>
-                </a:solidFill>
-              </a:rPr>
               <a:t>Local / TCP</a:t>
             </a:r>
-            <a:endParaRPr kumimoji="1" lang="en-US" altLang="ja-JP" sz="1000" dirty="0" smtClean="0">
-              <a:solidFill>
-                <a:srgbClr val="FF0000"/>
-              </a:solidFill>
-            </a:endParaRPr>
           </a:p>
         </p:txBody>
       </p:sp>
@@ -5198,11 +5177,6 @@
               </a:rPr>
               <a:t>client</a:t>
             </a:r>
-            <a:endParaRPr kumimoji="1" lang="en-US" altLang="ja-JP" sz="1000" dirty="0" smtClean="0">
-              <a:solidFill>
-                <a:schemeClr val="tx1"/>
-              </a:solidFill>
-            </a:endParaRPr>
           </a:p>
           <a:p>
             <a:pPr algn="ctr"/>
@@ -5284,11 +5258,6 @@
               </a:rPr>
               <a:t>client</a:t>
             </a:r>
-            <a:endParaRPr kumimoji="1" lang="en-US" altLang="ja-JP" sz="1000" dirty="0" smtClean="0">
-              <a:solidFill>
-                <a:schemeClr val="tx1"/>
-              </a:solidFill>
-            </a:endParaRPr>
           </a:p>
           <a:p>
             <a:pPr algn="ctr"/>
@@ -5474,11 +5443,6 @@
               </a:rPr>
               <a:t>client</a:t>
             </a:r>
-            <a:endParaRPr kumimoji="1" lang="en-US" altLang="ja-JP" sz="1000" dirty="0" smtClean="0">
-              <a:solidFill>
-                <a:schemeClr val="tx1"/>
-              </a:solidFill>
-            </a:endParaRPr>
           </a:p>
           <a:p>
             <a:pPr algn="ctr"/>
@@ -5613,11 +5577,6 @@
               </a:rPr>
               <a:t>client</a:t>
             </a:r>
-            <a:endParaRPr kumimoji="1" lang="en-US" altLang="ja-JP" sz="1000" dirty="0" smtClean="0">
-              <a:solidFill>
-                <a:schemeClr val="tx1"/>
-              </a:solidFill>
-            </a:endParaRPr>
           </a:p>
           <a:p>
             <a:pPr algn="ctr"/>
@@ -6454,7 +6413,7 @@
         </p:nvSpPr>
         <p:spPr>
           <a:xfrm>
-            <a:off x="628613" y="2036845"/>
+            <a:off x="628613" y="1964837"/>
             <a:ext cx="1440160" cy="591783"/>
           </a:xfrm>
           <a:prstGeom prst="rect">
@@ -6517,7 +6476,7 @@
         </p:nvSpPr>
         <p:spPr>
           <a:xfrm>
-            <a:off x="2483768" y="764704"/>
+            <a:off x="2483768" y="692696"/>
             <a:ext cx="1440160" cy="576064"/>
           </a:xfrm>
           <a:prstGeom prst="rect">
@@ -6580,7 +6539,7 @@
         </p:nvSpPr>
         <p:spPr>
           <a:xfrm>
-            <a:off x="3347864" y="2036845"/>
+            <a:off x="3347864" y="1964837"/>
             <a:ext cx="1440160" cy="591783"/>
           </a:xfrm>
           <a:prstGeom prst="rect">
@@ -6643,7 +6602,7 @@
         </p:nvSpPr>
         <p:spPr>
           <a:xfrm>
-            <a:off x="2658901" y="1340768"/>
+            <a:off x="2658901" y="1268760"/>
             <a:ext cx="144016" cy="192021"/>
           </a:xfrm>
           <a:prstGeom prst="triangle">
@@ -6694,7 +6653,7 @@
         </p:nvCxnSpPr>
         <p:spPr>
           <a:xfrm rot="5400000">
-            <a:off x="1787773" y="1093709"/>
+            <a:off x="1787773" y="1021701"/>
             <a:ext cx="504056" cy="1382216"/>
           </a:xfrm>
           <a:prstGeom prst="bentConnector3">
@@ -6724,7 +6683,7 @@
         </p:nvSpPr>
         <p:spPr>
           <a:xfrm>
-            <a:off x="3131840" y="1340768"/>
+            <a:off x="3131840" y="1268760"/>
             <a:ext cx="144016" cy="192021"/>
           </a:xfrm>
           <a:prstGeom prst="triangle">
@@ -6775,7 +6734,7 @@
         </p:nvCxnSpPr>
         <p:spPr>
           <a:xfrm rot="16200000" flipH="1">
-            <a:off x="3383868" y="1352769"/>
+            <a:off x="3383868" y="1280761"/>
             <a:ext cx="504056" cy="864096"/>
           </a:xfrm>
           <a:prstGeom prst="bentConnector3">
@@ -6807,7 +6766,7 @@
         </p:nvSpPr>
         <p:spPr>
           <a:xfrm>
-            <a:off x="2068772" y="2253266"/>
+            <a:off x="2068772" y="2181258"/>
             <a:ext cx="290293" cy="158040"/>
           </a:xfrm>
           <a:prstGeom prst="diamond">
@@ -6854,7 +6813,7 @@
         </p:nvCxnSpPr>
         <p:spPr>
           <a:xfrm>
-            <a:off x="2359065" y="2332286"/>
+            <a:off x="2359065" y="2260278"/>
             <a:ext cx="988799" cy="451"/>
           </a:xfrm>
           <a:prstGeom prst="straightConnector1">
@@ -6887,7 +6846,7 @@
         </p:nvSpPr>
         <p:spPr>
           <a:xfrm>
-            <a:off x="2370869" y="2349267"/>
+            <a:off x="2370869" y="2277259"/>
             <a:ext cx="167621" cy="143629"/>
           </a:xfrm>
           <a:prstGeom prst="rect">
@@ -6941,7 +6900,7 @@
         </p:nvSpPr>
         <p:spPr>
           <a:xfrm>
-            <a:off x="3059832" y="2348880"/>
+            <a:off x="3059832" y="2276872"/>
             <a:ext cx="167621" cy="143629"/>
           </a:xfrm>
           <a:prstGeom prst="rect">
@@ -6995,7 +6954,7 @@
         </p:nvSpPr>
         <p:spPr>
           <a:xfrm>
-            <a:off x="628613" y="3140968"/>
+            <a:off x="628613" y="3068960"/>
             <a:ext cx="1440160" cy="576064"/>
           </a:xfrm>
           <a:prstGeom prst="rect">
@@ -7101,7 +7060,7 @@
         </p:nvSpPr>
         <p:spPr>
           <a:xfrm>
-            <a:off x="3337231" y="3140968"/>
+            <a:off x="3337231" y="3068960"/>
             <a:ext cx="1440160" cy="576064"/>
           </a:xfrm>
           <a:prstGeom prst="rect">
@@ -7194,7 +7153,7 @@
         </p:nvSpPr>
         <p:spPr>
           <a:xfrm>
-            <a:off x="1276685" y="3717032"/>
+            <a:off x="1276685" y="3645024"/>
             <a:ext cx="144016" cy="192021"/>
           </a:xfrm>
           <a:prstGeom prst="triangle">
@@ -7244,9 +7203,9 @@
           <p:nvPr/>
         </p:nvCxnSpPr>
         <p:spPr>
-          <a:xfrm rot="5400000">
-            <a:off x="1155739" y="4100141"/>
-            <a:ext cx="384043" cy="1866"/>
+          <a:xfrm rot="16200000" flipH="1">
+            <a:off x="1510290" y="3675447"/>
+            <a:ext cx="168019" cy="491213"/>
           </a:xfrm>
           <a:prstGeom prst="bentConnector3">
             <a:avLst/>
@@ -7275,8 +7234,8 @@
         </p:nvSpPr>
         <p:spPr>
           <a:xfrm>
-            <a:off x="626747" y="4293096"/>
-            <a:ext cx="1440160" cy="720080"/>
+            <a:off x="539552" y="4005064"/>
+            <a:ext cx="2600707" cy="936104"/>
           </a:xfrm>
           <a:prstGeom prst="rect">
             <a:avLst/>
@@ -7370,16 +7329,29 @@
               </a:rPr>
               <a:t>client</a:t>
             </a:r>
-          </a:p>
-          <a:p>
-            <a:pPr algn="ctr"/>
             <a:r>
               <a:rPr lang="ja-JP" altLang="en-US" sz="1000" dirty="0" smtClean="0">
                 <a:solidFill>
                   <a:schemeClr val="tx1"/>
                 </a:solidFill>
               </a:rPr>
-              <a:t>インスタンスの生成</a:t>
+              <a:t>インスタンス</a:t>
+            </a:r>
+            <a:r>
+              <a:rPr lang="ja-JP" altLang="en-US" sz="1000" dirty="0" smtClean="0">
+                <a:solidFill>
+                  <a:schemeClr val="tx1"/>
+                </a:solidFill>
+              </a:rPr>
+              <a:t>の</a:t>
+            </a:r>
+            <a:r>
+              <a:rPr lang="ja-JP" altLang="en-US" sz="1000" dirty="0" smtClean="0">
+                <a:solidFill>
+                  <a:schemeClr val="tx1"/>
+                </a:solidFill>
+              </a:rPr>
+              <a:t>生成</a:t>
             </a:r>
             <a:endParaRPr lang="en-US" altLang="ja-JP" sz="1000" dirty="0" smtClean="0">
               <a:solidFill>
@@ -7387,6 +7359,38 @@
               </a:solidFill>
             </a:endParaRPr>
           </a:p>
+          <a:p>
+            <a:pPr algn="ctr"/>
+            <a:r>
+              <a:rPr lang="en-US" altLang="ja-JP" sz="1000" dirty="0" err="1" smtClean="0">
+                <a:solidFill>
+                  <a:schemeClr val="tx1"/>
+                </a:solidFill>
+              </a:rPr>
+              <a:t>onAcceptClient</a:t>
+            </a:r>
+            <a:endParaRPr lang="en-US" altLang="ja-JP" sz="1000" dirty="0" smtClean="0">
+              <a:solidFill>
+                <a:schemeClr val="tx1"/>
+              </a:solidFill>
+            </a:endParaRPr>
+          </a:p>
+          <a:p>
+            <a:pPr algn="ctr"/>
+            <a:r>
+              <a:rPr lang="en-US" altLang="ja-JP" sz="1000" dirty="0" err="1">
+                <a:solidFill>
+                  <a:schemeClr val="tx1"/>
+                </a:solidFill>
+              </a:rPr>
+              <a:t>onRemoveClient</a:t>
+            </a:r>
+            <a:endParaRPr lang="en-US" altLang="ja-JP" sz="1000" dirty="0" smtClean="0">
+              <a:solidFill>
+                <a:schemeClr val="tx1"/>
+              </a:solidFill>
+            </a:endParaRPr>
+          </a:p>
         </p:txBody>
       </p:sp>
       <p:sp>
@@ -7397,7 +7401,7 @@
         </p:nvSpPr>
         <p:spPr>
           <a:xfrm>
-            <a:off x="3347864" y="4221088"/>
+            <a:off x="3347864" y="4149080"/>
             <a:ext cx="1440160" cy="576064"/>
           </a:xfrm>
           <a:prstGeom prst="rect">
@@ -7468,8 +7472,8 @@
         </p:nvSpPr>
         <p:spPr>
           <a:xfrm>
-            <a:off x="3347864" y="5301208"/>
-            <a:ext cx="1440160" cy="792088"/>
+            <a:off x="2950984" y="5157192"/>
+            <a:ext cx="2232248" cy="1080120"/>
           </a:xfrm>
           <a:prstGeom prst="rect">
             <a:avLst/>
@@ -7553,7 +7557,15 @@
                   <a:schemeClr val="tx1"/>
                 </a:solidFill>
               </a:rPr>
-              <a:t>のハンドリング</a:t>
+              <a:t>の</a:t>
+            </a:r>
+            <a:r>
+              <a:rPr lang="ja-JP" altLang="en-US" sz="1000" dirty="0" smtClean="0">
+                <a:solidFill>
+                  <a:schemeClr val="tx1"/>
+                </a:solidFill>
+              </a:rPr>
+              <a:t>ハンドリング</a:t>
             </a:r>
             <a:endParaRPr lang="en-US" altLang="ja-JP" sz="1000" dirty="0" smtClean="0">
               <a:solidFill>
@@ -7561,6 +7573,54 @@
               </a:solidFill>
             </a:endParaRPr>
           </a:p>
+          <a:p>
+            <a:pPr algn="ctr"/>
+            <a:r>
+              <a:rPr lang="en-US" altLang="ja-JP" sz="1000" dirty="0" err="1">
+                <a:solidFill>
+                  <a:schemeClr val="tx1"/>
+                </a:solidFill>
+              </a:rPr>
+              <a:t>onHandleRequest</a:t>
+            </a:r>
+            <a:endParaRPr lang="en-US" altLang="ja-JP" sz="1000" dirty="0">
+              <a:solidFill>
+                <a:schemeClr val="tx1"/>
+              </a:solidFill>
+            </a:endParaRPr>
+          </a:p>
+          <a:p>
+            <a:pPr algn="ctr"/>
+            <a:r>
+              <a:rPr lang="en-US" altLang="ja-JP" sz="1000" dirty="0" err="1" smtClean="0">
+                <a:solidFill>
+                  <a:schemeClr val="tx1"/>
+                </a:solidFill>
+              </a:rPr>
+              <a:t>onHandleReply</a:t>
+            </a:r>
+            <a:endParaRPr lang="en-US" altLang="ja-JP" sz="1000" dirty="0">
+              <a:solidFill>
+                <a:schemeClr val="tx1"/>
+              </a:solidFill>
+            </a:endParaRPr>
+          </a:p>
+          <a:p>
+            <a:pPr algn="ctr"/>
+            <a:r>
+              <a:rPr lang="en-US" altLang="ja-JP" sz="1000" dirty="0" err="1">
+                <a:solidFill>
+                  <a:schemeClr val="tx1"/>
+                </a:solidFill>
+              </a:rPr>
+              <a:t>onHandleNotify</a:t>
+            </a:r>
+            <a:endParaRPr lang="en-US" altLang="ja-JP" sz="1000" dirty="0" smtClean="0">
+              <a:solidFill>
+                <a:schemeClr val="tx1"/>
+              </a:solidFill>
+            </a:endParaRPr>
+          </a:p>
         </p:txBody>
       </p:sp>
       <p:sp>
@@ -7571,7 +7631,7 @@
         </p:nvSpPr>
         <p:spPr>
           <a:xfrm>
-            <a:off x="3995937" y="4797152"/>
+            <a:off x="3995937" y="4725144"/>
             <a:ext cx="144016" cy="192021"/>
           </a:xfrm>
           <a:prstGeom prst="triangle">
@@ -7622,8 +7682,8 @@
         </p:nvCxnSpPr>
         <p:spPr>
           <a:xfrm rot="5400000">
-            <a:off x="3911928" y="5145190"/>
-            <a:ext cx="312035" cy="1"/>
+            <a:off x="3947514" y="5036760"/>
+            <a:ext cx="240027" cy="837"/>
           </a:xfrm>
           <a:prstGeom prst="bentConnector3">
             <a:avLst/>
@@ -7652,7 +7712,7 @@
         </p:nvSpPr>
         <p:spPr>
           <a:xfrm>
-            <a:off x="3999407" y="3717032"/>
+            <a:off x="3999407" y="3645024"/>
             <a:ext cx="144016" cy="192021"/>
           </a:xfrm>
           <a:prstGeom prst="triangle">
@@ -7703,7 +7763,7 @@
         </p:nvCxnSpPr>
         <p:spPr>
           <a:xfrm flipH="1">
-            <a:off x="4067944" y="3909053"/>
+            <a:off x="4067944" y="3837045"/>
             <a:ext cx="3471" cy="312035"/>
           </a:xfrm>
           <a:prstGeom prst="line">
@@ -7733,7 +7793,7 @@
         </p:nvSpPr>
         <p:spPr>
           <a:xfrm>
-            <a:off x="1264582" y="2628628"/>
+            <a:off x="1264582" y="2556620"/>
             <a:ext cx="156119" cy="231039"/>
           </a:xfrm>
           <a:prstGeom prst="diamond">
@@ -7780,7 +7840,7 @@
         </p:nvCxnSpPr>
         <p:spPr>
           <a:xfrm>
-            <a:off x="1342642" y="2859667"/>
+            <a:off x="1342642" y="2787659"/>
             <a:ext cx="6051" cy="281301"/>
           </a:xfrm>
           <a:prstGeom prst="straightConnector1">
@@ -7813,7 +7873,7 @@
         </p:nvSpPr>
         <p:spPr>
           <a:xfrm>
-            <a:off x="1362757" y="2781315"/>
+            <a:off x="1362757" y="2709307"/>
             <a:ext cx="167621" cy="143629"/>
           </a:xfrm>
           <a:prstGeom prst="rect">
@@ -7867,7 +7927,7 @@
         </p:nvSpPr>
         <p:spPr>
           <a:xfrm>
-            <a:off x="1362757" y="2976073"/>
+            <a:off x="1362757" y="2904065"/>
             <a:ext cx="360040" cy="143629"/>
           </a:xfrm>
           <a:prstGeom prst="rect">
@@ -7929,7 +7989,7 @@
         </p:nvSpPr>
         <p:spPr>
           <a:xfrm>
-            <a:off x="4102283" y="2780928"/>
+            <a:off x="4102283" y="2708920"/>
             <a:ext cx="109677" cy="180797"/>
           </a:xfrm>
           <a:prstGeom prst="rect">
@@ -7983,7 +8043,7 @@
         </p:nvSpPr>
         <p:spPr>
           <a:xfrm>
-            <a:off x="4036045" y="2965053"/>
+            <a:off x="4036045" y="2893045"/>
             <a:ext cx="391939" cy="180797"/>
           </a:xfrm>
           <a:prstGeom prst="rect">
@@ -8037,7 +8097,7 @@
         </p:nvSpPr>
         <p:spPr>
           <a:xfrm>
-            <a:off x="3980235" y="2628628"/>
+            <a:off x="3980235" y="2556620"/>
             <a:ext cx="149697" cy="211657"/>
           </a:xfrm>
           <a:prstGeom prst="diamond">
@@ -8084,7 +8144,7 @@
         </p:nvCxnSpPr>
         <p:spPr>
           <a:xfrm>
-            <a:off x="4055084" y="2840285"/>
+            <a:off x="4055084" y="2768277"/>
             <a:ext cx="2227" cy="300683"/>
           </a:xfrm>
           <a:prstGeom prst="straightConnector1">
@@ -8117,7 +8177,7 @@
         </p:nvSpPr>
         <p:spPr>
           <a:xfrm>
-            <a:off x="6012160" y="4831710"/>
+            <a:off x="6012160" y="4759702"/>
             <a:ext cx="1440160" cy="576064"/>
           </a:xfrm>
           <a:prstGeom prst="rect">
@@ -8188,7 +8248,7 @@
         </p:nvSpPr>
         <p:spPr>
           <a:xfrm>
-            <a:off x="5097322" y="2805102"/>
+            <a:off x="5097322" y="2733094"/>
             <a:ext cx="1440160" cy="576064"/>
           </a:xfrm>
           <a:prstGeom prst="rect">
@@ -8251,7 +8311,7 @@
         </p:nvSpPr>
         <p:spPr>
           <a:xfrm>
-            <a:off x="7092280" y="3645024"/>
+            <a:off x="7092280" y="3573016"/>
             <a:ext cx="1440160" cy="576064"/>
           </a:xfrm>
           <a:prstGeom prst="rect">
@@ -8333,7 +8393,7 @@
         </p:nvSpPr>
         <p:spPr>
           <a:xfrm>
-            <a:off x="3635896" y="1340768"/>
+            <a:off x="3635896" y="1268760"/>
             <a:ext cx="144016" cy="192021"/>
           </a:xfrm>
           <a:prstGeom prst="triangle">
@@ -8384,7 +8444,7 @@
         </p:nvCxnSpPr>
         <p:spPr>
           <a:xfrm rot="16200000" flipH="1">
-            <a:off x="4704015" y="536678"/>
+            <a:off x="4704015" y="464670"/>
             <a:ext cx="2112235" cy="4104456"/>
           </a:xfrm>
           <a:prstGeom prst="bentConnector3">
@@ -8416,7 +8476,7 @@
         </p:nvSpPr>
         <p:spPr>
           <a:xfrm>
-            <a:off x="6006479" y="3381164"/>
+            <a:off x="6006479" y="3309156"/>
             <a:ext cx="149697" cy="211657"/>
           </a:xfrm>
           <a:prstGeom prst="diamond">
@@ -8463,7 +8523,7 @@
         </p:nvCxnSpPr>
         <p:spPr>
           <a:xfrm rot="16200000" flipH="1">
-            <a:off x="6416687" y="3257462"/>
+            <a:off x="6416687" y="3185454"/>
             <a:ext cx="340235" cy="1010952"/>
           </a:xfrm>
           <a:prstGeom prst="bentConnector2">
@@ -8498,7 +8558,7 @@
         </p:nvCxnSpPr>
         <p:spPr>
           <a:xfrm>
-            <a:off x="4788024" y="4653136"/>
+            <a:off x="4788024" y="4581128"/>
             <a:ext cx="1224136" cy="466606"/>
           </a:xfrm>
           <a:prstGeom prst="bentConnector3">
@@ -8532,7 +8592,7 @@
         </p:nvSpPr>
         <p:spPr>
           <a:xfrm>
-            <a:off x="4788024" y="4279072"/>
+            <a:off x="4788024" y="4207064"/>
             <a:ext cx="290293" cy="158040"/>
           </a:xfrm>
           <a:prstGeom prst="diamond">
@@ -8576,7 +8636,7 @@
         </p:nvSpPr>
         <p:spPr>
           <a:xfrm>
-            <a:off x="5052451" y="4365104"/>
+            <a:off x="5052451" y="4293096"/>
             <a:ext cx="167621" cy="143629"/>
           </a:xfrm>
           <a:prstGeom prst="rect">
@@ -8630,7 +8690,7 @@
         </p:nvSpPr>
         <p:spPr>
           <a:xfrm>
-            <a:off x="5580112" y="3462754"/>
+            <a:off x="5580112" y="3390746"/>
             <a:ext cx="167621" cy="143629"/>
           </a:xfrm>
           <a:prstGeom prst="rect">
@@ -8694,7 +8754,7 @@
         </p:nvCxnSpPr>
         <p:spPr>
           <a:xfrm flipV="1">
-            <a:off x="5078317" y="3381166"/>
+            <a:off x="5078317" y="3309158"/>
             <a:ext cx="494539" cy="976926"/>
           </a:xfrm>
           <a:prstGeom prst="bentConnector2">
@@ -8727,7 +8787,7 @@
         </p:nvSpPr>
         <p:spPr>
           <a:xfrm>
-            <a:off x="6084168" y="3573403"/>
+            <a:off x="6084168" y="3501395"/>
             <a:ext cx="167621" cy="143629"/>
           </a:xfrm>
           <a:prstGeom prst="rect">
@@ -8789,7 +8849,7 @@
         </p:nvSpPr>
         <p:spPr>
           <a:xfrm>
-            <a:off x="6708635" y="3933056"/>
+            <a:off x="6708635" y="3861048"/>
             <a:ext cx="383645" cy="143629"/>
           </a:xfrm>
           <a:prstGeom prst="rect">
@@ -8964,7 +9024,7 @@
         </p:nvSpPr>
         <p:spPr>
           <a:xfrm>
-            <a:off x="6654551" y="4620053"/>
+            <a:off x="6654551" y="4548045"/>
             <a:ext cx="149697" cy="211657"/>
           </a:xfrm>
           <a:prstGeom prst="diamond">
@@ -9011,7 +9071,7 @@
         </p:nvCxnSpPr>
         <p:spPr>
           <a:xfrm rot="16200000" flipV="1">
-            <a:off x="4615054" y="2505707"/>
+            <a:off x="4615054" y="2433699"/>
             <a:ext cx="2287316" cy="1941376"/>
           </a:xfrm>
           <a:prstGeom prst="bentConnector2">
@@ -9044,7 +9104,7 @@
         </p:nvSpPr>
         <p:spPr>
           <a:xfrm>
-            <a:off x="4932040" y="2348880"/>
+            <a:off x="4932040" y="2276872"/>
             <a:ext cx="109677" cy="180797"/>
           </a:xfrm>
           <a:prstGeom prst="rect">
@@ -9098,7 +9158,7 @@
         </p:nvSpPr>
         <p:spPr>
           <a:xfrm>
-            <a:off x="6766579" y="4509120"/>
+            <a:off x="6766579" y="4437112"/>
             <a:ext cx="109677" cy="180797"/>
           </a:xfrm>
           <a:prstGeom prst="rect">
@@ -10954,39 +11014,6 @@
       </p:sp>
       <p:cxnSp>
         <p:nvCxnSpPr>
-          <p:cNvPr id="78" name="直線コネクタ 77"/>
-          <p:cNvCxnSpPr/>
-          <p:nvPr/>
-        </p:nvCxnSpPr>
-        <p:spPr>
-          <a:xfrm flipH="1">
-            <a:off x="611558" y="2852936"/>
-            <a:ext cx="7560842" cy="0"/>
-          </a:xfrm>
-          <a:prstGeom prst="line">
-            <a:avLst/>
-          </a:prstGeom>
-          <a:ln>
-            <a:prstDash val="sysDash"/>
-          </a:ln>
-        </p:spPr>
-        <p:style>
-          <a:lnRef idx="1">
-            <a:schemeClr val="accent1"/>
-          </a:lnRef>
-          <a:fillRef idx="0">
-            <a:schemeClr val="accent1"/>
-          </a:fillRef>
-          <a:effectRef idx="0">
-            <a:schemeClr val="accent1"/>
-          </a:effectRef>
-          <a:fontRef idx="minor">
-            <a:schemeClr val="tx1"/>
-          </a:fontRef>
-        </p:style>
-      </p:cxnSp>
-      <p:cxnSp>
-        <p:nvCxnSpPr>
           <p:cNvPr id="79" name="直線コネクタ 78"/>
           <p:cNvCxnSpPr/>
           <p:nvPr/>
@@ -11097,7 +11124,7 @@
         </p:nvSpPr>
         <p:spPr>
           <a:xfrm>
-            <a:off x="990651" y="1796819"/>
+            <a:off x="1751403" y="1623185"/>
             <a:ext cx="1157689" cy="246221"/>
           </a:xfrm>
           <a:prstGeom prst="rect">
@@ -11133,7 +11160,7 @@
         </p:nvSpPr>
         <p:spPr>
           <a:xfrm>
-            <a:off x="395536" y="2924944"/>
+            <a:off x="395536" y="2730986"/>
             <a:ext cx="2271776" cy="553998"/>
           </a:xfrm>
           <a:prstGeom prst="rect">
@@ -11331,7 +11358,7 @@
         </p:nvSpPr>
         <p:spPr>
           <a:xfrm>
-            <a:off x="1259632" y="1988841"/>
+            <a:off x="2020384" y="1815207"/>
             <a:ext cx="1255472" cy="461665"/>
           </a:xfrm>
           <a:prstGeom prst="rect">
@@ -11622,13 +11649,16 @@
       <p:cxnSp>
         <p:nvCxnSpPr>
           <p:cNvPr id="4" name="直線矢印コネクタ 3"/>
-          <p:cNvCxnSpPr/>
+          <p:cNvCxnSpPr>
+            <a:stCxn id="67" idx="2"/>
+            <a:endCxn id="2" idx="1"/>
+          </p:cNvCxnSpPr>
           <p:nvPr/>
         </p:nvCxnSpPr>
         <p:spPr>
           <a:xfrm>
-            <a:off x="2466753" y="2115879"/>
-            <a:ext cx="473563" cy="206481"/>
+            <a:off x="2648120" y="2276872"/>
+            <a:ext cx="339704" cy="172446"/>
           </a:xfrm>
           <a:prstGeom prst="straightConnector1">
             <a:avLst/>
@@ -11720,11 +11750,7 @@
             </a:r>
             <a:r>
               <a:rPr lang="ja-JP" altLang="en-US" sz="800" dirty="0" smtClean="0"/>
-              <a:t>ユーザ側で実装</a:t>
-            </a:r>
-            <a:r>
-              <a:rPr lang="ja-JP" altLang="en-US" sz="800" dirty="0" smtClean="0"/>
-              <a:t>する</a:t>
+              <a:t>ユーザ側で実装する</a:t>
             </a:r>
             <a:endParaRPr kumimoji="1" lang="en-US" altLang="ja-JP" sz="800" dirty="0" smtClean="0"/>
           </a:p>

--- a/etc/immsocket.pptx
+++ b/etc/immsocket.pptx
@@ -195,7 +195,7 @@
           <a:p>
             <a:fld id="{22CC3290-24F6-477F-95D9-2B730663FC8A}" type="datetimeFigureOut">
               <a:rPr kumimoji="1" lang="ja-JP" altLang="en-US" smtClean="0"/>
-              <a:t>2017/12/8</a:t>
+              <a:t>2017/12/11</a:t>
             </a:fld>
             <a:endParaRPr kumimoji="1" lang="ja-JP" altLang="en-US"/>
           </a:p>
@@ -676,7 +676,7 @@
           <a:p>
             <a:fld id="{58F1A61C-07EC-4CEE-80EB-D6F8CCBD6E84}" type="datetimeFigureOut">
               <a:rPr kumimoji="1" lang="ja-JP" altLang="en-US" smtClean="0"/>
-              <a:t>2017/12/8</a:t>
+              <a:t>2017/12/11</a:t>
             </a:fld>
             <a:endParaRPr kumimoji="1" lang="ja-JP" altLang="en-US"/>
           </a:p>
@@ -878,7 +878,7 @@
           <a:p>
             <a:fld id="{58F1A61C-07EC-4CEE-80EB-D6F8CCBD6E84}" type="datetimeFigureOut">
               <a:rPr kumimoji="1" lang="ja-JP" altLang="en-US" smtClean="0"/>
-              <a:t>2017/12/8</a:t>
+              <a:t>2017/12/11</a:t>
             </a:fld>
             <a:endParaRPr kumimoji="1" lang="ja-JP" altLang="en-US"/>
           </a:p>
@@ -1090,7 +1090,7 @@
           <a:p>
             <a:fld id="{58F1A61C-07EC-4CEE-80EB-D6F8CCBD6E84}" type="datetimeFigureOut">
               <a:rPr kumimoji="1" lang="ja-JP" altLang="en-US" smtClean="0"/>
-              <a:t>2017/12/8</a:t>
+              <a:t>2017/12/11</a:t>
             </a:fld>
             <a:endParaRPr kumimoji="1" lang="ja-JP" altLang="en-US"/>
           </a:p>
@@ -1292,7 +1292,7 @@
           <a:p>
             <a:fld id="{58F1A61C-07EC-4CEE-80EB-D6F8CCBD6E84}" type="datetimeFigureOut">
               <a:rPr kumimoji="1" lang="ja-JP" altLang="en-US" smtClean="0"/>
-              <a:t>2017/12/8</a:t>
+              <a:t>2017/12/11</a:t>
             </a:fld>
             <a:endParaRPr kumimoji="1" lang="ja-JP" altLang="en-US"/>
           </a:p>
@@ -1538,7 +1538,7 @@
           <a:p>
             <a:fld id="{58F1A61C-07EC-4CEE-80EB-D6F8CCBD6E84}" type="datetimeFigureOut">
               <a:rPr kumimoji="1" lang="ja-JP" altLang="en-US" smtClean="0"/>
-              <a:t>2017/12/8</a:t>
+              <a:t>2017/12/11</a:t>
             </a:fld>
             <a:endParaRPr kumimoji="1" lang="ja-JP" altLang="en-US"/>
           </a:p>
@@ -1890,7 +1890,7 @@
           <a:p>
             <a:fld id="{58F1A61C-07EC-4CEE-80EB-D6F8CCBD6E84}" type="datetimeFigureOut">
               <a:rPr kumimoji="1" lang="ja-JP" altLang="en-US" smtClean="0"/>
-              <a:t>2017/12/8</a:t>
+              <a:t>2017/12/11</a:t>
             </a:fld>
             <a:endParaRPr kumimoji="1" lang="ja-JP" altLang="en-US"/>
           </a:p>
@@ -2376,7 +2376,7 @@
           <a:p>
             <a:fld id="{58F1A61C-07EC-4CEE-80EB-D6F8CCBD6E84}" type="datetimeFigureOut">
               <a:rPr kumimoji="1" lang="ja-JP" altLang="en-US" smtClean="0"/>
-              <a:t>2017/12/8</a:t>
+              <a:t>2017/12/11</a:t>
             </a:fld>
             <a:endParaRPr kumimoji="1" lang="ja-JP" altLang="en-US"/>
           </a:p>
@@ -2494,7 +2494,7 @@
           <a:p>
             <a:fld id="{58F1A61C-07EC-4CEE-80EB-D6F8CCBD6E84}" type="datetimeFigureOut">
               <a:rPr kumimoji="1" lang="ja-JP" altLang="en-US" smtClean="0"/>
-              <a:t>2017/12/8</a:t>
+              <a:t>2017/12/11</a:t>
             </a:fld>
             <a:endParaRPr kumimoji="1" lang="ja-JP" altLang="en-US"/>
           </a:p>
@@ -2589,7 +2589,7 @@
           <a:p>
             <a:fld id="{58F1A61C-07EC-4CEE-80EB-D6F8CCBD6E84}" type="datetimeFigureOut">
               <a:rPr kumimoji="1" lang="ja-JP" altLang="en-US" smtClean="0"/>
-              <a:t>2017/12/8</a:t>
+              <a:t>2017/12/11</a:t>
             </a:fld>
             <a:endParaRPr kumimoji="1" lang="ja-JP" altLang="en-US"/>
           </a:p>
@@ -2898,7 +2898,7 @@
           <a:p>
             <a:fld id="{58F1A61C-07EC-4CEE-80EB-D6F8CCBD6E84}" type="datetimeFigureOut">
               <a:rPr kumimoji="1" lang="ja-JP" altLang="en-US" smtClean="0"/>
-              <a:t>2017/12/8</a:t>
+              <a:t>2017/12/11</a:t>
             </a:fld>
             <a:endParaRPr kumimoji="1" lang="ja-JP" altLang="en-US"/>
           </a:p>
@@ -3151,7 +3151,7 @@
           <a:p>
             <a:fld id="{58F1A61C-07EC-4CEE-80EB-D6F8CCBD6E84}" type="datetimeFigureOut">
               <a:rPr kumimoji="1" lang="ja-JP" altLang="en-US" smtClean="0"/>
-              <a:t>2017/12/8</a:t>
+              <a:t>2017/12/11</a:t>
             </a:fld>
             <a:endParaRPr kumimoji="1" lang="ja-JP" altLang="en-US"/>
           </a:p>
@@ -3396,7 +3396,7 @@
           <a:p>
             <a:fld id="{58F1A61C-07EC-4CEE-80EB-D6F8CCBD6E84}" type="datetimeFigureOut">
               <a:rPr kumimoji="1" lang="ja-JP" altLang="en-US" smtClean="0"/>
-              <a:t>2017/12/8</a:t>
+              <a:t>2017/12/11</a:t>
             </a:fld>
             <a:endParaRPr kumimoji="1" lang="ja-JP" altLang="en-US"/>
           </a:p>
@@ -3773,553 +3773,14 @@
       </p:grpSpPr>
       <p:sp>
         <p:nvSpPr>
-          <p:cNvPr id="98" name="正方形/長方形 97"/>
+          <p:cNvPr id="71" name="正方形/長方形 70"/>
           <p:cNvSpPr/>
           <p:nvPr/>
         </p:nvSpPr>
         <p:spPr>
           <a:xfrm>
-            <a:off x="1223216" y="4094656"/>
-            <a:ext cx="2304256" cy="1296144"/>
-          </a:xfrm>
-          <a:prstGeom prst="rect">
-            <a:avLst/>
-          </a:prstGeom>
-          <a:solidFill>
-            <a:schemeClr val="accent2">
-              <a:lumMod val="40000"/>
-              <a:lumOff val="60000"/>
-            </a:schemeClr>
-          </a:solidFill>
-          <a:ln>
-            <a:prstDash val="sysDot"/>
-          </a:ln>
-          <a:effectLst>
-            <a:outerShdw blurRad="50800" dist="38100" dir="2700000" algn="tl" rotWithShape="0">
-              <a:prstClr val="black">
-                <a:alpha val="40000"/>
-              </a:prstClr>
-            </a:outerShdw>
-          </a:effectLst>
-        </p:spPr>
-        <p:style>
-          <a:lnRef idx="2">
-            <a:schemeClr val="accent1">
-              <a:shade val="50000"/>
-            </a:schemeClr>
-          </a:lnRef>
-          <a:fillRef idx="1">
-            <a:schemeClr val="accent1"/>
-          </a:fillRef>
-          <a:effectRef idx="0">
-            <a:schemeClr val="accent1"/>
-          </a:effectRef>
-          <a:fontRef idx="minor">
-            <a:schemeClr val="lt1"/>
-          </a:fontRef>
-        </p:style>
-        <p:txBody>
-          <a:bodyPr rtlCol="0" anchor="ctr"/>
-          <a:lstStyle/>
-          <a:p>
-            <a:pPr algn="ctr"/>
-            <a:endParaRPr kumimoji="1" lang="ja-JP" altLang="en-US"/>
-          </a:p>
-        </p:txBody>
-      </p:sp>
-      <p:sp>
-        <p:nvSpPr>
-          <p:cNvPr id="95" name="正方形/長方形 94"/>
-          <p:cNvSpPr/>
-          <p:nvPr/>
-        </p:nvSpPr>
-        <p:spPr>
-          <a:xfrm>
-            <a:off x="1070816" y="3599392"/>
-            <a:ext cx="2304256" cy="1296144"/>
-          </a:xfrm>
-          <a:prstGeom prst="rect">
-            <a:avLst/>
-          </a:prstGeom>
-          <a:solidFill>
-            <a:schemeClr val="accent2">
-              <a:lumMod val="40000"/>
-              <a:lumOff val="60000"/>
-            </a:schemeClr>
-          </a:solidFill>
-          <a:ln>
-            <a:prstDash val="sysDot"/>
-          </a:ln>
-          <a:effectLst>
-            <a:outerShdw blurRad="50800" dist="38100" dir="2700000" algn="tl" rotWithShape="0">
-              <a:prstClr val="black">
-                <a:alpha val="40000"/>
-              </a:prstClr>
-            </a:outerShdw>
-          </a:effectLst>
-        </p:spPr>
-        <p:style>
-          <a:lnRef idx="2">
-            <a:schemeClr val="accent1">
-              <a:shade val="50000"/>
-            </a:schemeClr>
-          </a:lnRef>
-          <a:fillRef idx="1">
-            <a:schemeClr val="accent1"/>
-          </a:fillRef>
-          <a:effectRef idx="0">
-            <a:schemeClr val="accent1"/>
-          </a:effectRef>
-          <a:fontRef idx="minor">
-            <a:schemeClr val="lt1"/>
-          </a:fontRef>
-        </p:style>
-        <p:txBody>
-          <a:bodyPr rtlCol="0" anchor="ctr"/>
-          <a:lstStyle/>
-          <a:p>
-            <a:pPr algn="ctr"/>
-            <a:endParaRPr kumimoji="1" lang="ja-JP" altLang="en-US"/>
-          </a:p>
-        </p:txBody>
-      </p:sp>
-      <p:sp>
-        <p:nvSpPr>
-          <p:cNvPr id="78" name="正方形/長方形 77"/>
-          <p:cNvSpPr/>
-          <p:nvPr/>
-        </p:nvSpPr>
-        <p:spPr>
-          <a:xfrm>
-            <a:off x="899592" y="2663288"/>
-            <a:ext cx="2304256" cy="1296144"/>
-          </a:xfrm>
-          <a:prstGeom prst="rect">
-            <a:avLst/>
-          </a:prstGeom>
-          <a:solidFill>
-            <a:schemeClr val="accent2">
-              <a:lumMod val="40000"/>
-              <a:lumOff val="60000"/>
-            </a:schemeClr>
-          </a:solidFill>
-          <a:effectLst>
-            <a:outerShdw blurRad="50800" dist="38100" dir="2700000" algn="tl" rotWithShape="0">
-              <a:prstClr val="black">
-                <a:alpha val="40000"/>
-              </a:prstClr>
-            </a:outerShdw>
-          </a:effectLst>
-        </p:spPr>
-        <p:style>
-          <a:lnRef idx="2">
-            <a:schemeClr val="accent1">
-              <a:shade val="50000"/>
-            </a:schemeClr>
-          </a:lnRef>
-          <a:fillRef idx="1">
-            <a:schemeClr val="accent1"/>
-          </a:fillRef>
-          <a:effectRef idx="0">
-            <a:schemeClr val="accent1"/>
-          </a:effectRef>
-          <a:fontRef idx="minor">
-            <a:schemeClr val="lt1"/>
-          </a:fontRef>
-        </p:style>
-        <p:txBody>
-          <a:bodyPr rtlCol="0" anchor="ctr"/>
-          <a:lstStyle/>
-          <a:p>
-            <a:pPr algn="ctr"/>
-            <a:endParaRPr kumimoji="1" lang="ja-JP" altLang="en-US"/>
-          </a:p>
-        </p:txBody>
-      </p:sp>
-      <p:sp>
-        <p:nvSpPr>
-          <p:cNvPr id="79" name="正方形/長方形 78"/>
-          <p:cNvSpPr/>
-          <p:nvPr/>
-        </p:nvSpPr>
-        <p:spPr>
-          <a:xfrm>
-            <a:off x="971600" y="3050223"/>
-            <a:ext cx="1008112" cy="189129"/>
-          </a:xfrm>
-          <a:prstGeom prst="rect">
-            <a:avLst/>
-          </a:prstGeom>
-          <a:noFill/>
-          <a:ln w="12700">
-            <a:noFill/>
-          </a:ln>
-        </p:spPr>
-        <p:style>
-          <a:lnRef idx="2">
-            <a:schemeClr val="accent1">
-              <a:shade val="50000"/>
-            </a:schemeClr>
-          </a:lnRef>
-          <a:fillRef idx="1">
-            <a:schemeClr val="accent1"/>
-          </a:fillRef>
-          <a:effectRef idx="0">
-            <a:schemeClr val="accent1"/>
-          </a:effectRef>
-          <a:fontRef idx="minor">
-            <a:schemeClr val="lt1"/>
-          </a:fontRef>
-        </p:style>
-        <p:txBody>
-          <a:bodyPr rtlCol="0" anchor="ctr"/>
-          <a:lstStyle/>
-          <a:p>
-            <a:pPr algn="ctr"/>
-            <a:r>
-              <a:rPr lang="en-US" altLang="ja-JP" sz="1000" dirty="0" smtClean="0">
-                <a:solidFill>
-                  <a:schemeClr val="tx1"/>
-                </a:solidFill>
-              </a:rPr>
-              <a:t>client</a:t>
-            </a:r>
-            <a:r>
-              <a:rPr kumimoji="1" lang="en-US" altLang="ja-JP" sz="1000" dirty="0" smtClean="0">
-                <a:solidFill>
-                  <a:schemeClr val="tx1"/>
-                </a:solidFill>
-              </a:rPr>
-              <a:t> process</a:t>
-            </a:r>
-          </a:p>
-        </p:txBody>
-      </p:sp>
-      <p:sp>
-        <p:nvSpPr>
-          <p:cNvPr id="88" name="正方形/長方形 87"/>
-          <p:cNvSpPr/>
-          <p:nvPr/>
-        </p:nvSpPr>
-        <p:spPr>
-          <a:xfrm>
-            <a:off x="1979712" y="3311360"/>
-            <a:ext cx="1080120" cy="504056"/>
-          </a:xfrm>
-          <a:prstGeom prst="rect">
-            <a:avLst/>
-          </a:prstGeom>
-          <a:solidFill>
-            <a:schemeClr val="accent1">
-              <a:lumMod val="40000"/>
-              <a:lumOff val="60000"/>
-            </a:schemeClr>
-          </a:solidFill>
-          <a:effectLst>
-            <a:outerShdw blurRad="50800" dist="38100" dir="2700000" algn="tl" rotWithShape="0">
-              <a:prstClr val="black">
-                <a:alpha val="40000"/>
-              </a:prstClr>
-            </a:outerShdw>
-          </a:effectLst>
-        </p:spPr>
-        <p:style>
-          <a:lnRef idx="2">
-            <a:schemeClr val="accent1">
-              <a:shade val="50000"/>
-            </a:schemeClr>
-          </a:lnRef>
-          <a:fillRef idx="1">
-            <a:schemeClr val="accent1"/>
-          </a:fillRef>
-          <a:effectRef idx="0">
-            <a:schemeClr val="accent1"/>
-          </a:effectRef>
-          <a:fontRef idx="minor">
-            <a:schemeClr val="lt1"/>
-          </a:fontRef>
-        </p:style>
-        <p:txBody>
-          <a:bodyPr rtlCol="0" anchor="ctr"/>
-          <a:lstStyle/>
-          <a:p>
-            <a:pPr algn="ctr"/>
-            <a:endParaRPr kumimoji="1" lang="ja-JP" altLang="en-US"/>
-          </a:p>
-        </p:txBody>
-      </p:sp>
-      <p:sp>
-        <p:nvSpPr>
-          <p:cNvPr id="89" name="正方形/長方形 88"/>
-          <p:cNvSpPr/>
-          <p:nvPr/>
-        </p:nvSpPr>
-        <p:spPr>
-          <a:xfrm>
-            <a:off x="2411760" y="3167344"/>
-            <a:ext cx="720080" cy="189129"/>
-          </a:xfrm>
-          <a:prstGeom prst="rect">
-            <a:avLst/>
-          </a:prstGeom>
-          <a:noFill/>
-          <a:ln w="12700">
-            <a:noFill/>
-          </a:ln>
-        </p:spPr>
-        <p:style>
-          <a:lnRef idx="2">
-            <a:schemeClr val="accent1">
-              <a:shade val="50000"/>
-            </a:schemeClr>
-          </a:lnRef>
-          <a:fillRef idx="1">
-            <a:schemeClr val="accent1"/>
-          </a:fillRef>
-          <a:effectRef idx="0">
-            <a:schemeClr val="accent1"/>
-          </a:effectRef>
-          <a:fontRef idx="minor">
-            <a:schemeClr val="lt1"/>
-          </a:fontRef>
-        </p:style>
-        <p:txBody>
-          <a:bodyPr rtlCol="0" anchor="ctr"/>
-          <a:lstStyle/>
-          <a:p>
-            <a:pPr algn="ctr"/>
-            <a:r>
-              <a:rPr kumimoji="1" lang="en-US" altLang="ja-JP" sz="1000" dirty="0" smtClean="0">
-                <a:solidFill>
-                  <a:schemeClr val="tx1"/>
-                </a:solidFill>
-              </a:rPr>
-              <a:t>1 thread</a:t>
-            </a:r>
-          </a:p>
-        </p:txBody>
-      </p:sp>
-      <p:sp>
-        <p:nvSpPr>
-          <p:cNvPr id="73" name="正方形/長方形 72"/>
-          <p:cNvSpPr/>
-          <p:nvPr/>
-        </p:nvSpPr>
-        <p:spPr>
-          <a:xfrm>
-            <a:off x="323528" y="1124744"/>
-            <a:ext cx="8496944" cy="4968552"/>
-          </a:xfrm>
-          <a:prstGeom prst="rect">
-            <a:avLst/>
-          </a:prstGeom>
-          <a:noFill/>
-          <a:ln w="9525">
-            <a:solidFill>
-              <a:schemeClr val="tx1"/>
-            </a:solidFill>
-          </a:ln>
-        </p:spPr>
-        <p:style>
-          <a:lnRef idx="2">
-            <a:schemeClr val="accent1">
-              <a:shade val="50000"/>
-            </a:schemeClr>
-          </a:lnRef>
-          <a:fillRef idx="1">
-            <a:schemeClr val="accent1"/>
-          </a:fillRef>
-          <a:effectRef idx="0">
-            <a:schemeClr val="accent1"/>
-          </a:effectRef>
-          <a:fontRef idx="minor">
-            <a:schemeClr val="lt1"/>
-          </a:fontRef>
-        </p:style>
-        <p:txBody>
-          <a:bodyPr rtlCol="0" anchor="ctr"/>
-          <a:lstStyle/>
-          <a:p>
-            <a:pPr algn="ctr"/>
-            <a:endParaRPr kumimoji="1" lang="ja-JP" altLang="en-US"/>
-          </a:p>
-        </p:txBody>
-      </p:sp>
-      <p:sp>
-        <p:nvSpPr>
-          <p:cNvPr id="74" name="正方形/長方形 73"/>
-          <p:cNvSpPr/>
-          <p:nvPr/>
-        </p:nvSpPr>
-        <p:spPr>
-          <a:xfrm>
-            <a:off x="323528" y="837064"/>
-            <a:ext cx="936104" cy="287680"/>
-          </a:xfrm>
-          <a:prstGeom prst="rect">
-            <a:avLst/>
-          </a:prstGeom>
-          <a:noFill/>
-          <a:ln w="12700">
-            <a:noFill/>
-          </a:ln>
-        </p:spPr>
-        <p:style>
-          <a:lnRef idx="2">
-            <a:schemeClr val="accent1">
-              <a:shade val="50000"/>
-            </a:schemeClr>
-          </a:lnRef>
-          <a:fillRef idx="1">
-            <a:schemeClr val="accent1"/>
-          </a:fillRef>
-          <a:effectRef idx="0">
-            <a:schemeClr val="accent1"/>
-          </a:effectRef>
-          <a:fontRef idx="minor">
-            <a:schemeClr val="lt1"/>
-          </a:fontRef>
-        </p:style>
-        <p:txBody>
-          <a:bodyPr rtlCol="0" anchor="ctr"/>
-          <a:lstStyle/>
-          <a:p>
-            <a:pPr algn="ctr"/>
-            <a:r>
-              <a:rPr lang="en-US" altLang="ja-JP" sz="1100" dirty="0">
-                <a:solidFill>
-                  <a:schemeClr val="tx1"/>
-                </a:solidFill>
-              </a:rPr>
-              <a:t>c</a:t>
-            </a:r>
-            <a:r>
-              <a:rPr kumimoji="1" lang="en-US" altLang="ja-JP" sz="1100" dirty="0" smtClean="0">
-                <a:solidFill>
-                  <a:schemeClr val="tx1"/>
-                </a:solidFill>
-              </a:rPr>
-              <a:t>omponent diagram</a:t>
-            </a:r>
-          </a:p>
-        </p:txBody>
-      </p:sp>
-      <p:sp>
-        <p:nvSpPr>
-          <p:cNvPr id="2" name="正方形/長方形 1"/>
-          <p:cNvSpPr/>
-          <p:nvPr/>
-        </p:nvSpPr>
-        <p:spPr>
-          <a:xfrm>
-            <a:off x="4860032" y="1412776"/>
-            <a:ext cx="3672408" cy="4032448"/>
-          </a:xfrm>
-          <a:prstGeom prst="rect">
-            <a:avLst/>
-          </a:prstGeom>
-          <a:effectLst>
-            <a:outerShdw blurRad="50800" dist="38100" dir="2700000" algn="tl" rotWithShape="0">
-              <a:prstClr val="black">
-                <a:alpha val="40000"/>
-              </a:prstClr>
-            </a:outerShdw>
-          </a:effectLst>
-        </p:spPr>
-        <p:style>
-          <a:lnRef idx="2">
-            <a:schemeClr val="accent1">
-              <a:shade val="50000"/>
-            </a:schemeClr>
-          </a:lnRef>
-          <a:fillRef idx="1">
-            <a:schemeClr val="accent1"/>
-          </a:fillRef>
-          <a:effectRef idx="0">
-            <a:schemeClr val="accent1"/>
-          </a:effectRef>
-          <a:fontRef idx="minor">
-            <a:schemeClr val="lt1"/>
-          </a:fontRef>
-        </p:style>
-        <p:txBody>
-          <a:bodyPr rtlCol="0" anchor="ctr"/>
-          <a:lstStyle/>
-          <a:p>
-            <a:pPr algn="ctr"/>
-            <a:endParaRPr kumimoji="1" lang="ja-JP" altLang="en-US"/>
-          </a:p>
-        </p:txBody>
-      </p:sp>
-      <p:sp>
-        <p:nvSpPr>
-          <p:cNvPr id="54" name="正方形/長方形 53"/>
-          <p:cNvSpPr/>
-          <p:nvPr/>
-        </p:nvSpPr>
-        <p:spPr>
-          <a:xfrm>
-            <a:off x="4860032" y="1511679"/>
-            <a:ext cx="1008112" cy="189129"/>
-          </a:xfrm>
-          <a:prstGeom prst="rect">
-            <a:avLst/>
-          </a:prstGeom>
-          <a:noFill/>
-          <a:ln w="12700">
-            <a:noFill/>
-          </a:ln>
-        </p:spPr>
-        <p:style>
-          <a:lnRef idx="2">
-            <a:schemeClr val="accent1">
-              <a:shade val="50000"/>
-            </a:schemeClr>
-          </a:lnRef>
-          <a:fillRef idx="1">
-            <a:schemeClr val="accent1"/>
-          </a:fillRef>
-          <a:effectRef idx="0">
-            <a:schemeClr val="accent1"/>
-          </a:effectRef>
-          <a:fontRef idx="minor">
-            <a:schemeClr val="lt1"/>
-          </a:fontRef>
-        </p:style>
-        <p:txBody>
-          <a:bodyPr rtlCol="0" anchor="ctr"/>
-          <a:lstStyle/>
-          <a:p>
-            <a:pPr algn="ctr"/>
-            <a:r>
-              <a:rPr lang="en-US" altLang="ja-JP" sz="1000" dirty="0">
-                <a:solidFill>
-                  <a:schemeClr val="bg1"/>
-                </a:solidFill>
-              </a:rPr>
-              <a:t>s</a:t>
-            </a:r>
-            <a:r>
-              <a:rPr kumimoji="1" lang="en-US" altLang="ja-JP" sz="1000" dirty="0" smtClean="0">
-                <a:solidFill>
-                  <a:schemeClr val="bg1"/>
-                </a:solidFill>
-              </a:rPr>
-              <a:t>erver process</a:t>
-            </a:r>
-          </a:p>
-        </p:txBody>
-      </p:sp>
-      <p:sp>
-        <p:nvSpPr>
-          <p:cNvPr id="5" name="正方形/長方形 4"/>
-          <p:cNvSpPr/>
-          <p:nvPr/>
-        </p:nvSpPr>
-        <p:spPr>
-          <a:xfrm>
-            <a:off x="6696236" y="2050472"/>
-            <a:ext cx="1548172" cy="2890696"/>
+            <a:off x="4720677" y="548328"/>
+            <a:ext cx="1528801" cy="2088232"/>
           </a:xfrm>
           <a:prstGeom prst="rect">
             <a:avLst/>
@@ -4361,135 +3822,30 @@
           <a:lstStyle/>
           <a:p>
             <a:pPr algn="ctr"/>
-            <a:endParaRPr kumimoji="1" lang="ja-JP" altLang="en-US" dirty="0"/>
-          </a:p>
-        </p:txBody>
-      </p:sp>
-      <p:sp>
-        <p:nvSpPr>
-          <p:cNvPr id="55" name="正方形/長方形 54"/>
+            <a:endParaRPr kumimoji="1" lang="ja-JP" altLang="en-US" sz="1000" dirty="0">
+              <a:solidFill>
+                <a:schemeClr val="tx1"/>
+              </a:solidFill>
+            </a:endParaRPr>
+          </a:p>
+        </p:txBody>
+      </p:sp>
+      <p:sp>
+        <p:nvSpPr>
+          <p:cNvPr id="98" name="正方形/長方形 97"/>
           <p:cNvSpPr/>
           <p:nvPr/>
         </p:nvSpPr>
         <p:spPr>
           <a:xfrm>
-            <a:off x="6732240" y="2096016"/>
-            <a:ext cx="1224136" cy="177556"/>
+            <a:off x="1151208" y="5300856"/>
+            <a:ext cx="2304256" cy="1296144"/>
           </a:xfrm>
           <a:prstGeom prst="rect">
             <a:avLst/>
           </a:prstGeom>
-          <a:noFill/>
-          <a:ln w="12700">
-            <a:noFill/>
-          </a:ln>
-        </p:spPr>
-        <p:style>
-          <a:lnRef idx="2">
-            <a:schemeClr val="accent1">
-              <a:shade val="50000"/>
-            </a:schemeClr>
-          </a:lnRef>
-          <a:fillRef idx="1">
-            <a:schemeClr val="accent1"/>
-          </a:fillRef>
-          <a:effectRef idx="0">
-            <a:schemeClr val="accent1"/>
-          </a:effectRef>
-          <a:fontRef idx="minor">
-            <a:schemeClr val="lt1"/>
-          </a:fontRef>
-        </p:style>
-        <p:txBody>
-          <a:bodyPr rtlCol="0" anchor="ctr"/>
-          <a:lstStyle/>
-          <a:p>
-            <a:r>
-              <a:rPr kumimoji="1" lang="en-US" altLang="ja-JP" sz="1000" dirty="0" smtClean="0">
-                <a:solidFill>
-                  <a:schemeClr val="tx1"/>
-                </a:solidFill>
-              </a:rPr>
-              <a:t>Server</a:t>
-            </a:r>
-            <a:r>
-              <a:rPr lang="en-US" altLang="ja-JP" sz="1000" dirty="0" smtClean="0">
-                <a:solidFill>
-                  <a:schemeClr val="tx1"/>
-                </a:solidFill>
-              </a:rPr>
-              <a:t> instance</a:t>
-            </a:r>
-          </a:p>
-        </p:txBody>
-      </p:sp>
-      <p:sp>
-        <p:nvSpPr>
-          <p:cNvPr id="57" name="正方形/長方形 56"/>
-          <p:cNvSpPr/>
-          <p:nvPr/>
-        </p:nvSpPr>
-        <p:spPr>
-          <a:xfrm>
-            <a:off x="7668344" y="2015735"/>
-            <a:ext cx="720080" cy="189129"/>
-          </a:xfrm>
-          <a:prstGeom prst="rect">
-            <a:avLst/>
-          </a:prstGeom>
-          <a:noFill/>
-          <a:ln w="12700">
-            <a:noFill/>
-          </a:ln>
-        </p:spPr>
-        <p:style>
-          <a:lnRef idx="2">
-            <a:schemeClr val="accent1">
-              <a:shade val="50000"/>
-            </a:schemeClr>
-          </a:lnRef>
-          <a:fillRef idx="1">
-            <a:schemeClr val="accent1"/>
-          </a:fillRef>
-          <a:effectRef idx="0">
-            <a:schemeClr val="accent1"/>
-          </a:effectRef>
-          <a:fontRef idx="minor">
-            <a:schemeClr val="lt1"/>
-          </a:fontRef>
-        </p:style>
-        <p:txBody>
-          <a:bodyPr rtlCol="0" anchor="ctr"/>
-          <a:lstStyle/>
-          <a:p>
-            <a:pPr algn="ctr"/>
-            <a:r>
-              <a:rPr kumimoji="1" lang="en-US" altLang="ja-JP" sz="1000" dirty="0" smtClean="0">
-                <a:solidFill>
-                  <a:schemeClr val="tx1"/>
-                </a:solidFill>
-              </a:rPr>
-              <a:t>1 thread</a:t>
-            </a:r>
-          </a:p>
-        </p:txBody>
-      </p:sp>
-      <p:sp>
-        <p:nvSpPr>
-          <p:cNvPr id="100" name="正方形/長方形 99"/>
-          <p:cNvSpPr/>
-          <p:nvPr/>
-        </p:nvSpPr>
-        <p:spPr>
-          <a:xfrm>
-            <a:off x="5321556" y="3778664"/>
-            <a:ext cx="1080120" cy="504056"/>
-          </a:xfrm>
-          <a:prstGeom prst="rect">
-            <a:avLst/>
-          </a:prstGeom>
           <a:solidFill>
-            <a:schemeClr val="accent1">
+            <a:schemeClr val="accent2">
               <a:lumMod val="40000"/>
               <a:lumOff val="60000"/>
             </a:schemeClr>
@@ -4532,20 +3888,20 @@
       </p:sp>
       <p:sp>
         <p:nvSpPr>
-          <p:cNvPr id="97" name="正方形/長方形 96"/>
+          <p:cNvPr id="95" name="正方形/長方形 94"/>
           <p:cNvSpPr/>
           <p:nvPr/>
         </p:nvSpPr>
         <p:spPr>
           <a:xfrm>
-            <a:off x="5230705" y="3426834"/>
-            <a:ext cx="1080120" cy="504056"/>
+            <a:off x="998808" y="4868808"/>
+            <a:ext cx="2304256" cy="1296144"/>
           </a:xfrm>
           <a:prstGeom prst="rect">
             <a:avLst/>
           </a:prstGeom>
           <a:solidFill>
-            <a:schemeClr val="accent1">
+            <a:schemeClr val="accent2">
               <a:lumMod val="40000"/>
               <a:lumOff val="60000"/>
             </a:schemeClr>
@@ -4588,20 +3944,20 @@
       </p:sp>
       <p:sp>
         <p:nvSpPr>
-          <p:cNvPr id="60" name="正方形/長方形 59"/>
+          <p:cNvPr id="78" name="正方形/長方形 77"/>
           <p:cNvSpPr/>
           <p:nvPr/>
         </p:nvSpPr>
         <p:spPr>
           <a:xfrm>
-            <a:off x="5148064" y="3058584"/>
-            <a:ext cx="1080120" cy="504056"/>
+            <a:off x="827584" y="4247112"/>
+            <a:ext cx="2304256" cy="1296144"/>
           </a:xfrm>
           <a:prstGeom prst="rect">
             <a:avLst/>
           </a:prstGeom>
           <a:solidFill>
-            <a:schemeClr val="accent1">
+            <a:schemeClr val="accent2">
               <a:lumMod val="40000"/>
               <a:lumOff val="60000"/>
             </a:schemeClr>
@@ -4641,14 +3997,14 @@
       </p:sp>
       <p:sp>
         <p:nvSpPr>
-          <p:cNvPr id="63" name="正方形/長方形 62"/>
+          <p:cNvPr id="79" name="正方形/長方形 78"/>
           <p:cNvSpPr/>
           <p:nvPr/>
         </p:nvSpPr>
         <p:spPr>
           <a:xfrm>
-            <a:off x="5868144" y="3167863"/>
-            <a:ext cx="720080" cy="189129"/>
+            <a:off x="827584" y="4607152"/>
+            <a:ext cx="1008112" cy="189129"/>
           </a:xfrm>
           <a:prstGeom prst="rect">
             <a:avLst/>
@@ -4680,32 +4036,40 @@
           <a:p>
             <a:pPr algn="ctr"/>
             <a:r>
+              <a:rPr lang="en-US" altLang="ja-JP" sz="1000" dirty="0" smtClean="0">
+                <a:solidFill>
+                  <a:schemeClr val="tx1"/>
+                </a:solidFill>
+              </a:rPr>
+              <a:t>client</a:t>
+            </a:r>
+            <a:r>
               <a:rPr kumimoji="1" lang="en-US" altLang="ja-JP" sz="1000" dirty="0" smtClean="0">
                 <a:solidFill>
                   <a:schemeClr val="tx1"/>
                 </a:solidFill>
               </a:rPr>
-              <a:t>1 thread</a:t>
-            </a:r>
-          </a:p>
-        </p:txBody>
-      </p:sp>
-      <p:sp>
-        <p:nvSpPr>
-          <p:cNvPr id="67" name="正方形/長方形 66"/>
+              <a:t> process</a:t>
+            </a:r>
+          </a:p>
+        </p:txBody>
+      </p:sp>
+      <p:sp>
+        <p:nvSpPr>
+          <p:cNvPr id="88" name="正方形/長方形 87"/>
           <p:cNvSpPr/>
           <p:nvPr/>
         </p:nvSpPr>
         <p:spPr>
           <a:xfrm>
-            <a:off x="755576" y="1367144"/>
-            <a:ext cx="2304256" cy="1656184"/>
+            <a:off x="1907704" y="4895184"/>
+            <a:ext cx="1080120" cy="504056"/>
           </a:xfrm>
           <a:prstGeom prst="rect">
             <a:avLst/>
           </a:prstGeom>
           <a:solidFill>
-            <a:schemeClr val="accent2">
+            <a:schemeClr val="accent1">
               <a:lumMod val="40000"/>
               <a:lumOff val="60000"/>
             </a:schemeClr>
@@ -4745,14 +4109,14 @@
       </p:sp>
       <p:sp>
         <p:nvSpPr>
-          <p:cNvPr id="69" name="正方形/長方形 68"/>
+          <p:cNvPr id="89" name="正方形/長方形 88"/>
           <p:cNvSpPr/>
           <p:nvPr/>
         </p:nvSpPr>
         <p:spPr>
           <a:xfrm>
-            <a:off x="827584" y="1394039"/>
-            <a:ext cx="1008112" cy="189129"/>
+            <a:off x="2339752" y="4751168"/>
+            <a:ext cx="720080" cy="189129"/>
           </a:xfrm>
           <a:prstGeom prst="rect">
             <a:avLst/>
@@ -4784,44 +4148,135 @@
           <a:p>
             <a:pPr algn="ctr"/>
             <a:r>
-              <a:rPr lang="en-US" altLang="ja-JP" sz="1000" dirty="0" smtClean="0">
+              <a:rPr kumimoji="1" lang="en-US" altLang="ja-JP" sz="1000" dirty="0" smtClean="0">
                 <a:solidFill>
                   <a:schemeClr val="tx1"/>
                 </a:solidFill>
               </a:rPr>
-              <a:t>client</a:t>
-            </a:r>
-            <a:r>
-              <a:rPr kumimoji="1" lang="en-US" altLang="ja-JP" sz="1000" dirty="0" smtClean="0">
+              <a:t>1 thread</a:t>
+            </a:r>
+          </a:p>
+        </p:txBody>
+      </p:sp>
+      <p:sp>
+        <p:nvSpPr>
+          <p:cNvPr id="73" name="正方形/長方形 72"/>
+          <p:cNvSpPr/>
+          <p:nvPr/>
+        </p:nvSpPr>
+        <p:spPr>
+          <a:xfrm>
+            <a:off x="323528" y="404312"/>
+            <a:ext cx="8496944" cy="6336704"/>
+          </a:xfrm>
+          <a:prstGeom prst="rect">
+            <a:avLst/>
+          </a:prstGeom>
+          <a:noFill/>
+          <a:ln w="9525">
+            <a:solidFill>
+              <a:schemeClr val="tx1"/>
+            </a:solidFill>
+          </a:ln>
+        </p:spPr>
+        <p:style>
+          <a:lnRef idx="2">
+            <a:schemeClr val="accent1">
+              <a:shade val="50000"/>
+            </a:schemeClr>
+          </a:lnRef>
+          <a:fillRef idx="1">
+            <a:schemeClr val="accent1"/>
+          </a:fillRef>
+          <a:effectRef idx="0">
+            <a:schemeClr val="accent1"/>
+          </a:effectRef>
+          <a:fontRef idx="minor">
+            <a:schemeClr val="lt1"/>
+          </a:fontRef>
+        </p:style>
+        <p:txBody>
+          <a:bodyPr rtlCol="0" anchor="ctr"/>
+          <a:lstStyle/>
+          <a:p>
+            <a:pPr algn="ctr"/>
+            <a:endParaRPr kumimoji="1" lang="ja-JP" altLang="en-US"/>
+          </a:p>
+        </p:txBody>
+      </p:sp>
+      <p:sp>
+        <p:nvSpPr>
+          <p:cNvPr id="74" name="正方形/長方形 73"/>
+          <p:cNvSpPr/>
+          <p:nvPr/>
+        </p:nvSpPr>
+        <p:spPr>
+          <a:xfrm>
+            <a:off x="323528" y="116632"/>
+            <a:ext cx="936104" cy="287680"/>
+          </a:xfrm>
+          <a:prstGeom prst="rect">
+            <a:avLst/>
+          </a:prstGeom>
+          <a:noFill/>
+          <a:ln w="12700">
+            <a:noFill/>
+          </a:ln>
+        </p:spPr>
+        <p:style>
+          <a:lnRef idx="2">
+            <a:schemeClr val="accent1">
+              <a:shade val="50000"/>
+            </a:schemeClr>
+          </a:lnRef>
+          <a:fillRef idx="1">
+            <a:schemeClr val="accent1"/>
+          </a:fillRef>
+          <a:effectRef idx="0">
+            <a:schemeClr val="accent1"/>
+          </a:effectRef>
+          <a:fontRef idx="minor">
+            <a:schemeClr val="lt1"/>
+          </a:fontRef>
+        </p:style>
+        <p:txBody>
+          <a:bodyPr rtlCol="0" anchor="ctr"/>
+          <a:lstStyle/>
+          <a:p>
+            <a:pPr algn="ctr"/>
+            <a:r>
+              <a:rPr lang="en-US" altLang="ja-JP" sz="1100" dirty="0">
                 <a:solidFill>
                   <a:schemeClr val="tx1"/>
                 </a:solidFill>
               </a:rPr>
-              <a:t> process</a:t>
-            </a:r>
-          </a:p>
-        </p:txBody>
-      </p:sp>
-      <p:sp>
-        <p:nvSpPr>
-          <p:cNvPr id="70" name="正方形/長方形 69"/>
+              <a:t>c</a:t>
+            </a:r>
+            <a:r>
+              <a:rPr kumimoji="1" lang="en-US" altLang="ja-JP" sz="1100" dirty="0" smtClean="0">
+                <a:solidFill>
+                  <a:schemeClr val="tx1"/>
+                </a:solidFill>
+              </a:rPr>
+              <a:t>omponent diagram</a:t>
+            </a:r>
+          </a:p>
+        </p:txBody>
+      </p:sp>
+      <p:sp>
+        <p:nvSpPr>
+          <p:cNvPr id="2" name="正方形/長方形 1"/>
           <p:cNvSpPr/>
           <p:nvPr/>
         </p:nvSpPr>
         <p:spPr>
           <a:xfrm>
-            <a:off x="1835696" y="2375256"/>
-            <a:ext cx="1080120" cy="376032"/>
+            <a:off x="4788024" y="2996600"/>
+            <a:ext cx="3672408" cy="3329952"/>
           </a:xfrm>
           <a:prstGeom prst="rect">
             <a:avLst/>
           </a:prstGeom>
-          <a:solidFill>
-            <a:schemeClr val="accent1">
-              <a:lumMod val="40000"/>
-              <a:lumOff val="60000"/>
-            </a:schemeClr>
-          </a:solidFill>
           <a:effectLst>
             <a:outerShdw blurRad="50800" dist="38100" dir="2700000" algn="tl" rotWithShape="0">
               <a:prstClr val="black">
@@ -4857,14 +4312,14 @@
       </p:sp>
       <p:sp>
         <p:nvSpPr>
-          <p:cNvPr id="75" name="正方形/長方形 74"/>
+          <p:cNvPr id="54" name="正方形/長方形 53"/>
           <p:cNvSpPr/>
           <p:nvPr/>
         </p:nvSpPr>
         <p:spPr>
           <a:xfrm>
-            <a:off x="1331640" y="2280691"/>
-            <a:ext cx="720080" cy="189129"/>
+            <a:off x="4788024" y="2996600"/>
+            <a:ext cx="1008112" cy="189129"/>
           </a:xfrm>
           <a:prstGeom prst="rect">
             <a:avLst/>
@@ -4896,1351 +4351,34 @@
           <a:p>
             <a:pPr algn="ctr"/>
             <a:r>
+              <a:rPr lang="en-US" altLang="ja-JP" sz="1000" dirty="0">
+                <a:solidFill>
+                  <a:schemeClr val="tx1"/>
+                </a:solidFill>
+              </a:rPr>
+              <a:t>s</a:t>
+            </a:r>
+            <a:r>
               <a:rPr kumimoji="1" lang="en-US" altLang="ja-JP" sz="1000" dirty="0" smtClean="0">
                 <a:solidFill>
                   <a:schemeClr val="tx1"/>
                 </a:solidFill>
               </a:rPr>
-              <a:t>1 thread</a:t>
-            </a:r>
-          </a:p>
-        </p:txBody>
-      </p:sp>
-      <p:cxnSp>
-        <p:nvCxnSpPr>
-          <p:cNvPr id="104" name="直線矢印コネクタ 103"/>
-          <p:cNvCxnSpPr>
-            <a:stCxn id="39" idx="3"/>
-            <a:endCxn id="40" idx="1"/>
-          </p:cNvCxnSpPr>
-          <p:nvPr/>
-        </p:nvCxnSpPr>
-        <p:spPr>
-          <a:xfrm flipV="1">
-            <a:off x="2961448" y="3315180"/>
-            <a:ext cx="2285000" cy="261656"/>
-          </a:xfrm>
-          <a:prstGeom prst="straightConnector1">
-            <a:avLst/>
-          </a:prstGeom>
-          <a:ln w="19050">
-            <a:solidFill>
-              <a:srgbClr val="FF0000"/>
-            </a:solidFill>
-            <a:headEnd type="triangle" w="med" len="med"/>
-            <a:tailEnd type="triangle" w="med" len="med"/>
-          </a:ln>
-        </p:spPr>
-        <p:style>
-          <a:lnRef idx="1">
-            <a:schemeClr val="accent1"/>
-          </a:lnRef>
-          <a:fillRef idx="0">
-            <a:schemeClr val="accent1"/>
-          </a:fillRef>
-          <a:effectRef idx="0">
-            <a:schemeClr val="accent1"/>
-          </a:effectRef>
-          <a:fontRef idx="minor">
-            <a:schemeClr val="tx1"/>
-          </a:fontRef>
-        </p:style>
-      </p:cxnSp>
-      <p:sp>
-        <p:nvSpPr>
-          <p:cNvPr id="105" name="正方形/長方形 104"/>
+              <a:t>erver process</a:t>
+            </a:r>
+          </a:p>
+        </p:txBody>
+      </p:sp>
+      <p:sp>
+        <p:nvSpPr>
+          <p:cNvPr id="5" name="正方形/長方形 4"/>
           <p:cNvSpPr/>
           <p:nvPr/>
         </p:nvSpPr>
         <p:spPr>
-          <a:xfrm rot="840000">
-            <a:off x="3193449" y="2457280"/>
-            <a:ext cx="1698318" cy="298549"/>
-          </a:xfrm>
-          <a:prstGeom prst="rect">
-            <a:avLst/>
-          </a:prstGeom>
-          <a:noFill/>
-          <a:ln w="12700">
-            <a:noFill/>
-          </a:ln>
-        </p:spPr>
-        <p:style>
-          <a:lnRef idx="2">
-            <a:schemeClr val="accent1">
-              <a:shade val="50000"/>
-            </a:schemeClr>
-          </a:lnRef>
-          <a:fillRef idx="1">
-            <a:schemeClr val="accent1"/>
-          </a:fillRef>
-          <a:effectRef idx="0">
-            <a:schemeClr val="accent1"/>
-          </a:effectRef>
-          <a:fontRef idx="minor">
-            <a:schemeClr val="lt1"/>
-          </a:fontRef>
-        </p:style>
-        <p:txBody>
-          <a:bodyPr rtlCol="0" anchor="ctr"/>
-          <a:lstStyle/>
-          <a:p>
-            <a:pPr algn="ctr"/>
-            <a:r>
-              <a:rPr lang="en-US" altLang="ja-JP" sz="1000" dirty="0">
-                <a:solidFill>
-                  <a:srgbClr val="FF0000"/>
-                </a:solidFill>
-              </a:rPr>
-              <a:t>s</a:t>
-            </a:r>
-            <a:r>
-              <a:rPr kumimoji="1" lang="en-US" altLang="ja-JP" sz="1000" dirty="0" smtClean="0">
-                <a:solidFill>
-                  <a:srgbClr val="FF0000"/>
-                </a:solidFill>
-              </a:rPr>
-              <a:t>ocket communication</a:t>
-            </a:r>
-          </a:p>
-          <a:p>
-            <a:pPr algn="ctr"/>
-            <a:r>
-              <a:rPr kumimoji="1" lang="en-US" altLang="ja-JP" sz="1000" dirty="0" smtClean="0">
-                <a:solidFill>
-                  <a:srgbClr val="FF0000"/>
-                </a:solidFill>
-              </a:rPr>
-              <a:t>Local / TCP</a:t>
-            </a:r>
-          </a:p>
-        </p:txBody>
-      </p:sp>
-      <p:sp>
-        <p:nvSpPr>
-          <p:cNvPr id="110" name="正方形/長方形 109"/>
-          <p:cNvSpPr/>
-          <p:nvPr/>
-        </p:nvSpPr>
-        <p:spPr>
-          <a:xfrm rot="21240000">
-            <a:off x="3455287" y="3315436"/>
-            <a:ext cx="1470319" cy="278012"/>
-          </a:xfrm>
-          <a:prstGeom prst="rect">
-            <a:avLst/>
-          </a:prstGeom>
-          <a:noFill/>
-          <a:ln w="12700">
-            <a:noFill/>
-          </a:ln>
-        </p:spPr>
-        <p:style>
-          <a:lnRef idx="2">
-            <a:schemeClr val="accent1">
-              <a:shade val="50000"/>
-            </a:schemeClr>
-          </a:lnRef>
-          <a:fillRef idx="1">
-            <a:schemeClr val="accent1"/>
-          </a:fillRef>
-          <a:effectRef idx="0">
-            <a:schemeClr val="accent1"/>
-          </a:effectRef>
-          <a:fontRef idx="minor">
-            <a:schemeClr val="lt1"/>
-          </a:fontRef>
-        </p:style>
-        <p:txBody>
-          <a:bodyPr rtlCol="0" anchor="ctr"/>
-          <a:lstStyle/>
-          <a:p>
-            <a:pPr algn="ctr"/>
-            <a:r>
-              <a:rPr lang="en-US" altLang="ja-JP" sz="1000" dirty="0">
-                <a:solidFill>
-                  <a:srgbClr val="FF0000"/>
-                </a:solidFill>
-              </a:rPr>
-              <a:t>s</a:t>
-            </a:r>
-            <a:r>
-              <a:rPr kumimoji="1" lang="en-US" altLang="ja-JP" sz="1000" dirty="0" smtClean="0">
-                <a:solidFill>
-                  <a:srgbClr val="FF0000"/>
-                </a:solidFill>
-              </a:rPr>
-              <a:t>ocket</a:t>
-            </a:r>
-            <a:r>
-              <a:rPr lang="ja-JP" altLang="en-US" sz="1000" dirty="0" smtClean="0">
-                <a:solidFill>
-                  <a:srgbClr val="FF0000"/>
-                </a:solidFill>
-              </a:rPr>
-              <a:t> </a:t>
-            </a:r>
-            <a:r>
-              <a:rPr kumimoji="1" lang="en-US" altLang="ja-JP" sz="1000" dirty="0" smtClean="0">
-                <a:solidFill>
-                  <a:srgbClr val="FF0000"/>
-                </a:solidFill>
-              </a:rPr>
-              <a:t>communication</a:t>
-            </a:r>
-          </a:p>
-          <a:p>
-            <a:pPr algn="ctr"/>
-            <a:r>
-              <a:rPr kumimoji="1" lang="en-US" altLang="ja-JP" sz="1000" dirty="0" smtClean="0">
-                <a:solidFill>
-                  <a:srgbClr val="FF0000"/>
-                </a:solidFill>
-              </a:rPr>
-              <a:t>Local</a:t>
-            </a:r>
-            <a:r>
-              <a:rPr lang="en-US" altLang="ja-JP" sz="1000" dirty="0" smtClean="0">
-                <a:solidFill>
-                  <a:srgbClr val="FF0000"/>
-                </a:solidFill>
-              </a:rPr>
-              <a:t> / TCP</a:t>
-            </a:r>
-            <a:endParaRPr kumimoji="1" lang="en-US" altLang="ja-JP" sz="1000" dirty="0" smtClean="0">
-              <a:solidFill>
-                <a:srgbClr val="FF0000"/>
-              </a:solidFill>
-            </a:endParaRPr>
-          </a:p>
-        </p:txBody>
-      </p:sp>
-      <p:sp>
-        <p:nvSpPr>
-          <p:cNvPr id="39" name="正方形/長方形 38"/>
-          <p:cNvSpPr/>
-          <p:nvPr/>
-        </p:nvSpPr>
-        <p:spPr>
-          <a:xfrm>
-            <a:off x="2267744" y="3410263"/>
-            <a:ext cx="693704" cy="333145"/>
-          </a:xfrm>
-          <a:prstGeom prst="rect">
-            <a:avLst/>
-          </a:prstGeom>
-          <a:solidFill>
-            <a:schemeClr val="accent6">
-              <a:lumMod val="40000"/>
-              <a:lumOff val="60000"/>
-            </a:schemeClr>
-          </a:solidFill>
-          <a:ln w="19050">
-            <a:solidFill>
-              <a:srgbClr val="FF0000"/>
-            </a:solidFill>
-          </a:ln>
-          <a:effectLst>
-            <a:outerShdw blurRad="50800" dist="38100" dir="2700000" algn="tl" rotWithShape="0">
-              <a:prstClr val="black">
-                <a:alpha val="40000"/>
-              </a:prstClr>
-            </a:outerShdw>
-          </a:effectLst>
-        </p:spPr>
-        <p:style>
-          <a:lnRef idx="2">
-            <a:schemeClr val="accent1">
-              <a:shade val="50000"/>
-            </a:schemeClr>
-          </a:lnRef>
-          <a:fillRef idx="1">
-            <a:schemeClr val="accent1"/>
-          </a:fillRef>
-          <a:effectRef idx="0">
-            <a:schemeClr val="accent1"/>
-          </a:effectRef>
-          <a:fontRef idx="minor">
-            <a:schemeClr val="lt1"/>
-          </a:fontRef>
-        </p:style>
-        <p:txBody>
-          <a:bodyPr rtlCol="0" anchor="ctr"/>
-          <a:lstStyle/>
-          <a:p>
-            <a:pPr algn="ctr"/>
-            <a:r>
-              <a:rPr kumimoji="1" lang="en-US" altLang="ja-JP" sz="1000" dirty="0" smtClean="0">
-                <a:solidFill>
-                  <a:schemeClr val="tx1"/>
-                </a:solidFill>
-              </a:rPr>
-              <a:t>client</a:t>
-            </a:r>
-          </a:p>
-          <a:p>
-            <a:pPr algn="ctr"/>
-            <a:r>
-              <a:rPr lang="en-US" altLang="ja-JP" sz="1000" dirty="0" smtClean="0">
-                <a:solidFill>
-                  <a:schemeClr val="tx1"/>
-                </a:solidFill>
-              </a:rPr>
-              <a:t>instance</a:t>
-            </a:r>
-            <a:endParaRPr kumimoji="1" lang="en-US" altLang="ja-JP" sz="1000" dirty="0" smtClean="0">
-              <a:solidFill>
-                <a:schemeClr val="tx1"/>
-              </a:solidFill>
-            </a:endParaRPr>
-          </a:p>
-        </p:txBody>
-      </p:sp>
-      <p:sp>
-        <p:nvSpPr>
-          <p:cNvPr id="40" name="正方形/長方形 39"/>
-          <p:cNvSpPr/>
-          <p:nvPr/>
-        </p:nvSpPr>
-        <p:spPr>
-          <a:xfrm>
-            <a:off x="5246448" y="3148607"/>
-            <a:ext cx="693704" cy="333145"/>
-          </a:xfrm>
-          <a:prstGeom prst="rect">
-            <a:avLst/>
-          </a:prstGeom>
-          <a:solidFill>
-            <a:schemeClr val="accent6">
-              <a:lumMod val="40000"/>
-              <a:lumOff val="60000"/>
-            </a:schemeClr>
-          </a:solidFill>
-          <a:ln w="19050">
-            <a:solidFill>
-              <a:srgbClr val="FF0000"/>
-            </a:solidFill>
-          </a:ln>
-          <a:effectLst>
-            <a:outerShdw blurRad="50800" dist="38100" dir="2700000" algn="tl" rotWithShape="0">
-              <a:prstClr val="black">
-                <a:alpha val="40000"/>
-              </a:prstClr>
-            </a:outerShdw>
-          </a:effectLst>
-        </p:spPr>
-        <p:style>
-          <a:lnRef idx="2">
-            <a:schemeClr val="accent1">
-              <a:shade val="50000"/>
-            </a:schemeClr>
-          </a:lnRef>
-          <a:fillRef idx="1">
-            <a:schemeClr val="accent1"/>
-          </a:fillRef>
-          <a:effectRef idx="0">
-            <a:schemeClr val="accent1"/>
-          </a:effectRef>
-          <a:fontRef idx="minor">
-            <a:schemeClr val="lt1"/>
-          </a:fontRef>
-        </p:style>
-        <p:txBody>
-          <a:bodyPr rtlCol="0" anchor="ctr"/>
-          <a:lstStyle/>
-          <a:p>
-            <a:pPr algn="ctr"/>
-            <a:r>
-              <a:rPr kumimoji="1" lang="en-US" altLang="ja-JP" sz="1000" dirty="0" smtClean="0">
-                <a:solidFill>
-                  <a:schemeClr val="tx1"/>
-                </a:solidFill>
-              </a:rPr>
-              <a:t>client</a:t>
-            </a:r>
-          </a:p>
-          <a:p>
-            <a:pPr algn="ctr"/>
-            <a:r>
-              <a:rPr lang="en-US" altLang="ja-JP" sz="1000" dirty="0" smtClean="0">
-                <a:solidFill>
-                  <a:schemeClr val="tx1"/>
-                </a:solidFill>
-              </a:rPr>
-              <a:t>instance</a:t>
-            </a:r>
-            <a:endParaRPr kumimoji="1" lang="en-US" altLang="ja-JP" sz="1000" dirty="0" smtClean="0">
-              <a:solidFill>
-                <a:schemeClr val="tx1"/>
-              </a:solidFill>
-            </a:endParaRPr>
-          </a:p>
-        </p:txBody>
-      </p:sp>
-      <p:sp>
-        <p:nvSpPr>
-          <p:cNvPr id="46" name="正方形/長方形 45"/>
-          <p:cNvSpPr/>
-          <p:nvPr/>
-        </p:nvSpPr>
-        <p:spPr>
-          <a:xfrm>
-            <a:off x="1835696" y="1854632"/>
-            <a:ext cx="1080120" cy="388587"/>
-          </a:xfrm>
-          <a:prstGeom prst="rect">
-            <a:avLst/>
-          </a:prstGeom>
-          <a:solidFill>
-            <a:schemeClr val="accent1">
-              <a:lumMod val="40000"/>
-              <a:lumOff val="60000"/>
-            </a:schemeClr>
-          </a:solidFill>
-          <a:effectLst>
-            <a:outerShdw blurRad="50800" dist="38100" dir="2700000" algn="tl" rotWithShape="0">
-              <a:prstClr val="black">
-                <a:alpha val="40000"/>
-              </a:prstClr>
-            </a:outerShdw>
-          </a:effectLst>
-        </p:spPr>
-        <p:style>
-          <a:lnRef idx="2">
-            <a:schemeClr val="accent1">
-              <a:shade val="50000"/>
-            </a:schemeClr>
-          </a:lnRef>
-          <a:fillRef idx="1">
-            <a:schemeClr val="accent1"/>
-          </a:fillRef>
-          <a:effectRef idx="0">
-            <a:schemeClr val="accent1"/>
-          </a:effectRef>
-          <a:fontRef idx="minor">
-            <a:schemeClr val="lt1"/>
-          </a:fontRef>
-        </p:style>
-        <p:txBody>
-          <a:bodyPr rtlCol="0" anchor="ctr"/>
-          <a:lstStyle/>
-          <a:p>
-            <a:pPr algn="ctr"/>
-            <a:endParaRPr kumimoji="1" lang="ja-JP" altLang="en-US"/>
-          </a:p>
-        </p:txBody>
-      </p:sp>
-      <p:sp>
-        <p:nvSpPr>
-          <p:cNvPr id="47" name="正方形/長方形 46"/>
-          <p:cNvSpPr/>
-          <p:nvPr/>
-        </p:nvSpPr>
-        <p:spPr>
-          <a:xfrm>
-            <a:off x="1331640" y="1726641"/>
-            <a:ext cx="720080" cy="189129"/>
-          </a:xfrm>
-          <a:prstGeom prst="rect">
-            <a:avLst/>
-          </a:prstGeom>
-          <a:noFill/>
-          <a:ln w="12700">
-            <a:noFill/>
-          </a:ln>
-        </p:spPr>
-        <p:style>
-          <a:lnRef idx="2">
-            <a:schemeClr val="accent1">
-              <a:shade val="50000"/>
-            </a:schemeClr>
-          </a:lnRef>
-          <a:fillRef idx="1">
-            <a:schemeClr val="accent1"/>
-          </a:fillRef>
-          <a:effectRef idx="0">
-            <a:schemeClr val="accent1"/>
-          </a:effectRef>
-          <a:fontRef idx="minor">
-            <a:schemeClr val="lt1"/>
-          </a:fontRef>
-        </p:style>
-        <p:txBody>
-          <a:bodyPr rtlCol="0" anchor="ctr"/>
-          <a:lstStyle/>
-          <a:p>
-            <a:pPr algn="ctr"/>
-            <a:r>
-              <a:rPr kumimoji="1" lang="en-US" altLang="ja-JP" sz="1000" dirty="0" smtClean="0">
-                <a:solidFill>
-                  <a:schemeClr val="tx1"/>
-                </a:solidFill>
-              </a:rPr>
-              <a:t>1 thread</a:t>
-            </a:r>
-          </a:p>
-        </p:txBody>
-      </p:sp>
-      <p:sp>
-        <p:nvSpPr>
-          <p:cNvPr id="77" name="正方形/長方形 76"/>
-          <p:cNvSpPr/>
-          <p:nvPr/>
-        </p:nvSpPr>
-        <p:spPr>
-          <a:xfrm>
-            <a:off x="2123728" y="2133375"/>
-            <a:ext cx="693704" cy="333145"/>
-          </a:xfrm>
-          <a:prstGeom prst="rect">
-            <a:avLst/>
-          </a:prstGeom>
-          <a:solidFill>
-            <a:schemeClr val="accent6">
-              <a:lumMod val="40000"/>
-              <a:lumOff val="60000"/>
-            </a:schemeClr>
-          </a:solidFill>
-          <a:ln w="19050">
-            <a:solidFill>
-              <a:srgbClr val="FF0000"/>
-            </a:solidFill>
-          </a:ln>
-          <a:effectLst>
-            <a:outerShdw blurRad="50800" dist="38100" dir="2700000" algn="tl" rotWithShape="0">
-              <a:prstClr val="black">
-                <a:alpha val="40000"/>
-              </a:prstClr>
-            </a:outerShdw>
-          </a:effectLst>
-        </p:spPr>
-        <p:style>
-          <a:lnRef idx="2">
-            <a:schemeClr val="accent1">
-              <a:shade val="50000"/>
-            </a:schemeClr>
-          </a:lnRef>
-          <a:fillRef idx="1">
-            <a:schemeClr val="accent1"/>
-          </a:fillRef>
-          <a:effectRef idx="0">
-            <a:schemeClr val="accent1"/>
-          </a:effectRef>
-          <a:fontRef idx="minor">
-            <a:schemeClr val="lt1"/>
-          </a:fontRef>
-        </p:style>
-        <p:txBody>
-          <a:bodyPr rtlCol="0" anchor="ctr"/>
-          <a:lstStyle/>
-          <a:p>
-            <a:pPr algn="ctr"/>
-            <a:r>
-              <a:rPr kumimoji="1" lang="en-US" altLang="ja-JP" sz="1000" dirty="0" smtClean="0">
-                <a:solidFill>
-                  <a:schemeClr val="tx1"/>
-                </a:solidFill>
-              </a:rPr>
-              <a:t>client</a:t>
-            </a:r>
-          </a:p>
-          <a:p>
-            <a:pPr algn="ctr"/>
-            <a:r>
-              <a:rPr lang="en-US" altLang="ja-JP" sz="1000" dirty="0" smtClean="0">
-                <a:solidFill>
-                  <a:schemeClr val="tx1"/>
-                </a:solidFill>
-              </a:rPr>
-              <a:t>instance</a:t>
-            </a:r>
-            <a:endParaRPr kumimoji="1" lang="en-US" altLang="ja-JP" sz="1000" dirty="0" smtClean="0">
-              <a:solidFill>
-                <a:schemeClr val="tx1"/>
-              </a:solidFill>
-            </a:endParaRPr>
-          </a:p>
-        </p:txBody>
-      </p:sp>
-      <p:sp>
-        <p:nvSpPr>
-          <p:cNvPr id="6" name="正方形/長方形 5"/>
-          <p:cNvSpPr/>
-          <p:nvPr/>
-        </p:nvSpPr>
-        <p:spPr>
-          <a:xfrm>
-            <a:off x="5076056" y="2626536"/>
-            <a:ext cx="1080120" cy="504056"/>
-          </a:xfrm>
-          <a:prstGeom prst="rect">
-            <a:avLst/>
-          </a:prstGeom>
-          <a:solidFill>
-            <a:schemeClr val="accent1">
-              <a:lumMod val="40000"/>
-              <a:lumOff val="60000"/>
-            </a:schemeClr>
-          </a:solidFill>
-          <a:effectLst>
-            <a:outerShdw blurRad="50800" dist="38100" dir="2700000" algn="tl" rotWithShape="0">
-              <a:prstClr val="black">
-                <a:alpha val="40000"/>
-              </a:prstClr>
-            </a:outerShdw>
-          </a:effectLst>
-        </p:spPr>
-        <p:style>
-          <a:lnRef idx="2">
-            <a:schemeClr val="accent1">
-              <a:shade val="50000"/>
-            </a:schemeClr>
-          </a:lnRef>
-          <a:fillRef idx="1">
-            <a:schemeClr val="accent1"/>
-          </a:fillRef>
-          <a:effectRef idx="0">
-            <a:schemeClr val="accent1"/>
-          </a:effectRef>
-          <a:fontRef idx="minor">
-            <a:schemeClr val="lt1"/>
-          </a:fontRef>
-        </p:style>
-        <p:txBody>
-          <a:bodyPr rtlCol="0" anchor="ctr"/>
-          <a:lstStyle/>
-          <a:p>
-            <a:pPr algn="ctr"/>
-            <a:endParaRPr kumimoji="1" lang="ja-JP" altLang="en-US"/>
-          </a:p>
-        </p:txBody>
-      </p:sp>
-      <p:sp>
-        <p:nvSpPr>
-          <p:cNvPr id="38" name="正方形/長方形 37"/>
-          <p:cNvSpPr/>
-          <p:nvPr/>
-        </p:nvSpPr>
-        <p:spPr>
-          <a:xfrm>
-            <a:off x="5174440" y="2711991"/>
-            <a:ext cx="693704" cy="333145"/>
-          </a:xfrm>
-          <a:prstGeom prst="rect">
-            <a:avLst/>
-          </a:prstGeom>
-          <a:solidFill>
-            <a:schemeClr val="accent6">
-              <a:lumMod val="40000"/>
-              <a:lumOff val="60000"/>
-            </a:schemeClr>
-          </a:solidFill>
-          <a:ln w="19050">
-            <a:solidFill>
-              <a:srgbClr val="FF0000"/>
-            </a:solidFill>
-          </a:ln>
-          <a:effectLst>
-            <a:outerShdw blurRad="50800" dist="38100" dir="2700000" algn="tl" rotWithShape="0">
-              <a:prstClr val="black">
-                <a:alpha val="40000"/>
-              </a:prstClr>
-            </a:outerShdw>
-          </a:effectLst>
-        </p:spPr>
-        <p:style>
-          <a:lnRef idx="2">
-            <a:schemeClr val="accent1">
-              <a:shade val="50000"/>
-            </a:schemeClr>
-          </a:lnRef>
-          <a:fillRef idx="1">
-            <a:schemeClr val="accent1"/>
-          </a:fillRef>
-          <a:effectRef idx="0">
-            <a:schemeClr val="accent1"/>
-          </a:effectRef>
-          <a:fontRef idx="minor">
-            <a:schemeClr val="lt1"/>
-          </a:fontRef>
-        </p:style>
-        <p:txBody>
-          <a:bodyPr rtlCol="0" anchor="ctr"/>
-          <a:lstStyle/>
-          <a:p>
-            <a:pPr algn="ctr"/>
-            <a:r>
-              <a:rPr kumimoji="1" lang="en-US" altLang="ja-JP" sz="1000" dirty="0" smtClean="0">
-                <a:solidFill>
-                  <a:schemeClr val="tx1"/>
-                </a:solidFill>
-              </a:rPr>
-              <a:t>client</a:t>
-            </a:r>
-          </a:p>
-          <a:p>
-            <a:pPr algn="ctr"/>
-            <a:r>
-              <a:rPr lang="en-US" altLang="ja-JP" sz="1000" dirty="0" smtClean="0">
-                <a:solidFill>
-                  <a:schemeClr val="tx1"/>
-                </a:solidFill>
-              </a:rPr>
-              <a:t>instance</a:t>
-            </a:r>
-            <a:endParaRPr kumimoji="1" lang="en-US" altLang="ja-JP" sz="1000" dirty="0" smtClean="0">
-              <a:solidFill>
-                <a:schemeClr val="tx1"/>
-              </a:solidFill>
-            </a:endParaRPr>
-          </a:p>
-        </p:txBody>
-      </p:sp>
-      <p:cxnSp>
-        <p:nvCxnSpPr>
-          <p:cNvPr id="9" name="直線矢印コネクタ 8"/>
-          <p:cNvCxnSpPr>
-            <a:stCxn id="77" idx="3"/>
-            <a:endCxn id="38" idx="1"/>
-          </p:cNvCxnSpPr>
-          <p:nvPr/>
-        </p:nvCxnSpPr>
-        <p:spPr>
-          <a:xfrm>
-            <a:off x="2817432" y="2299948"/>
-            <a:ext cx="2357008" cy="578616"/>
-          </a:xfrm>
-          <a:prstGeom prst="straightConnector1">
-            <a:avLst/>
-          </a:prstGeom>
-          <a:ln w="19050">
-            <a:solidFill>
-              <a:srgbClr val="FF0000"/>
-            </a:solidFill>
-            <a:headEnd type="triangle" w="med" len="med"/>
-            <a:tailEnd type="triangle" w="med" len="med"/>
-          </a:ln>
-        </p:spPr>
-        <p:style>
-          <a:lnRef idx="1">
-            <a:schemeClr val="accent1"/>
-          </a:lnRef>
-          <a:fillRef idx="0">
-            <a:schemeClr val="accent1"/>
-          </a:fillRef>
-          <a:effectRef idx="0">
-            <a:schemeClr val="accent1"/>
-          </a:effectRef>
-          <a:fontRef idx="minor">
-            <a:schemeClr val="tx1"/>
-          </a:fontRef>
-        </p:style>
-      </p:cxnSp>
-      <p:sp>
-        <p:nvSpPr>
-          <p:cNvPr id="13" name="角丸四角形 12"/>
-          <p:cNvSpPr/>
-          <p:nvPr/>
-        </p:nvSpPr>
-        <p:spPr>
-          <a:xfrm rot="900000">
-            <a:off x="2672912" y="2328886"/>
-            <a:ext cx="2622561" cy="477247"/>
-          </a:xfrm>
-          <a:prstGeom prst="roundRect">
-            <a:avLst>
-              <a:gd name="adj" fmla="val 50000"/>
-            </a:avLst>
-          </a:prstGeom>
-          <a:noFill/>
-          <a:ln>
-            <a:solidFill>
-              <a:srgbClr val="0070C0"/>
-            </a:solidFill>
-            <a:prstDash val="sysDot"/>
-          </a:ln>
-        </p:spPr>
-        <p:style>
-          <a:lnRef idx="2">
-            <a:schemeClr val="accent1">
-              <a:shade val="50000"/>
-            </a:schemeClr>
-          </a:lnRef>
-          <a:fillRef idx="1">
-            <a:schemeClr val="accent1"/>
-          </a:fillRef>
-          <a:effectRef idx="0">
-            <a:schemeClr val="accent1"/>
-          </a:effectRef>
-          <a:fontRef idx="minor">
-            <a:schemeClr val="lt1"/>
-          </a:fontRef>
-        </p:style>
-        <p:txBody>
-          <a:bodyPr rtlCol="0" anchor="ctr"/>
-          <a:lstStyle/>
-          <a:p>
-            <a:pPr algn="ctr"/>
-            <a:endParaRPr kumimoji="1" lang="ja-JP" altLang="en-US"/>
-          </a:p>
-        </p:txBody>
-      </p:sp>
-      <p:sp>
-        <p:nvSpPr>
-          <p:cNvPr id="112" name="正方形/長方形 111"/>
-          <p:cNvSpPr/>
-          <p:nvPr/>
-        </p:nvSpPr>
-        <p:spPr>
-          <a:xfrm rot="840000">
-            <a:off x="3430540" y="2134439"/>
-            <a:ext cx="1224136" cy="166573"/>
-          </a:xfrm>
-          <a:prstGeom prst="rect">
-            <a:avLst/>
-          </a:prstGeom>
-          <a:noFill/>
-          <a:ln w="12700">
-            <a:noFill/>
-          </a:ln>
-        </p:spPr>
-        <p:style>
-          <a:lnRef idx="2">
-            <a:schemeClr val="accent1">
-              <a:shade val="50000"/>
-            </a:schemeClr>
-          </a:lnRef>
-          <a:fillRef idx="1">
-            <a:schemeClr val="accent1"/>
-          </a:fillRef>
-          <a:effectRef idx="0">
-            <a:schemeClr val="accent1"/>
-          </a:effectRef>
-          <a:fontRef idx="minor">
-            <a:schemeClr val="lt1"/>
-          </a:fontRef>
-        </p:style>
-        <p:txBody>
-          <a:bodyPr rtlCol="0" anchor="ctr"/>
-          <a:lstStyle/>
-          <a:p>
-            <a:pPr algn="ctr"/>
-            <a:r>
-              <a:rPr kumimoji="1" lang="en-US" altLang="ja-JP" sz="1000" dirty="0" err="1" smtClean="0">
-                <a:solidFill>
-                  <a:srgbClr val="0070C0"/>
-                </a:solidFill>
-              </a:rPr>
-              <a:t>ImmSocketService</a:t>
-            </a:r>
-            <a:endParaRPr kumimoji="1" lang="en-US" altLang="ja-JP" sz="1000" dirty="0" smtClean="0">
-              <a:solidFill>
-                <a:srgbClr val="0070C0"/>
-              </a:solidFill>
-            </a:endParaRPr>
-          </a:p>
-        </p:txBody>
-      </p:sp>
-      <p:sp>
-        <p:nvSpPr>
-          <p:cNvPr id="16" name="正方形/長方形 15"/>
-          <p:cNvSpPr/>
-          <p:nvPr/>
-        </p:nvSpPr>
-        <p:spPr>
-          <a:xfrm>
-            <a:off x="6930680" y="2482520"/>
-            <a:ext cx="1080120" cy="666087"/>
-          </a:xfrm>
-          <a:prstGeom prst="rect">
-            <a:avLst/>
-          </a:prstGeom>
-          <a:solidFill>
-            <a:schemeClr val="bg1">
-              <a:lumMod val="75000"/>
-            </a:schemeClr>
-          </a:solidFill>
-        </p:spPr>
-        <p:style>
-          <a:lnRef idx="2">
-            <a:schemeClr val="accent1">
-              <a:shade val="50000"/>
-            </a:schemeClr>
-          </a:lnRef>
-          <a:fillRef idx="1">
-            <a:schemeClr val="accent1"/>
-          </a:fillRef>
-          <a:effectRef idx="0">
-            <a:schemeClr val="accent1"/>
-          </a:effectRef>
-          <a:fontRef idx="minor">
-            <a:schemeClr val="lt1"/>
-          </a:fontRef>
-        </p:style>
-        <p:txBody>
-          <a:bodyPr rtlCol="0" anchor="ctr"/>
-          <a:lstStyle/>
-          <a:p>
-            <a:pPr algn="ctr"/>
-            <a:r>
-              <a:rPr lang="en-US" altLang="ja-JP" sz="1000" dirty="0">
-                <a:solidFill>
-                  <a:schemeClr val="tx1"/>
-                </a:solidFill>
-              </a:rPr>
-              <a:t>Waiting for connection and disconnection management</a:t>
-            </a:r>
-            <a:endParaRPr kumimoji="1" lang="ja-JP" altLang="en-US" sz="1000" dirty="0">
-              <a:solidFill>
-                <a:schemeClr val="tx1"/>
-              </a:solidFill>
-            </a:endParaRPr>
-          </a:p>
-        </p:txBody>
-      </p:sp>
-      <p:sp>
-        <p:nvSpPr>
-          <p:cNvPr id="56" name="正方形/長方形 55"/>
-          <p:cNvSpPr/>
-          <p:nvPr/>
-        </p:nvSpPr>
-        <p:spPr>
-          <a:xfrm>
-            <a:off x="6930680" y="4215900"/>
-            <a:ext cx="1080120" cy="509244"/>
-          </a:xfrm>
-          <a:prstGeom prst="rect">
-            <a:avLst/>
-          </a:prstGeom>
-          <a:solidFill>
-            <a:schemeClr val="bg1">
-              <a:lumMod val="75000"/>
-            </a:schemeClr>
-          </a:solidFill>
-        </p:spPr>
-        <p:style>
-          <a:lnRef idx="2">
-            <a:schemeClr val="accent1">
-              <a:shade val="50000"/>
-            </a:schemeClr>
-          </a:lnRef>
-          <a:fillRef idx="1">
-            <a:schemeClr val="accent1"/>
-          </a:fillRef>
-          <a:effectRef idx="0">
-            <a:schemeClr val="accent1"/>
-          </a:effectRef>
-          <a:fontRef idx="minor">
-            <a:schemeClr val="lt1"/>
-          </a:fontRef>
-        </p:style>
-        <p:txBody>
-          <a:bodyPr rtlCol="0" anchor="ctr"/>
-          <a:lstStyle/>
-          <a:p>
-            <a:pPr algn="ctr"/>
-            <a:r>
-              <a:rPr lang="en-US" altLang="ja-JP" sz="1000" dirty="0" smtClean="0">
-                <a:solidFill>
-                  <a:schemeClr val="tx1"/>
-                </a:solidFill>
-              </a:rPr>
-              <a:t>Local / TCP</a:t>
-            </a:r>
-          </a:p>
-          <a:p>
-            <a:pPr algn="ctr"/>
-            <a:r>
-              <a:rPr kumimoji="1" lang="en-US" altLang="ja-JP" sz="1000" dirty="0" err="1" smtClean="0">
-                <a:solidFill>
-                  <a:schemeClr val="tx1"/>
-                </a:solidFill>
-              </a:rPr>
-              <a:t>config</a:t>
-            </a:r>
-            <a:endParaRPr kumimoji="1" lang="ja-JP" altLang="en-US" sz="1000" dirty="0">
-              <a:solidFill>
-                <a:schemeClr val="tx1"/>
-              </a:solidFill>
-            </a:endParaRPr>
-          </a:p>
-        </p:txBody>
-      </p:sp>
-      <p:sp>
-        <p:nvSpPr>
-          <p:cNvPr id="62" name="正方形/長方形 61"/>
-          <p:cNvSpPr/>
-          <p:nvPr/>
-        </p:nvSpPr>
-        <p:spPr>
-          <a:xfrm>
-            <a:off x="6930680" y="3338977"/>
-            <a:ext cx="1080120" cy="666087"/>
-          </a:xfrm>
-          <a:prstGeom prst="rect">
-            <a:avLst/>
-          </a:prstGeom>
-          <a:solidFill>
-            <a:schemeClr val="bg1">
-              <a:lumMod val="75000"/>
-            </a:schemeClr>
-          </a:solidFill>
-        </p:spPr>
-        <p:style>
-          <a:lnRef idx="2">
-            <a:schemeClr val="accent1">
-              <a:shade val="50000"/>
-            </a:schemeClr>
-          </a:lnRef>
-          <a:fillRef idx="1">
-            <a:schemeClr val="accent1"/>
-          </a:fillRef>
-          <a:effectRef idx="0">
-            <a:schemeClr val="accent1"/>
-          </a:effectRef>
-          <a:fontRef idx="minor">
-            <a:schemeClr val="lt1"/>
-          </a:fontRef>
-        </p:style>
-        <p:txBody>
-          <a:bodyPr rtlCol="0" anchor="ctr"/>
-          <a:lstStyle/>
-          <a:p>
-            <a:pPr algn="ctr"/>
-            <a:r>
-              <a:rPr lang="en-US" altLang="ja-JP" sz="1000" dirty="0">
-                <a:solidFill>
-                  <a:schemeClr val="tx1"/>
-                </a:solidFill>
-              </a:rPr>
-              <a:t>Managing client tables</a:t>
-            </a:r>
-            <a:endParaRPr kumimoji="1" lang="ja-JP" altLang="en-US" sz="1000" dirty="0">
-              <a:solidFill>
-                <a:schemeClr val="tx1"/>
-              </a:solidFill>
-            </a:endParaRPr>
-          </a:p>
-        </p:txBody>
-      </p:sp>
-      <p:sp>
-        <p:nvSpPr>
-          <p:cNvPr id="59" name="正方形/長方形 58"/>
-          <p:cNvSpPr/>
-          <p:nvPr/>
-        </p:nvSpPr>
-        <p:spPr>
-          <a:xfrm>
-            <a:off x="5796136" y="2636912"/>
-            <a:ext cx="720080" cy="189129"/>
-          </a:xfrm>
-          <a:prstGeom prst="rect">
-            <a:avLst/>
-          </a:prstGeom>
-          <a:noFill/>
-          <a:ln w="12700">
-            <a:noFill/>
-          </a:ln>
-        </p:spPr>
-        <p:style>
-          <a:lnRef idx="2">
-            <a:schemeClr val="accent1">
-              <a:shade val="50000"/>
-            </a:schemeClr>
-          </a:lnRef>
-          <a:fillRef idx="1">
-            <a:schemeClr val="accent1"/>
-          </a:fillRef>
-          <a:effectRef idx="0">
-            <a:schemeClr val="accent1"/>
-          </a:effectRef>
-          <a:fontRef idx="minor">
-            <a:schemeClr val="lt1"/>
-          </a:fontRef>
-        </p:style>
-        <p:txBody>
-          <a:bodyPr rtlCol="0" anchor="ctr"/>
-          <a:lstStyle/>
-          <a:p>
-            <a:pPr algn="ctr"/>
-            <a:r>
-              <a:rPr kumimoji="1" lang="en-US" altLang="ja-JP" sz="1000" dirty="0" smtClean="0">
-                <a:solidFill>
-                  <a:schemeClr val="tx1"/>
-                </a:solidFill>
-              </a:rPr>
-              <a:t>1 thread</a:t>
-            </a:r>
-          </a:p>
-        </p:txBody>
-      </p:sp>
-      <p:cxnSp>
-        <p:nvCxnSpPr>
-          <p:cNvPr id="18" name="直線コネクタ 17"/>
-          <p:cNvCxnSpPr>
-            <a:stCxn id="62" idx="1"/>
-          </p:cNvCxnSpPr>
-          <p:nvPr/>
-        </p:nvCxnSpPr>
-        <p:spPr>
-          <a:xfrm flipH="1" flipV="1">
-            <a:off x="5868144" y="2878563"/>
-            <a:ext cx="1062536" cy="793458"/>
-          </a:xfrm>
-          <a:prstGeom prst="line">
-            <a:avLst/>
-          </a:prstGeom>
-          <a:ln>
-            <a:solidFill>
-              <a:srgbClr val="FFFF00"/>
-            </a:solidFill>
-            <a:prstDash val="sysDot"/>
-          </a:ln>
-        </p:spPr>
-        <p:style>
-          <a:lnRef idx="1">
-            <a:schemeClr val="accent1"/>
-          </a:lnRef>
-          <a:fillRef idx="0">
-            <a:schemeClr val="accent1"/>
-          </a:fillRef>
-          <a:effectRef idx="0">
-            <a:schemeClr val="accent1"/>
-          </a:effectRef>
-          <a:fontRef idx="minor">
-            <a:schemeClr val="tx1"/>
-          </a:fontRef>
-        </p:style>
-      </p:cxnSp>
-      <p:cxnSp>
-        <p:nvCxnSpPr>
-          <p:cNvPr id="20" name="直線コネクタ 19"/>
-          <p:cNvCxnSpPr>
-            <a:stCxn id="62" idx="1"/>
-          </p:cNvCxnSpPr>
-          <p:nvPr/>
-        </p:nvCxnSpPr>
-        <p:spPr>
-          <a:xfrm flipH="1" flipV="1">
-            <a:off x="5940152" y="3315179"/>
-            <a:ext cx="990528" cy="356842"/>
-          </a:xfrm>
-          <a:prstGeom prst="line">
-            <a:avLst/>
-          </a:prstGeom>
-          <a:ln>
-            <a:solidFill>
-              <a:srgbClr val="FFFF00"/>
-            </a:solidFill>
-            <a:prstDash val="sysDot"/>
-          </a:ln>
-        </p:spPr>
-        <p:style>
-          <a:lnRef idx="1">
-            <a:schemeClr val="accent1"/>
-          </a:lnRef>
-          <a:fillRef idx="0">
-            <a:schemeClr val="accent1"/>
-          </a:fillRef>
-          <a:effectRef idx="0">
-            <a:schemeClr val="accent1"/>
-          </a:effectRef>
-          <a:fontRef idx="minor">
-            <a:schemeClr val="tx1"/>
-          </a:fontRef>
-        </p:style>
-      </p:cxnSp>
-      <p:cxnSp>
-        <p:nvCxnSpPr>
-          <p:cNvPr id="64" name="直線コネクタ 63"/>
-          <p:cNvCxnSpPr>
-            <a:stCxn id="62" idx="1"/>
-          </p:cNvCxnSpPr>
-          <p:nvPr/>
-        </p:nvCxnSpPr>
-        <p:spPr>
-          <a:xfrm flipH="1">
-            <a:off x="6084168" y="3672021"/>
-            <a:ext cx="846512" cy="6841"/>
-          </a:xfrm>
-          <a:prstGeom prst="line">
-            <a:avLst/>
-          </a:prstGeom>
-          <a:ln>
-            <a:solidFill>
-              <a:srgbClr val="FFFF00"/>
-            </a:solidFill>
-            <a:prstDash val="sysDot"/>
-          </a:ln>
-        </p:spPr>
-        <p:style>
-          <a:lnRef idx="1">
-            <a:schemeClr val="accent1"/>
-          </a:lnRef>
-          <a:fillRef idx="0">
-            <a:schemeClr val="accent1"/>
-          </a:fillRef>
-          <a:effectRef idx="0">
-            <a:schemeClr val="accent1"/>
-          </a:effectRef>
-          <a:fontRef idx="minor">
-            <a:schemeClr val="tx1"/>
-          </a:fontRef>
-        </p:style>
-      </p:cxnSp>
-      <p:cxnSp>
-        <p:nvCxnSpPr>
-          <p:cNvPr id="65" name="直線コネクタ 64"/>
-          <p:cNvCxnSpPr>
-            <a:stCxn id="62" idx="1"/>
-          </p:cNvCxnSpPr>
-          <p:nvPr/>
-        </p:nvCxnSpPr>
-        <p:spPr>
-          <a:xfrm flipH="1">
-            <a:off x="6156176" y="3672021"/>
-            <a:ext cx="774504" cy="358671"/>
-          </a:xfrm>
-          <a:prstGeom prst="line">
-            <a:avLst/>
-          </a:prstGeom>
-          <a:ln>
-            <a:solidFill>
-              <a:srgbClr val="FFFF00"/>
-            </a:solidFill>
-            <a:prstDash val="sysDot"/>
-          </a:ln>
-        </p:spPr>
-        <p:style>
-          <a:lnRef idx="1">
-            <a:schemeClr val="accent1"/>
-          </a:lnRef>
-          <a:fillRef idx="0">
-            <a:schemeClr val="accent1"/>
-          </a:fillRef>
-          <a:effectRef idx="0">
-            <a:schemeClr val="accent1"/>
-          </a:effectRef>
-          <a:fontRef idx="minor">
-            <a:schemeClr val="tx1"/>
-          </a:fontRef>
-        </p:style>
-      </p:cxnSp>
-      <p:sp>
-        <p:nvSpPr>
-          <p:cNvPr id="66" name="角丸四角形 65"/>
-          <p:cNvSpPr/>
-          <p:nvPr/>
-        </p:nvSpPr>
-        <p:spPr>
-          <a:xfrm rot="-420000">
-            <a:off x="2817950" y="3290653"/>
-            <a:ext cx="2622561" cy="356425"/>
-          </a:xfrm>
-          <a:prstGeom prst="roundRect">
-            <a:avLst>
-              <a:gd name="adj" fmla="val 50000"/>
-            </a:avLst>
-          </a:prstGeom>
-          <a:noFill/>
-          <a:ln>
-            <a:solidFill>
-              <a:srgbClr val="0070C0"/>
-            </a:solidFill>
-            <a:prstDash val="sysDot"/>
-          </a:ln>
-        </p:spPr>
-        <p:style>
-          <a:lnRef idx="2">
-            <a:schemeClr val="accent1">
-              <a:shade val="50000"/>
-            </a:schemeClr>
-          </a:lnRef>
-          <a:fillRef idx="1">
-            <a:schemeClr val="accent1"/>
-          </a:fillRef>
-          <a:effectRef idx="0">
-            <a:schemeClr val="accent1"/>
-          </a:effectRef>
-          <a:fontRef idx="minor">
-            <a:schemeClr val="lt1"/>
-          </a:fontRef>
-        </p:style>
-        <p:txBody>
-          <a:bodyPr rtlCol="0" anchor="ctr"/>
-          <a:lstStyle/>
-          <a:p>
-            <a:pPr algn="ctr"/>
-            <a:endParaRPr kumimoji="1" lang="ja-JP" altLang="en-US"/>
-          </a:p>
-        </p:txBody>
-      </p:sp>
-      <p:sp>
-        <p:nvSpPr>
-          <p:cNvPr id="68" name="正方形/長方形 67"/>
-          <p:cNvSpPr/>
-          <p:nvPr/>
-        </p:nvSpPr>
-        <p:spPr>
-          <a:xfrm rot="-420000">
-            <a:off x="3477436" y="3129201"/>
-            <a:ext cx="1224136" cy="166573"/>
-          </a:xfrm>
-          <a:prstGeom prst="rect">
-            <a:avLst/>
-          </a:prstGeom>
-          <a:noFill/>
-          <a:ln w="12700">
-            <a:noFill/>
-          </a:ln>
-        </p:spPr>
-        <p:style>
-          <a:lnRef idx="2">
-            <a:schemeClr val="accent1">
-              <a:shade val="50000"/>
-            </a:schemeClr>
-          </a:lnRef>
-          <a:fillRef idx="1">
-            <a:schemeClr val="accent1"/>
-          </a:fillRef>
-          <a:effectRef idx="0">
-            <a:schemeClr val="accent1"/>
-          </a:effectRef>
-          <a:fontRef idx="minor">
-            <a:schemeClr val="lt1"/>
-          </a:fontRef>
-        </p:style>
-        <p:txBody>
-          <a:bodyPr rtlCol="0" anchor="ctr"/>
-          <a:lstStyle/>
-          <a:p>
-            <a:pPr algn="ctr"/>
-            <a:r>
-              <a:rPr kumimoji="1" lang="en-US" altLang="ja-JP" sz="1000" dirty="0" err="1" smtClean="0">
-                <a:solidFill>
-                  <a:srgbClr val="0070C0"/>
-                </a:solidFill>
-              </a:rPr>
-              <a:t>ImmSocketService</a:t>
-            </a:r>
-            <a:endParaRPr kumimoji="1" lang="en-US" altLang="ja-JP" sz="1000" dirty="0" smtClean="0">
-              <a:solidFill>
-                <a:srgbClr val="0070C0"/>
-              </a:solidFill>
-            </a:endParaRPr>
-          </a:p>
-        </p:txBody>
-      </p:sp>
-      <p:sp>
-        <p:nvSpPr>
-          <p:cNvPr id="71" name="正方形/長方形 70"/>
-          <p:cNvSpPr/>
-          <p:nvPr/>
-        </p:nvSpPr>
-        <p:spPr>
-          <a:xfrm>
-            <a:off x="7182290" y="5620109"/>
-            <a:ext cx="1528801" cy="216024"/>
+          <a:xfrm>
+            <a:off x="6624228" y="4171954"/>
+            <a:ext cx="1044116" cy="1342760"/>
           </a:xfrm>
           <a:prstGeom prst="rect">
             <a:avLst/>
@@ -6282,17 +4420,755 @@
           <a:lstStyle/>
           <a:p>
             <a:pPr algn="ctr"/>
-            <a:r>
-              <a:rPr kumimoji="1" lang="en-US" altLang="ja-JP" sz="1000" dirty="0" err="1" smtClean="0">
+            <a:endParaRPr kumimoji="1" lang="ja-JP" altLang="en-US" dirty="0"/>
+          </a:p>
+        </p:txBody>
+      </p:sp>
+      <p:sp>
+        <p:nvSpPr>
+          <p:cNvPr id="55" name="正方形/長方形 54"/>
+          <p:cNvSpPr/>
+          <p:nvPr/>
+        </p:nvSpPr>
+        <p:spPr>
+          <a:xfrm>
+            <a:off x="6624228" y="4171954"/>
+            <a:ext cx="1224136" cy="177556"/>
+          </a:xfrm>
+          <a:prstGeom prst="rect">
+            <a:avLst/>
+          </a:prstGeom>
+          <a:noFill/>
+          <a:ln w="12700">
+            <a:noFill/>
+          </a:ln>
+        </p:spPr>
+        <p:style>
+          <a:lnRef idx="2">
+            <a:schemeClr val="accent1">
+              <a:shade val="50000"/>
+            </a:schemeClr>
+          </a:lnRef>
+          <a:fillRef idx="1">
+            <a:schemeClr val="accent1"/>
+          </a:fillRef>
+          <a:effectRef idx="0">
+            <a:schemeClr val="accent1"/>
+          </a:effectRef>
+          <a:fontRef idx="minor">
+            <a:schemeClr val="lt1"/>
+          </a:fontRef>
+        </p:style>
+        <p:txBody>
+          <a:bodyPr rtlCol="0" anchor="ctr"/>
+          <a:lstStyle/>
+          <a:p>
+            <a:r>
+              <a:rPr kumimoji="1" lang="en-US" altLang="ja-JP" sz="1000" dirty="0" smtClean="0">
                 <a:solidFill>
                   <a:schemeClr val="tx1"/>
                 </a:solidFill>
               </a:rPr>
-              <a:t>CImmSocketServer</a:t>
-            </a:r>
-            <a:endParaRPr kumimoji="1" lang="ja-JP" altLang="en-US" sz="1000" dirty="0">
+              <a:t>Server</a:t>
+            </a:r>
+            <a:r>
+              <a:rPr lang="en-US" altLang="ja-JP" sz="1000" dirty="0" smtClean="0">
+                <a:solidFill>
+                  <a:schemeClr val="tx1"/>
+                </a:solidFill>
+              </a:rPr>
+              <a:t> instance</a:t>
+            </a:r>
+          </a:p>
+        </p:txBody>
+      </p:sp>
+      <p:sp>
+        <p:nvSpPr>
+          <p:cNvPr id="57" name="正方形/長方形 56"/>
+          <p:cNvSpPr/>
+          <p:nvPr/>
+        </p:nvSpPr>
+        <p:spPr>
+          <a:xfrm>
+            <a:off x="7020272" y="4009673"/>
+            <a:ext cx="720080" cy="189129"/>
+          </a:xfrm>
+          <a:prstGeom prst="rect">
+            <a:avLst/>
+          </a:prstGeom>
+          <a:noFill/>
+          <a:ln w="12700">
+            <a:noFill/>
+          </a:ln>
+        </p:spPr>
+        <p:style>
+          <a:lnRef idx="2">
+            <a:schemeClr val="accent1">
+              <a:shade val="50000"/>
+            </a:schemeClr>
+          </a:lnRef>
+          <a:fillRef idx="1">
+            <a:schemeClr val="accent1"/>
+          </a:fillRef>
+          <a:effectRef idx="0">
+            <a:schemeClr val="accent1"/>
+          </a:effectRef>
+          <a:fontRef idx="minor">
+            <a:schemeClr val="lt1"/>
+          </a:fontRef>
+        </p:style>
+        <p:txBody>
+          <a:bodyPr rtlCol="0" anchor="ctr"/>
+          <a:lstStyle/>
+          <a:p>
+            <a:pPr algn="ctr"/>
+            <a:r>
+              <a:rPr kumimoji="1" lang="en-US" altLang="ja-JP" sz="1000" dirty="0" smtClean="0">
+                <a:solidFill>
+                  <a:schemeClr val="tx1"/>
+                </a:solidFill>
+              </a:rPr>
+              <a:t>1 thread</a:t>
+            </a:r>
+          </a:p>
+        </p:txBody>
+      </p:sp>
+      <p:sp>
+        <p:nvSpPr>
+          <p:cNvPr id="100" name="正方形/長方形 99"/>
+          <p:cNvSpPr/>
+          <p:nvPr/>
+        </p:nvSpPr>
+        <p:spPr>
+          <a:xfrm>
+            <a:off x="5249548" y="5362488"/>
+            <a:ext cx="1080120" cy="504056"/>
+          </a:xfrm>
+          <a:prstGeom prst="rect">
+            <a:avLst/>
+          </a:prstGeom>
+          <a:solidFill>
+            <a:schemeClr val="accent1">
+              <a:lumMod val="40000"/>
+              <a:lumOff val="60000"/>
+            </a:schemeClr>
+          </a:solidFill>
+          <a:ln>
+            <a:prstDash val="sysDot"/>
+          </a:ln>
+          <a:effectLst>
+            <a:outerShdw blurRad="50800" dist="38100" dir="2700000" algn="tl" rotWithShape="0">
+              <a:prstClr val="black">
+                <a:alpha val="40000"/>
+              </a:prstClr>
+            </a:outerShdw>
+          </a:effectLst>
+        </p:spPr>
+        <p:style>
+          <a:lnRef idx="2">
+            <a:schemeClr val="accent1">
+              <a:shade val="50000"/>
+            </a:schemeClr>
+          </a:lnRef>
+          <a:fillRef idx="1">
+            <a:schemeClr val="accent1"/>
+          </a:fillRef>
+          <a:effectRef idx="0">
+            <a:schemeClr val="accent1"/>
+          </a:effectRef>
+          <a:fontRef idx="minor">
+            <a:schemeClr val="lt1"/>
+          </a:fontRef>
+        </p:style>
+        <p:txBody>
+          <a:bodyPr rtlCol="0" anchor="ctr"/>
+          <a:lstStyle/>
+          <a:p>
+            <a:pPr algn="ctr"/>
+            <a:endParaRPr kumimoji="1" lang="ja-JP" altLang="en-US"/>
+          </a:p>
+        </p:txBody>
+      </p:sp>
+      <p:sp>
+        <p:nvSpPr>
+          <p:cNvPr id="97" name="正方形/長方形 96"/>
+          <p:cNvSpPr/>
+          <p:nvPr/>
+        </p:nvSpPr>
+        <p:spPr>
+          <a:xfrm>
+            <a:off x="5158697" y="5010658"/>
+            <a:ext cx="1080120" cy="504056"/>
+          </a:xfrm>
+          <a:prstGeom prst="rect">
+            <a:avLst/>
+          </a:prstGeom>
+          <a:solidFill>
+            <a:schemeClr val="accent1">
+              <a:lumMod val="40000"/>
+              <a:lumOff val="60000"/>
+            </a:schemeClr>
+          </a:solidFill>
+          <a:ln>
+            <a:prstDash val="sysDot"/>
+          </a:ln>
+          <a:effectLst>
+            <a:outerShdw blurRad="50800" dist="38100" dir="2700000" algn="tl" rotWithShape="0">
+              <a:prstClr val="black">
+                <a:alpha val="40000"/>
+              </a:prstClr>
+            </a:outerShdw>
+          </a:effectLst>
+        </p:spPr>
+        <p:style>
+          <a:lnRef idx="2">
+            <a:schemeClr val="accent1">
+              <a:shade val="50000"/>
+            </a:schemeClr>
+          </a:lnRef>
+          <a:fillRef idx="1">
+            <a:schemeClr val="accent1"/>
+          </a:fillRef>
+          <a:effectRef idx="0">
+            <a:schemeClr val="accent1"/>
+          </a:effectRef>
+          <a:fontRef idx="minor">
+            <a:schemeClr val="lt1"/>
+          </a:fontRef>
+        </p:style>
+        <p:txBody>
+          <a:bodyPr rtlCol="0" anchor="ctr"/>
+          <a:lstStyle/>
+          <a:p>
+            <a:pPr algn="ctr"/>
+            <a:endParaRPr kumimoji="1" lang="ja-JP" altLang="en-US"/>
+          </a:p>
+        </p:txBody>
+      </p:sp>
+      <p:sp>
+        <p:nvSpPr>
+          <p:cNvPr id="60" name="正方形/長方形 59"/>
+          <p:cNvSpPr/>
+          <p:nvPr/>
+        </p:nvSpPr>
+        <p:spPr>
+          <a:xfrm>
+            <a:off x="5076056" y="4642408"/>
+            <a:ext cx="1080120" cy="504056"/>
+          </a:xfrm>
+          <a:prstGeom prst="rect">
+            <a:avLst/>
+          </a:prstGeom>
+          <a:solidFill>
+            <a:schemeClr val="accent1">
+              <a:lumMod val="40000"/>
+              <a:lumOff val="60000"/>
+            </a:schemeClr>
+          </a:solidFill>
+          <a:effectLst>
+            <a:outerShdw blurRad="50800" dist="38100" dir="2700000" algn="tl" rotWithShape="0">
+              <a:prstClr val="black">
+                <a:alpha val="40000"/>
+              </a:prstClr>
+            </a:outerShdw>
+          </a:effectLst>
+        </p:spPr>
+        <p:style>
+          <a:lnRef idx="2">
+            <a:schemeClr val="accent1">
+              <a:shade val="50000"/>
+            </a:schemeClr>
+          </a:lnRef>
+          <a:fillRef idx="1">
+            <a:schemeClr val="accent1"/>
+          </a:fillRef>
+          <a:effectRef idx="0">
+            <a:schemeClr val="accent1"/>
+          </a:effectRef>
+          <a:fontRef idx="minor">
+            <a:schemeClr val="lt1"/>
+          </a:fontRef>
+        </p:style>
+        <p:txBody>
+          <a:bodyPr rtlCol="0" anchor="ctr"/>
+          <a:lstStyle/>
+          <a:p>
+            <a:pPr algn="ctr"/>
+            <a:endParaRPr kumimoji="1" lang="ja-JP" altLang="en-US"/>
+          </a:p>
+        </p:txBody>
+      </p:sp>
+      <p:sp>
+        <p:nvSpPr>
+          <p:cNvPr id="63" name="正方形/長方形 62"/>
+          <p:cNvSpPr/>
+          <p:nvPr/>
+        </p:nvSpPr>
+        <p:spPr>
+          <a:xfrm>
+            <a:off x="5796136" y="4751687"/>
+            <a:ext cx="720080" cy="189129"/>
+          </a:xfrm>
+          <a:prstGeom prst="rect">
+            <a:avLst/>
+          </a:prstGeom>
+          <a:noFill/>
+          <a:ln w="12700">
+            <a:noFill/>
+          </a:ln>
+        </p:spPr>
+        <p:style>
+          <a:lnRef idx="2">
+            <a:schemeClr val="accent1">
+              <a:shade val="50000"/>
+            </a:schemeClr>
+          </a:lnRef>
+          <a:fillRef idx="1">
+            <a:schemeClr val="accent1"/>
+          </a:fillRef>
+          <a:effectRef idx="0">
+            <a:schemeClr val="accent1"/>
+          </a:effectRef>
+          <a:fontRef idx="minor">
+            <a:schemeClr val="lt1"/>
+          </a:fontRef>
+        </p:style>
+        <p:txBody>
+          <a:bodyPr rtlCol="0" anchor="ctr"/>
+          <a:lstStyle/>
+          <a:p>
+            <a:pPr algn="ctr"/>
+            <a:r>
+              <a:rPr kumimoji="1" lang="en-US" altLang="ja-JP" sz="1000" dirty="0" smtClean="0">
+                <a:solidFill>
+                  <a:schemeClr val="tx1"/>
+                </a:solidFill>
+              </a:rPr>
+              <a:t>1 thread</a:t>
+            </a:r>
+          </a:p>
+        </p:txBody>
+      </p:sp>
+      <p:sp>
+        <p:nvSpPr>
+          <p:cNvPr id="67" name="正方形/長方形 66"/>
+          <p:cNvSpPr/>
+          <p:nvPr/>
+        </p:nvSpPr>
+        <p:spPr>
+          <a:xfrm>
+            <a:off x="683568" y="2950968"/>
+            <a:ext cx="2304256" cy="1656184"/>
+          </a:xfrm>
+          <a:prstGeom prst="rect">
+            <a:avLst/>
+          </a:prstGeom>
+          <a:solidFill>
+            <a:schemeClr val="accent2">
+              <a:lumMod val="40000"/>
+              <a:lumOff val="60000"/>
+            </a:schemeClr>
+          </a:solidFill>
+          <a:effectLst>
+            <a:outerShdw blurRad="50800" dist="38100" dir="2700000" algn="tl" rotWithShape="0">
+              <a:prstClr val="black">
+                <a:alpha val="40000"/>
+              </a:prstClr>
+            </a:outerShdw>
+          </a:effectLst>
+        </p:spPr>
+        <p:style>
+          <a:lnRef idx="2">
+            <a:schemeClr val="accent1">
+              <a:shade val="50000"/>
+            </a:schemeClr>
+          </a:lnRef>
+          <a:fillRef idx="1">
+            <a:schemeClr val="accent1"/>
+          </a:fillRef>
+          <a:effectRef idx="0">
+            <a:schemeClr val="accent1"/>
+          </a:effectRef>
+          <a:fontRef idx="minor">
+            <a:schemeClr val="lt1"/>
+          </a:fontRef>
+        </p:style>
+        <p:txBody>
+          <a:bodyPr rtlCol="0" anchor="ctr"/>
+          <a:lstStyle/>
+          <a:p>
+            <a:pPr algn="ctr"/>
+            <a:endParaRPr kumimoji="1" lang="ja-JP" altLang="en-US"/>
+          </a:p>
+        </p:txBody>
+      </p:sp>
+      <p:sp>
+        <p:nvSpPr>
+          <p:cNvPr id="69" name="正方形/長方形 68"/>
+          <p:cNvSpPr/>
+          <p:nvPr/>
+        </p:nvSpPr>
+        <p:spPr>
+          <a:xfrm>
+            <a:off x="683568" y="2961345"/>
+            <a:ext cx="1008112" cy="189129"/>
+          </a:xfrm>
+          <a:prstGeom prst="rect">
+            <a:avLst/>
+          </a:prstGeom>
+          <a:noFill/>
+          <a:ln w="12700">
+            <a:noFill/>
+          </a:ln>
+        </p:spPr>
+        <p:style>
+          <a:lnRef idx="2">
+            <a:schemeClr val="accent1">
+              <a:shade val="50000"/>
+            </a:schemeClr>
+          </a:lnRef>
+          <a:fillRef idx="1">
+            <a:schemeClr val="accent1"/>
+          </a:fillRef>
+          <a:effectRef idx="0">
+            <a:schemeClr val="accent1"/>
+          </a:effectRef>
+          <a:fontRef idx="minor">
+            <a:schemeClr val="lt1"/>
+          </a:fontRef>
+        </p:style>
+        <p:txBody>
+          <a:bodyPr rtlCol="0" anchor="ctr"/>
+          <a:lstStyle/>
+          <a:p>
+            <a:pPr algn="ctr"/>
+            <a:r>
+              <a:rPr lang="en-US" altLang="ja-JP" sz="1000" dirty="0" smtClean="0">
+                <a:solidFill>
+                  <a:schemeClr val="tx1"/>
+                </a:solidFill>
+              </a:rPr>
+              <a:t>client</a:t>
+            </a:r>
+            <a:r>
+              <a:rPr kumimoji="1" lang="en-US" altLang="ja-JP" sz="1000" dirty="0" smtClean="0">
+                <a:solidFill>
+                  <a:schemeClr val="tx1"/>
+                </a:solidFill>
+              </a:rPr>
+              <a:t> process</a:t>
+            </a:r>
+          </a:p>
+        </p:txBody>
+      </p:sp>
+      <p:sp>
+        <p:nvSpPr>
+          <p:cNvPr id="70" name="正方形/長方形 69"/>
+          <p:cNvSpPr/>
+          <p:nvPr/>
+        </p:nvSpPr>
+        <p:spPr>
+          <a:xfrm>
+            <a:off x="1763688" y="3959080"/>
+            <a:ext cx="1080120" cy="376032"/>
+          </a:xfrm>
+          <a:prstGeom prst="rect">
+            <a:avLst/>
+          </a:prstGeom>
+          <a:solidFill>
+            <a:schemeClr val="accent1">
+              <a:lumMod val="40000"/>
+              <a:lumOff val="60000"/>
+            </a:schemeClr>
+          </a:solidFill>
+          <a:effectLst>
+            <a:outerShdw blurRad="50800" dist="38100" dir="2700000" algn="tl" rotWithShape="0">
+              <a:prstClr val="black">
+                <a:alpha val="40000"/>
+              </a:prstClr>
+            </a:outerShdw>
+          </a:effectLst>
+        </p:spPr>
+        <p:style>
+          <a:lnRef idx="2">
+            <a:schemeClr val="accent1">
+              <a:shade val="50000"/>
+            </a:schemeClr>
+          </a:lnRef>
+          <a:fillRef idx="1">
+            <a:schemeClr val="accent1"/>
+          </a:fillRef>
+          <a:effectRef idx="0">
+            <a:schemeClr val="accent1"/>
+          </a:effectRef>
+          <a:fontRef idx="minor">
+            <a:schemeClr val="lt1"/>
+          </a:fontRef>
+        </p:style>
+        <p:txBody>
+          <a:bodyPr rtlCol="0" anchor="ctr"/>
+          <a:lstStyle/>
+          <a:p>
+            <a:pPr algn="ctr"/>
+            <a:endParaRPr kumimoji="1" lang="ja-JP" altLang="en-US"/>
+          </a:p>
+        </p:txBody>
+      </p:sp>
+      <p:sp>
+        <p:nvSpPr>
+          <p:cNvPr id="75" name="正方形/長方形 74"/>
+          <p:cNvSpPr/>
+          <p:nvPr/>
+        </p:nvSpPr>
+        <p:spPr>
+          <a:xfrm>
+            <a:off x="1475656" y="4247983"/>
+            <a:ext cx="720080" cy="189129"/>
+          </a:xfrm>
+          <a:prstGeom prst="rect">
+            <a:avLst/>
+          </a:prstGeom>
+          <a:noFill/>
+          <a:ln w="12700">
+            <a:noFill/>
+          </a:ln>
+        </p:spPr>
+        <p:style>
+          <a:lnRef idx="2">
+            <a:schemeClr val="accent1">
+              <a:shade val="50000"/>
+            </a:schemeClr>
+          </a:lnRef>
+          <a:fillRef idx="1">
+            <a:schemeClr val="accent1"/>
+          </a:fillRef>
+          <a:effectRef idx="0">
+            <a:schemeClr val="accent1"/>
+          </a:effectRef>
+          <a:fontRef idx="minor">
+            <a:schemeClr val="lt1"/>
+          </a:fontRef>
+        </p:style>
+        <p:txBody>
+          <a:bodyPr rtlCol="0" anchor="ctr"/>
+          <a:lstStyle/>
+          <a:p>
+            <a:pPr algn="ctr"/>
+            <a:r>
+              <a:rPr kumimoji="1" lang="en-US" altLang="ja-JP" sz="1000" dirty="0" smtClean="0">
+                <a:solidFill>
+                  <a:schemeClr val="tx1"/>
+                </a:solidFill>
+              </a:rPr>
+              <a:t>1 thread</a:t>
+            </a:r>
+          </a:p>
+        </p:txBody>
+      </p:sp>
+      <p:cxnSp>
+        <p:nvCxnSpPr>
+          <p:cNvPr id="104" name="直線矢印コネクタ 103"/>
+          <p:cNvCxnSpPr>
+            <a:stCxn id="39" idx="3"/>
+            <a:endCxn id="40" idx="1"/>
+          </p:cNvCxnSpPr>
+          <p:nvPr/>
+        </p:nvCxnSpPr>
+        <p:spPr>
+          <a:xfrm flipV="1">
+            <a:off x="2889440" y="4899004"/>
+            <a:ext cx="2285000" cy="261656"/>
+          </a:xfrm>
+          <a:prstGeom prst="straightConnector1">
+            <a:avLst/>
+          </a:prstGeom>
+          <a:ln w="19050">
+            <a:solidFill>
+              <a:srgbClr val="FF0000"/>
+            </a:solidFill>
+            <a:headEnd type="triangle" w="med" len="med"/>
+            <a:tailEnd type="triangle" w="med" len="med"/>
+          </a:ln>
+        </p:spPr>
+        <p:style>
+          <a:lnRef idx="1">
+            <a:schemeClr val="accent1"/>
+          </a:lnRef>
+          <a:fillRef idx="0">
+            <a:schemeClr val="accent1"/>
+          </a:fillRef>
+          <a:effectRef idx="0">
+            <a:schemeClr val="accent1"/>
+          </a:effectRef>
+          <a:fontRef idx="minor">
+            <a:schemeClr val="tx1"/>
+          </a:fontRef>
+        </p:style>
+      </p:cxnSp>
+      <p:sp>
+        <p:nvSpPr>
+          <p:cNvPr id="105" name="正方形/長方形 104"/>
+          <p:cNvSpPr/>
+          <p:nvPr/>
+        </p:nvSpPr>
+        <p:spPr>
+          <a:xfrm rot="840000">
+            <a:off x="3121441" y="4041104"/>
+            <a:ext cx="1698318" cy="298549"/>
+          </a:xfrm>
+          <a:prstGeom prst="rect">
+            <a:avLst/>
+          </a:prstGeom>
+          <a:noFill/>
+          <a:ln w="12700">
+            <a:noFill/>
+          </a:ln>
+        </p:spPr>
+        <p:style>
+          <a:lnRef idx="2">
+            <a:schemeClr val="accent1">
+              <a:shade val="50000"/>
+            </a:schemeClr>
+          </a:lnRef>
+          <a:fillRef idx="1">
+            <a:schemeClr val="accent1"/>
+          </a:fillRef>
+          <a:effectRef idx="0">
+            <a:schemeClr val="accent1"/>
+          </a:effectRef>
+          <a:fontRef idx="minor">
+            <a:schemeClr val="lt1"/>
+          </a:fontRef>
+        </p:style>
+        <p:txBody>
+          <a:bodyPr rtlCol="0" anchor="ctr"/>
+          <a:lstStyle/>
+          <a:p>
+            <a:pPr algn="ctr"/>
+            <a:r>
+              <a:rPr lang="en-US" altLang="ja-JP" sz="1000" dirty="0">
+                <a:solidFill>
+                  <a:srgbClr val="FF0000"/>
+                </a:solidFill>
+              </a:rPr>
+              <a:t>s</a:t>
+            </a:r>
+            <a:r>
+              <a:rPr kumimoji="1" lang="en-US" altLang="ja-JP" sz="1000" dirty="0" smtClean="0">
+                <a:solidFill>
+                  <a:srgbClr val="FF0000"/>
+                </a:solidFill>
+              </a:rPr>
+              <a:t>ocket communication</a:t>
+            </a:r>
+          </a:p>
+          <a:p>
+            <a:pPr algn="ctr"/>
+            <a:r>
+              <a:rPr kumimoji="1" lang="en-US" altLang="ja-JP" sz="1000" dirty="0" smtClean="0">
+                <a:solidFill>
+                  <a:srgbClr val="FF0000"/>
+                </a:solidFill>
+              </a:rPr>
+              <a:t>Local / TCP</a:t>
+            </a:r>
+          </a:p>
+        </p:txBody>
+      </p:sp>
+      <p:sp>
+        <p:nvSpPr>
+          <p:cNvPr id="110" name="正方形/長方形 109"/>
+          <p:cNvSpPr/>
+          <p:nvPr/>
+        </p:nvSpPr>
+        <p:spPr>
+          <a:xfrm rot="21240000">
+            <a:off x="3383279" y="4899260"/>
+            <a:ext cx="1470319" cy="278012"/>
+          </a:xfrm>
+          <a:prstGeom prst="rect">
+            <a:avLst/>
+          </a:prstGeom>
+          <a:noFill/>
+          <a:ln w="12700">
+            <a:noFill/>
+          </a:ln>
+        </p:spPr>
+        <p:style>
+          <a:lnRef idx="2">
+            <a:schemeClr val="accent1">
+              <a:shade val="50000"/>
+            </a:schemeClr>
+          </a:lnRef>
+          <a:fillRef idx="1">
+            <a:schemeClr val="accent1"/>
+          </a:fillRef>
+          <a:effectRef idx="0">
+            <a:schemeClr val="accent1"/>
+          </a:effectRef>
+          <a:fontRef idx="minor">
+            <a:schemeClr val="lt1"/>
+          </a:fontRef>
+        </p:style>
+        <p:txBody>
+          <a:bodyPr rtlCol="0" anchor="ctr"/>
+          <a:lstStyle/>
+          <a:p>
+            <a:pPr algn="ctr"/>
+            <a:r>
+              <a:rPr lang="en-US" altLang="ja-JP" sz="1000" dirty="0">
+                <a:solidFill>
+                  <a:srgbClr val="FF0000"/>
+                </a:solidFill>
+              </a:rPr>
+              <a:t>s</a:t>
+            </a:r>
+            <a:r>
+              <a:rPr kumimoji="1" lang="en-US" altLang="ja-JP" sz="1000" dirty="0" smtClean="0">
+                <a:solidFill>
+                  <a:srgbClr val="FF0000"/>
+                </a:solidFill>
+              </a:rPr>
+              <a:t>ocket</a:t>
+            </a:r>
+            <a:r>
+              <a:rPr lang="ja-JP" altLang="en-US" sz="1000" dirty="0" smtClean="0">
+                <a:solidFill>
+                  <a:srgbClr val="FF0000"/>
+                </a:solidFill>
+              </a:rPr>
+              <a:t> </a:t>
+            </a:r>
+            <a:r>
+              <a:rPr kumimoji="1" lang="en-US" altLang="ja-JP" sz="1000" dirty="0" smtClean="0">
+                <a:solidFill>
+                  <a:srgbClr val="FF0000"/>
+                </a:solidFill>
+              </a:rPr>
+              <a:t>communication</a:t>
+            </a:r>
+          </a:p>
+          <a:p>
+            <a:pPr algn="ctr"/>
+            <a:r>
+              <a:rPr kumimoji="1" lang="en-US" altLang="ja-JP" sz="1000" dirty="0" smtClean="0">
+                <a:solidFill>
+                  <a:srgbClr val="FF0000"/>
+                </a:solidFill>
+              </a:rPr>
+              <a:t>Local</a:t>
+            </a:r>
+            <a:r>
+              <a:rPr lang="en-US" altLang="ja-JP" sz="1000" dirty="0" smtClean="0">
+                <a:solidFill>
+                  <a:srgbClr val="FF0000"/>
+                </a:solidFill>
+              </a:rPr>
+              <a:t> / TCP</a:t>
+            </a:r>
+            <a:endParaRPr kumimoji="1" lang="en-US" altLang="ja-JP" sz="1000" dirty="0" smtClean="0">
               <a:solidFill>
-                <a:schemeClr val="tx1"/>
+                <a:srgbClr val="FF0000"/>
               </a:solidFill>
             </a:endParaRPr>
           </a:p>
@@ -6300,14 +5176,14 @@
       </p:sp>
       <p:sp>
         <p:nvSpPr>
-          <p:cNvPr id="72" name="正方形/長方形 71"/>
+          <p:cNvPr id="39" name="正方形/長方形 38"/>
           <p:cNvSpPr/>
           <p:nvPr/>
         </p:nvSpPr>
         <p:spPr>
           <a:xfrm>
-            <a:off x="7182290" y="5870339"/>
-            <a:ext cx="1528801" cy="196353"/>
+            <a:off x="2195736" y="4994087"/>
+            <a:ext cx="693704" cy="333145"/>
           </a:xfrm>
           <a:prstGeom prst="rect">
             <a:avLst/>
@@ -6318,7 +5194,7 @@
               <a:lumOff val="60000"/>
             </a:schemeClr>
           </a:solidFill>
-          <a:ln w="19050">
+          <a:ln w="28575">
             <a:solidFill>
               <a:srgbClr val="FF0000"/>
             </a:solidFill>
@@ -6353,14 +5229,1867 @@
           <a:p>
             <a:pPr algn="ctr"/>
             <a:r>
+              <a:rPr kumimoji="1" lang="en-US" altLang="ja-JP" sz="1000" dirty="0" smtClean="0">
+                <a:solidFill>
+                  <a:schemeClr val="tx1"/>
+                </a:solidFill>
+              </a:rPr>
+              <a:t>client</a:t>
+            </a:r>
+          </a:p>
+          <a:p>
+            <a:pPr algn="ctr"/>
+            <a:r>
+              <a:rPr lang="en-US" altLang="ja-JP" sz="1000" dirty="0" smtClean="0">
+                <a:solidFill>
+                  <a:schemeClr val="tx1"/>
+                </a:solidFill>
+              </a:rPr>
+              <a:t>instance</a:t>
+            </a:r>
+            <a:endParaRPr kumimoji="1" lang="en-US" altLang="ja-JP" sz="1000" dirty="0" smtClean="0">
+              <a:solidFill>
+                <a:schemeClr val="tx1"/>
+              </a:solidFill>
+            </a:endParaRPr>
+          </a:p>
+        </p:txBody>
+      </p:sp>
+      <p:sp>
+        <p:nvSpPr>
+          <p:cNvPr id="40" name="正方形/長方形 39"/>
+          <p:cNvSpPr/>
+          <p:nvPr/>
+        </p:nvSpPr>
+        <p:spPr>
+          <a:xfrm>
+            <a:off x="5174440" y="4732431"/>
+            <a:ext cx="693704" cy="333145"/>
+          </a:xfrm>
+          <a:prstGeom prst="rect">
+            <a:avLst/>
+          </a:prstGeom>
+          <a:solidFill>
+            <a:schemeClr val="accent6">
+              <a:lumMod val="40000"/>
+              <a:lumOff val="60000"/>
+            </a:schemeClr>
+          </a:solidFill>
+          <a:ln w="28575">
+            <a:solidFill>
+              <a:srgbClr val="FF0000"/>
+            </a:solidFill>
+          </a:ln>
+          <a:effectLst>
+            <a:outerShdw blurRad="50800" dist="38100" dir="2700000" algn="tl" rotWithShape="0">
+              <a:prstClr val="black">
+                <a:alpha val="40000"/>
+              </a:prstClr>
+            </a:outerShdw>
+          </a:effectLst>
+        </p:spPr>
+        <p:style>
+          <a:lnRef idx="2">
+            <a:schemeClr val="accent1">
+              <a:shade val="50000"/>
+            </a:schemeClr>
+          </a:lnRef>
+          <a:fillRef idx="1">
+            <a:schemeClr val="accent1"/>
+          </a:fillRef>
+          <a:effectRef idx="0">
+            <a:schemeClr val="accent1"/>
+          </a:effectRef>
+          <a:fontRef idx="minor">
+            <a:schemeClr val="lt1"/>
+          </a:fontRef>
+        </p:style>
+        <p:txBody>
+          <a:bodyPr rtlCol="0" anchor="ctr"/>
+          <a:lstStyle/>
+          <a:p>
+            <a:pPr algn="ctr"/>
+            <a:r>
+              <a:rPr kumimoji="1" lang="en-US" altLang="ja-JP" sz="1000" dirty="0" smtClean="0">
+                <a:solidFill>
+                  <a:schemeClr val="tx1"/>
+                </a:solidFill>
+              </a:rPr>
+              <a:t>client</a:t>
+            </a:r>
+          </a:p>
+          <a:p>
+            <a:pPr algn="ctr"/>
+            <a:r>
+              <a:rPr lang="en-US" altLang="ja-JP" sz="1000" dirty="0" smtClean="0">
+                <a:solidFill>
+                  <a:schemeClr val="tx1"/>
+                </a:solidFill>
+              </a:rPr>
+              <a:t>instance</a:t>
+            </a:r>
+            <a:endParaRPr kumimoji="1" lang="en-US" altLang="ja-JP" sz="1000" dirty="0" smtClean="0">
+              <a:solidFill>
+                <a:schemeClr val="tx1"/>
+              </a:solidFill>
+            </a:endParaRPr>
+          </a:p>
+        </p:txBody>
+      </p:sp>
+      <p:sp>
+        <p:nvSpPr>
+          <p:cNvPr id="46" name="正方形/長方形 45"/>
+          <p:cNvSpPr/>
+          <p:nvPr/>
+        </p:nvSpPr>
+        <p:spPr>
+          <a:xfrm>
+            <a:off x="1763688" y="3438456"/>
+            <a:ext cx="1080120" cy="388587"/>
+          </a:xfrm>
+          <a:prstGeom prst="rect">
+            <a:avLst/>
+          </a:prstGeom>
+          <a:solidFill>
+            <a:schemeClr val="accent1">
+              <a:lumMod val="40000"/>
+              <a:lumOff val="60000"/>
+            </a:schemeClr>
+          </a:solidFill>
+          <a:effectLst>
+            <a:outerShdw blurRad="50800" dist="38100" dir="2700000" algn="tl" rotWithShape="0">
+              <a:prstClr val="black">
+                <a:alpha val="40000"/>
+              </a:prstClr>
+            </a:outerShdw>
+          </a:effectLst>
+        </p:spPr>
+        <p:style>
+          <a:lnRef idx="2">
+            <a:schemeClr val="accent1">
+              <a:shade val="50000"/>
+            </a:schemeClr>
+          </a:lnRef>
+          <a:fillRef idx="1">
+            <a:schemeClr val="accent1"/>
+          </a:fillRef>
+          <a:effectRef idx="0">
+            <a:schemeClr val="accent1"/>
+          </a:effectRef>
+          <a:fontRef idx="minor">
+            <a:schemeClr val="lt1"/>
+          </a:fontRef>
+        </p:style>
+        <p:txBody>
+          <a:bodyPr rtlCol="0" anchor="ctr"/>
+          <a:lstStyle/>
+          <a:p>
+            <a:pPr algn="ctr"/>
+            <a:endParaRPr kumimoji="1" lang="ja-JP" altLang="en-US"/>
+          </a:p>
+        </p:txBody>
+      </p:sp>
+      <p:sp>
+        <p:nvSpPr>
+          <p:cNvPr id="47" name="正方形/長方形 46"/>
+          <p:cNvSpPr/>
+          <p:nvPr/>
+        </p:nvSpPr>
+        <p:spPr>
+          <a:xfrm>
+            <a:off x="1403648" y="3309692"/>
+            <a:ext cx="720080" cy="189129"/>
+          </a:xfrm>
+          <a:prstGeom prst="rect">
+            <a:avLst/>
+          </a:prstGeom>
+          <a:noFill/>
+          <a:ln w="12700">
+            <a:noFill/>
+          </a:ln>
+        </p:spPr>
+        <p:style>
+          <a:lnRef idx="2">
+            <a:schemeClr val="accent1">
+              <a:shade val="50000"/>
+            </a:schemeClr>
+          </a:lnRef>
+          <a:fillRef idx="1">
+            <a:schemeClr val="accent1"/>
+          </a:fillRef>
+          <a:effectRef idx="0">
+            <a:schemeClr val="accent1"/>
+          </a:effectRef>
+          <a:fontRef idx="minor">
+            <a:schemeClr val="lt1"/>
+          </a:fontRef>
+        </p:style>
+        <p:txBody>
+          <a:bodyPr rtlCol="0" anchor="ctr"/>
+          <a:lstStyle/>
+          <a:p>
+            <a:pPr algn="ctr"/>
+            <a:r>
+              <a:rPr kumimoji="1" lang="en-US" altLang="ja-JP" sz="1000" dirty="0" smtClean="0">
+                <a:solidFill>
+                  <a:schemeClr val="tx1"/>
+                </a:solidFill>
+              </a:rPr>
+              <a:t>1 thread</a:t>
+            </a:r>
+          </a:p>
+        </p:txBody>
+      </p:sp>
+      <p:sp>
+        <p:nvSpPr>
+          <p:cNvPr id="77" name="正方形/長方形 76"/>
+          <p:cNvSpPr/>
+          <p:nvPr/>
+        </p:nvSpPr>
+        <p:spPr>
+          <a:xfrm>
+            <a:off x="2051720" y="3572664"/>
+            <a:ext cx="693704" cy="617713"/>
+          </a:xfrm>
+          <a:prstGeom prst="rect">
+            <a:avLst/>
+          </a:prstGeom>
+          <a:solidFill>
+            <a:schemeClr val="accent6">
+              <a:lumMod val="40000"/>
+              <a:lumOff val="60000"/>
+            </a:schemeClr>
+          </a:solidFill>
+          <a:ln w="28575">
+            <a:solidFill>
+              <a:srgbClr val="FF0000"/>
+            </a:solidFill>
+          </a:ln>
+          <a:effectLst>
+            <a:outerShdw blurRad="50800" dist="38100" dir="2700000" algn="tl" rotWithShape="0">
+              <a:prstClr val="black">
+                <a:alpha val="40000"/>
+              </a:prstClr>
+            </a:outerShdw>
+          </a:effectLst>
+        </p:spPr>
+        <p:style>
+          <a:lnRef idx="2">
+            <a:schemeClr val="accent1">
+              <a:shade val="50000"/>
+            </a:schemeClr>
+          </a:lnRef>
+          <a:fillRef idx="1">
+            <a:schemeClr val="accent1"/>
+          </a:fillRef>
+          <a:effectRef idx="0">
+            <a:schemeClr val="accent1"/>
+          </a:effectRef>
+          <a:fontRef idx="minor">
+            <a:schemeClr val="lt1"/>
+          </a:fontRef>
+        </p:style>
+        <p:txBody>
+          <a:bodyPr rtlCol="0" anchor="ctr"/>
+          <a:lstStyle/>
+          <a:p>
+            <a:pPr algn="ctr"/>
+            <a:r>
+              <a:rPr kumimoji="1" lang="en-US" altLang="ja-JP" sz="1000" dirty="0" smtClean="0">
+                <a:solidFill>
+                  <a:schemeClr val="tx1"/>
+                </a:solidFill>
+              </a:rPr>
+              <a:t>client</a:t>
+            </a:r>
+          </a:p>
+          <a:p>
+            <a:pPr algn="ctr"/>
+            <a:r>
+              <a:rPr lang="en-US" altLang="ja-JP" sz="1000" dirty="0" smtClean="0">
+                <a:solidFill>
+                  <a:schemeClr val="tx1"/>
+                </a:solidFill>
+              </a:rPr>
+              <a:t>instance</a:t>
+            </a:r>
+            <a:endParaRPr kumimoji="1" lang="en-US" altLang="ja-JP" sz="1000" dirty="0" smtClean="0">
+              <a:solidFill>
+                <a:schemeClr val="tx1"/>
+              </a:solidFill>
+            </a:endParaRPr>
+          </a:p>
+        </p:txBody>
+      </p:sp>
+      <p:sp>
+        <p:nvSpPr>
+          <p:cNvPr id="6" name="正方形/長方形 5"/>
+          <p:cNvSpPr/>
+          <p:nvPr/>
+        </p:nvSpPr>
+        <p:spPr>
+          <a:xfrm>
+            <a:off x="5004048" y="4210360"/>
+            <a:ext cx="1080120" cy="504056"/>
+          </a:xfrm>
+          <a:prstGeom prst="rect">
+            <a:avLst/>
+          </a:prstGeom>
+          <a:solidFill>
+            <a:schemeClr val="accent1">
+              <a:lumMod val="40000"/>
+              <a:lumOff val="60000"/>
+            </a:schemeClr>
+          </a:solidFill>
+          <a:effectLst>
+            <a:outerShdw blurRad="50800" dist="38100" dir="2700000" algn="tl" rotWithShape="0">
+              <a:prstClr val="black">
+                <a:alpha val="40000"/>
+              </a:prstClr>
+            </a:outerShdw>
+          </a:effectLst>
+        </p:spPr>
+        <p:style>
+          <a:lnRef idx="2">
+            <a:schemeClr val="accent1">
+              <a:shade val="50000"/>
+            </a:schemeClr>
+          </a:lnRef>
+          <a:fillRef idx="1">
+            <a:schemeClr val="accent1"/>
+          </a:fillRef>
+          <a:effectRef idx="0">
+            <a:schemeClr val="accent1"/>
+          </a:effectRef>
+          <a:fontRef idx="minor">
+            <a:schemeClr val="lt1"/>
+          </a:fontRef>
+        </p:style>
+        <p:txBody>
+          <a:bodyPr rtlCol="0" anchor="ctr"/>
+          <a:lstStyle/>
+          <a:p>
+            <a:pPr algn="ctr"/>
+            <a:endParaRPr kumimoji="1" lang="ja-JP" altLang="en-US"/>
+          </a:p>
+        </p:txBody>
+      </p:sp>
+      <p:sp>
+        <p:nvSpPr>
+          <p:cNvPr id="38" name="正方形/長方形 37"/>
+          <p:cNvSpPr/>
+          <p:nvPr/>
+        </p:nvSpPr>
+        <p:spPr>
+          <a:xfrm>
+            <a:off x="5102432" y="4295815"/>
+            <a:ext cx="693704" cy="333145"/>
+          </a:xfrm>
+          <a:prstGeom prst="rect">
+            <a:avLst/>
+          </a:prstGeom>
+          <a:solidFill>
+            <a:schemeClr val="accent6">
+              <a:lumMod val="40000"/>
+              <a:lumOff val="60000"/>
+            </a:schemeClr>
+          </a:solidFill>
+          <a:ln w="28575">
+            <a:solidFill>
+              <a:srgbClr val="FF0000"/>
+            </a:solidFill>
+          </a:ln>
+          <a:effectLst>
+            <a:outerShdw blurRad="50800" dist="38100" dir="2700000" algn="tl" rotWithShape="0">
+              <a:prstClr val="black">
+                <a:alpha val="40000"/>
+              </a:prstClr>
+            </a:outerShdw>
+          </a:effectLst>
+        </p:spPr>
+        <p:style>
+          <a:lnRef idx="2">
+            <a:schemeClr val="accent1">
+              <a:shade val="50000"/>
+            </a:schemeClr>
+          </a:lnRef>
+          <a:fillRef idx="1">
+            <a:schemeClr val="accent1"/>
+          </a:fillRef>
+          <a:effectRef idx="0">
+            <a:schemeClr val="accent1"/>
+          </a:effectRef>
+          <a:fontRef idx="minor">
+            <a:schemeClr val="lt1"/>
+          </a:fontRef>
+        </p:style>
+        <p:txBody>
+          <a:bodyPr rtlCol="0" anchor="ctr"/>
+          <a:lstStyle/>
+          <a:p>
+            <a:pPr algn="ctr"/>
+            <a:r>
+              <a:rPr kumimoji="1" lang="en-US" altLang="ja-JP" sz="1000" dirty="0" smtClean="0">
+                <a:solidFill>
+                  <a:schemeClr val="tx1"/>
+                </a:solidFill>
+              </a:rPr>
+              <a:t>client</a:t>
+            </a:r>
+          </a:p>
+          <a:p>
+            <a:pPr algn="ctr"/>
+            <a:r>
+              <a:rPr lang="en-US" altLang="ja-JP" sz="1000" dirty="0" smtClean="0">
+                <a:solidFill>
+                  <a:schemeClr val="tx1"/>
+                </a:solidFill>
+              </a:rPr>
+              <a:t>instance</a:t>
+            </a:r>
+            <a:endParaRPr kumimoji="1" lang="en-US" altLang="ja-JP" sz="1000" dirty="0" smtClean="0">
+              <a:solidFill>
+                <a:schemeClr val="tx1"/>
+              </a:solidFill>
+            </a:endParaRPr>
+          </a:p>
+        </p:txBody>
+      </p:sp>
+      <p:cxnSp>
+        <p:nvCxnSpPr>
+          <p:cNvPr id="9" name="直線矢印コネクタ 8"/>
+          <p:cNvCxnSpPr>
+            <a:stCxn id="77" idx="3"/>
+            <a:endCxn id="38" idx="1"/>
+          </p:cNvCxnSpPr>
+          <p:nvPr/>
+        </p:nvCxnSpPr>
+        <p:spPr>
+          <a:xfrm>
+            <a:off x="2745424" y="3881521"/>
+            <a:ext cx="2357008" cy="580867"/>
+          </a:xfrm>
+          <a:prstGeom prst="straightConnector1">
+            <a:avLst/>
+          </a:prstGeom>
+          <a:ln w="19050">
+            <a:solidFill>
+              <a:srgbClr val="FF0000"/>
+            </a:solidFill>
+            <a:headEnd type="triangle" w="med" len="med"/>
+            <a:tailEnd type="triangle" w="med" len="med"/>
+          </a:ln>
+        </p:spPr>
+        <p:style>
+          <a:lnRef idx="1">
+            <a:schemeClr val="accent1"/>
+          </a:lnRef>
+          <a:fillRef idx="0">
+            <a:schemeClr val="accent1"/>
+          </a:fillRef>
+          <a:effectRef idx="0">
+            <a:schemeClr val="accent1"/>
+          </a:effectRef>
+          <a:fontRef idx="minor">
+            <a:schemeClr val="tx1"/>
+          </a:fontRef>
+        </p:style>
+      </p:cxnSp>
+      <p:sp>
+        <p:nvSpPr>
+          <p:cNvPr id="13" name="角丸四角形 12"/>
+          <p:cNvSpPr/>
+          <p:nvPr/>
+        </p:nvSpPr>
+        <p:spPr>
+          <a:xfrm rot="900000">
+            <a:off x="2600904" y="3912710"/>
+            <a:ext cx="2622561" cy="477247"/>
+          </a:xfrm>
+          <a:prstGeom prst="roundRect">
+            <a:avLst>
+              <a:gd name="adj" fmla="val 50000"/>
+            </a:avLst>
+          </a:prstGeom>
+          <a:noFill/>
+          <a:ln>
+            <a:solidFill>
+              <a:srgbClr val="0070C0"/>
+            </a:solidFill>
+            <a:prstDash val="sysDot"/>
+          </a:ln>
+        </p:spPr>
+        <p:style>
+          <a:lnRef idx="2">
+            <a:schemeClr val="accent1">
+              <a:shade val="50000"/>
+            </a:schemeClr>
+          </a:lnRef>
+          <a:fillRef idx="1">
+            <a:schemeClr val="accent1"/>
+          </a:fillRef>
+          <a:effectRef idx="0">
+            <a:schemeClr val="accent1"/>
+          </a:effectRef>
+          <a:fontRef idx="minor">
+            <a:schemeClr val="lt1"/>
+          </a:fontRef>
+        </p:style>
+        <p:txBody>
+          <a:bodyPr rtlCol="0" anchor="ctr"/>
+          <a:lstStyle/>
+          <a:p>
+            <a:pPr algn="ctr"/>
+            <a:endParaRPr kumimoji="1" lang="ja-JP" altLang="en-US"/>
+          </a:p>
+        </p:txBody>
+      </p:sp>
+      <p:sp>
+        <p:nvSpPr>
+          <p:cNvPr id="112" name="正方形/長方形 111"/>
+          <p:cNvSpPr/>
+          <p:nvPr/>
+        </p:nvSpPr>
+        <p:spPr>
+          <a:xfrm rot="840000">
+            <a:off x="3358532" y="3718263"/>
+            <a:ext cx="1224136" cy="166573"/>
+          </a:xfrm>
+          <a:prstGeom prst="rect">
+            <a:avLst/>
+          </a:prstGeom>
+          <a:noFill/>
+          <a:ln w="12700">
+            <a:noFill/>
+          </a:ln>
+        </p:spPr>
+        <p:style>
+          <a:lnRef idx="2">
+            <a:schemeClr val="accent1">
+              <a:shade val="50000"/>
+            </a:schemeClr>
+          </a:lnRef>
+          <a:fillRef idx="1">
+            <a:schemeClr val="accent1"/>
+          </a:fillRef>
+          <a:effectRef idx="0">
+            <a:schemeClr val="accent1"/>
+          </a:effectRef>
+          <a:fontRef idx="minor">
+            <a:schemeClr val="lt1"/>
+          </a:fontRef>
+        </p:style>
+        <p:txBody>
+          <a:bodyPr rtlCol="0" anchor="ctr"/>
+          <a:lstStyle/>
+          <a:p>
+            <a:pPr algn="ctr"/>
+            <a:r>
               <a:rPr kumimoji="1" lang="en-US" altLang="ja-JP" sz="1000" dirty="0" err="1" smtClean="0">
                 <a:solidFill>
+                  <a:srgbClr val="0070C0"/>
+                </a:solidFill>
+              </a:rPr>
+              <a:t>ImmSocketService</a:t>
+            </a:r>
+            <a:endParaRPr kumimoji="1" lang="en-US" altLang="ja-JP" sz="1000" dirty="0" smtClean="0">
+              <a:solidFill>
+                <a:srgbClr val="0070C0"/>
+              </a:solidFill>
+            </a:endParaRPr>
+          </a:p>
+        </p:txBody>
+      </p:sp>
+      <p:sp>
+        <p:nvSpPr>
+          <p:cNvPr id="59" name="正方形/長方形 58"/>
+          <p:cNvSpPr/>
+          <p:nvPr/>
+        </p:nvSpPr>
+        <p:spPr>
+          <a:xfrm>
+            <a:off x="5724128" y="4220736"/>
+            <a:ext cx="720080" cy="189129"/>
+          </a:xfrm>
+          <a:prstGeom prst="rect">
+            <a:avLst/>
+          </a:prstGeom>
+          <a:noFill/>
+          <a:ln w="12700">
+            <a:noFill/>
+          </a:ln>
+        </p:spPr>
+        <p:style>
+          <a:lnRef idx="2">
+            <a:schemeClr val="accent1">
+              <a:shade val="50000"/>
+            </a:schemeClr>
+          </a:lnRef>
+          <a:fillRef idx="1">
+            <a:schemeClr val="accent1"/>
+          </a:fillRef>
+          <a:effectRef idx="0">
+            <a:schemeClr val="accent1"/>
+          </a:effectRef>
+          <a:fontRef idx="minor">
+            <a:schemeClr val="lt1"/>
+          </a:fontRef>
+        </p:style>
+        <p:txBody>
+          <a:bodyPr rtlCol="0" anchor="ctr"/>
+          <a:lstStyle/>
+          <a:p>
+            <a:pPr algn="ctr"/>
+            <a:r>
+              <a:rPr kumimoji="1" lang="en-US" altLang="ja-JP" sz="1000" dirty="0" smtClean="0">
+                <a:solidFill>
                   <a:schemeClr val="tx1"/>
                 </a:solidFill>
               </a:rPr>
+              <a:t>1 thread</a:t>
+            </a:r>
+          </a:p>
+        </p:txBody>
+      </p:sp>
+      <p:cxnSp>
+        <p:nvCxnSpPr>
+          <p:cNvPr id="18" name="直線コネクタ 17"/>
+          <p:cNvCxnSpPr>
+            <a:endCxn id="38" idx="3"/>
+          </p:cNvCxnSpPr>
+          <p:nvPr/>
+        </p:nvCxnSpPr>
+        <p:spPr>
+          <a:xfrm flipH="1" flipV="1">
+            <a:off x="5796136" y="4462388"/>
+            <a:ext cx="1062536" cy="361409"/>
+          </a:xfrm>
+          <a:prstGeom prst="line">
+            <a:avLst/>
+          </a:prstGeom>
+          <a:ln>
+            <a:solidFill>
+              <a:srgbClr val="FFFF00"/>
+            </a:solidFill>
+            <a:prstDash val="sysDot"/>
+          </a:ln>
+        </p:spPr>
+        <p:style>
+          <a:lnRef idx="1">
+            <a:schemeClr val="accent1"/>
+          </a:lnRef>
+          <a:fillRef idx="0">
+            <a:schemeClr val="accent1"/>
+          </a:fillRef>
+          <a:effectRef idx="0">
+            <a:schemeClr val="accent1"/>
+          </a:effectRef>
+          <a:fontRef idx="minor">
+            <a:schemeClr val="tx1"/>
+          </a:fontRef>
+        </p:style>
+      </p:cxnSp>
+      <p:cxnSp>
+        <p:nvCxnSpPr>
+          <p:cNvPr id="20" name="直線コネクタ 19"/>
+          <p:cNvCxnSpPr>
+            <a:endCxn id="40" idx="3"/>
+          </p:cNvCxnSpPr>
+          <p:nvPr/>
+        </p:nvCxnSpPr>
+        <p:spPr>
+          <a:xfrm flipH="1">
+            <a:off x="5868144" y="4823797"/>
+            <a:ext cx="990528" cy="75207"/>
+          </a:xfrm>
+          <a:prstGeom prst="line">
+            <a:avLst/>
+          </a:prstGeom>
+          <a:ln>
+            <a:solidFill>
+              <a:srgbClr val="FFFF00"/>
+            </a:solidFill>
+            <a:prstDash val="sysDot"/>
+          </a:ln>
+        </p:spPr>
+        <p:style>
+          <a:lnRef idx="1">
+            <a:schemeClr val="accent1"/>
+          </a:lnRef>
+          <a:fillRef idx="0">
+            <a:schemeClr val="accent1"/>
+          </a:fillRef>
+          <a:effectRef idx="0">
+            <a:schemeClr val="accent1"/>
+          </a:effectRef>
+          <a:fontRef idx="minor">
+            <a:schemeClr val="tx1"/>
+          </a:fontRef>
+        </p:style>
+      </p:cxnSp>
+      <p:cxnSp>
+        <p:nvCxnSpPr>
+          <p:cNvPr id="64" name="直線コネクタ 63"/>
+          <p:cNvCxnSpPr/>
+          <p:nvPr/>
+        </p:nvCxnSpPr>
+        <p:spPr>
+          <a:xfrm flipH="1">
+            <a:off x="6012160" y="4823797"/>
+            <a:ext cx="846512" cy="438889"/>
+          </a:xfrm>
+          <a:prstGeom prst="line">
+            <a:avLst/>
+          </a:prstGeom>
+          <a:ln>
+            <a:solidFill>
+              <a:srgbClr val="FFFF00"/>
+            </a:solidFill>
+            <a:prstDash val="sysDot"/>
+          </a:ln>
+        </p:spPr>
+        <p:style>
+          <a:lnRef idx="1">
+            <a:schemeClr val="accent1"/>
+          </a:lnRef>
+          <a:fillRef idx="0">
+            <a:schemeClr val="accent1"/>
+          </a:fillRef>
+          <a:effectRef idx="0">
+            <a:schemeClr val="accent1"/>
+          </a:effectRef>
+          <a:fontRef idx="minor">
+            <a:schemeClr val="tx1"/>
+          </a:fontRef>
+        </p:style>
+      </p:cxnSp>
+      <p:cxnSp>
+        <p:nvCxnSpPr>
+          <p:cNvPr id="65" name="直線コネクタ 64"/>
+          <p:cNvCxnSpPr/>
+          <p:nvPr/>
+        </p:nvCxnSpPr>
+        <p:spPr>
+          <a:xfrm flipH="1">
+            <a:off x="6213684" y="4823797"/>
+            <a:ext cx="644988" cy="790719"/>
+          </a:xfrm>
+          <a:prstGeom prst="line">
+            <a:avLst/>
+          </a:prstGeom>
+          <a:ln>
+            <a:solidFill>
+              <a:srgbClr val="FFFF00"/>
+            </a:solidFill>
+            <a:prstDash val="sysDot"/>
+          </a:ln>
+        </p:spPr>
+        <p:style>
+          <a:lnRef idx="1">
+            <a:schemeClr val="accent1"/>
+          </a:lnRef>
+          <a:fillRef idx="0">
+            <a:schemeClr val="accent1"/>
+          </a:fillRef>
+          <a:effectRef idx="0">
+            <a:schemeClr val="accent1"/>
+          </a:effectRef>
+          <a:fontRef idx="minor">
+            <a:schemeClr val="tx1"/>
+          </a:fontRef>
+        </p:style>
+      </p:cxnSp>
+      <p:sp>
+        <p:nvSpPr>
+          <p:cNvPr id="66" name="角丸四角形 65"/>
+          <p:cNvSpPr/>
+          <p:nvPr/>
+        </p:nvSpPr>
+        <p:spPr>
+          <a:xfrm rot="-420000">
+            <a:off x="2745942" y="4874477"/>
+            <a:ext cx="2622561" cy="356425"/>
+          </a:xfrm>
+          <a:prstGeom prst="roundRect">
+            <a:avLst>
+              <a:gd name="adj" fmla="val 50000"/>
+            </a:avLst>
+          </a:prstGeom>
+          <a:noFill/>
+          <a:ln>
+            <a:solidFill>
+              <a:srgbClr val="0070C0"/>
+            </a:solidFill>
+            <a:prstDash val="sysDot"/>
+          </a:ln>
+        </p:spPr>
+        <p:style>
+          <a:lnRef idx="2">
+            <a:schemeClr val="accent1">
+              <a:shade val="50000"/>
+            </a:schemeClr>
+          </a:lnRef>
+          <a:fillRef idx="1">
+            <a:schemeClr val="accent1"/>
+          </a:fillRef>
+          <a:effectRef idx="0">
+            <a:schemeClr val="accent1"/>
+          </a:effectRef>
+          <a:fontRef idx="minor">
+            <a:schemeClr val="lt1"/>
+          </a:fontRef>
+        </p:style>
+        <p:txBody>
+          <a:bodyPr rtlCol="0" anchor="ctr"/>
+          <a:lstStyle/>
+          <a:p>
+            <a:pPr algn="ctr"/>
+            <a:endParaRPr kumimoji="1" lang="ja-JP" altLang="en-US"/>
+          </a:p>
+        </p:txBody>
+      </p:sp>
+      <p:sp>
+        <p:nvSpPr>
+          <p:cNvPr id="68" name="正方形/長方形 67"/>
+          <p:cNvSpPr/>
+          <p:nvPr/>
+        </p:nvSpPr>
+        <p:spPr>
+          <a:xfrm rot="-420000">
+            <a:off x="3405428" y="4713025"/>
+            <a:ext cx="1224136" cy="166573"/>
+          </a:xfrm>
+          <a:prstGeom prst="rect">
+            <a:avLst/>
+          </a:prstGeom>
+          <a:noFill/>
+          <a:ln w="12700">
+            <a:noFill/>
+          </a:ln>
+        </p:spPr>
+        <p:style>
+          <a:lnRef idx="2">
+            <a:schemeClr val="accent1">
+              <a:shade val="50000"/>
+            </a:schemeClr>
+          </a:lnRef>
+          <a:fillRef idx="1">
+            <a:schemeClr val="accent1"/>
+          </a:fillRef>
+          <a:effectRef idx="0">
+            <a:schemeClr val="accent1"/>
+          </a:effectRef>
+          <a:fontRef idx="minor">
+            <a:schemeClr val="lt1"/>
+          </a:fontRef>
+        </p:style>
+        <p:txBody>
+          <a:bodyPr rtlCol="0" anchor="ctr"/>
+          <a:lstStyle/>
+          <a:p>
+            <a:pPr algn="ctr"/>
+            <a:r>
+              <a:rPr kumimoji="1" lang="en-US" altLang="ja-JP" sz="1000" dirty="0" err="1" smtClean="0">
+                <a:solidFill>
+                  <a:srgbClr val="0070C0"/>
+                </a:solidFill>
+              </a:rPr>
+              <a:t>ImmSocketService</a:t>
+            </a:r>
+            <a:endParaRPr kumimoji="1" lang="en-US" altLang="ja-JP" sz="1000" dirty="0" smtClean="0">
+              <a:solidFill>
+                <a:srgbClr val="0070C0"/>
+              </a:solidFill>
+            </a:endParaRPr>
+          </a:p>
+        </p:txBody>
+      </p:sp>
+      <p:sp>
+        <p:nvSpPr>
+          <p:cNvPr id="72" name="正方形/長方形 71"/>
+          <p:cNvSpPr/>
+          <p:nvPr/>
+        </p:nvSpPr>
+        <p:spPr>
+          <a:xfrm>
+            <a:off x="2843808" y="543070"/>
+            <a:ext cx="1528801" cy="2093490"/>
+          </a:xfrm>
+          <a:prstGeom prst="rect">
+            <a:avLst/>
+          </a:prstGeom>
+          <a:solidFill>
+            <a:schemeClr val="accent6">
+              <a:lumMod val="40000"/>
+              <a:lumOff val="60000"/>
+            </a:schemeClr>
+          </a:solidFill>
+          <a:ln w="28575">
+            <a:solidFill>
+              <a:srgbClr val="FF0000"/>
+            </a:solidFill>
+          </a:ln>
+          <a:effectLst>
+            <a:outerShdw blurRad="50800" dist="38100" dir="2700000" algn="tl" rotWithShape="0">
+              <a:prstClr val="black">
+                <a:alpha val="40000"/>
+              </a:prstClr>
+            </a:outerShdw>
+          </a:effectLst>
+        </p:spPr>
+        <p:style>
+          <a:lnRef idx="2">
+            <a:schemeClr val="accent1">
+              <a:shade val="50000"/>
+            </a:schemeClr>
+          </a:lnRef>
+          <a:fillRef idx="1">
+            <a:schemeClr val="accent1"/>
+          </a:fillRef>
+          <a:effectRef idx="0">
+            <a:schemeClr val="accent1"/>
+          </a:effectRef>
+          <a:fontRef idx="minor">
+            <a:schemeClr val="lt1"/>
+          </a:fontRef>
+        </p:style>
+        <p:txBody>
+          <a:bodyPr rtlCol="0" anchor="ctr"/>
+          <a:lstStyle/>
+          <a:p>
+            <a:pPr algn="ctr"/>
+            <a:endParaRPr kumimoji="1" lang="en-US" altLang="ja-JP" sz="1000" dirty="0" smtClean="0">
+              <a:solidFill>
+                <a:schemeClr val="tx1"/>
+              </a:solidFill>
+            </a:endParaRPr>
+          </a:p>
+        </p:txBody>
+      </p:sp>
+      <p:sp>
+        <p:nvSpPr>
+          <p:cNvPr id="50" name="正方形/長方形 49"/>
+          <p:cNvSpPr/>
+          <p:nvPr/>
+        </p:nvSpPr>
+        <p:spPr>
+          <a:xfrm>
+            <a:off x="4735882" y="563215"/>
+            <a:ext cx="1224136" cy="177556"/>
+          </a:xfrm>
+          <a:prstGeom prst="rect">
+            <a:avLst/>
+          </a:prstGeom>
+          <a:noFill/>
+          <a:ln w="12700">
+            <a:noFill/>
+          </a:ln>
+        </p:spPr>
+        <p:style>
+          <a:lnRef idx="2">
+            <a:schemeClr val="accent1">
+              <a:shade val="50000"/>
+            </a:schemeClr>
+          </a:lnRef>
+          <a:fillRef idx="1">
+            <a:schemeClr val="accent1"/>
+          </a:fillRef>
+          <a:effectRef idx="0">
+            <a:schemeClr val="accent1"/>
+          </a:effectRef>
+          <a:fontRef idx="minor">
+            <a:schemeClr val="lt1"/>
+          </a:fontRef>
+        </p:style>
+        <p:txBody>
+          <a:bodyPr rtlCol="0" anchor="ctr"/>
+          <a:lstStyle/>
+          <a:p>
+            <a:r>
+              <a:rPr lang="en-US" altLang="ja-JP" sz="1000" dirty="0" err="1" smtClean="0">
+                <a:solidFill>
+                  <a:schemeClr val="tx1"/>
+                </a:solidFill>
+              </a:rPr>
+              <a:t>CImmSocketServer</a:t>
+            </a:r>
+            <a:endParaRPr lang="en-US" altLang="ja-JP" sz="1000" dirty="0" smtClean="0">
+              <a:solidFill>
+                <a:schemeClr val="tx1"/>
+              </a:solidFill>
+            </a:endParaRPr>
+          </a:p>
+        </p:txBody>
+      </p:sp>
+      <p:sp>
+        <p:nvSpPr>
+          <p:cNvPr id="51" name="正方形/長方形 50"/>
+          <p:cNvSpPr/>
+          <p:nvPr/>
+        </p:nvSpPr>
+        <p:spPr>
+          <a:xfrm>
+            <a:off x="2860552" y="563215"/>
+            <a:ext cx="1224136" cy="177556"/>
+          </a:xfrm>
+          <a:prstGeom prst="rect">
+            <a:avLst/>
+          </a:prstGeom>
+          <a:noFill/>
+          <a:ln w="12700">
+            <a:noFill/>
+          </a:ln>
+        </p:spPr>
+        <p:style>
+          <a:lnRef idx="2">
+            <a:schemeClr val="accent1">
+              <a:shade val="50000"/>
+            </a:schemeClr>
+          </a:lnRef>
+          <a:fillRef idx="1">
+            <a:schemeClr val="accent1"/>
+          </a:fillRef>
+          <a:effectRef idx="0">
+            <a:schemeClr val="accent1"/>
+          </a:effectRef>
+          <a:fontRef idx="minor">
+            <a:schemeClr val="lt1"/>
+          </a:fontRef>
+        </p:style>
+        <p:txBody>
+          <a:bodyPr rtlCol="0" anchor="ctr"/>
+          <a:lstStyle/>
+          <a:p>
+            <a:r>
+              <a:rPr lang="en-US" altLang="ja-JP" sz="1000" dirty="0" err="1" smtClean="0">
+                <a:solidFill>
+                  <a:schemeClr val="tx1"/>
+                </a:solidFill>
+              </a:rPr>
               <a:t>CImmSocketClient</a:t>
             </a:r>
-            <a:endParaRPr kumimoji="1" lang="en-US" altLang="ja-JP" sz="1000" dirty="0" smtClean="0">
+            <a:endParaRPr lang="en-US" altLang="ja-JP" sz="1000" dirty="0" smtClean="0">
+              <a:solidFill>
+                <a:schemeClr val="tx1"/>
+              </a:solidFill>
+            </a:endParaRPr>
+          </a:p>
+        </p:txBody>
+      </p:sp>
+      <p:sp>
+        <p:nvSpPr>
+          <p:cNvPr id="52" name="正方形/長方形 51"/>
+          <p:cNvSpPr/>
+          <p:nvPr/>
+        </p:nvSpPr>
+        <p:spPr>
+          <a:xfrm>
+            <a:off x="4946080" y="1583437"/>
+            <a:ext cx="1080120" cy="333043"/>
+          </a:xfrm>
+          <a:prstGeom prst="rect">
+            <a:avLst/>
+          </a:prstGeom>
+          <a:solidFill>
+            <a:schemeClr val="bg1">
+              <a:lumMod val="75000"/>
+            </a:schemeClr>
+          </a:solidFill>
+          <a:ln w="19050"/>
+        </p:spPr>
+        <p:style>
+          <a:lnRef idx="2">
+            <a:schemeClr val="accent1">
+              <a:shade val="50000"/>
+            </a:schemeClr>
+          </a:lnRef>
+          <a:fillRef idx="1">
+            <a:schemeClr val="accent1"/>
+          </a:fillRef>
+          <a:effectRef idx="0">
+            <a:schemeClr val="accent1"/>
+          </a:effectRef>
+          <a:fontRef idx="minor">
+            <a:schemeClr val="lt1"/>
+          </a:fontRef>
+        </p:style>
+        <p:txBody>
+          <a:bodyPr rtlCol="0" anchor="ctr"/>
+          <a:lstStyle/>
+          <a:p>
+            <a:pPr algn="ctr"/>
+            <a:r>
+              <a:rPr lang="en-US" altLang="ja-JP" sz="1000" dirty="0">
+                <a:solidFill>
+                  <a:schemeClr val="tx1"/>
+                </a:solidFill>
+              </a:rPr>
+              <a:t>Managing client tables</a:t>
+            </a:r>
+            <a:endParaRPr kumimoji="1" lang="ja-JP" altLang="en-US" sz="1000" dirty="0">
+              <a:solidFill>
+                <a:schemeClr val="tx1"/>
+              </a:solidFill>
+            </a:endParaRPr>
+          </a:p>
+        </p:txBody>
+      </p:sp>
+      <p:sp>
+        <p:nvSpPr>
+          <p:cNvPr id="53" name="正方形/長方形 52"/>
+          <p:cNvSpPr/>
+          <p:nvPr/>
+        </p:nvSpPr>
+        <p:spPr>
+          <a:xfrm>
+            <a:off x="4945017" y="2132504"/>
+            <a:ext cx="1080120" cy="296296"/>
+          </a:xfrm>
+          <a:prstGeom prst="rect">
+            <a:avLst/>
+          </a:prstGeom>
+          <a:solidFill>
+            <a:schemeClr val="bg1">
+              <a:lumMod val="75000"/>
+            </a:schemeClr>
+          </a:solidFill>
+          <a:ln w="19050"/>
+        </p:spPr>
+        <p:style>
+          <a:lnRef idx="2">
+            <a:schemeClr val="accent1">
+              <a:shade val="50000"/>
+            </a:schemeClr>
+          </a:lnRef>
+          <a:fillRef idx="1">
+            <a:schemeClr val="accent1"/>
+          </a:fillRef>
+          <a:effectRef idx="0">
+            <a:schemeClr val="accent1"/>
+          </a:effectRef>
+          <a:fontRef idx="minor">
+            <a:schemeClr val="lt1"/>
+          </a:fontRef>
+        </p:style>
+        <p:txBody>
+          <a:bodyPr rtlCol="0" anchor="ctr"/>
+          <a:lstStyle/>
+          <a:p>
+            <a:pPr algn="ctr"/>
+            <a:r>
+              <a:rPr lang="en-US" altLang="ja-JP" sz="1000" dirty="0" smtClean="0">
+                <a:solidFill>
+                  <a:schemeClr val="tx1"/>
+                </a:solidFill>
+              </a:rPr>
+              <a:t>Local / TCP</a:t>
+            </a:r>
+          </a:p>
+          <a:p>
+            <a:pPr algn="ctr"/>
+            <a:r>
+              <a:rPr kumimoji="1" lang="en-US" altLang="ja-JP" sz="1000" dirty="0" err="1" smtClean="0">
+                <a:solidFill>
+                  <a:schemeClr val="tx1"/>
+                </a:solidFill>
+              </a:rPr>
+              <a:t>config</a:t>
+            </a:r>
+            <a:endParaRPr kumimoji="1" lang="ja-JP" altLang="en-US" sz="1000" dirty="0">
+              <a:solidFill>
+                <a:schemeClr val="tx1"/>
+              </a:solidFill>
+            </a:endParaRPr>
+          </a:p>
+        </p:txBody>
+      </p:sp>
+      <p:sp>
+        <p:nvSpPr>
+          <p:cNvPr id="58" name="正方形/長方形 57"/>
+          <p:cNvSpPr/>
+          <p:nvPr/>
+        </p:nvSpPr>
+        <p:spPr>
+          <a:xfrm>
+            <a:off x="6669757" y="4593118"/>
+            <a:ext cx="706814" cy="463491"/>
+          </a:xfrm>
+          <a:prstGeom prst="rect">
+            <a:avLst/>
+          </a:prstGeom>
+          <a:noFill/>
+          <a:ln>
+            <a:noFill/>
+          </a:ln>
+        </p:spPr>
+        <p:style>
+          <a:lnRef idx="2">
+            <a:schemeClr val="accent1">
+              <a:shade val="50000"/>
+            </a:schemeClr>
+          </a:lnRef>
+          <a:fillRef idx="1">
+            <a:schemeClr val="accent1"/>
+          </a:fillRef>
+          <a:effectRef idx="0">
+            <a:schemeClr val="accent1"/>
+          </a:effectRef>
+          <a:fontRef idx="minor">
+            <a:schemeClr val="lt1"/>
+          </a:fontRef>
+        </p:style>
+        <p:txBody>
+          <a:bodyPr rtlCol="0" anchor="ctr"/>
+          <a:lstStyle/>
+          <a:p>
+            <a:pPr algn="ctr"/>
+            <a:r>
+              <a:rPr lang="en-US" altLang="ja-JP" sz="1000" dirty="0" smtClean="0">
+                <a:solidFill>
+                  <a:schemeClr val="tx1"/>
+                </a:solidFill>
+              </a:rPr>
+              <a:t>client </a:t>
+            </a:r>
+          </a:p>
+          <a:p>
+            <a:pPr algn="ctr"/>
+            <a:r>
+              <a:rPr lang="en-US" altLang="ja-JP" sz="1000" dirty="0" smtClean="0">
+                <a:solidFill>
+                  <a:schemeClr val="tx1"/>
+                </a:solidFill>
+              </a:rPr>
+              <a:t>tables</a:t>
+            </a:r>
+            <a:endParaRPr kumimoji="1" lang="ja-JP" altLang="en-US" sz="1000" dirty="0">
+              <a:solidFill>
+                <a:schemeClr val="tx1"/>
+              </a:solidFill>
+            </a:endParaRPr>
+          </a:p>
+        </p:txBody>
+      </p:sp>
+      <p:cxnSp>
+        <p:nvCxnSpPr>
+          <p:cNvPr id="14" name="直線コネクタ 13"/>
+          <p:cNvCxnSpPr/>
+          <p:nvPr/>
+        </p:nvCxnSpPr>
+        <p:spPr>
+          <a:xfrm flipH="1">
+            <a:off x="467544" y="2852584"/>
+            <a:ext cx="8208912" cy="0"/>
+          </a:xfrm>
+          <a:prstGeom prst="line">
+            <a:avLst/>
+          </a:prstGeom>
+        </p:spPr>
+        <p:style>
+          <a:lnRef idx="1">
+            <a:schemeClr val="accent1"/>
+          </a:lnRef>
+          <a:fillRef idx="0">
+            <a:schemeClr val="accent1"/>
+          </a:fillRef>
+          <a:effectRef idx="0">
+            <a:schemeClr val="accent1"/>
+          </a:effectRef>
+          <a:fontRef idx="minor">
+            <a:schemeClr val="tx1"/>
+          </a:fontRef>
+        </p:style>
+      </p:cxnSp>
+      <p:sp>
+        <p:nvSpPr>
+          <p:cNvPr id="76" name="正方形/長方形 75"/>
+          <p:cNvSpPr/>
+          <p:nvPr/>
+        </p:nvSpPr>
+        <p:spPr>
+          <a:xfrm>
+            <a:off x="3058735" y="874461"/>
+            <a:ext cx="1080120" cy="537963"/>
+          </a:xfrm>
+          <a:prstGeom prst="rect">
+            <a:avLst/>
+          </a:prstGeom>
+          <a:solidFill>
+            <a:schemeClr val="bg1">
+              <a:lumMod val="75000"/>
+            </a:schemeClr>
+          </a:solidFill>
+          <a:ln w="19050"/>
+        </p:spPr>
+        <p:style>
+          <a:lnRef idx="2">
+            <a:schemeClr val="accent1">
+              <a:shade val="50000"/>
+            </a:schemeClr>
+          </a:lnRef>
+          <a:fillRef idx="1">
+            <a:schemeClr val="accent1"/>
+          </a:fillRef>
+          <a:effectRef idx="0">
+            <a:schemeClr val="accent1"/>
+          </a:effectRef>
+          <a:fontRef idx="minor">
+            <a:schemeClr val="lt1"/>
+          </a:fontRef>
+        </p:style>
+        <p:txBody>
+          <a:bodyPr rtlCol="0" anchor="ctr"/>
+          <a:lstStyle/>
+          <a:p>
+            <a:pPr algn="ctr"/>
+            <a:r>
+              <a:rPr lang="en-US" altLang="ja-JP" sz="1000" dirty="0">
+                <a:solidFill>
+                  <a:schemeClr val="tx1"/>
+                </a:solidFill>
+              </a:rPr>
+              <a:t>Connection management with server</a:t>
+            </a:r>
+            <a:endParaRPr kumimoji="1" lang="ja-JP" altLang="en-US" sz="1000" dirty="0">
+              <a:solidFill>
+                <a:schemeClr val="tx1"/>
+              </a:solidFill>
+            </a:endParaRPr>
+          </a:p>
+        </p:txBody>
+      </p:sp>
+      <p:sp>
+        <p:nvSpPr>
+          <p:cNvPr id="80" name="正方形/長方形 79"/>
+          <p:cNvSpPr/>
+          <p:nvPr/>
+        </p:nvSpPr>
+        <p:spPr>
+          <a:xfrm>
+            <a:off x="4945017" y="874461"/>
+            <a:ext cx="1080120" cy="537963"/>
+          </a:xfrm>
+          <a:prstGeom prst="rect">
+            <a:avLst/>
+          </a:prstGeom>
+          <a:solidFill>
+            <a:schemeClr val="bg1">
+              <a:lumMod val="75000"/>
+            </a:schemeClr>
+          </a:solidFill>
+          <a:ln w="19050"/>
+        </p:spPr>
+        <p:style>
+          <a:lnRef idx="2">
+            <a:schemeClr val="accent1">
+              <a:shade val="50000"/>
+            </a:schemeClr>
+          </a:lnRef>
+          <a:fillRef idx="1">
+            <a:schemeClr val="accent1"/>
+          </a:fillRef>
+          <a:effectRef idx="0">
+            <a:schemeClr val="accent1"/>
+          </a:effectRef>
+          <a:fontRef idx="minor">
+            <a:schemeClr val="lt1"/>
+          </a:fontRef>
+        </p:style>
+        <p:txBody>
+          <a:bodyPr rtlCol="0" anchor="ctr"/>
+          <a:lstStyle/>
+          <a:p>
+            <a:pPr algn="ctr"/>
+            <a:r>
+              <a:rPr lang="en-US" altLang="ja-JP" sz="1000" dirty="0">
+                <a:solidFill>
+                  <a:schemeClr val="tx1"/>
+                </a:solidFill>
+              </a:rPr>
+              <a:t>Connection management with </a:t>
+            </a:r>
+            <a:r>
+              <a:rPr lang="en-US" altLang="ja-JP" sz="1000" dirty="0" smtClean="0">
+                <a:solidFill>
+                  <a:schemeClr val="tx1"/>
+                </a:solidFill>
+              </a:rPr>
+              <a:t>client</a:t>
+            </a:r>
+            <a:endParaRPr kumimoji="1" lang="ja-JP" altLang="en-US" sz="1000" dirty="0">
+              <a:solidFill>
+                <a:schemeClr val="tx1"/>
+              </a:solidFill>
+            </a:endParaRPr>
+          </a:p>
+        </p:txBody>
+      </p:sp>
+      <p:sp>
+        <p:nvSpPr>
+          <p:cNvPr id="81" name="正方形/長方形 80"/>
+          <p:cNvSpPr/>
+          <p:nvPr/>
+        </p:nvSpPr>
+        <p:spPr>
+          <a:xfrm>
+            <a:off x="3058735" y="1583437"/>
+            <a:ext cx="1080120" cy="333043"/>
+          </a:xfrm>
+          <a:prstGeom prst="rect">
+            <a:avLst/>
+          </a:prstGeom>
+          <a:solidFill>
+            <a:schemeClr val="bg1">
+              <a:lumMod val="75000"/>
+            </a:schemeClr>
+          </a:solidFill>
+          <a:ln w="19050"/>
+        </p:spPr>
+        <p:style>
+          <a:lnRef idx="2">
+            <a:schemeClr val="accent1">
+              <a:shade val="50000"/>
+            </a:schemeClr>
+          </a:lnRef>
+          <a:fillRef idx="1">
+            <a:schemeClr val="accent1"/>
+          </a:fillRef>
+          <a:effectRef idx="0">
+            <a:schemeClr val="accent1"/>
+          </a:effectRef>
+          <a:fontRef idx="minor">
+            <a:schemeClr val="lt1"/>
+          </a:fontRef>
+        </p:style>
+        <p:txBody>
+          <a:bodyPr rtlCol="0" anchor="ctr"/>
+          <a:lstStyle/>
+          <a:p>
+            <a:pPr algn="ctr"/>
+            <a:r>
+              <a:rPr lang="en-US" altLang="ja-JP" sz="1000" dirty="0">
+                <a:solidFill>
+                  <a:schemeClr val="tx1"/>
+                </a:solidFill>
+              </a:rPr>
+              <a:t>Send and receive data</a:t>
+            </a:r>
+            <a:endParaRPr kumimoji="1" lang="ja-JP" altLang="en-US" sz="1000" dirty="0">
+              <a:solidFill>
+                <a:schemeClr val="tx1"/>
+              </a:solidFill>
+            </a:endParaRPr>
+          </a:p>
+        </p:txBody>
+      </p:sp>
+      <p:sp>
+        <p:nvSpPr>
+          <p:cNvPr id="82" name="正方形/長方形 81"/>
+          <p:cNvSpPr/>
+          <p:nvPr/>
+        </p:nvSpPr>
+        <p:spPr>
+          <a:xfrm>
+            <a:off x="3058735" y="2132504"/>
+            <a:ext cx="1080120" cy="296296"/>
+          </a:xfrm>
+          <a:prstGeom prst="rect">
+            <a:avLst/>
+          </a:prstGeom>
+          <a:solidFill>
+            <a:schemeClr val="bg1">
+              <a:lumMod val="75000"/>
+            </a:schemeClr>
+          </a:solidFill>
+          <a:ln w="19050"/>
+        </p:spPr>
+        <p:style>
+          <a:lnRef idx="2">
+            <a:schemeClr val="accent1">
+              <a:shade val="50000"/>
+            </a:schemeClr>
+          </a:lnRef>
+          <a:fillRef idx="1">
+            <a:schemeClr val="accent1"/>
+          </a:fillRef>
+          <a:effectRef idx="0">
+            <a:schemeClr val="accent1"/>
+          </a:effectRef>
+          <a:fontRef idx="minor">
+            <a:schemeClr val="lt1"/>
+          </a:fontRef>
+        </p:style>
+        <p:txBody>
+          <a:bodyPr rtlCol="0" anchor="ctr"/>
+          <a:lstStyle/>
+          <a:p>
+            <a:pPr algn="ctr"/>
+            <a:r>
+              <a:rPr lang="en-US" altLang="ja-JP" sz="1000" dirty="0" smtClean="0">
+                <a:solidFill>
+                  <a:schemeClr val="tx1"/>
+                </a:solidFill>
+              </a:rPr>
+              <a:t>Local / TCP</a:t>
+            </a:r>
+          </a:p>
+          <a:p>
+            <a:pPr algn="ctr"/>
+            <a:r>
+              <a:rPr kumimoji="1" lang="en-US" altLang="ja-JP" sz="1000" dirty="0" err="1" smtClean="0">
+                <a:solidFill>
+                  <a:schemeClr val="tx1"/>
+                </a:solidFill>
+              </a:rPr>
+              <a:t>config</a:t>
+            </a:r>
+            <a:endParaRPr kumimoji="1" lang="ja-JP" altLang="en-US" sz="1000" dirty="0">
+              <a:solidFill>
+                <a:schemeClr val="tx1"/>
+              </a:solidFill>
+            </a:endParaRPr>
+          </a:p>
+        </p:txBody>
+      </p:sp>
+      <p:cxnSp>
+        <p:nvCxnSpPr>
+          <p:cNvPr id="19" name="直線コネクタ 18"/>
+          <p:cNvCxnSpPr/>
+          <p:nvPr/>
+        </p:nvCxnSpPr>
+        <p:spPr>
+          <a:xfrm flipH="1">
+            <a:off x="2051720" y="2636560"/>
+            <a:ext cx="808832" cy="936104"/>
+          </a:xfrm>
+          <a:prstGeom prst="line">
+            <a:avLst/>
+          </a:prstGeom>
+          <a:ln>
+            <a:solidFill>
+              <a:schemeClr val="tx1"/>
+            </a:solidFill>
+            <a:prstDash val="dash"/>
+          </a:ln>
+        </p:spPr>
+        <p:style>
+          <a:lnRef idx="1">
+            <a:schemeClr val="accent1"/>
+          </a:lnRef>
+          <a:fillRef idx="0">
+            <a:schemeClr val="accent1"/>
+          </a:fillRef>
+          <a:effectRef idx="0">
+            <a:schemeClr val="accent1"/>
+          </a:effectRef>
+          <a:fontRef idx="minor">
+            <a:schemeClr val="tx1"/>
+          </a:fontRef>
+        </p:style>
+      </p:cxnSp>
+      <p:cxnSp>
+        <p:nvCxnSpPr>
+          <p:cNvPr id="83" name="直線コネクタ 82"/>
+          <p:cNvCxnSpPr/>
+          <p:nvPr/>
+        </p:nvCxnSpPr>
+        <p:spPr>
+          <a:xfrm flipH="1">
+            <a:off x="2745424" y="2636560"/>
+            <a:ext cx="1627186" cy="936104"/>
+          </a:xfrm>
+          <a:prstGeom prst="line">
+            <a:avLst/>
+          </a:prstGeom>
+          <a:ln>
+            <a:solidFill>
+              <a:schemeClr val="tx1"/>
+            </a:solidFill>
+            <a:prstDash val="dash"/>
+          </a:ln>
+        </p:spPr>
+        <p:style>
+          <a:lnRef idx="1">
+            <a:schemeClr val="accent1"/>
+          </a:lnRef>
+          <a:fillRef idx="0">
+            <a:schemeClr val="accent1"/>
+          </a:fillRef>
+          <a:effectRef idx="0">
+            <a:schemeClr val="accent1"/>
+          </a:effectRef>
+          <a:fontRef idx="minor">
+            <a:schemeClr val="tx1"/>
+          </a:fontRef>
+        </p:style>
+      </p:cxnSp>
+      <p:cxnSp>
+        <p:nvCxnSpPr>
+          <p:cNvPr id="84" name="直線コネクタ 83"/>
+          <p:cNvCxnSpPr/>
+          <p:nvPr/>
+        </p:nvCxnSpPr>
+        <p:spPr>
+          <a:xfrm>
+            <a:off x="4720678" y="2636560"/>
+            <a:ext cx="1903550" cy="1535394"/>
+          </a:xfrm>
+          <a:prstGeom prst="line">
+            <a:avLst/>
+          </a:prstGeom>
+          <a:ln>
+            <a:solidFill>
+              <a:schemeClr val="tx1"/>
+            </a:solidFill>
+            <a:prstDash val="dash"/>
+          </a:ln>
+        </p:spPr>
+        <p:style>
+          <a:lnRef idx="1">
+            <a:schemeClr val="accent1"/>
+          </a:lnRef>
+          <a:fillRef idx="0">
+            <a:schemeClr val="accent1"/>
+          </a:fillRef>
+          <a:effectRef idx="0">
+            <a:schemeClr val="accent1"/>
+          </a:effectRef>
+          <a:fontRef idx="minor">
+            <a:schemeClr val="tx1"/>
+          </a:fontRef>
+        </p:style>
+      </p:cxnSp>
+      <p:cxnSp>
+        <p:nvCxnSpPr>
+          <p:cNvPr id="85" name="直線コネクタ 84"/>
+          <p:cNvCxnSpPr/>
+          <p:nvPr/>
+        </p:nvCxnSpPr>
+        <p:spPr>
+          <a:xfrm>
+            <a:off x="6238817" y="2636560"/>
+            <a:ext cx="1429527" cy="1553817"/>
+          </a:xfrm>
+          <a:prstGeom prst="line">
+            <a:avLst/>
+          </a:prstGeom>
+          <a:ln>
+            <a:solidFill>
+              <a:schemeClr val="tx1"/>
+            </a:solidFill>
+            <a:prstDash val="dash"/>
+          </a:ln>
+        </p:spPr>
+        <p:style>
+          <a:lnRef idx="1">
+            <a:schemeClr val="accent1"/>
+          </a:lnRef>
+          <a:fillRef idx="0">
+            <a:schemeClr val="accent1"/>
+          </a:fillRef>
+          <a:effectRef idx="0">
+            <a:schemeClr val="accent1"/>
+          </a:effectRef>
+          <a:fontRef idx="minor">
+            <a:schemeClr val="tx1"/>
+          </a:fontRef>
+        </p:style>
+      </p:cxnSp>
+      <p:sp>
+        <p:nvSpPr>
+          <p:cNvPr id="27" name="四角形吹き出し 26"/>
+          <p:cNvSpPr/>
+          <p:nvPr/>
+        </p:nvSpPr>
+        <p:spPr>
+          <a:xfrm>
+            <a:off x="6372200" y="6109956"/>
+            <a:ext cx="1944216" cy="343380"/>
+          </a:xfrm>
+          <a:prstGeom prst="wedgeRectCallout">
+            <a:avLst>
+              <a:gd name="adj1" fmla="val -47801"/>
+              <a:gd name="adj2" fmla="val -249066"/>
+            </a:avLst>
+          </a:prstGeom>
+          <a:solidFill>
+            <a:srgbClr val="00B0F0"/>
+          </a:solidFill>
+          <a:ln w="12700">
+            <a:solidFill>
+              <a:schemeClr val="accent1">
+                <a:lumMod val="75000"/>
+              </a:schemeClr>
+            </a:solidFill>
+          </a:ln>
+        </p:spPr>
+        <p:style>
+          <a:lnRef idx="2">
+            <a:schemeClr val="accent1">
+              <a:shade val="50000"/>
+            </a:schemeClr>
+          </a:lnRef>
+          <a:fillRef idx="1">
+            <a:schemeClr val="accent1"/>
+          </a:fillRef>
+          <a:effectRef idx="0">
+            <a:schemeClr val="accent1"/>
+          </a:effectRef>
+          <a:fontRef idx="minor">
+            <a:schemeClr val="lt1"/>
+          </a:fontRef>
+        </p:style>
+        <p:txBody>
+          <a:bodyPr rtlCol="0" anchor="ctr"/>
+          <a:lstStyle/>
+          <a:p>
+            <a:pPr algn="ctr"/>
+            <a:r>
+              <a:rPr lang="en-US" altLang="ja-JP" sz="1000" dirty="0">
+                <a:solidFill>
+                  <a:schemeClr val="tx1"/>
+                </a:solidFill>
+              </a:rPr>
+              <a:t>1 thread per 1 </a:t>
+            </a:r>
+            <a:r>
+              <a:rPr lang="en-US" altLang="ja-JP" sz="1000" dirty="0" smtClean="0">
+                <a:solidFill>
+                  <a:schemeClr val="tx1"/>
+                </a:solidFill>
+              </a:rPr>
+              <a:t>client.</a:t>
+            </a:r>
+          </a:p>
+          <a:p>
+            <a:pPr algn="ctr"/>
+            <a:r>
+              <a:rPr lang="en-US" altLang="ja-JP" sz="1000" dirty="0">
+                <a:solidFill>
+                  <a:schemeClr val="tx1"/>
+                </a:solidFill>
+              </a:rPr>
+              <a:t>manage it by associating with </a:t>
+            </a:r>
+            <a:r>
+              <a:rPr lang="en-US" altLang="ja-JP" sz="1000" dirty="0" err="1" smtClean="0">
+                <a:solidFill>
+                  <a:schemeClr val="tx1"/>
+                </a:solidFill>
+              </a:rPr>
+              <a:t>fd</a:t>
+            </a:r>
+            <a:r>
+              <a:rPr lang="en-US" altLang="ja-JP" sz="1000" dirty="0" smtClean="0">
+                <a:solidFill>
+                  <a:schemeClr val="tx1"/>
+                </a:solidFill>
+              </a:rPr>
+              <a:t>.</a:t>
+            </a:r>
+            <a:endParaRPr kumimoji="1" lang="ja-JP" altLang="en-US" sz="1000" dirty="0">
+              <a:solidFill>
+                <a:schemeClr val="tx1"/>
+              </a:solidFill>
+            </a:endParaRPr>
+          </a:p>
+        </p:txBody>
+      </p:sp>
+      <p:sp>
+        <p:nvSpPr>
+          <p:cNvPr id="86" name="四角形吹き出し 85"/>
+          <p:cNvSpPr/>
+          <p:nvPr/>
+        </p:nvSpPr>
+        <p:spPr>
+          <a:xfrm>
+            <a:off x="179512" y="3212976"/>
+            <a:ext cx="1243818" cy="997384"/>
+          </a:xfrm>
+          <a:prstGeom prst="wedgeRectCallout">
+            <a:avLst>
+              <a:gd name="adj1" fmla="val 72828"/>
+              <a:gd name="adj2" fmla="val -4378"/>
+            </a:avLst>
+          </a:prstGeom>
+          <a:solidFill>
+            <a:srgbClr val="00B0F0"/>
+          </a:solidFill>
+          <a:ln w="12700">
+            <a:solidFill>
+              <a:schemeClr val="accent1">
+                <a:lumMod val="75000"/>
+              </a:schemeClr>
+            </a:solidFill>
+          </a:ln>
+        </p:spPr>
+        <p:style>
+          <a:lnRef idx="2">
+            <a:schemeClr val="accent1">
+              <a:shade val="50000"/>
+            </a:schemeClr>
+          </a:lnRef>
+          <a:fillRef idx="1">
+            <a:schemeClr val="accent1"/>
+          </a:fillRef>
+          <a:effectRef idx="0">
+            <a:schemeClr val="accent1"/>
+          </a:effectRef>
+          <a:fontRef idx="minor">
+            <a:schemeClr val="lt1"/>
+          </a:fontRef>
+        </p:style>
+        <p:txBody>
+          <a:bodyPr rtlCol="0" anchor="ctr"/>
+          <a:lstStyle/>
+          <a:p>
+            <a:r>
+              <a:rPr lang="en-US" altLang="ja-JP" sz="1000" dirty="0" smtClean="0">
+                <a:solidFill>
+                  <a:schemeClr val="tx1"/>
+                </a:solidFill>
+              </a:rPr>
+              <a:t>In </a:t>
+            </a:r>
+            <a:r>
+              <a:rPr lang="en-US" altLang="ja-JP" sz="1000" dirty="0">
+                <a:solidFill>
+                  <a:schemeClr val="tx1"/>
+                </a:solidFill>
+              </a:rPr>
+              <a:t>multithreading</a:t>
+            </a:r>
+            <a:br>
+              <a:rPr lang="en-US" altLang="ja-JP" sz="1000" dirty="0">
+                <a:solidFill>
+                  <a:schemeClr val="tx1"/>
+                </a:solidFill>
+              </a:rPr>
+            </a:br>
+            <a:r>
+              <a:rPr lang="en-US" altLang="ja-JP" sz="1000" dirty="0">
+                <a:solidFill>
+                  <a:schemeClr val="tx1"/>
+                </a:solidFill>
+              </a:rPr>
+              <a:t>instance will be shared.</a:t>
+            </a:r>
+            <a:br>
+              <a:rPr lang="en-US" altLang="ja-JP" sz="1000" dirty="0">
+                <a:solidFill>
+                  <a:schemeClr val="tx1"/>
+                </a:solidFill>
+              </a:rPr>
+            </a:br>
+            <a:r>
+              <a:rPr lang="en-US" altLang="ja-JP" sz="1000" dirty="0">
+                <a:solidFill>
+                  <a:schemeClr val="tx1"/>
+                </a:solidFill>
+              </a:rPr>
+              <a:t>Processing is exclusive every transmission.</a:t>
+            </a:r>
+            <a:endParaRPr kumimoji="1" lang="ja-JP" altLang="en-US" sz="1000" dirty="0">
               <a:solidFill>
                 <a:schemeClr val="tx1"/>
               </a:solidFill>
@@ -6948,13 +7677,13 @@
       </p:sp>
       <p:sp>
         <p:nvSpPr>
-          <p:cNvPr id="80" name="正方形/長方形 79"/>
+          <p:cNvPr id="81" name="正方形/長方形 80"/>
           <p:cNvSpPr/>
           <p:nvPr/>
         </p:nvSpPr>
         <p:spPr>
           <a:xfrm>
-            <a:off x="628613" y="3068960"/>
+            <a:off x="3337231" y="3068960"/>
             <a:ext cx="1440160" cy="576064"/>
           </a:xfrm>
           <a:prstGeom prst="rect">
@@ -6994,26 +7723,32 @@
           <a:p>
             <a:pPr algn="ctr"/>
             <a:r>
-              <a:rPr lang="en-US" altLang="ja-JP" sz="1000" dirty="0">
+              <a:rPr kumimoji="1" lang="en-US" altLang="ja-JP" sz="1000" dirty="0" smtClean="0">
                 <a:solidFill>
                   <a:schemeClr val="tx1"/>
                 </a:solidFill>
               </a:rPr>
-              <a:t>&lt;&lt;interface</a:t>
-            </a:r>
-            <a:r>
-              <a:rPr lang="en-US" altLang="ja-JP" sz="1000" dirty="0" smtClean="0">
+              <a:t>&lt;&lt;interface&gt;&gt;</a:t>
+            </a:r>
+          </a:p>
+          <a:p>
+            <a:pPr algn="ctr"/>
+            <a:r>
+              <a:rPr kumimoji="1" lang="en-US" altLang="ja-JP" sz="1000" dirty="0" err="1" smtClean="0">
                 <a:solidFill>
                   <a:schemeClr val="tx1"/>
                 </a:solidFill>
               </a:rPr>
-              <a:t>&gt;&gt;</a:t>
-            </a:r>
-            <a:endParaRPr kumimoji="1" lang="en-US" altLang="ja-JP" sz="1000" dirty="0" smtClean="0">
-              <a:solidFill>
-                <a:schemeClr val="tx1"/>
-              </a:solidFill>
-            </a:endParaRPr>
+              <a:t>CImmSocketCLient</a:t>
+            </a:r>
+            <a:r>
+              <a:rPr kumimoji="1" lang="en-US" altLang="ja-JP" sz="1000" dirty="0" smtClean="0">
+                <a:solidFill>
+                  <a:schemeClr val="tx1"/>
+                </a:solidFill>
+              </a:rPr>
+              <a:t>::</a:t>
+            </a:r>
           </a:p>
           <a:p>
             <a:pPr algn="ctr"/>
@@ -7023,26 +7758,7 @@
                   <a:schemeClr val="tx1"/>
                 </a:solidFill>
               </a:rPr>
-              <a:t>CImmSocketServer</a:t>
-            </a:r>
-            <a:r>
-              <a:rPr kumimoji="1" lang="en-US" altLang="ja-JP" sz="1000" dirty="0" smtClean="0">
-                <a:solidFill>
-                  <a:schemeClr val="tx1"/>
-                </a:solidFill>
-              </a:rPr>
-              <a:t>::</a:t>
-            </a:r>
-          </a:p>
-          <a:p>
-            <a:pPr algn="ctr"/>
-            <a:r>
-              <a:rPr kumimoji="1" lang="en-US" altLang="ja-JP" sz="1000" dirty="0" err="1" smtClean="0">
-                <a:solidFill>
-                  <a:schemeClr val="tx1"/>
-                </a:solidFill>
-              </a:rPr>
-              <a:t>IClientHandler</a:t>
+              <a:t>IPacketHandler</a:t>
             </a:r>
             <a:endParaRPr kumimoji="1" lang="ja-JP" altLang="en-US" sz="1000" dirty="0">
               <a:solidFill>
@@ -7054,13 +7770,13 @@
       </p:sp>
       <p:sp>
         <p:nvSpPr>
-          <p:cNvPr id="81" name="正方形/長方形 80"/>
+          <p:cNvPr id="87" name="正方形/長方形 86"/>
           <p:cNvSpPr/>
           <p:nvPr/>
         </p:nvSpPr>
         <p:spPr>
           <a:xfrm>
-            <a:off x="3337231" y="3068960"/>
+            <a:off x="3347864" y="4149080"/>
             <a:ext cx="1440160" cy="576064"/>
           </a:xfrm>
           <a:prstGeom prst="rect">
@@ -7100,42 +7816,20 @@
           <a:p>
             <a:pPr algn="ctr"/>
             <a:r>
-              <a:rPr kumimoji="1" lang="en-US" altLang="ja-JP" sz="1000" dirty="0" smtClean="0">
+              <a:rPr lang="en-US" altLang="ja-JP" sz="1000" dirty="0" err="1">
                 <a:solidFill>
                   <a:schemeClr val="tx1"/>
                 </a:solidFill>
               </a:rPr>
-              <a:t>&lt;&lt;interface&gt;&gt;</a:t>
-            </a:r>
-          </a:p>
-          <a:p>
-            <a:pPr algn="ctr"/>
+              <a:t>C</a:t>
+            </a:r>
             <a:r>
               <a:rPr kumimoji="1" lang="en-US" altLang="ja-JP" sz="1000" dirty="0" err="1" smtClean="0">
                 <a:solidFill>
                   <a:schemeClr val="tx1"/>
                 </a:solidFill>
               </a:rPr>
-              <a:t>CImmSocketCLient</a:t>
-            </a:r>
-            <a:r>
-              <a:rPr kumimoji="1" lang="en-US" altLang="ja-JP" sz="1000" dirty="0" smtClean="0">
-                <a:solidFill>
-                  <a:schemeClr val="tx1"/>
-                </a:solidFill>
-              </a:rPr>
-              <a:t>::</a:t>
-            </a:r>
-          </a:p>
-          <a:p>
-            <a:pPr algn="ctr"/>
-            <a:r>
-              <a:rPr kumimoji="1" lang="en-US" altLang="ja-JP" sz="1000" dirty="0" err="1" smtClean="0">
-                <a:solidFill>
-                  <a:schemeClr val="tx1"/>
-                </a:solidFill>
-              </a:rPr>
-              <a:t>IPacketHandler</a:t>
+              <a:t>PacketHandler</a:t>
             </a:r>
             <a:endParaRPr kumimoji="1" lang="ja-JP" altLang="en-US" sz="1000" dirty="0">
               <a:solidFill>
@@ -7147,13 +7841,164 @@
       </p:sp>
       <p:sp>
         <p:nvSpPr>
-          <p:cNvPr id="83" name="二等辺三角形 82"/>
+          <p:cNvPr id="90" name="正方形/長方形 89"/>
           <p:cNvSpPr/>
           <p:nvPr/>
         </p:nvSpPr>
         <p:spPr>
           <a:xfrm>
-            <a:off x="1276685" y="3645024"/>
+            <a:off x="2950984" y="5157192"/>
+            <a:ext cx="2232248" cy="1080120"/>
+          </a:xfrm>
+          <a:prstGeom prst="rect">
+            <a:avLst/>
+          </a:prstGeom>
+          <a:solidFill>
+            <a:schemeClr val="accent6">
+              <a:lumMod val="20000"/>
+              <a:lumOff val="80000"/>
+            </a:schemeClr>
+          </a:solidFill>
+          <a:ln w="9525">
+            <a:solidFill>
+              <a:schemeClr val="tx1"/>
+            </a:solidFill>
+          </a:ln>
+        </p:spPr>
+        <p:style>
+          <a:lnRef idx="2">
+            <a:schemeClr val="accent1">
+              <a:shade val="50000"/>
+            </a:schemeClr>
+          </a:lnRef>
+          <a:fillRef idx="1">
+            <a:schemeClr val="accent1"/>
+          </a:fillRef>
+          <a:effectRef idx="0">
+            <a:schemeClr val="accent1"/>
+          </a:effectRef>
+          <a:fontRef idx="minor">
+            <a:schemeClr val="lt1"/>
+          </a:fontRef>
+        </p:style>
+        <p:txBody>
+          <a:bodyPr rtlCol="0" anchor="ctr"/>
+          <a:lstStyle/>
+          <a:p>
+            <a:pPr algn="ctr"/>
+            <a:r>
+              <a:rPr lang="en-US" altLang="ja-JP" sz="1000" dirty="0" smtClean="0">
+                <a:solidFill>
+                  <a:schemeClr val="tx1"/>
+                </a:solidFill>
+              </a:rPr>
+              <a:t>User </a:t>
+            </a:r>
+            <a:r>
+              <a:rPr lang="ja-JP" altLang="en-US" sz="1000" dirty="0" smtClean="0">
+                <a:solidFill>
+                  <a:schemeClr val="tx1"/>
+                </a:solidFill>
+              </a:rPr>
+              <a:t>実装クラス</a:t>
+            </a:r>
+            <a:endParaRPr lang="en-US" altLang="ja-JP" sz="1000" dirty="0" smtClean="0">
+              <a:solidFill>
+                <a:schemeClr val="tx1"/>
+              </a:solidFill>
+            </a:endParaRPr>
+          </a:p>
+          <a:p>
+            <a:pPr algn="ctr"/>
+            <a:endParaRPr lang="en-US" altLang="ja-JP" sz="1000" dirty="0" smtClean="0">
+              <a:solidFill>
+                <a:schemeClr val="tx1"/>
+              </a:solidFill>
+            </a:endParaRPr>
+          </a:p>
+          <a:p>
+            <a:pPr algn="ctr"/>
+            <a:r>
+              <a:rPr lang="en-US" altLang="ja-JP" sz="1000" dirty="0" smtClean="0">
+                <a:solidFill>
+                  <a:schemeClr val="tx1"/>
+                </a:solidFill>
+              </a:rPr>
+              <a:t>Request/Reply/Notify</a:t>
+            </a:r>
+            <a:r>
+              <a:rPr lang="ja-JP" altLang="en-US" sz="1000" dirty="0" smtClean="0">
+                <a:solidFill>
+                  <a:schemeClr val="tx1"/>
+                </a:solidFill>
+              </a:rPr>
+              <a:t>のハンドリング</a:t>
+            </a:r>
+            <a:endParaRPr lang="en-US" altLang="ja-JP" sz="1000" dirty="0" smtClean="0">
+              <a:solidFill>
+                <a:schemeClr val="tx1"/>
+              </a:solidFill>
+            </a:endParaRPr>
+          </a:p>
+          <a:p>
+            <a:pPr algn="ctr"/>
+            <a:r>
+              <a:rPr lang="en-US" altLang="ja-JP" sz="1000" dirty="0" err="1">
+                <a:solidFill>
+                  <a:schemeClr val="tx1"/>
+                </a:solidFill>
+              </a:rPr>
+              <a:t>onHandleRequest</a:t>
+            </a:r>
+            <a:endParaRPr lang="en-US" altLang="ja-JP" sz="1000" dirty="0">
+              <a:solidFill>
+                <a:schemeClr val="tx1"/>
+              </a:solidFill>
+            </a:endParaRPr>
+          </a:p>
+          <a:p>
+            <a:pPr algn="ctr"/>
+            <a:r>
+              <a:rPr lang="en-US" altLang="ja-JP" sz="1000" dirty="0" err="1" smtClean="0">
+                <a:solidFill>
+                  <a:schemeClr val="tx1"/>
+                </a:solidFill>
+              </a:rPr>
+              <a:t>onHandleReply</a:t>
+            </a:r>
+            <a:endParaRPr lang="en-US" altLang="ja-JP" sz="1000" dirty="0">
+              <a:solidFill>
+                <a:schemeClr val="tx1"/>
+              </a:solidFill>
+            </a:endParaRPr>
+          </a:p>
+          <a:p>
+            <a:pPr algn="ctr"/>
+            <a:r>
+              <a:rPr lang="en-US" altLang="ja-JP" sz="1000" dirty="0" err="1">
+                <a:solidFill>
+                  <a:schemeClr val="tx1"/>
+                </a:solidFill>
+              </a:rPr>
+              <a:t>onHandleNotify</a:t>
+            </a:r>
+            <a:endParaRPr lang="en-US" altLang="ja-JP" sz="1000" dirty="0" smtClean="0">
+              <a:solidFill>
+                <a:schemeClr val="tx1"/>
+              </a:solidFill>
+            </a:endParaRPr>
+          </a:p>
+        </p:txBody>
+      </p:sp>
+      <p:sp>
+        <p:nvSpPr>
+          <p:cNvPr id="91" name="二等辺三角形 90"/>
+          <p:cNvSpPr/>
+          <p:nvPr/>
+        </p:nvSpPr>
+        <p:spPr>
+          <a:xfrm>
+            <a:off x="3995937" y="4725144"/>
             <a:ext cx="144016" cy="192021"/>
           </a:xfrm>
           <a:prstGeom prst="triangle">
@@ -7195,17 +8040,17 @@
       </p:sp>
       <p:cxnSp>
         <p:nvCxnSpPr>
-          <p:cNvPr id="85" name="カギ線コネクタ 84"/>
+          <p:cNvPr id="93" name="カギ線コネクタ 92"/>
           <p:cNvCxnSpPr>
-            <a:stCxn id="83" idx="3"/>
-            <a:endCxn id="86" idx="0"/>
+            <a:stCxn id="91" idx="3"/>
+            <a:endCxn id="90" idx="0"/>
           </p:cNvCxnSpPr>
           <p:nvPr/>
         </p:nvCxnSpPr>
         <p:spPr>
-          <a:xfrm rot="16200000" flipH="1">
-            <a:off x="1510290" y="3675447"/>
-            <a:ext cx="168019" cy="491213"/>
+          <a:xfrm rot="5400000">
+            <a:off x="3947514" y="5036760"/>
+            <a:ext cx="240027" cy="837"/>
           </a:xfrm>
           <a:prstGeom prst="bentConnector3">
             <a:avLst/>
@@ -7228,410 +8073,13 @@
       </p:cxnSp>
       <p:sp>
         <p:nvSpPr>
-          <p:cNvPr id="86" name="正方形/長方形 85"/>
+          <p:cNvPr id="94" name="二等辺三角形 93"/>
           <p:cNvSpPr/>
           <p:nvPr/>
         </p:nvSpPr>
         <p:spPr>
           <a:xfrm>
-            <a:off x="539552" y="4005064"/>
-            <a:ext cx="2600707" cy="936104"/>
-          </a:xfrm>
-          <a:prstGeom prst="rect">
-            <a:avLst/>
-          </a:prstGeom>
-          <a:solidFill>
-            <a:schemeClr val="accent6">
-              <a:lumMod val="20000"/>
-              <a:lumOff val="80000"/>
-            </a:schemeClr>
-          </a:solidFill>
-          <a:ln w="9525">
-            <a:solidFill>
-              <a:schemeClr val="tx1"/>
-            </a:solidFill>
-          </a:ln>
-        </p:spPr>
-        <p:style>
-          <a:lnRef idx="2">
-            <a:schemeClr val="accent1">
-              <a:shade val="50000"/>
-            </a:schemeClr>
-          </a:lnRef>
-          <a:fillRef idx="1">
-            <a:schemeClr val="accent1"/>
-          </a:fillRef>
-          <a:effectRef idx="0">
-            <a:schemeClr val="accent1"/>
-          </a:effectRef>
-          <a:fontRef idx="minor">
-            <a:schemeClr val="lt1"/>
-          </a:fontRef>
-        </p:style>
-        <p:txBody>
-          <a:bodyPr rtlCol="0" anchor="ctr"/>
-          <a:lstStyle/>
-          <a:p>
-            <a:pPr algn="ctr"/>
-            <a:r>
-              <a:rPr lang="en-US" altLang="ja-JP" sz="1000" dirty="0" smtClean="0">
-                <a:solidFill>
-                  <a:schemeClr val="tx1"/>
-                </a:solidFill>
-              </a:rPr>
-              <a:t>User </a:t>
-            </a:r>
-            <a:r>
-              <a:rPr lang="ja-JP" altLang="en-US" sz="1000" dirty="0" smtClean="0">
-                <a:solidFill>
-                  <a:schemeClr val="tx1"/>
-                </a:solidFill>
-              </a:rPr>
-              <a:t>実装クラス</a:t>
-            </a:r>
-            <a:endParaRPr lang="en-US" altLang="ja-JP" sz="1000" dirty="0" smtClean="0">
-              <a:solidFill>
-                <a:schemeClr val="tx1"/>
-              </a:solidFill>
-            </a:endParaRPr>
-          </a:p>
-          <a:p>
-            <a:pPr algn="ctr"/>
-            <a:endParaRPr lang="en-US" altLang="ja-JP" sz="1000" dirty="0" smtClean="0">
-              <a:solidFill>
-                <a:schemeClr val="tx1"/>
-              </a:solidFill>
-            </a:endParaRPr>
-          </a:p>
-          <a:p>
-            <a:pPr algn="ctr"/>
-            <a:r>
-              <a:rPr lang="en-US" altLang="ja-JP" sz="1000" dirty="0" smtClean="0">
-                <a:solidFill>
-                  <a:schemeClr val="tx1"/>
-                </a:solidFill>
-              </a:rPr>
-              <a:t>Accept</a:t>
-            </a:r>
-            <a:r>
-              <a:rPr lang="ja-JP" altLang="en-US" sz="1000" dirty="0" smtClean="0">
-                <a:solidFill>
-                  <a:schemeClr val="tx1"/>
-                </a:solidFill>
-              </a:rPr>
-              <a:t>に対応する</a:t>
-            </a:r>
-            <a:r>
-              <a:rPr lang="en-US" altLang="ja-JP" sz="1000" dirty="0" smtClean="0">
-                <a:solidFill>
-                  <a:schemeClr val="tx1"/>
-                </a:solidFill>
-              </a:rPr>
-              <a:t>client</a:t>
-            </a:r>
-            <a:r>
-              <a:rPr lang="ja-JP" altLang="en-US" sz="1000" dirty="0" smtClean="0">
-                <a:solidFill>
-                  <a:schemeClr val="tx1"/>
-                </a:solidFill>
-              </a:rPr>
-              <a:t>インスタンス</a:t>
-            </a:r>
-            <a:r>
-              <a:rPr lang="ja-JP" altLang="en-US" sz="1000" dirty="0" smtClean="0">
-                <a:solidFill>
-                  <a:schemeClr val="tx1"/>
-                </a:solidFill>
-              </a:rPr>
-              <a:t>の</a:t>
-            </a:r>
-            <a:r>
-              <a:rPr lang="ja-JP" altLang="en-US" sz="1000" dirty="0" smtClean="0">
-                <a:solidFill>
-                  <a:schemeClr val="tx1"/>
-                </a:solidFill>
-              </a:rPr>
-              <a:t>生成</a:t>
-            </a:r>
-            <a:endParaRPr lang="en-US" altLang="ja-JP" sz="1000" dirty="0" smtClean="0">
-              <a:solidFill>
-                <a:schemeClr val="tx1"/>
-              </a:solidFill>
-            </a:endParaRPr>
-          </a:p>
-          <a:p>
-            <a:pPr algn="ctr"/>
-            <a:r>
-              <a:rPr lang="en-US" altLang="ja-JP" sz="1000" dirty="0" err="1" smtClean="0">
-                <a:solidFill>
-                  <a:schemeClr val="tx1"/>
-                </a:solidFill>
-              </a:rPr>
-              <a:t>onAcceptClient</a:t>
-            </a:r>
-            <a:endParaRPr lang="en-US" altLang="ja-JP" sz="1000" dirty="0" smtClean="0">
-              <a:solidFill>
-                <a:schemeClr val="tx1"/>
-              </a:solidFill>
-            </a:endParaRPr>
-          </a:p>
-          <a:p>
-            <a:pPr algn="ctr"/>
-            <a:r>
-              <a:rPr lang="en-US" altLang="ja-JP" sz="1000" dirty="0" err="1">
-                <a:solidFill>
-                  <a:schemeClr val="tx1"/>
-                </a:solidFill>
-              </a:rPr>
-              <a:t>onRemoveClient</a:t>
-            </a:r>
-            <a:endParaRPr lang="en-US" altLang="ja-JP" sz="1000" dirty="0" smtClean="0">
-              <a:solidFill>
-                <a:schemeClr val="tx1"/>
-              </a:solidFill>
-            </a:endParaRPr>
-          </a:p>
-        </p:txBody>
-      </p:sp>
-      <p:sp>
-        <p:nvSpPr>
-          <p:cNvPr id="87" name="正方形/長方形 86"/>
-          <p:cNvSpPr/>
-          <p:nvPr/>
-        </p:nvSpPr>
-        <p:spPr>
-          <a:xfrm>
-            <a:off x="3347864" y="4149080"/>
-            <a:ext cx="1440160" cy="576064"/>
-          </a:xfrm>
-          <a:prstGeom prst="rect">
-            <a:avLst/>
-          </a:prstGeom>
-          <a:solidFill>
-            <a:schemeClr val="accent6">
-              <a:lumMod val="20000"/>
-              <a:lumOff val="80000"/>
-            </a:schemeClr>
-          </a:solidFill>
-          <a:ln w="9525">
-            <a:solidFill>
-              <a:schemeClr val="tx1"/>
-            </a:solidFill>
-          </a:ln>
-        </p:spPr>
-        <p:style>
-          <a:lnRef idx="2">
-            <a:schemeClr val="accent1">
-              <a:shade val="50000"/>
-            </a:schemeClr>
-          </a:lnRef>
-          <a:fillRef idx="1">
-            <a:schemeClr val="accent1"/>
-          </a:fillRef>
-          <a:effectRef idx="0">
-            <a:schemeClr val="accent1"/>
-          </a:effectRef>
-          <a:fontRef idx="minor">
-            <a:schemeClr val="lt1"/>
-          </a:fontRef>
-        </p:style>
-        <p:txBody>
-          <a:bodyPr rtlCol="0" anchor="ctr"/>
-          <a:lstStyle/>
-          <a:p>
-            <a:pPr algn="ctr"/>
-            <a:r>
-              <a:rPr lang="en-US" altLang="ja-JP" sz="1000" dirty="0" err="1">
-                <a:solidFill>
-                  <a:schemeClr val="tx1"/>
-                </a:solidFill>
-              </a:rPr>
-              <a:t>C</a:t>
-            </a:r>
-            <a:r>
-              <a:rPr kumimoji="1" lang="en-US" altLang="ja-JP" sz="1000" dirty="0" err="1" smtClean="0">
-                <a:solidFill>
-                  <a:schemeClr val="tx1"/>
-                </a:solidFill>
-              </a:rPr>
-              <a:t>PacketHandler</a:t>
-            </a:r>
-            <a:endParaRPr kumimoji="1" lang="ja-JP" altLang="en-US" sz="1000" dirty="0">
-              <a:solidFill>
-                <a:schemeClr val="tx1"/>
-              </a:solidFill>
-            </a:endParaRPr>
-          </a:p>
-        </p:txBody>
-      </p:sp>
-      <p:sp>
-        <p:nvSpPr>
-          <p:cNvPr id="90" name="正方形/長方形 89"/>
-          <p:cNvSpPr/>
-          <p:nvPr/>
-        </p:nvSpPr>
-        <p:spPr>
-          <a:xfrm>
-            <a:off x="2950984" y="5157192"/>
-            <a:ext cx="2232248" cy="1080120"/>
-          </a:xfrm>
-          <a:prstGeom prst="rect">
-            <a:avLst/>
-          </a:prstGeom>
-          <a:solidFill>
-            <a:schemeClr val="accent6">
-              <a:lumMod val="20000"/>
-              <a:lumOff val="80000"/>
-            </a:schemeClr>
-          </a:solidFill>
-          <a:ln w="9525">
-            <a:solidFill>
-              <a:schemeClr val="tx1"/>
-            </a:solidFill>
-          </a:ln>
-        </p:spPr>
-        <p:style>
-          <a:lnRef idx="2">
-            <a:schemeClr val="accent1">
-              <a:shade val="50000"/>
-            </a:schemeClr>
-          </a:lnRef>
-          <a:fillRef idx="1">
-            <a:schemeClr val="accent1"/>
-          </a:fillRef>
-          <a:effectRef idx="0">
-            <a:schemeClr val="accent1"/>
-          </a:effectRef>
-          <a:fontRef idx="minor">
-            <a:schemeClr val="lt1"/>
-          </a:fontRef>
-        </p:style>
-        <p:txBody>
-          <a:bodyPr rtlCol="0" anchor="ctr"/>
-          <a:lstStyle/>
-          <a:p>
-            <a:pPr algn="ctr"/>
-            <a:r>
-              <a:rPr lang="en-US" altLang="ja-JP" sz="1000" dirty="0" smtClean="0">
-                <a:solidFill>
-                  <a:schemeClr val="tx1"/>
-                </a:solidFill>
-              </a:rPr>
-              <a:t>User </a:t>
-            </a:r>
-            <a:r>
-              <a:rPr lang="ja-JP" altLang="en-US" sz="1000" dirty="0" smtClean="0">
-                <a:solidFill>
-                  <a:schemeClr val="tx1"/>
-                </a:solidFill>
-              </a:rPr>
-              <a:t>実装クラス</a:t>
-            </a:r>
-            <a:endParaRPr lang="en-US" altLang="ja-JP" sz="1000" dirty="0" smtClean="0">
-              <a:solidFill>
-                <a:schemeClr val="tx1"/>
-              </a:solidFill>
-            </a:endParaRPr>
-          </a:p>
-          <a:p>
-            <a:pPr algn="ctr"/>
-            <a:endParaRPr lang="en-US" altLang="ja-JP" sz="1000" dirty="0" smtClean="0">
-              <a:solidFill>
-                <a:schemeClr val="tx1"/>
-              </a:solidFill>
-            </a:endParaRPr>
-          </a:p>
-          <a:p>
-            <a:pPr algn="ctr"/>
-            <a:r>
-              <a:rPr lang="en-US" altLang="ja-JP" sz="1000" dirty="0" smtClean="0">
-                <a:solidFill>
-                  <a:schemeClr val="tx1"/>
-                </a:solidFill>
-              </a:rPr>
-              <a:t>Request/Reply/Notify</a:t>
-            </a:r>
-            <a:r>
-              <a:rPr lang="ja-JP" altLang="en-US" sz="1000" dirty="0" smtClean="0">
-                <a:solidFill>
-                  <a:schemeClr val="tx1"/>
-                </a:solidFill>
-              </a:rPr>
-              <a:t>の</a:t>
-            </a:r>
-            <a:r>
-              <a:rPr lang="ja-JP" altLang="en-US" sz="1000" dirty="0" smtClean="0">
-                <a:solidFill>
-                  <a:schemeClr val="tx1"/>
-                </a:solidFill>
-              </a:rPr>
-              <a:t>ハンドリング</a:t>
-            </a:r>
-            <a:endParaRPr lang="en-US" altLang="ja-JP" sz="1000" dirty="0" smtClean="0">
-              <a:solidFill>
-                <a:schemeClr val="tx1"/>
-              </a:solidFill>
-            </a:endParaRPr>
-          </a:p>
-          <a:p>
-            <a:pPr algn="ctr"/>
-            <a:r>
-              <a:rPr lang="en-US" altLang="ja-JP" sz="1000" dirty="0" err="1">
-                <a:solidFill>
-                  <a:schemeClr val="tx1"/>
-                </a:solidFill>
-              </a:rPr>
-              <a:t>onHandleRequest</a:t>
-            </a:r>
-            <a:endParaRPr lang="en-US" altLang="ja-JP" sz="1000" dirty="0">
-              <a:solidFill>
-                <a:schemeClr val="tx1"/>
-              </a:solidFill>
-            </a:endParaRPr>
-          </a:p>
-          <a:p>
-            <a:pPr algn="ctr"/>
-            <a:r>
-              <a:rPr lang="en-US" altLang="ja-JP" sz="1000" dirty="0" err="1" smtClean="0">
-                <a:solidFill>
-                  <a:schemeClr val="tx1"/>
-                </a:solidFill>
-              </a:rPr>
-              <a:t>onHandleReply</a:t>
-            </a:r>
-            <a:endParaRPr lang="en-US" altLang="ja-JP" sz="1000" dirty="0">
-              <a:solidFill>
-                <a:schemeClr val="tx1"/>
-              </a:solidFill>
-            </a:endParaRPr>
-          </a:p>
-          <a:p>
-            <a:pPr algn="ctr"/>
-            <a:r>
-              <a:rPr lang="en-US" altLang="ja-JP" sz="1000" dirty="0" err="1">
-                <a:solidFill>
-                  <a:schemeClr val="tx1"/>
-                </a:solidFill>
-              </a:rPr>
-              <a:t>onHandleNotify</a:t>
-            </a:r>
-            <a:endParaRPr lang="en-US" altLang="ja-JP" sz="1000" dirty="0" smtClean="0">
-              <a:solidFill>
-                <a:schemeClr val="tx1"/>
-              </a:solidFill>
-            </a:endParaRPr>
-          </a:p>
-        </p:txBody>
-      </p:sp>
-      <p:sp>
-        <p:nvSpPr>
-          <p:cNvPr id="91" name="二等辺三角形 90"/>
-          <p:cNvSpPr/>
-          <p:nvPr/>
-        </p:nvSpPr>
-        <p:spPr>
-          <a:xfrm>
-            <a:off x="3995937" y="4725144"/>
+            <a:off x="3999407" y="3645024"/>
             <a:ext cx="144016" cy="192021"/>
           </a:xfrm>
           <a:prstGeom prst="triangle">
@@ -7673,87 +8121,6 @@
       </p:sp>
       <p:cxnSp>
         <p:nvCxnSpPr>
-          <p:cNvPr id="93" name="カギ線コネクタ 92"/>
-          <p:cNvCxnSpPr>
-            <a:stCxn id="91" idx="3"/>
-            <a:endCxn id="90" idx="0"/>
-          </p:cNvCxnSpPr>
-          <p:nvPr/>
-        </p:nvCxnSpPr>
-        <p:spPr>
-          <a:xfrm rot="5400000">
-            <a:off x="3947514" y="5036760"/>
-            <a:ext cx="240027" cy="837"/>
-          </a:xfrm>
-          <a:prstGeom prst="bentConnector3">
-            <a:avLst/>
-          </a:prstGeom>
-        </p:spPr>
-        <p:style>
-          <a:lnRef idx="1">
-            <a:schemeClr val="accent1"/>
-          </a:lnRef>
-          <a:fillRef idx="0">
-            <a:schemeClr val="accent1"/>
-          </a:fillRef>
-          <a:effectRef idx="0">
-            <a:schemeClr val="accent1"/>
-          </a:effectRef>
-          <a:fontRef idx="minor">
-            <a:schemeClr val="tx1"/>
-          </a:fontRef>
-        </p:style>
-      </p:cxnSp>
-      <p:sp>
-        <p:nvSpPr>
-          <p:cNvPr id="94" name="二等辺三角形 93"/>
-          <p:cNvSpPr/>
-          <p:nvPr/>
-        </p:nvSpPr>
-        <p:spPr>
-          <a:xfrm>
-            <a:off x="3999407" y="3645024"/>
-            <a:ext cx="144016" cy="192021"/>
-          </a:xfrm>
-          <a:prstGeom prst="triangle">
-            <a:avLst/>
-          </a:prstGeom>
-          <a:solidFill>
-            <a:schemeClr val="bg1"/>
-          </a:solidFill>
-          <a:ln w="9525">
-            <a:solidFill>
-              <a:schemeClr val="accent1"/>
-            </a:solidFill>
-          </a:ln>
-        </p:spPr>
-        <p:style>
-          <a:lnRef idx="2">
-            <a:schemeClr val="accent1">
-              <a:shade val="50000"/>
-            </a:schemeClr>
-          </a:lnRef>
-          <a:fillRef idx="1">
-            <a:schemeClr val="accent1"/>
-          </a:fillRef>
-          <a:effectRef idx="0">
-            <a:schemeClr val="accent1"/>
-          </a:effectRef>
-          <a:fontRef idx="minor">
-            <a:schemeClr val="lt1"/>
-          </a:fontRef>
-        </p:style>
-        <p:txBody>
-          <a:bodyPr rtlCol="0" anchor="ctr"/>
-          <a:lstStyle/>
-          <a:p>
-            <a:pPr algn="ctr"/>
-            <a:endParaRPr kumimoji="1" lang="ja-JP" altLang="en-US"/>
-          </a:p>
-        </p:txBody>
-      </p:sp>
-      <p:cxnSp>
-        <p:nvCxnSpPr>
           <p:cNvPr id="96" name="直線コネクタ 95"/>
           <p:cNvCxnSpPr>
             <a:stCxn id="94" idx="3"/>
@@ -7785,202 +8152,6 @@
           </a:fontRef>
         </p:style>
       </p:cxnSp>
-      <p:sp>
-        <p:nvSpPr>
-          <p:cNvPr id="99" name="ひし形 98"/>
-          <p:cNvSpPr/>
-          <p:nvPr/>
-        </p:nvSpPr>
-        <p:spPr>
-          <a:xfrm>
-            <a:off x="1264582" y="2556620"/>
-            <a:ext cx="156119" cy="231039"/>
-          </a:xfrm>
-          <a:prstGeom prst="diamond">
-            <a:avLst/>
-          </a:prstGeom>
-          <a:solidFill>
-            <a:schemeClr val="bg1"/>
-          </a:solidFill>
-          <a:ln w="9525"/>
-        </p:spPr>
-        <p:style>
-          <a:lnRef idx="2">
-            <a:schemeClr val="accent1">
-              <a:shade val="50000"/>
-            </a:schemeClr>
-          </a:lnRef>
-          <a:fillRef idx="1">
-            <a:schemeClr val="accent1"/>
-          </a:fillRef>
-          <a:effectRef idx="0">
-            <a:schemeClr val="accent1"/>
-          </a:effectRef>
-          <a:fontRef idx="minor">
-            <a:schemeClr val="lt1"/>
-          </a:fontRef>
-        </p:style>
-        <p:txBody>
-          <a:bodyPr rtlCol="0" anchor="ctr"/>
-          <a:lstStyle/>
-          <a:p>
-            <a:pPr algn="ctr"/>
-            <a:endParaRPr kumimoji="1" lang="ja-JP" altLang="en-US"/>
-          </a:p>
-        </p:txBody>
-      </p:sp>
-      <p:cxnSp>
-        <p:nvCxnSpPr>
-          <p:cNvPr id="101" name="直線矢印コネクタ 100"/>
-          <p:cNvCxnSpPr>
-            <a:stCxn id="99" idx="2"/>
-            <a:endCxn id="80" idx="0"/>
-          </p:cNvCxnSpPr>
-          <p:nvPr/>
-        </p:nvCxnSpPr>
-        <p:spPr>
-          <a:xfrm>
-            <a:off x="1342642" y="2787659"/>
-            <a:ext cx="6051" cy="281301"/>
-          </a:xfrm>
-          <a:prstGeom prst="straightConnector1">
-            <a:avLst/>
-          </a:prstGeom>
-          <a:ln>
-            <a:tailEnd type="arrow"/>
-          </a:ln>
-        </p:spPr>
-        <p:style>
-          <a:lnRef idx="1">
-            <a:schemeClr val="accent1"/>
-          </a:lnRef>
-          <a:fillRef idx="0">
-            <a:schemeClr val="accent1"/>
-          </a:fillRef>
-          <a:effectRef idx="0">
-            <a:schemeClr val="accent1"/>
-          </a:effectRef>
-          <a:fontRef idx="minor">
-            <a:schemeClr val="tx1"/>
-          </a:fontRef>
-        </p:style>
-      </p:cxnSp>
-      <p:sp>
-        <p:nvSpPr>
-          <p:cNvPr id="102" name="正方形/長方形 101"/>
-          <p:cNvSpPr/>
-          <p:nvPr/>
-        </p:nvSpPr>
-        <p:spPr>
-          <a:xfrm>
-            <a:off x="1362757" y="2709307"/>
-            <a:ext cx="167621" cy="143629"/>
-          </a:xfrm>
-          <a:prstGeom prst="rect">
-            <a:avLst/>
-          </a:prstGeom>
-          <a:noFill/>
-          <a:ln w="12700">
-            <a:noFill/>
-          </a:ln>
-        </p:spPr>
-        <p:style>
-          <a:lnRef idx="2">
-            <a:schemeClr val="accent1">
-              <a:shade val="50000"/>
-            </a:schemeClr>
-          </a:lnRef>
-          <a:fillRef idx="1">
-            <a:schemeClr val="accent1"/>
-          </a:fillRef>
-          <a:effectRef idx="0">
-            <a:schemeClr val="accent1"/>
-          </a:effectRef>
-          <a:fontRef idx="minor">
-            <a:schemeClr val="lt1"/>
-          </a:fontRef>
-        </p:style>
-        <p:txBody>
-          <a:bodyPr rtlCol="0" anchor="ctr"/>
-          <a:lstStyle/>
-          <a:p>
-            <a:pPr algn="ctr"/>
-            <a:r>
-              <a:rPr kumimoji="1" lang="en-US" altLang="ja-JP" sz="800" dirty="0" smtClean="0">
-                <a:solidFill>
-                  <a:schemeClr val="tx1"/>
-                </a:solidFill>
-                <a:latin typeface="Tahoma" panose="020B0604030504040204" pitchFamily="34" charset="0"/>
-                <a:ea typeface="Tahoma" panose="020B0604030504040204" pitchFamily="34" charset="0"/>
-                <a:cs typeface="Tahoma" panose="020B0604030504040204" pitchFamily="34" charset="0"/>
-              </a:rPr>
-              <a:t>1</a:t>
-            </a:r>
-          </a:p>
-        </p:txBody>
-      </p:sp>
-      <p:sp>
-        <p:nvSpPr>
-          <p:cNvPr id="103" name="正方形/長方形 102"/>
-          <p:cNvSpPr/>
-          <p:nvPr/>
-        </p:nvSpPr>
-        <p:spPr>
-          <a:xfrm>
-            <a:off x="1362757" y="2904065"/>
-            <a:ext cx="360040" cy="143629"/>
-          </a:xfrm>
-          <a:prstGeom prst="rect">
-            <a:avLst/>
-          </a:prstGeom>
-          <a:noFill/>
-          <a:ln w="12700">
-            <a:noFill/>
-          </a:ln>
-        </p:spPr>
-        <p:style>
-          <a:lnRef idx="2">
-            <a:schemeClr val="accent1">
-              <a:shade val="50000"/>
-            </a:schemeClr>
-          </a:lnRef>
-          <a:fillRef idx="1">
-            <a:schemeClr val="accent1"/>
-          </a:fillRef>
-          <a:effectRef idx="0">
-            <a:schemeClr val="accent1"/>
-          </a:effectRef>
-          <a:fontRef idx="minor">
-            <a:schemeClr val="lt1"/>
-          </a:fontRef>
-        </p:style>
-        <p:txBody>
-          <a:bodyPr rtlCol="0" anchor="ctr"/>
-          <a:lstStyle/>
-          <a:p>
-            <a:pPr algn="ctr"/>
-            <a:r>
-              <a:rPr lang="en-US" altLang="ja-JP" sz="800" dirty="0" smtClean="0">
-                <a:solidFill>
-                  <a:schemeClr val="tx1"/>
-                </a:solidFill>
-                <a:latin typeface="Tahoma" panose="020B0604030504040204" pitchFamily="34" charset="0"/>
-                <a:ea typeface="Tahoma" panose="020B0604030504040204" pitchFamily="34" charset="0"/>
-                <a:cs typeface="Tahoma" panose="020B0604030504040204" pitchFamily="34" charset="0"/>
-              </a:rPr>
-              <a:t>0..1</a:t>
-            </a:r>
-            <a:endParaRPr kumimoji="1" lang="en-US" altLang="ja-JP" sz="800" dirty="0" smtClean="0">
-              <a:solidFill>
-                <a:schemeClr val="tx1"/>
-              </a:solidFill>
-              <a:latin typeface="Tahoma" panose="020B0604030504040204" pitchFamily="34" charset="0"/>
-              <a:ea typeface="Tahoma" panose="020B0604030504040204" pitchFamily="34" charset="0"/>
-              <a:cs typeface="Tahoma" panose="020B0604030504040204" pitchFamily="34" charset="0"/>
-            </a:endParaRPr>
-          </a:p>
-        </p:txBody>
-      </p:sp>
       <p:sp>
         <p:nvSpPr>
           <p:cNvPr id="106" name="正方形/長方形 105"/>

--- a/etc/immsocket.pptx
+++ b/etc/immsocket.pptx
@@ -109,7 +109,22 @@
       </a:defRPr>
     </a:lvl9pPr>
   </p:defaultTextStyle>
-  <p:extLst/>
+  <p:extLst>
+    <p:ext uri="{EFAFB233-063F-42B5-8137-9DF3F51BA10A}">
+      <p15:sldGuideLst xmlns:p15="http://schemas.microsoft.com/office/powerpoint/2012/main">
+        <p15:guide id="1" orient="horz" pos="2160">
+          <p15:clr>
+            <a:srgbClr val="A4A3A4"/>
+          </p15:clr>
+        </p15:guide>
+        <p15:guide id="2" pos="2880">
+          <p15:clr>
+            <a:srgbClr val="A4A3A4"/>
+          </p15:clr>
+        </p15:guide>
+      </p15:sldGuideLst>
+    </p:ext>
+  </p:extLst>
 </p:presentation>
 </file>
 
@@ -195,7 +210,7 @@
           <a:p>
             <a:fld id="{22CC3290-24F6-477F-95D9-2B730663FC8A}" type="datetimeFigureOut">
               <a:rPr kumimoji="1" lang="ja-JP" altLang="en-US" smtClean="0"/>
-              <a:t>2017/12/11</a:t>
+              <a:t>2018/3/14</a:t>
             </a:fld>
             <a:endParaRPr kumimoji="1" lang="ja-JP" altLang="en-US"/>
           </a:p>
@@ -676,7 +691,7 @@
           <a:p>
             <a:fld id="{58F1A61C-07EC-4CEE-80EB-D6F8CCBD6E84}" type="datetimeFigureOut">
               <a:rPr kumimoji="1" lang="ja-JP" altLang="en-US" smtClean="0"/>
-              <a:t>2017/12/11</a:t>
+              <a:t>2018/3/14</a:t>
             </a:fld>
             <a:endParaRPr kumimoji="1" lang="ja-JP" altLang="en-US"/>
           </a:p>
@@ -878,7 +893,7 @@
           <a:p>
             <a:fld id="{58F1A61C-07EC-4CEE-80EB-D6F8CCBD6E84}" type="datetimeFigureOut">
               <a:rPr kumimoji="1" lang="ja-JP" altLang="en-US" smtClean="0"/>
-              <a:t>2017/12/11</a:t>
+              <a:t>2018/3/14</a:t>
             </a:fld>
             <a:endParaRPr kumimoji="1" lang="ja-JP" altLang="en-US"/>
           </a:p>
@@ -1090,7 +1105,7 @@
           <a:p>
             <a:fld id="{58F1A61C-07EC-4CEE-80EB-D6F8CCBD6E84}" type="datetimeFigureOut">
               <a:rPr kumimoji="1" lang="ja-JP" altLang="en-US" smtClean="0"/>
-              <a:t>2017/12/11</a:t>
+              <a:t>2018/3/14</a:t>
             </a:fld>
             <a:endParaRPr kumimoji="1" lang="ja-JP" altLang="en-US"/>
           </a:p>
@@ -1292,7 +1307,7 @@
           <a:p>
             <a:fld id="{58F1A61C-07EC-4CEE-80EB-D6F8CCBD6E84}" type="datetimeFigureOut">
               <a:rPr kumimoji="1" lang="ja-JP" altLang="en-US" smtClean="0"/>
-              <a:t>2017/12/11</a:t>
+              <a:t>2018/3/14</a:t>
             </a:fld>
             <a:endParaRPr kumimoji="1" lang="ja-JP" altLang="en-US"/>
           </a:p>
@@ -1538,7 +1553,7 @@
           <a:p>
             <a:fld id="{58F1A61C-07EC-4CEE-80EB-D6F8CCBD6E84}" type="datetimeFigureOut">
               <a:rPr kumimoji="1" lang="ja-JP" altLang="en-US" smtClean="0"/>
-              <a:t>2017/12/11</a:t>
+              <a:t>2018/3/14</a:t>
             </a:fld>
             <a:endParaRPr kumimoji="1" lang="ja-JP" altLang="en-US"/>
           </a:p>
@@ -1890,7 +1905,7 @@
           <a:p>
             <a:fld id="{58F1A61C-07EC-4CEE-80EB-D6F8CCBD6E84}" type="datetimeFigureOut">
               <a:rPr kumimoji="1" lang="ja-JP" altLang="en-US" smtClean="0"/>
-              <a:t>2017/12/11</a:t>
+              <a:t>2018/3/14</a:t>
             </a:fld>
             <a:endParaRPr kumimoji="1" lang="ja-JP" altLang="en-US"/>
           </a:p>
@@ -2376,7 +2391,7 @@
           <a:p>
             <a:fld id="{58F1A61C-07EC-4CEE-80EB-D6F8CCBD6E84}" type="datetimeFigureOut">
               <a:rPr kumimoji="1" lang="ja-JP" altLang="en-US" smtClean="0"/>
-              <a:t>2017/12/11</a:t>
+              <a:t>2018/3/14</a:t>
             </a:fld>
             <a:endParaRPr kumimoji="1" lang="ja-JP" altLang="en-US"/>
           </a:p>
@@ -2494,7 +2509,7 @@
           <a:p>
             <a:fld id="{58F1A61C-07EC-4CEE-80EB-D6F8CCBD6E84}" type="datetimeFigureOut">
               <a:rPr kumimoji="1" lang="ja-JP" altLang="en-US" smtClean="0"/>
-              <a:t>2017/12/11</a:t>
+              <a:t>2018/3/14</a:t>
             </a:fld>
             <a:endParaRPr kumimoji="1" lang="ja-JP" altLang="en-US"/>
           </a:p>
@@ -2589,7 +2604,7 @@
           <a:p>
             <a:fld id="{58F1A61C-07EC-4CEE-80EB-D6F8CCBD6E84}" type="datetimeFigureOut">
               <a:rPr kumimoji="1" lang="ja-JP" altLang="en-US" smtClean="0"/>
-              <a:t>2017/12/11</a:t>
+              <a:t>2018/3/14</a:t>
             </a:fld>
             <a:endParaRPr kumimoji="1" lang="ja-JP" altLang="en-US"/>
           </a:p>
@@ -2898,7 +2913,7 @@
           <a:p>
             <a:fld id="{58F1A61C-07EC-4CEE-80EB-D6F8CCBD6E84}" type="datetimeFigureOut">
               <a:rPr kumimoji="1" lang="ja-JP" altLang="en-US" smtClean="0"/>
-              <a:t>2017/12/11</a:t>
+              <a:t>2018/3/14</a:t>
             </a:fld>
             <a:endParaRPr kumimoji="1" lang="ja-JP" altLang="en-US"/>
           </a:p>
@@ -3151,7 +3166,7 @@
           <a:p>
             <a:fld id="{58F1A61C-07EC-4CEE-80EB-D6F8CCBD6E84}" type="datetimeFigureOut">
               <a:rPr kumimoji="1" lang="ja-JP" altLang="en-US" smtClean="0"/>
-              <a:t>2017/12/11</a:t>
+              <a:t>2018/3/14</a:t>
             </a:fld>
             <a:endParaRPr kumimoji="1" lang="ja-JP" altLang="en-US"/>
           </a:p>
@@ -3396,7 +3411,7 @@
           <a:p>
             <a:fld id="{58F1A61C-07EC-4CEE-80EB-D6F8CCBD6E84}" type="datetimeFigureOut">
               <a:rPr kumimoji="1" lang="ja-JP" altLang="en-US" smtClean="0"/>
-              <a:t>2017/12/11</a:t>
+              <a:t>2018/3/14</a:t>
             </a:fld>
             <a:endParaRPr kumimoji="1" lang="ja-JP" altLang="en-US"/>
           </a:p>
@@ -7549,7 +7564,8 @@
             <a:avLst/>
           </a:prstGeom>
           <a:ln>
-            <a:tailEnd type="arrow"/>
+            <a:headEnd type="none" w="med" len="med"/>
+            <a:tailEnd type="none" w="med" len="med"/>
           </a:ln>
         </p:spPr>
         <p:style>
@@ -7629,7 +7645,7 @@
         </p:nvSpPr>
         <p:spPr>
           <a:xfrm>
-            <a:off x="3059832" y="2276872"/>
+            <a:off x="3128246" y="2293728"/>
             <a:ext cx="167621" cy="143629"/>
           </a:xfrm>
           <a:prstGeom prst="rect">
@@ -8136,6 +8152,9 @@
           <a:prstGeom prst="line">
             <a:avLst/>
           </a:prstGeom>
+          <a:ln>
+            <a:prstDash val="dash"/>
+          </a:ln>
         </p:spPr>
         <p:style>
           <a:lnRef idx="1">
@@ -8322,7 +8341,8 @@
             <a:avLst/>
           </a:prstGeom>
           <a:ln>
-            <a:tailEnd type="arrow"/>
+            <a:headEnd type="none" w="med" len="med"/>
+            <a:tailEnd type="none" w="med" len="med"/>
           </a:ln>
         </p:spPr>
         <p:style>
@@ -8348,7 +8368,7 @@
         </p:nvSpPr>
         <p:spPr>
           <a:xfrm>
-            <a:off x="6012160" y="4759702"/>
+            <a:off x="7197718" y="5242521"/>
             <a:ext cx="1440160" cy="576064"/>
           </a:xfrm>
           <a:prstGeom prst="rect">
@@ -8419,7 +8439,7 @@
         </p:nvSpPr>
         <p:spPr>
           <a:xfrm>
-            <a:off x="5097322" y="2733094"/>
+            <a:off x="5123234" y="2483634"/>
             <a:ext cx="1440160" cy="576064"/>
           </a:xfrm>
           <a:prstGeom prst="rect">
@@ -8482,7 +8502,7 @@
         </p:nvSpPr>
         <p:spPr>
           <a:xfrm>
-            <a:off x="7092280" y="3573016"/>
+            <a:off x="6052050" y="4442573"/>
             <a:ext cx="1440160" cy="576064"/>
           </a:xfrm>
           <a:prstGeom prst="rect">
@@ -8609,18 +8629,19 @@
           <p:cNvPr id="47" name="カギ線コネクタ 46"/>
           <p:cNvCxnSpPr>
             <a:stCxn id="46" idx="3"/>
-            <a:endCxn id="44" idx="0"/>
+            <a:endCxn id="44" idx="3"/>
           </p:cNvCxnSpPr>
           <p:nvPr/>
         </p:nvCxnSpPr>
         <p:spPr>
           <a:xfrm rot="16200000" flipH="1">
-            <a:off x="4704015" y="464670"/>
-            <a:ext cx="2112235" cy="4104456"/>
-          </a:xfrm>
-          <a:prstGeom prst="bentConnector3">
+            <a:off x="3965145" y="1203540"/>
+            <a:ext cx="3269824" cy="3784306"/>
+          </a:xfrm>
+          <a:prstGeom prst="bentConnector4">
             <a:avLst>
-              <a:gd name="adj1" fmla="val 10233"/>
+              <a:gd name="adj1" fmla="val 4814"/>
+              <a:gd name="adj2" fmla="val 106041"/>
             </a:avLst>
           </a:prstGeom>
         </p:spPr>
@@ -8647,8 +8668,8 @@
         </p:nvSpPr>
         <p:spPr>
           <a:xfrm>
-            <a:off x="6006479" y="3309156"/>
-            <a:ext cx="149697" cy="211657"/>
+            <a:off x="6570385" y="2719221"/>
+            <a:ext cx="318758" cy="161661"/>
           </a:xfrm>
           <a:prstGeom prst="diamond">
             <a:avLst/>
@@ -8687,57 +8708,25 @@
         <p:nvCxnSpPr>
           <p:cNvPr id="21" name="カギ線コネクタ 20"/>
           <p:cNvCxnSpPr>
-            <a:stCxn id="50" idx="2"/>
-            <a:endCxn id="44" idx="1"/>
+            <a:stCxn id="50" idx="3"/>
+            <a:endCxn id="44" idx="0"/>
           </p:cNvCxnSpPr>
           <p:nvPr/>
         </p:nvCxnSpPr>
         <p:spPr>
-          <a:xfrm rot="16200000" flipH="1">
-            <a:off x="6416687" y="3185454"/>
-            <a:ext cx="340235" cy="1010952"/>
-          </a:xfrm>
-          <a:prstGeom prst="bentConnector2">
-            <a:avLst/>
+          <a:xfrm flipH="1">
+            <a:off x="6772130" y="2800052"/>
+            <a:ext cx="117013" cy="1642521"/>
+          </a:xfrm>
+          <a:prstGeom prst="bentConnector4">
+            <a:avLst>
+              <a:gd name="adj1" fmla="val -195363"/>
+              <a:gd name="adj2" fmla="val 89575"/>
+            </a:avLst>
           </a:prstGeom>
           <a:ln>
-            <a:tailEnd type="arrow"/>
-          </a:ln>
-        </p:spPr>
-        <p:style>
-          <a:lnRef idx="1">
-            <a:schemeClr val="accent1"/>
-          </a:lnRef>
-          <a:fillRef idx="0">
-            <a:schemeClr val="accent1"/>
-          </a:fillRef>
-          <a:effectRef idx="0">
-            <a:schemeClr val="accent1"/>
-          </a:effectRef>
-          <a:fontRef idx="minor">
-            <a:schemeClr val="tx1"/>
-          </a:fontRef>
-        </p:style>
-      </p:cxnSp>
-      <p:cxnSp>
-        <p:nvCxnSpPr>
-          <p:cNvPr id="26" name="カギ線コネクタ 25"/>
-          <p:cNvCxnSpPr>
-            <a:endCxn id="38" idx="1"/>
-          </p:cNvCxnSpPr>
-          <p:nvPr/>
-        </p:nvCxnSpPr>
-        <p:spPr>
-          <a:xfrm>
-            <a:off x="4788024" y="4581128"/>
-            <a:ext cx="1224136" cy="466606"/>
-          </a:xfrm>
-          <a:prstGeom prst="bentConnector3">
-            <a:avLst/>
-          </a:prstGeom>
-          <a:ln>
-            <a:prstDash val="dash"/>
-            <a:tailEnd type="arrow"/>
+            <a:headEnd type="none" w="med" len="med"/>
+            <a:tailEnd type="none" w="med" len="med"/>
           </a:ln>
         </p:spPr>
         <p:style>
@@ -8807,7 +8796,7 @@
         </p:nvSpPr>
         <p:spPr>
           <a:xfrm>
-            <a:off x="5052451" y="4293096"/>
+            <a:off x="4980443" y="4077459"/>
             <a:ext cx="167621" cy="143629"/>
           </a:xfrm>
           <a:prstGeom prst="rect">
@@ -8861,7 +8850,7 @@
         </p:nvSpPr>
         <p:spPr>
           <a:xfrm>
-            <a:off x="5580112" y="3390746"/>
+            <a:off x="5105936" y="3107652"/>
             <a:ext cx="167621" cy="143629"/>
           </a:xfrm>
           <a:prstGeom prst="rect">
@@ -8925,14 +8914,15 @@
         </p:nvCxnSpPr>
         <p:spPr>
           <a:xfrm flipV="1">
-            <a:off x="5078317" y="3309158"/>
-            <a:ext cx="494539" cy="976926"/>
+            <a:off x="5078317" y="3074222"/>
+            <a:ext cx="192972" cy="1211862"/>
           </a:xfrm>
           <a:prstGeom prst="bentConnector2">
             <a:avLst/>
           </a:prstGeom>
           <a:ln>
-            <a:tailEnd type="arrow"/>
+            <a:headEnd type="none" w="med" len="med"/>
+            <a:tailEnd type="none" w="med" len="med"/>
           </a:ln>
         </p:spPr>
         <p:style>
@@ -8958,7 +8948,7 @@
         </p:nvSpPr>
         <p:spPr>
           <a:xfrm>
-            <a:off x="6084168" y="3501395"/>
+            <a:off x="6657049" y="2534579"/>
             <a:ext cx="167621" cy="143629"/>
           </a:xfrm>
           <a:prstGeom prst="rect">
@@ -9020,7 +9010,7 @@
         </p:nvSpPr>
         <p:spPr>
           <a:xfrm>
-            <a:off x="6708635" y="3861048"/>
+            <a:off x="6492611" y="4291914"/>
             <a:ext cx="383645" cy="143629"/>
           </a:xfrm>
           <a:prstGeom prst="rect">
@@ -9195,14 +9185,14 @@
         </p:nvSpPr>
         <p:spPr>
           <a:xfrm>
-            <a:off x="6654551" y="4548045"/>
+            <a:off x="7841991" y="5030688"/>
             <a:ext cx="149697" cy="211657"/>
           </a:xfrm>
           <a:prstGeom prst="diamond">
             <a:avLst/>
           </a:prstGeom>
           <a:solidFill>
-            <a:schemeClr val="bg1"/>
+            <a:schemeClr val="accent1"/>
           </a:solidFill>
           <a:ln w="9525"/>
         </p:spPr>
@@ -9242,14 +9232,15 @@
         </p:nvCxnSpPr>
         <p:spPr>
           <a:xfrm rot="16200000" flipV="1">
-            <a:off x="4615054" y="2433699"/>
-            <a:ext cx="2287316" cy="1941376"/>
+            <a:off x="4967453" y="2081301"/>
+            <a:ext cx="2769959" cy="3128816"/>
           </a:xfrm>
           <a:prstGeom prst="bentConnector2">
             <a:avLst/>
           </a:prstGeom>
           <a:ln>
-            <a:tailEnd type="arrow"/>
+            <a:headEnd type="none" w="med" len="med"/>
+            <a:tailEnd type="none" w="med" len="med"/>
           </a:ln>
         </p:spPr>
         <p:style>
@@ -9275,7 +9266,7 @@
         </p:nvSpPr>
         <p:spPr>
           <a:xfrm>
-            <a:off x="4932040" y="2276872"/>
+            <a:off x="4825693" y="2275145"/>
             <a:ext cx="109677" cy="180797"/>
           </a:xfrm>
           <a:prstGeom prst="rect">
@@ -9323,14 +9314,452 @@
       </p:sp>
       <p:sp>
         <p:nvSpPr>
-          <p:cNvPr id="84" name="正方形/長方形 83"/>
+          <p:cNvPr id="48" name="正方形/長方形 47"/>
           <p:cNvSpPr/>
           <p:nvPr/>
         </p:nvSpPr>
         <p:spPr>
           <a:xfrm>
-            <a:off x="6766579" y="4437112"/>
-            <a:ext cx="109677" cy="180797"/>
+            <a:off x="628613" y="3068960"/>
+            <a:ext cx="1440160" cy="576064"/>
+          </a:xfrm>
+          <a:prstGeom prst="rect">
+            <a:avLst/>
+          </a:prstGeom>
+          <a:solidFill>
+            <a:schemeClr val="accent6">
+              <a:lumMod val="20000"/>
+              <a:lumOff val="80000"/>
+            </a:schemeClr>
+          </a:solidFill>
+          <a:ln w="9525">
+            <a:solidFill>
+              <a:schemeClr val="tx1"/>
+            </a:solidFill>
+          </a:ln>
+        </p:spPr>
+        <p:style>
+          <a:lnRef idx="2">
+            <a:schemeClr val="accent1">
+              <a:shade val="50000"/>
+            </a:schemeClr>
+          </a:lnRef>
+          <a:fillRef idx="1">
+            <a:schemeClr val="accent1"/>
+          </a:fillRef>
+          <a:effectRef idx="0">
+            <a:schemeClr val="accent1"/>
+          </a:effectRef>
+          <a:fontRef idx="minor">
+            <a:schemeClr val="lt1"/>
+          </a:fontRef>
+        </p:style>
+        <p:txBody>
+          <a:bodyPr rtlCol="0" anchor="ctr"/>
+          <a:lstStyle/>
+          <a:p>
+            <a:pPr algn="ctr"/>
+            <a:r>
+              <a:rPr lang="en-US" altLang="ja-JP" sz="1000" dirty="0">
+                <a:solidFill>
+                  <a:schemeClr val="tx1"/>
+                </a:solidFill>
+              </a:rPr>
+              <a:t>&lt;&lt;interface</a:t>
+            </a:r>
+            <a:r>
+              <a:rPr lang="en-US" altLang="ja-JP" sz="1000" dirty="0" smtClean="0">
+                <a:solidFill>
+                  <a:schemeClr val="tx1"/>
+                </a:solidFill>
+              </a:rPr>
+              <a:t>&gt;&gt;</a:t>
+            </a:r>
+            <a:endParaRPr kumimoji="1" lang="en-US" altLang="ja-JP" sz="1000" dirty="0" smtClean="0">
+              <a:solidFill>
+                <a:schemeClr val="tx1"/>
+              </a:solidFill>
+            </a:endParaRPr>
+          </a:p>
+          <a:p>
+            <a:pPr algn="ctr"/>
+            <a:r>
+              <a:rPr kumimoji="1" lang="en-US" altLang="ja-JP" sz="1000" dirty="0" err="1" smtClean="0">
+                <a:solidFill>
+                  <a:schemeClr val="tx1"/>
+                </a:solidFill>
+              </a:rPr>
+              <a:t>CImmSocketServer</a:t>
+            </a:r>
+            <a:r>
+              <a:rPr kumimoji="1" lang="en-US" altLang="ja-JP" sz="1000" dirty="0" smtClean="0">
+                <a:solidFill>
+                  <a:schemeClr val="tx1"/>
+                </a:solidFill>
+              </a:rPr>
+              <a:t>::</a:t>
+            </a:r>
+          </a:p>
+          <a:p>
+            <a:pPr algn="ctr"/>
+            <a:r>
+              <a:rPr kumimoji="1" lang="en-US" altLang="ja-JP" sz="1000" dirty="0" err="1" smtClean="0">
+                <a:solidFill>
+                  <a:schemeClr val="tx1"/>
+                </a:solidFill>
+              </a:rPr>
+              <a:t>IClientHandler</a:t>
+            </a:r>
+            <a:endParaRPr kumimoji="1" lang="ja-JP" altLang="en-US" sz="1000" dirty="0">
+              <a:solidFill>
+                <a:schemeClr val="tx1"/>
+              </a:solidFill>
+            </a:endParaRPr>
+          </a:p>
+        </p:txBody>
+      </p:sp>
+      <p:sp>
+        <p:nvSpPr>
+          <p:cNvPr id="49" name="二等辺三角形 48"/>
+          <p:cNvSpPr/>
+          <p:nvPr/>
+        </p:nvSpPr>
+        <p:spPr>
+          <a:xfrm>
+            <a:off x="1276685" y="3645024"/>
+            <a:ext cx="144016" cy="192021"/>
+          </a:xfrm>
+          <a:prstGeom prst="triangle">
+            <a:avLst/>
+          </a:prstGeom>
+          <a:solidFill>
+            <a:schemeClr val="bg1"/>
+          </a:solidFill>
+          <a:ln w="9525">
+            <a:solidFill>
+              <a:schemeClr val="accent1"/>
+            </a:solidFill>
+          </a:ln>
+        </p:spPr>
+        <p:style>
+          <a:lnRef idx="2">
+            <a:schemeClr val="accent1">
+              <a:shade val="50000"/>
+            </a:schemeClr>
+          </a:lnRef>
+          <a:fillRef idx="1">
+            <a:schemeClr val="accent1"/>
+          </a:fillRef>
+          <a:effectRef idx="0">
+            <a:schemeClr val="accent1"/>
+          </a:effectRef>
+          <a:fontRef idx="minor">
+            <a:schemeClr val="lt1"/>
+          </a:fontRef>
+        </p:style>
+        <p:txBody>
+          <a:bodyPr rtlCol="0" anchor="ctr"/>
+          <a:lstStyle/>
+          <a:p>
+            <a:pPr algn="ctr"/>
+            <a:endParaRPr kumimoji="1" lang="ja-JP" altLang="en-US"/>
+          </a:p>
+        </p:txBody>
+      </p:sp>
+      <p:cxnSp>
+        <p:nvCxnSpPr>
+          <p:cNvPr id="52" name="カギ線コネクタ 51"/>
+          <p:cNvCxnSpPr>
+            <a:stCxn id="49" idx="3"/>
+            <a:endCxn id="54" idx="0"/>
+          </p:cNvCxnSpPr>
+          <p:nvPr/>
+        </p:nvCxnSpPr>
+        <p:spPr>
+          <a:xfrm rot="16200000" flipH="1">
+            <a:off x="1337804" y="3847934"/>
+            <a:ext cx="264121" cy="242342"/>
+          </a:xfrm>
+          <a:prstGeom prst="bentConnector3">
+            <a:avLst/>
+          </a:prstGeom>
+          <a:ln>
+            <a:prstDash val="dash"/>
+          </a:ln>
+        </p:spPr>
+        <p:style>
+          <a:lnRef idx="1">
+            <a:schemeClr val="accent1"/>
+          </a:lnRef>
+          <a:fillRef idx="0">
+            <a:schemeClr val="accent1"/>
+          </a:fillRef>
+          <a:effectRef idx="0">
+            <a:schemeClr val="accent1"/>
+          </a:effectRef>
+          <a:fontRef idx="minor">
+            <a:schemeClr val="tx1"/>
+          </a:fontRef>
+        </p:style>
+      </p:cxnSp>
+      <p:sp>
+        <p:nvSpPr>
+          <p:cNvPr id="54" name="正方形/長方形 53"/>
+          <p:cNvSpPr/>
+          <p:nvPr/>
+        </p:nvSpPr>
+        <p:spPr>
+          <a:xfrm>
+            <a:off x="626292" y="4101166"/>
+            <a:ext cx="1929485" cy="1054069"/>
+          </a:xfrm>
+          <a:prstGeom prst="rect">
+            <a:avLst/>
+          </a:prstGeom>
+          <a:solidFill>
+            <a:schemeClr val="accent6">
+              <a:lumMod val="20000"/>
+              <a:lumOff val="80000"/>
+            </a:schemeClr>
+          </a:solidFill>
+          <a:ln w="9525">
+            <a:solidFill>
+              <a:schemeClr val="tx1"/>
+            </a:solidFill>
+          </a:ln>
+        </p:spPr>
+        <p:style>
+          <a:lnRef idx="2">
+            <a:schemeClr val="accent1">
+              <a:shade val="50000"/>
+            </a:schemeClr>
+          </a:lnRef>
+          <a:fillRef idx="1">
+            <a:schemeClr val="accent1"/>
+          </a:fillRef>
+          <a:effectRef idx="0">
+            <a:schemeClr val="accent1"/>
+          </a:effectRef>
+          <a:fontRef idx="minor">
+            <a:schemeClr val="lt1"/>
+          </a:fontRef>
+        </p:style>
+        <p:txBody>
+          <a:bodyPr rtlCol="0" anchor="ctr"/>
+          <a:lstStyle/>
+          <a:p>
+            <a:pPr algn="ctr"/>
+            <a:r>
+              <a:rPr lang="en-US" altLang="ja-JP" sz="1000" dirty="0" smtClean="0">
+                <a:solidFill>
+                  <a:schemeClr val="tx1"/>
+                </a:solidFill>
+              </a:rPr>
+              <a:t>User </a:t>
+            </a:r>
+            <a:r>
+              <a:rPr lang="ja-JP" altLang="en-US" sz="1000" dirty="0" smtClean="0">
+                <a:solidFill>
+                  <a:schemeClr val="tx1"/>
+                </a:solidFill>
+              </a:rPr>
+              <a:t>実装クラス</a:t>
+            </a:r>
+            <a:endParaRPr lang="en-US" altLang="ja-JP" sz="1000" dirty="0" smtClean="0">
+              <a:solidFill>
+                <a:schemeClr val="tx1"/>
+              </a:solidFill>
+            </a:endParaRPr>
+          </a:p>
+          <a:p>
+            <a:pPr algn="ctr"/>
+            <a:endParaRPr lang="en-US" altLang="ja-JP" sz="1000" dirty="0" smtClean="0">
+              <a:solidFill>
+                <a:schemeClr val="tx1"/>
+              </a:solidFill>
+            </a:endParaRPr>
+          </a:p>
+          <a:p>
+            <a:pPr algn="ctr"/>
+            <a:r>
+              <a:rPr lang="en-US" altLang="ja-JP" sz="1000" dirty="0" smtClean="0">
+                <a:solidFill>
+                  <a:schemeClr val="tx1"/>
+                </a:solidFill>
+              </a:rPr>
+              <a:t>Accept</a:t>
+            </a:r>
+            <a:r>
+              <a:rPr lang="ja-JP" altLang="en-US" sz="1000" dirty="0" smtClean="0">
+                <a:solidFill>
+                  <a:schemeClr val="tx1"/>
+                </a:solidFill>
+              </a:rPr>
+              <a:t>に対応</a:t>
+            </a:r>
+            <a:r>
+              <a:rPr lang="ja-JP" altLang="en-US" sz="1000" dirty="0" smtClean="0">
+                <a:solidFill>
+                  <a:schemeClr val="tx1"/>
+                </a:solidFill>
+              </a:rPr>
+              <a:t>する</a:t>
+            </a:r>
+            <a:endParaRPr lang="en-US" altLang="ja-JP" sz="1000" dirty="0" smtClean="0">
+              <a:solidFill>
+                <a:schemeClr val="tx1"/>
+              </a:solidFill>
+            </a:endParaRPr>
+          </a:p>
+          <a:p>
+            <a:pPr algn="ctr"/>
+            <a:r>
+              <a:rPr lang="en-US" altLang="ja-JP" sz="1000" dirty="0" smtClean="0">
+                <a:solidFill>
+                  <a:schemeClr val="tx1"/>
+                </a:solidFill>
+              </a:rPr>
+              <a:t>client</a:t>
+            </a:r>
+            <a:r>
+              <a:rPr lang="ja-JP" altLang="en-US" sz="1000" dirty="0" smtClean="0">
+                <a:solidFill>
+                  <a:schemeClr val="tx1"/>
+                </a:solidFill>
+              </a:rPr>
+              <a:t>インスタンスの生成</a:t>
+            </a:r>
+            <a:endParaRPr lang="en-US" altLang="ja-JP" sz="1000" dirty="0" smtClean="0">
+              <a:solidFill>
+                <a:schemeClr val="tx1"/>
+              </a:solidFill>
+            </a:endParaRPr>
+          </a:p>
+          <a:p>
+            <a:pPr algn="ctr"/>
+            <a:r>
+              <a:rPr lang="en-US" altLang="ja-JP" sz="1000" dirty="0" err="1" smtClean="0">
+                <a:solidFill>
+                  <a:schemeClr val="tx1"/>
+                </a:solidFill>
+              </a:rPr>
+              <a:t>onAcceptClient</a:t>
+            </a:r>
+            <a:endParaRPr lang="en-US" altLang="ja-JP" sz="1000" dirty="0" smtClean="0">
+              <a:solidFill>
+                <a:schemeClr val="tx1"/>
+              </a:solidFill>
+            </a:endParaRPr>
+          </a:p>
+          <a:p>
+            <a:pPr algn="ctr"/>
+            <a:r>
+              <a:rPr lang="en-US" altLang="ja-JP" sz="1000" dirty="0" err="1">
+                <a:solidFill>
+                  <a:schemeClr val="tx1"/>
+                </a:solidFill>
+              </a:rPr>
+              <a:t>onRemoveClient</a:t>
+            </a:r>
+            <a:endParaRPr lang="en-US" altLang="ja-JP" sz="1000" dirty="0" smtClean="0">
+              <a:solidFill>
+                <a:schemeClr val="tx1"/>
+              </a:solidFill>
+            </a:endParaRPr>
+          </a:p>
+        </p:txBody>
+      </p:sp>
+      <p:sp>
+        <p:nvSpPr>
+          <p:cNvPr id="55" name="ひし形 54"/>
+          <p:cNvSpPr/>
+          <p:nvPr/>
+        </p:nvSpPr>
+        <p:spPr>
+          <a:xfrm>
+            <a:off x="1264582" y="2556620"/>
+            <a:ext cx="156119" cy="231039"/>
+          </a:xfrm>
+          <a:prstGeom prst="diamond">
+            <a:avLst/>
+          </a:prstGeom>
+          <a:solidFill>
+            <a:schemeClr val="bg1"/>
+          </a:solidFill>
+          <a:ln w="9525"/>
+        </p:spPr>
+        <p:style>
+          <a:lnRef idx="2">
+            <a:schemeClr val="accent1">
+              <a:shade val="50000"/>
+            </a:schemeClr>
+          </a:lnRef>
+          <a:fillRef idx="1">
+            <a:schemeClr val="accent1"/>
+          </a:fillRef>
+          <a:effectRef idx="0">
+            <a:schemeClr val="accent1"/>
+          </a:effectRef>
+          <a:fontRef idx="minor">
+            <a:schemeClr val="lt1"/>
+          </a:fontRef>
+        </p:style>
+        <p:txBody>
+          <a:bodyPr rtlCol="0" anchor="ctr"/>
+          <a:lstStyle/>
+          <a:p>
+            <a:pPr algn="ctr"/>
+            <a:endParaRPr kumimoji="1" lang="ja-JP" altLang="en-US"/>
+          </a:p>
+        </p:txBody>
+      </p:sp>
+      <p:cxnSp>
+        <p:nvCxnSpPr>
+          <p:cNvPr id="57" name="直線矢印コネクタ 56"/>
+          <p:cNvCxnSpPr>
+            <a:stCxn id="55" idx="2"/>
+            <a:endCxn id="48" idx="0"/>
+          </p:cNvCxnSpPr>
+          <p:nvPr/>
+        </p:nvCxnSpPr>
+        <p:spPr>
+          <a:xfrm>
+            <a:off x="1342642" y="2787659"/>
+            <a:ext cx="6051" cy="281301"/>
+          </a:xfrm>
+          <a:prstGeom prst="straightConnector1">
+            <a:avLst/>
+          </a:prstGeom>
+          <a:ln>
+            <a:headEnd type="none" w="med" len="med"/>
+            <a:tailEnd type="none" w="med" len="med"/>
+          </a:ln>
+        </p:spPr>
+        <p:style>
+          <a:lnRef idx="1">
+            <a:schemeClr val="accent1"/>
+          </a:lnRef>
+          <a:fillRef idx="0">
+            <a:schemeClr val="accent1"/>
+          </a:fillRef>
+          <a:effectRef idx="0">
+            <a:schemeClr val="accent1"/>
+          </a:effectRef>
+          <a:fontRef idx="minor">
+            <a:schemeClr val="tx1"/>
+          </a:fontRef>
+        </p:style>
+      </p:cxnSp>
+      <p:sp>
+        <p:nvSpPr>
+          <p:cNvPr id="58" name="正方形/長方形 57"/>
+          <p:cNvSpPr/>
+          <p:nvPr/>
+        </p:nvSpPr>
+        <p:spPr>
+          <a:xfrm>
+            <a:off x="1362757" y="2709307"/>
+            <a:ext cx="167621" cy="143629"/>
           </a:xfrm>
           <a:prstGeom prst="rect">
             <a:avLst/>
@@ -9375,6 +9804,742 @@
           </a:p>
         </p:txBody>
       </p:sp>
+      <p:sp>
+        <p:nvSpPr>
+          <p:cNvPr id="59" name="正方形/長方形 58"/>
+          <p:cNvSpPr/>
+          <p:nvPr/>
+        </p:nvSpPr>
+        <p:spPr>
+          <a:xfrm>
+            <a:off x="1362757" y="2904065"/>
+            <a:ext cx="360040" cy="143629"/>
+          </a:xfrm>
+          <a:prstGeom prst="rect">
+            <a:avLst/>
+          </a:prstGeom>
+          <a:noFill/>
+          <a:ln w="12700">
+            <a:noFill/>
+          </a:ln>
+        </p:spPr>
+        <p:style>
+          <a:lnRef idx="2">
+            <a:schemeClr val="accent1">
+              <a:shade val="50000"/>
+            </a:schemeClr>
+          </a:lnRef>
+          <a:fillRef idx="1">
+            <a:schemeClr val="accent1"/>
+          </a:fillRef>
+          <a:effectRef idx="0">
+            <a:schemeClr val="accent1"/>
+          </a:effectRef>
+          <a:fontRef idx="minor">
+            <a:schemeClr val="lt1"/>
+          </a:fontRef>
+        </p:style>
+        <p:txBody>
+          <a:bodyPr rtlCol="0" anchor="ctr"/>
+          <a:lstStyle/>
+          <a:p>
+            <a:pPr algn="ctr"/>
+            <a:r>
+              <a:rPr lang="en-US" altLang="ja-JP" sz="800" dirty="0" smtClean="0">
+                <a:solidFill>
+                  <a:schemeClr val="tx1"/>
+                </a:solidFill>
+                <a:latin typeface="Tahoma" panose="020B0604030504040204" pitchFamily="34" charset="0"/>
+                <a:ea typeface="Tahoma" panose="020B0604030504040204" pitchFamily="34" charset="0"/>
+                <a:cs typeface="Tahoma" panose="020B0604030504040204" pitchFamily="34" charset="0"/>
+              </a:rPr>
+              <a:t>0..1</a:t>
+            </a:r>
+            <a:endParaRPr kumimoji="1" lang="en-US" altLang="ja-JP" sz="800" dirty="0" smtClean="0">
+              <a:solidFill>
+                <a:schemeClr val="tx1"/>
+              </a:solidFill>
+              <a:latin typeface="Tahoma" panose="020B0604030504040204" pitchFamily="34" charset="0"/>
+              <a:ea typeface="Tahoma" panose="020B0604030504040204" pitchFamily="34" charset="0"/>
+              <a:cs typeface="Tahoma" panose="020B0604030504040204" pitchFamily="34" charset="0"/>
+            </a:endParaRPr>
+          </a:p>
+        </p:txBody>
+      </p:sp>
+      <p:sp>
+        <p:nvSpPr>
+          <p:cNvPr id="60" name="正方形/長方形 59"/>
+          <p:cNvSpPr/>
+          <p:nvPr/>
+        </p:nvSpPr>
+        <p:spPr>
+          <a:xfrm>
+            <a:off x="5459865" y="3498471"/>
+            <a:ext cx="1440160" cy="576064"/>
+          </a:xfrm>
+          <a:prstGeom prst="rect">
+            <a:avLst/>
+          </a:prstGeom>
+          <a:solidFill>
+            <a:schemeClr val="accent6">
+              <a:lumMod val="20000"/>
+              <a:lumOff val="80000"/>
+            </a:schemeClr>
+          </a:solidFill>
+          <a:ln w="9525">
+            <a:solidFill>
+              <a:schemeClr val="tx1"/>
+            </a:solidFill>
+          </a:ln>
+        </p:spPr>
+        <p:style>
+          <a:lnRef idx="2">
+            <a:schemeClr val="accent1">
+              <a:shade val="50000"/>
+            </a:schemeClr>
+          </a:lnRef>
+          <a:fillRef idx="1">
+            <a:schemeClr val="accent1"/>
+          </a:fillRef>
+          <a:effectRef idx="0">
+            <a:schemeClr val="accent1"/>
+          </a:effectRef>
+          <a:fontRef idx="minor">
+            <a:schemeClr val="lt1"/>
+          </a:fontRef>
+        </p:style>
+        <p:txBody>
+          <a:bodyPr rtlCol="0" anchor="ctr"/>
+          <a:lstStyle/>
+          <a:p>
+            <a:pPr algn="ctr"/>
+            <a:r>
+              <a:rPr lang="en-US" altLang="ja-JP" sz="1000" dirty="0" smtClean="0">
+                <a:solidFill>
+                  <a:schemeClr val="tx1"/>
+                </a:solidFill>
+              </a:rPr>
+              <a:t>&lt;&lt;interface&gt;&gt;</a:t>
+            </a:r>
+          </a:p>
+          <a:p>
+            <a:pPr algn="ctr"/>
+            <a:r>
+              <a:rPr lang="en-US" altLang="ja-JP" sz="1000" dirty="0" err="1" smtClean="0">
+                <a:solidFill>
+                  <a:schemeClr val="tx1"/>
+                </a:solidFill>
+              </a:rPr>
+              <a:t>CAsyncProcProxy</a:t>
+            </a:r>
+            <a:r>
+              <a:rPr lang="en-US" altLang="ja-JP" sz="1000" dirty="0" smtClean="0">
+                <a:solidFill>
+                  <a:schemeClr val="tx1"/>
+                </a:solidFill>
+              </a:rPr>
+              <a:t>::</a:t>
+            </a:r>
+          </a:p>
+          <a:p>
+            <a:pPr algn="ctr"/>
+            <a:r>
+              <a:rPr kumimoji="1" lang="en-US" altLang="ja-JP" sz="1000" dirty="0" err="1" smtClean="0">
+                <a:solidFill>
+                  <a:schemeClr val="tx1"/>
+                </a:solidFill>
+              </a:rPr>
+              <a:t>IAsyncHandler</a:t>
+            </a:r>
+            <a:endParaRPr kumimoji="1" lang="ja-JP" altLang="en-US" sz="1000" dirty="0">
+              <a:solidFill>
+                <a:schemeClr val="tx1"/>
+              </a:solidFill>
+            </a:endParaRPr>
+          </a:p>
+        </p:txBody>
+      </p:sp>
+      <p:sp>
+        <p:nvSpPr>
+          <p:cNvPr id="67" name="二等辺三角形 66"/>
+          <p:cNvSpPr/>
+          <p:nvPr/>
+        </p:nvSpPr>
+        <p:spPr>
+          <a:xfrm>
+            <a:off x="5703336" y="4090235"/>
+            <a:ext cx="144016" cy="192021"/>
+          </a:xfrm>
+          <a:prstGeom prst="triangle">
+            <a:avLst/>
+          </a:prstGeom>
+          <a:solidFill>
+            <a:schemeClr val="bg1"/>
+          </a:solidFill>
+          <a:ln w="9525">
+            <a:solidFill>
+              <a:schemeClr val="accent1"/>
+            </a:solidFill>
+          </a:ln>
+        </p:spPr>
+        <p:style>
+          <a:lnRef idx="2">
+            <a:schemeClr val="accent1">
+              <a:shade val="50000"/>
+            </a:schemeClr>
+          </a:lnRef>
+          <a:fillRef idx="1">
+            <a:schemeClr val="accent1"/>
+          </a:fillRef>
+          <a:effectRef idx="0">
+            <a:schemeClr val="accent1"/>
+          </a:effectRef>
+          <a:fontRef idx="minor">
+            <a:schemeClr val="lt1"/>
+          </a:fontRef>
+        </p:style>
+        <p:txBody>
+          <a:bodyPr rtlCol="0" anchor="ctr"/>
+          <a:lstStyle/>
+          <a:p>
+            <a:pPr algn="ctr"/>
+            <a:endParaRPr kumimoji="1" lang="ja-JP" altLang="en-US"/>
+          </a:p>
+        </p:txBody>
+      </p:sp>
+      <p:cxnSp>
+        <p:nvCxnSpPr>
+          <p:cNvPr id="69" name="カギ線コネクタ 68"/>
+          <p:cNvCxnSpPr>
+            <a:stCxn id="67" idx="3"/>
+            <a:endCxn id="87" idx="3"/>
+          </p:cNvCxnSpPr>
+          <p:nvPr/>
+        </p:nvCxnSpPr>
+        <p:spPr>
+          <a:xfrm rot="5400000">
+            <a:off x="5204256" y="3866024"/>
+            <a:ext cx="154856" cy="987320"/>
+          </a:xfrm>
+          <a:prstGeom prst="bentConnector2">
+            <a:avLst/>
+          </a:prstGeom>
+          <a:ln>
+            <a:prstDash val="dash"/>
+          </a:ln>
+        </p:spPr>
+        <p:style>
+          <a:lnRef idx="1">
+            <a:schemeClr val="accent1"/>
+          </a:lnRef>
+          <a:fillRef idx="0">
+            <a:schemeClr val="accent1"/>
+          </a:fillRef>
+          <a:effectRef idx="0">
+            <a:schemeClr val="accent1"/>
+          </a:effectRef>
+          <a:fontRef idx="minor">
+            <a:schemeClr val="tx1"/>
+          </a:fontRef>
+        </p:style>
+      </p:cxnSp>
+      <p:sp>
+        <p:nvSpPr>
+          <p:cNvPr id="75" name="ひし形 74"/>
+          <p:cNvSpPr/>
+          <p:nvPr/>
+        </p:nvSpPr>
+        <p:spPr>
+          <a:xfrm>
+            <a:off x="5821741" y="3072873"/>
+            <a:ext cx="149697" cy="211657"/>
+          </a:xfrm>
+          <a:prstGeom prst="diamond">
+            <a:avLst/>
+          </a:prstGeom>
+          <a:solidFill>
+            <a:schemeClr val="accent1"/>
+          </a:solidFill>
+          <a:ln w="9525"/>
+        </p:spPr>
+        <p:style>
+          <a:lnRef idx="2">
+            <a:schemeClr val="accent1">
+              <a:shade val="50000"/>
+            </a:schemeClr>
+          </a:lnRef>
+          <a:fillRef idx="1">
+            <a:schemeClr val="accent1"/>
+          </a:fillRef>
+          <a:effectRef idx="0">
+            <a:schemeClr val="accent1"/>
+          </a:effectRef>
+          <a:fontRef idx="minor">
+            <a:schemeClr val="lt1"/>
+          </a:fontRef>
+        </p:style>
+        <p:txBody>
+          <a:bodyPr rtlCol="0" anchor="ctr"/>
+          <a:lstStyle/>
+          <a:p>
+            <a:pPr algn="ctr"/>
+            <a:endParaRPr kumimoji="1" lang="ja-JP" altLang="en-US"/>
+          </a:p>
+        </p:txBody>
+      </p:sp>
+      <p:cxnSp>
+        <p:nvCxnSpPr>
+          <p:cNvPr id="77" name="カギ線コネクタ 76"/>
+          <p:cNvCxnSpPr>
+            <a:stCxn id="60" idx="0"/>
+            <a:endCxn id="75" idx="2"/>
+          </p:cNvCxnSpPr>
+          <p:nvPr/>
+        </p:nvCxnSpPr>
+        <p:spPr>
+          <a:xfrm rot="16200000" flipV="1">
+            <a:off x="5931298" y="3249823"/>
+            <a:ext cx="213941" cy="283355"/>
+          </a:xfrm>
+          <a:prstGeom prst="bentConnector3">
+            <a:avLst>
+              <a:gd name="adj1" fmla="val 50000"/>
+            </a:avLst>
+          </a:prstGeom>
+          <a:ln>
+            <a:headEnd type="none" w="med" len="med"/>
+            <a:tailEnd type="none" w="med" len="med"/>
+          </a:ln>
+        </p:spPr>
+        <p:style>
+          <a:lnRef idx="1">
+            <a:schemeClr val="accent1"/>
+          </a:lnRef>
+          <a:fillRef idx="0">
+            <a:schemeClr val="accent1"/>
+          </a:fillRef>
+          <a:effectRef idx="0">
+            <a:schemeClr val="accent1"/>
+          </a:effectRef>
+          <a:fontRef idx="minor">
+            <a:schemeClr val="tx1"/>
+          </a:fontRef>
+        </p:style>
+      </p:cxnSp>
+      <p:sp>
+        <p:nvSpPr>
+          <p:cNvPr id="78" name="正方形/長方形 77"/>
+          <p:cNvSpPr/>
+          <p:nvPr/>
+        </p:nvSpPr>
+        <p:spPr>
+          <a:xfrm>
+            <a:off x="5940152" y="3069347"/>
+            <a:ext cx="167621" cy="143629"/>
+          </a:xfrm>
+          <a:prstGeom prst="rect">
+            <a:avLst/>
+          </a:prstGeom>
+          <a:noFill/>
+          <a:ln w="12700">
+            <a:noFill/>
+          </a:ln>
+        </p:spPr>
+        <p:style>
+          <a:lnRef idx="2">
+            <a:schemeClr val="accent1">
+              <a:shade val="50000"/>
+            </a:schemeClr>
+          </a:lnRef>
+          <a:fillRef idx="1">
+            <a:schemeClr val="accent1"/>
+          </a:fillRef>
+          <a:effectRef idx="0">
+            <a:schemeClr val="accent1"/>
+          </a:effectRef>
+          <a:fontRef idx="minor">
+            <a:schemeClr val="lt1"/>
+          </a:fontRef>
+        </p:style>
+        <p:txBody>
+          <a:bodyPr rtlCol="0" anchor="ctr"/>
+          <a:lstStyle/>
+          <a:p>
+            <a:pPr algn="ctr"/>
+            <a:r>
+              <a:rPr lang="en-US" altLang="ja-JP" sz="800" dirty="0">
+                <a:solidFill>
+                  <a:schemeClr val="tx1"/>
+                </a:solidFill>
+                <a:latin typeface="Tahoma" panose="020B0604030504040204" pitchFamily="34" charset="0"/>
+                <a:ea typeface="Tahoma" panose="020B0604030504040204" pitchFamily="34" charset="0"/>
+                <a:cs typeface="Tahoma" panose="020B0604030504040204" pitchFamily="34" charset="0"/>
+              </a:rPr>
+              <a:t>1</a:t>
+            </a:r>
+            <a:endParaRPr kumimoji="1" lang="en-US" altLang="ja-JP" sz="800" dirty="0" smtClean="0">
+              <a:solidFill>
+                <a:schemeClr val="tx1"/>
+              </a:solidFill>
+              <a:latin typeface="Tahoma" panose="020B0604030504040204" pitchFamily="34" charset="0"/>
+              <a:ea typeface="Tahoma" panose="020B0604030504040204" pitchFamily="34" charset="0"/>
+              <a:cs typeface="Tahoma" panose="020B0604030504040204" pitchFamily="34" charset="0"/>
+            </a:endParaRPr>
+          </a:p>
+        </p:txBody>
+      </p:sp>
+      <p:sp>
+        <p:nvSpPr>
+          <p:cNvPr id="79" name="正方形/長方形 78"/>
+          <p:cNvSpPr/>
+          <p:nvPr/>
+        </p:nvSpPr>
+        <p:spPr>
+          <a:xfrm>
+            <a:off x="6204579" y="3357379"/>
+            <a:ext cx="167621" cy="143629"/>
+          </a:xfrm>
+          <a:prstGeom prst="rect">
+            <a:avLst/>
+          </a:prstGeom>
+          <a:noFill/>
+          <a:ln w="12700">
+            <a:noFill/>
+          </a:ln>
+        </p:spPr>
+        <p:style>
+          <a:lnRef idx="2">
+            <a:schemeClr val="accent1">
+              <a:shade val="50000"/>
+            </a:schemeClr>
+          </a:lnRef>
+          <a:fillRef idx="1">
+            <a:schemeClr val="accent1"/>
+          </a:fillRef>
+          <a:effectRef idx="0">
+            <a:schemeClr val="accent1"/>
+          </a:effectRef>
+          <a:fontRef idx="minor">
+            <a:schemeClr val="lt1"/>
+          </a:fontRef>
+        </p:style>
+        <p:txBody>
+          <a:bodyPr rtlCol="0" anchor="ctr"/>
+          <a:lstStyle/>
+          <a:p>
+            <a:pPr algn="ctr"/>
+            <a:r>
+              <a:rPr lang="en-US" altLang="ja-JP" sz="800" dirty="0">
+                <a:solidFill>
+                  <a:schemeClr val="tx1"/>
+                </a:solidFill>
+                <a:latin typeface="Tahoma" panose="020B0604030504040204" pitchFamily="34" charset="0"/>
+                <a:ea typeface="Tahoma" panose="020B0604030504040204" pitchFamily="34" charset="0"/>
+                <a:cs typeface="Tahoma" panose="020B0604030504040204" pitchFamily="34" charset="0"/>
+              </a:rPr>
+              <a:t>1</a:t>
+            </a:r>
+            <a:endParaRPr kumimoji="1" lang="en-US" altLang="ja-JP" sz="800" dirty="0" smtClean="0">
+              <a:solidFill>
+                <a:schemeClr val="tx1"/>
+              </a:solidFill>
+              <a:latin typeface="Tahoma" panose="020B0604030504040204" pitchFamily="34" charset="0"/>
+              <a:ea typeface="Tahoma" panose="020B0604030504040204" pitchFamily="34" charset="0"/>
+              <a:cs typeface="Tahoma" panose="020B0604030504040204" pitchFamily="34" charset="0"/>
+            </a:endParaRPr>
+          </a:p>
+        </p:txBody>
+      </p:sp>
+      <p:sp>
+        <p:nvSpPr>
+          <p:cNvPr id="99" name="正方形/長方形 98"/>
+          <p:cNvSpPr/>
+          <p:nvPr/>
+        </p:nvSpPr>
+        <p:spPr>
+          <a:xfrm>
+            <a:off x="7943881" y="4928064"/>
+            <a:ext cx="383645" cy="143629"/>
+          </a:xfrm>
+          <a:prstGeom prst="rect">
+            <a:avLst/>
+          </a:prstGeom>
+          <a:noFill/>
+          <a:ln w="12700">
+            <a:noFill/>
+          </a:ln>
+        </p:spPr>
+        <p:style>
+          <a:lnRef idx="2">
+            <a:schemeClr val="accent1">
+              <a:shade val="50000"/>
+            </a:schemeClr>
+          </a:lnRef>
+          <a:fillRef idx="1">
+            <a:schemeClr val="accent1"/>
+          </a:fillRef>
+          <a:effectRef idx="0">
+            <a:schemeClr val="accent1"/>
+          </a:effectRef>
+          <a:fontRef idx="minor">
+            <a:schemeClr val="lt1"/>
+          </a:fontRef>
+        </p:style>
+        <p:txBody>
+          <a:bodyPr rtlCol="0" anchor="ctr"/>
+          <a:lstStyle/>
+          <a:p>
+            <a:pPr algn="ctr"/>
+            <a:r>
+              <a:rPr lang="en-US" altLang="ja-JP" sz="800" dirty="0" smtClean="0">
+                <a:solidFill>
+                  <a:schemeClr val="tx1"/>
+                </a:solidFill>
+                <a:latin typeface="Tahoma" panose="020B0604030504040204" pitchFamily="34" charset="0"/>
+                <a:ea typeface="Tahoma" panose="020B0604030504040204" pitchFamily="34" charset="0"/>
+                <a:cs typeface="Tahoma" panose="020B0604030504040204" pitchFamily="34" charset="0"/>
+              </a:rPr>
+              <a:t>1..*</a:t>
+            </a:r>
+            <a:endParaRPr kumimoji="1" lang="en-US" altLang="ja-JP" sz="800" dirty="0" smtClean="0">
+              <a:solidFill>
+                <a:schemeClr val="tx1"/>
+              </a:solidFill>
+              <a:latin typeface="Tahoma" panose="020B0604030504040204" pitchFamily="34" charset="0"/>
+              <a:ea typeface="Tahoma" panose="020B0604030504040204" pitchFamily="34" charset="0"/>
+              <a:cs typeface="Tahoma" panose="020B0604030504040204" pitchFamily="34" charset="0"/>
+            </a:endParaRPr>
+          </a:p>
+        </p:txBody>
+      </p:sp>
+      <p:sp>
+        <p:nvSpPr>
+          <p:cNvPr id="100" name="ひし形 99"/>
+          <p:cNvSpPr/>
+          <p:nvPr/>
+        </p:nvSpPr>
+        <p:spPr>
+          <a:xfrm>
+            <a:off x="4788024" y="4495096"/>
+            <a:ext cx="290293" cy="158040"/>
+          </a:xfrm>
+          <a:prstGeom prst="diamond">
+            <a:avLst/>
+          </a:prstGeom>
+          <a:solidFill>
+            <a:schemeClr val="accent1"/>
+          </a:solidFill>
+          <a:ln w="9525"/>
+        </p:spPr>
+        <p:style>
+          <a:lnRef idx="2">
+            <a:schemeClr val="accent1">
+              <a:shade val="50000"/>
+            </a:schemeClr>
+          </a:lnRef>
+          <a:fillRef idx="1">
+            <a:schemeClr val="accent1"/>
+          </a:fillRef>
+          <a:effectRef idx="0">
+            <a:schemeClr val="accent1"/>
+          </a:effectRef>
+          <a:fontRef idx="minor">
+            <a:schemeClr val="lt1"/>
+          </a:fontRef>
+        </p:style>
+        <p:txBody>
+          <a:bodyPr rtlCol="0" anchor="ctr"/>
+          <a:lstStyle/>
+          <a:p>
+            <a:pPr algn="ctr"/>
+            <a:endParaRPr kumimoji="1" lang="ja-JP" altLang="en-US"/>
+          </a:p>
+        </p:txBody>
+      </p:sp>
+      <p:cxnSp>
+        <p:nvCxnSpPr>
+          <p:cNvPr id="101" name="カギ線コネクタ 100"/>
+          <p:cNvCxnSpPr>
+            <a:stCxn id="100" idx="3"/>
+          </p:cNvCxnSpPr>
+          <p:nvPr/>
+        </p:nvCxnSpPr>
+        <p:spPr>
+          <a:xfrm>
+            <a:off x="5078317" y="4574116"/>
+            <a:ext cx="2115603" cy="820704"/>
+          </a:xfrm>
+          <a:prstGeom prst="bentConnector3">
+            <a:avLst>
+              <a:gd name="adj1" fmla="val 32892"/>
+            </a:avLst>
+          </a:prstGeom>
+          <a:ln>
+            <a:headEnd type="none" w="med" len="med"/>
+            <a:tailEnd type="none" w="med" len="med"/>
+          </a:ln>
+        </p:spPr>
+        <p:style>
+          <a:lnRef idx="1">
+            <a:schemeClr val="accent1"/>
+          </a:lnRef>
+          <a:fillRef idx="0">
+            <a:schemeClr val="accent1"/>
+          </a:fillRef>
+          <a:effectRef idx="0">
+            <a:schemeClr val="accent1"/>
+          </a:effectRef>
+          <a:fontRef idx="minor">
+            <a:schemeClr val="tx1"/>
+          </a:fontRef>
+        </p:style>
+      </p:cxnSp>
+      <p:sp>
+        <p:nvSpPr>
+          <p:cNvPr id="105" name="正方形/長方形 104"/>
+          <p:cNvSpPr/>
+          <p:nvPr/>
+        </p:nvSpPr>
+        <p:spPr>
+          <a:xfrm>
+            <a:off x="5004048" y="4653523"/>
+            <a:ext cx="167621" cy="143629"/>
+          </a:xfrm>
+          <a:prstGeom prst="rect">
+            <a:avLst/>
+          </a:prstGeom>
+          <a:noFill/>
+          <a:ln w="12700">
+            <a:noFill/>
+          </a:ln>
+        </p:spPr>
+        <p:style>
+          <a:lnRef idx="2">
+            <a:schemeClr val="accent1">
+              <a:shade val="50000"/>
+            </a:schemeClr>
+          </a:lnRef>
+          <a:fillRef idx="1">
+            <a:schemeClr val="accent1"/>
+          </a:fillRef>
+          <a:effectRef idx="0">
+            <a:schemeClr val="accent1"/>
+          </a:effectRef>
+          <a:fontRef idx="minor">
+            <a:schemeClr val="lt1"/>
+          </a:fontRef>
+        </p:style>
+        <p:txBody>
+          <a:bodyPr rtlCol="0" anchor="ctr"/>
+          <a:lstStyle/>
+          <a:p>
+            <a:pPr algn="ctr"/>
+            <a:r>
+              <a:rPr kumimoji="1" lang="en-US" altLang="ja-JP" sz="800" dirty="0" smtClean="0">
+                <a:solidFill>
+                  <a:schemeClr val="tx1"/>
+                </a:solidFill>
+                <a:latin typeface="Tahoma" panose="020B0604030504040204" pitchFamily="34" charset="0"/>
+                <a:ea typeface="Tahoma" panose="020B0604030504040204" pitchFamily="34" charset="0"/>
+                <a:cs typeface="Tahoma" panose="020B0604030504040204" pitchFamily="34" charset="0"/>
+              </a:rPr>
+              <a:t>1</a:t>
+            </a:r>
+          </a:p>
+        </p:txBody>
+      </p:sp>
+      <p:sp>
+        <p:nvSpPr>
+          <p:cNvPr id="110" name="正方形/長方形 109"/>
+          <p:cNvSpPr/>
+          <p:nvPr/>
+        </p:nvSpPr>
+        <p:spPr>
+          <a:xfrm>
+            <a:off x="6958089" y="5224439"/>
+            <a:ext cx="167621" cy="143629"/>
+          </a:xfrm>
+          <a:prstGeom prst="rect">
+            <a:avLst/>
+          </a:prstGeom>
+          <a:noFill/>
+          <a:ln w="12700">
+            <a:noFill/>
+          </a:ln>
+        </p:spPr>
+        <p:style>
+          <a:lnRef idx="2">
+            <a:schemeClr val="accent1">
+              <a:shade val="50000"/>
+            </a:schemeClr>
+          </a:lnRef>
+          <a:fillRef idx="1">
+            <a:schemeClr val="accent1"/>
+          </a:fillRef>
+          <a:effectRef idx="0">
+            <a:schemeClr val="accent1"/>
+          </a:effectRef>
+          <a:fontRef idx="minor">
+            <a:schemeClr val="lt1"/>
+          </a:fontRef>
+        </p:style>
+        <p:txBody>
+          <a:bodyPr rtlCol="0" anchor="ctr"/>
+          <a:lstStyle/>
+          <a:p>
+            <a:pPr algn="ctr"/>
+            <a:r>
+              <a:rPr kumimoji="1" lang="en-US" altLang="ja-JP" sz="800" dirty="0" smtClean="0">
+                <a:solidFill>
+                  <a:schemeClr val="tx1"/>
+                </a:solidFill>
+                <a:latin typeface="Tahoma" panose="020B0604030504040204" pitchFamily="34" charset="0"/>
+                <a:ea typeface="Tahoma" panose="020B0604030504040204" pitchFamily="34" charset="0"/>
+                <a:cs typeface="Tahoma" panose="020B0604030504040204" pitchFamily="34" charset="0"/>
+              </a:rPr>
+              <a:t>1</a:t>
+            </a:r>
+          </a:p>
+        </p:txBody>
+      </p:sp>
+      <p:cxnSp>
+        <p:nvCxnSpPr>
+          <p:cNvPr id="111" name="カギ線コネクタ 110"/>
+          <p:cNvCxnSpPr>
+            <a:endCxn id="90" idx="3"/>
+          </p:cNvCxnSpPr>
+          <p:nvPr/>
+        </p:nvCxnSpPr>
+        <p:spPr>
+          <a:xfrm rot="10800000" flipV="1">
+            <a:off x="5183232" y="5645146"/>
+            <a:ext cx="2010688" cy="52106"/>
+          </a:xfrm>
+          <a:prstGeom prst="bentConnector3">
+            <a:avLst>
+              <a:gd name="adj1" fmla="val 50000"/>
+            </a:avLst>
+          </a:prstGeom>
+          <a:ln>
+            <a:prstDash val="dash"/>
+            <a:tailEnd type="arrow"/>
+          </a:ln>
+        </p:spPr>
+        <p:style>
+          <a:lnRef idx="1">
+            <a:schemeClr val="accent1"/>
+          </a:lnRef>
+          <a:fillRef idx="0">
+            <a:schemeClr val="accent1"/>
+          </a:fillRef>
+          <a:effectRef idx="0">
+            <a:schemeClr val="accent1"/>
+          </a:effectRef>
+          <a:fontRef idx="minor">
+            <a:schemeClr val="tx1"/>
+          </a:fontRef>
+        </p:style>
+      </p:cxnSp>
     </p:spTree>
     <p:extLst>
       <p:ext uri="{BB962C8B-B14F-4D97-AF65-F5344CB8AC3E}">
@@ -9536,8 +10701,8 @@
         </p:nvSpPr>
         <p:spPr>
           <a:xfrm>
-            <a:off x="3111853" y="3653741"/>
-            <a:ext cx="419299" cy="287259"/>
+            <a:off x="1312588" y="2944769"/>
+            <a:ext cx="843375" cy="287259"/>
           </a:xfrm>
           <a:prstGeom prst="rect">
             <a:avLst/>
@@ -9569,12 +10734,12 @@
           <a:p>
             <a:pPr algn="ctr"/>
             <a:r>
-              <a:rPr kumimoji="1" lang="en-US" altLang="ja-JP" sz="800" dirty="0" smtClean="0">
-                <a:solidFill>
-                  <a:schemeClr val="tx1"/>
-                </a:solidFill>
-              </a:rPr>
-              <a:t>1</a:t>
+              <a:rPr lang="ja-JP" altLang="en-US" sz="800" dirty="0" smtClean="0">
+                <a:solidFill>
+                  <a:schemeClr val="tx1"/>
+                </a:solidFill>
+              </a:rPr>
+              <a:t>通信</a:t>
             </a:r>
             <a:r>
               <a:rPr lang="en-US" altLang="ja-JP" sz="800" dirty="0" smtClean="0">
@@ -9582,7 +10747,7 @@
                   <a:schemeClr val="tx1"/>
                 </a:solidFill>
               </a:rPr>
-              <a:t>byte</a:t>
+              <a:t>ID</a:t>
             </a:r>
             <a:endParaRPr kumimoji="1" lang="en-US" altLang="ja-JP" sz="800" dirty="0" smtClean="0">
               <a:solidFill>
@@ -9890,7 +11055,7 @@
         </p:nvSpPr>
         <p:spPr>
           <a:xfrm>
-            <a:off x="2987824" y="3363647"/>
+            <a:off x="411099" y="3364707"/>
             <a:ext cx="645062" cy="288032"/>
           </a:xfrm>
           <a:prstGeom prst="rect">
@@ -10049,8 +11214,8 @@
         </p:nvSpPr>
         <p:spPr>
           <a:xfrm>
-            <a:off x="3625433" y="3363648"/>
-            <a:ext cx="654539" cy="288032"/>
+            <a:off x="3954802" y="3363648"/>
+            <a:ext cx="325169" cy="288032"/>
           </a:xfrm>
           <a:prstGeom prst="rect">
             <a:avLst/>
@@ -10084,12 +11249,87 @@
           <a:p>
             <a:pPr algn="ctr"/>
             <a:r>
+              <a:rPr lang="en-US" altLang="ja-JP" sz="500" dirty="0" smtClean="0">
+                <a:solidFill>
+                  <a:schemeClr val="tx1"/>
+                </a:solidFill>
+              </a:rPr>
+              <a:t>Type</a:t>
+            </a:r>
+          </a:p>
+          <a:p>
+            <a:pPr algn="ctr"/>
+            <a:r>
+              <a:rPr kumimoji="1" lang="en-US" altLang="ja-JP" sz="500" dirty="0" smtClean="0">
+                <a:solidFill>
+                  <a:schemeClr val="tx1"/>
+                </a:solidFill>
+              </a:rPr>
+              <a:t>(4bit)</a:t>
+            </a:r>
+            <a:endParaRPr kumimoji="1" lang="en-US" altLang="ja-JP" sz="500" dirty="0" smtClean="0">
+              <a:solidFill>
+                <a:schemeClr val="tx1"/>
+              </a:solidFill>
+            </a:endParaRPr>
+          </a:p>
+        </p:txBody>
+      </p:sp>
+      <p:sp>
+        <p:nvSpPr>
+          <p:cNvPr id="20" name="正方形/長方形 19"/>
+          <p:cNvSpPr/>
+          <p:nvPr/>
+        </p:nvSpPr>
+        <p:spPr>
+          <a:xfrm>
+            <a:off x="2060105" y="4654548"/>
+            <a:ext cx="419299" cy="287259"/>
+          </a:xfrm>
+          <a:prstGeom prst="rect">
+            <a:avLst/>
+          </a:prstGeom>
+          <a:noFill/>
+          <a:ln w="12700">
+            <a:noFill/>
+          </a:ln>
+        </p:spPr>
+        <p:style>
+          <a:lnRef idx="2">
+            <a:schemeClr val="accent1">
+              <a:shade val="50000"/>
+            </a:schemeClr>
+          </a:lnRef>
+          <a:fillRef idx="1">
+            <a:schemeClr val="accent1"/>
+          </a:fillRef>
+          <a:effectRef idx="0">
+            <a:schemeClr val="accent1"/>
+          </a:effectRef>
+          <a:fontRef idx="minor">
+            <a:schemeClr val="lt1"/>
+          </a:fontRef>
+        </p:style>
+        <p:txBody>
+          <a:bodyPr rtlCol="0" anchor="ctr"/>
+          <a:lstStyle/>
+          <a:p>
+            <a:pPr algn="ctr"/>
+            <a:r>
+              <a:rPr kumimoji="1" lang="en-US" altLang="ja-JP" sz="800" dirty="0" smtClean="0">
+                <a:solidFill>
+                  <a:schemeClr val="tx1"/>
+                </a:solidFill>
+              </a:rPr>
+              <a:t>1</a:t>
+            </a:r>
+            <a:r>
               <a:rPr lang="en-US" altLang="ja-JP" sz="800" dirty="0" smtClean="0">
                 <a:solidFill>
                   <a:schemeClr val="tx1"/>
                 </a:solidFill>
               </a:rPr>
-              <a:t>Type</a:t>
+              <a:t>byte</a:t>
             </a:r>
             <a:endParaRPr kumimoji="1" lang="en-US" altLang="ja-JP" sz="800" dirty="0" smtClean="0">
               <a:solidFill>
@@ -10101,13 +11341,66 @@
       </p:sp>
       <p:sp>
         <p:nvSpPr>
-          <p:cNvPr id="20" name="正方形/長方形 19"/>
+          <p:cNvPr id="21" name="正方形/長方形 20"/>
           <p:cNvSpPr/>
           <p:nvPr/>
         </p:nvSpPr>
         <p:spPr>
           <a:xfrm>
-            <a:off x="2060105" y="4654548"/>
+            <a:off x="6212944" y="3363647"/>
+            <a:ext cx="645062" cy="288032"/>
+          </a:xfrm>
+          <a:prstGeom prst="rect">
+            <a:avLst/>
+          </a:prstGeom>
+          <a:solidFill>
+            <a:schemeClr val="bg1">
+              <a:lumMod val="75000"/>
+            </a:schemeClr>
+          </a:solidFill>
+          <a:ln w="12700"/>
+        </p:spPr>
+        <p:style>
+          <a:lnRef idx="2">
+            <a:schemeClr val="accent1">
+              <a:shade val="50000"/>
+            </a:schemeClr>
+          </a:lnRef>
+          <a:fillRef idx="1">
+            <a:schemeClr val="accent1"/>
+          </a:fillRef>
+          <a:effectRef idx="0">
+            <a:schemeClr val="accent1"/>
+          </a:effectRef>
+          <a:fontRef idx="minor">
+            <a:schemeClr val="lt1"/>
+          </a:fontRef>
+        </p:style>
+        <p:txBody>
+          <a:bodyPr rtlCol="0" anchor="ctr"/>
+          <a:lstStyle/>
+          <a:p>
+            <a:pPr algn="ctr"/>
+            <a:r>
+              <a:rPr kumimoji="1" lang="en-US" altLang="ja-JP" sz="800" dirty="0" smtClean="0">
+                <a:solidFill>
+                  <a:schemeClr val="tx1"/>
+                </a:solidFill>
+              </a:rPr>
+              <a:t>Size</a:t>
+            </a:r>
+          </a:p>
+        </p:txBody>
+      </p:sp>
+      <p:sp>
+        <p:nvSpPr>
+          <p:cNvPr id="22" name="正方形/長方形 21"/>
+          <p:cNvSpPr/>
+          <p:nvPr/>
+        </p:nvSpPr>
+        <p:spPr>
+          <a:xfrm>
+            <a:off x="3989587" y="4673679"/>
             <a:ext cx="419299" cy="287259"/>
           </a:xfrm>
           <a:prstGeom prst="rect">
@@ -10145,15 +11438,60 @@
                   <a:schemeClr val="tx1"/>
                 </a:solidFill>
               </a:rPr>
-              <a:t>1</a:t>
-            </a:r>
+              <a:t>1byte</a:t>
+            </a:r>
+          </a:p>
+        </p:txBody>
+      </p:sp>
+      <p:sp>
+        <p:nvSpPr>
+          <p:cNvPr id="23" name="正方形/長方形 22"/>
+          <p:cNvSpPr/>
+          <p:nvPr/>
+        </p:nvSpPr>
+        <p:spPr>
+          <a:xfrm>
+            <a:off x="3882488" y="4372947"/>
+            <a:ext cx="645062" cy="288032"/>
+          </a:xfrm>
+          <a:prstGeom prst="rect">
+            <a:avLst/>
+          </a:prstGeom>
+          <a:solidFill>
+            <a:schemeClr val="bg1">
+              <a:lumMod val="75000"/>
+            </a:schemeClr>
+          </a:solidFill>
+          <a:ln w="12700"/>
+        </p:spPr>
+        <p:style>
+          <a:lnRef idx="2">
+            <a:schemeClr val="accent1">
+              <a:shade val="50000"/>
+            </a:schemeClr>
+          </a:lnRef>
+          <a:fillRef idx="1">
+            <a:schemeClr val="accent1"/>
+          </a:fillRef>
+          <a:effectRef idx="0">
+            <a:schemeClr val="accent1"/>
+          </a:effectRef>
+          <a:fontRef idx="minor">
+            <a:schemeClr val="lt1"/>
+          </a:fontRef>
+        </p:style>
+        <p:txBody>
+          <a:bodyPr rtlCol="0" anchor="ctr"/>
+          <a:lstStyle/>
+          <a:p>
+            <a:pPr algn="ctr"/>
             <a:r>
               <a:rPr lang="en-US" altLang="ja-JP" sz="800" dirty="0" smtClean="0">
                 <a:solidFill>
                   <a:schemeClr val="tx1"/>
                 </a:solidFill>
               </a:rPr>
-              <a:t>byte</a:t>
+              <a:t>Size</a:t>
             </a:r>
             <a:endParaRPr kumimoji="1" lang="en-US" altLang="ja-JP" sz="800" dirty="0" smtClean="0">
               <a:solidFill>
@@ -10165,14 +11503,14 @@
       </p:sp>
       <p:sp>
         <p:nvSpPr>
-          <p:cNvPr id="21" name="正方形/長方形 20"/>
+          <p:cNvPr id="24" name="正方形/長方形 23"/>
           <p:cNvSpPr/>
           <p:nvPr/>
         </p:nvSpPr>
         <p:spPr>
           <a:xfrm>
-            <a:off x="6212944" y="3363647"/>
-            <a:ext cx="645062" cy="288032"/>
+            <a:off x="4527550" y="4372947"/>
+            <a:ext cx="2062832" cy="288032"/>
           </a:xfrm>
           <a:prstGeom prst="rect">
             <a:avLst/>
@@ -10206,116 +11544,12 @@
           <a:p>
             <a:pPr algn="ctr"/>
             <a:r>
-              <a:rPr kumimoji="1" lang="en-US" altLang="ja-JP" sz="800" dirty="0" smtClean="0">
-                <a:solidFill>
-                  <a:schemeClr val="tx1"/>
-                </a:solidFill>
-              </a:rPr>
-              <a:t>Size</a:t>
-            </a:r>
-          </a:p>
-        </p:txBody>
-      </p:sp>
-      <p:sp>
-        <p:nvSpPr>
-          <p:cNvPr id="22" name="正方形/長方形 21"/>
-          <p:cNvSpPr/>
-          <p:nvPr/>
-        </p:nvSpPr>
-        <p:spPr>
-          <a:xfrm>
-            <a:off x="3989587" y="4673679"/>
-            <a:ext cx="419299" cy="287259"/>
-          </a:xfrm>
-          <a:prstGeom prst="rect">
-            <a:avLst/>
-          </a:prstGeom>
-          <a:noFill/>
-          <a:ln w="12700">
-            <a:noFill/>
-          </a:ln>
-        </p:spPr>
-        <p:style>
-          <a:lnRef idx="2">
-            <a:schemeClr val="accent1">
-              <a:shade val="50000"/>
-            </a:schemeClr>
-          </a:lnRef>
-          <a:fillRef idx="1">
-            <a:schemeClr val="accent1"/>
-          </a:fillRef>
-          <a:effectRef idx="0">
-            <a:schemeClr val="accent1"/>
-          </a:effectRef>
-          <a:fontRef idx="minor">
-            <a:schemeClr val="lt1"/>
-          </a:fontRef>
-        </p:style>
-        <p:txBody>
-          <a:bodyPr rtlCol="0" anchor="ctr"/>
-          <a:lstStyle/>
-          <a:p>
-            <a:pPr algn="ctr"/>
-            <a:r>
-              <a:rPr kumimoji="1" lang="en-US" altLang="ja-JP" sz="800" dirty="0" smtClean="0">
-                <a:solidFill>
-                  <a:schemeClr val="tx1"/>
-                </a:solidFill>
-              </a:rPr>
-              <a:t>1byte</a:t>
-            </a:r>
-          </a:p>
-        </p:txBody>
-      </p:sp>
-      <p:sp>
-        <p:nvSpPr>
-          <p:cNvPr id="23" name="正方形/長方形 22"/>
-          <p:cNvSpPr/>
-          <p:nvPr/>
-        </p:nvSpPr>
-        <p:spPr>
-          <a:xfrm>
-            <a:off x="3882488" y="4372947"/>
-            <a:ext cx="645062" cy="288032"/>
-          </a:xfrm>
-          <a:prstGeom prst="rect">
-            <a:avLst/>
-          </a:prstGeom>
-          <a:solidFill>
-            <a:schemeClr val="bg1">
-              <a:lumMod val="75000"/>
-            </a:schemeClr>
-          </a:solidFill>
-          <a:ln w="12700"/>
-        </p:spPr>
-        <p:style>
-          <a:lnRef idx="2">
-            <a:schemeClr val="accent1">
-              <a:shade val="50000"/>
-            </a:schemeClr>
-          </a:lnRef>
-          <a:fillRef idx="1">
-            <a:schemeClr val="accent1"/>
-          </a:fillRef>
-          <a:effectRef idx="0">
-            <a:schemeClr val="accent1"/>
-          </a:effectRef>
-          <a:fontRef idx="minor">
-            <a:schemeClr val="lt1"/>
-          </a:fontRef>
-        </p:style>
-        <p:txBody>
-          <a:bodyPr rtlCol="0" anchor="ctr"/>
-          <a:lstStyle/>
-          <a:p>
-            <a:pPr algn="ctr"/>
-            <a:r>
               <a:rPr lang="en-US" altLang="ja-JP" sz="800" dirty="0" smtClean="0">
                 <a:solidFill>
                   <a:schemeClr val="tx1"/>
                 </a:solidFill>
               </a:rPr>
-              <a:t>Size</a:t>
+              <a:t>Data</a:t>
             </a:r>
             <a:endParaRPr kumimoji="1" lang="en-US" altLang="ja-JP" sz="800" dirty="0" smtClean="0">
               <a:solidFill>
@@ -10327,24 +11561,22 @@
       </p:sp>
       <p:sp>
         <p:nvSpPr>
-          <p:cNvPr id="24" name="正方形/長方形 23"/>
+          <p:cNvPr id="25" name="正方形/長方形 24"/>
           <p:cNvSpPr/>
           <p:nvPr/>
         </p:nvSpPr>
         <p:spPr>
           <a:xfrm>
-            <a:off x="4527550" y="4372947"/>
-            <a:ext cx="2062832" cy="288032"/>
+            <a:off x="6694141" y="4677912"/>
+            <a:ext cx="419299" cy="287259"/>
           </a:xfrm>
           <a:prstGeom prst="rect">
             <a:avLst/>
           </a:prstGeom>
-          <a:solidFill>
-            <a:schemeClr val="bg1">
-              <a:lumMod val="75000"/>
-            </a:schemeClr>
-          </a:solidFill>
-          <a:ln w="12700"/>
+          <a:noFill/>
+          <a:ln w="12700">
+            <a:noFill/>
+          </a:ln>
         </p:spPr>
         <p:style>
           <a:lnRef idx="2">
@@ -10368,12 +11600,122 @@
           <a:p>
             <a:pPr algn="ctr"/>
             <a:r>
+              <a:rPr kumimoji="1" lang="en-US" altLang="ja-JP" sz="800" dirty="0" smtClean="0">
+                <a:solidFill>
+                  <a:schemeClr val="tx1"/>
+                </a:solidFill>
+              </a:rPr>
+              <a:t>1byte</a:t>
+            </a:r>
+          </a:p>
+        </p:txBody>
+      </p:sp>
+      <p:sp>
+        <p:nvSpPr>
+          <p:cNvPr id="26" name="正方形/長方形 25"/>
+          <p:cNvSpPr/>
+          <p:nvPr/>
+        </p:nvSpPr>
+        <p:spPr>
+          <a:xfrm>
+            <a:off x="6444208" y="3743927"/>
+            <a:ext cx="1944216" cy="211348"/>
+          </a:xfrm>
+          <a:prstGeom prst="rect">
+            <a:avLst/>
+          </a:prstGeom>
+          <a:noFill/>
+          <a:ln w="12700">
+            <a:noFill/>
+          </a:ln>
+        </p:spPr>
+        <p:style>
+          <a:lnRef idx="2">
+            <a:schemeClr val="accent1">
+              <a:shade val="50000"/>
+            </a:schemeClr>
+          </a:lnRef>
+          <a:fillRef idx="1">
+            <a:schemeClr val="accent1"/>
+          </a:fillRef>
+          <a:effectRef idx="0">
+            <a:schemeClr val="accent1"/>
+          </a:effectRef>
+          <a:fontRef idx="minor">
+            <a:schemeClr val="lt1"/>
+          </a:fontRef>
+        </p:style>
+        <p:txBody>
+          <a:bodyPr rtlCol="0" anchor="ctr"/>
+          <a:lstStyle/>
+          <a:p>
+            <a:pPr algn="ctr"/>
+            <a:r>
               <a:rPr lang="en-US" altLang="ja-JP" sz="800" dirty="0" smtClean="0">
                 <a:solidFill>
                   <a:schemeClr val="tx1"/>
                 </a:solidFill>
               </a:rPr>
-              <a:t>Data</a:t>
+              <a:t>n </a:t>
+            </a:r>
+            <a:r>
+              <a:rPr kumimoji="1" lang="en-US" altLang="ja-JP" sz="800" dirty="0" smtClean="0">
+                <a:solidFill>
+                  <a:schemeClr val="tx1"/>
+                </a:solidFill>
+              </a:rPr>
+              <a:t>byte</a:t>
+            </a:r>
+          </a:p>
+          <a:p>
+            <a:pPr algn="ctr"/>
+            <a:r>
+              <a:rPr lang="en-US" altLang="ja-JP" sz="800" dirty="0" smtClean="0">
+                <a:solidFill>
+                  <a:schemeClr val="tx1"/>
+                </a:solidFill>
+              </a:rPr>
+              <a:t>(</a:t>
+            </a:r>
+            <a:r>
+              <a:rPr lang="ja-JP" altLang="en-US" sz="800" dirty="0" smtClean="0">
+                <a:solidFill>
+                  <a:schemeClr val="tx1"/>
+                </a:solidFill>
+              </a:rPr>
+              <a:t>渡す必要あれば</a:t>
+            </a:r>
+            <a:r>
+              <a:rPr lang="en-US" altLang="ja-JP" sz="800" dirty="0" smtClean="0">
+                <a:solidFill>
+                  <a:schemeClr val="tx1"/>
+                </a:solidFill>
+              </a:rPr>
+              <a:t>245byte</a:t>
+            </a:r>
+            <a:r>
+              <a:rPr lang="ja-JP" altLang="en-US" sz="800" dirty="0">
+                <a:solidFill>
+                  <a:schemeClr val="tx1"/>
+                </a:solidFill>
+              </a:rPr>
+              <a:t>以内</a:t>
+            </a:r>
+            <a:r>
+              <a:rPr lang="ja-JP" altLang="en-US" sz="800" dirty="0" smtClean="0">
+                <a:solidFill>
+                  <a:schemeClr val="tx1"/>
+                </a:solidFill>
+              </a:rPr>
+              <a:t>で</a:t>
+            </a:r>
+            <a:r>
+              <a:rPr lang="en-US" altLang="ja-JP" sz="800" dirty="0" smtClean="0">
+                <a:solidFill>
+                  <a:schemeClr val="tx1"/>
+                </a:solidFill>
+              </a:rPr>
+              <a:t>)</a:t>
             </a:r>
             <a:endParaRPr kumimoji="1" lang="en-US" altLang="ja-JP" sz="800" dirty="0" smtClean="0">
               <a:solidFill>
@@ -10383,16 +11725,76 @@
           </a:p>
         </p:txBody>
       </p:sp>
-      <p:sp>
-        <p:nvSpPr>
-          <p:cNvPr id="25" name="正方形/長方形 24"/>
+      <p:cxnSp>
+        <p:nvCxnSpPr>
+          <p:cNvPr id="27" name="直線コネクタ 26"/>
+          <p:cNvCxnSpPr/>
+          <p:nvPr/>
+        </p:nvCxnSpPr>
+        <p:spPr>
+          <a:xfrm flipH="1">
+            <a:off x="6590382" y="3668017"/>
+            <a:ext cx="1255948" cy="704380"/>
+          </a:xfrm>
+          <a:prstGeom prst="line">
+            <a:avLst/>
+          </a:prstGeom>
+        </p:spPr>
+        <p:style>
+          <a:lnRef idx="1">
+            <a:schemeClr val="accent1"/>
+          </a:lnRef>
+          <a:fillRef idx="0">
+            <a:schemeClr val="accent1"/>
+          </a:fillRef>
+          <a:effectRef idx="0">
+            <a:schemeClr val="accent1"/>
+          </a:effectRef>
+          <a:fontRef idx="minor">
+            <a:schemeClr val="tx1"/>
+          </a:fontRef>
+        </p:style>
+      </p:cxnSp>
+      <p:cxnSp>
+        <p:nvCxnSpPr>
+          <p:cNvPr id="28" name="直線コネクタ 27"/>
+          <p:cNvCxnSpPr/>
+          <p:nvPr/>
+        </p:nvCxnSpPr>
+        <p:spPr>
+          <a:xfrm>
+            <a:off x="411099" y="3664378"/>
+            <a:ext cx="4116451" cy="708019"/>
+          </a:xfrm>
+          <a:prstGeom prst="line">
+            <a:avLst/>
+          </a:prstGeom>
+        </p:spPr>
+        <p:style>
+          <a:lnRef idx="1">
+            <a:schemeClr val="accent1"/>
+          </a:lnRef>
+          <a:fillRef idx="0">
+            <a:schemeClr val="accent1"/>
+          </a:fillRef>
+          <a:effectRef idx="0">
+            <a:schemeClr val="accent1"/>
+          </a:effectRef>
+          <a:fontRef idx="minor">
+            <a:schemeClr val="tx1"/>
+          </a:fontRef>
+        </p:style>
+      </p:cxnSp>
+      <p:sp>
+        <p:nvSpPr>
+          <p:cNvPr id="29" name="正方形/長方形 28"/>
           <p:cNvSpPr/>
           <p:nvPr/>
         </p:nvSpPr>
         <p:spPr>
           <a:xfrm>
-            <a:off x="6694141" y="4677912"/>
-            <a:ext cx="419299" cy="287259"/>
+            <a:off x="276671" y="1052099"/>
+            <a:ext cx="1054969" cy="287680"/>
           </a:xfrm>
           <a:prstGeom prst="rect">
             <a:avLst/>
@@ -10424,26 +11826,31 @@
           <a:p>
             <a:pPr algn="ctr"/>
             <a:r>
-              <a:rPr kumimoji="1" lang="en-US" altLang="ja-JP" sz="800" dirty="0" smtClean="0">
-                <a:solidFill>
-                  <a:schemeClr val="tx1"/>
-                </a:solidFill>
-              </a:rPr>
-              <a:t>1byte</a:t>
-            </a:r>
-          </a:p>
-        </p:txBody>
-      </p:sp>
-      <p:sp>
-        <p:nvSpPr>
-          <p:cNvPr id="26" name="正方形/長方形 25"/>
+              <a:rPr lang="en-US" altLang="ja-JP" sz="1100" dirty="0" smtClean="0">
+                <a:solidFill>
+                  <a:schemeClr val="tx1"/>
+                </a:solidFill>
+              </a:rPr>
+              <a:t>packet  format</a:t>
+            </a:r>
+            <a:endParaRPr kumimoji="1" lang="en-US" altLang="ja-JP" sz="1100" dirty="0" smtClean="0">
+              <a:solidFill>
+                <a:schemeClr val="tx1"/>
+              </a:solidFill>
+            </a:endParaRPr>
+          </a:p>
+        </p:txBody>
+      </p:sp>
+      <p:sp>
+        <p:nvSpPr>
+          <p:cNvPr id="30" name="正方形/長方形 29"/>
           <p:cNvSpPr/>
           <p:nvPr/>
         </p:nvSpPr>
         <p:spPr>
           <a:xfrm>
-            <a:off x="6444208" y="3743927"/>
-            <a:ext cx="1944216" cy="211348"/>
+            <a:off x="2708542" y="4674703"/>
+            <a:ext cx="419299" cy="287259"/>
           </a:xfrm>
           <a:prstGeom prst="rect">
             <a:avLst/>
@@ -10475,71 +11882,65 @@
           <a:p>
             <a:pPr algn="ctr"/>
             <a:r>
+              <a:rPr kumimoji="1" lang="en-US" altLang="ja-JP" sz="800" dirty="0" smtClean="0">
+                <a:solidFill>
+                  <a:schemeClr val="tx1"/>
+                </a:solidFill>
+              </a:rPr>
+              <a:t>1byte</a:t>
+            </a:r>
+          </a:p>
+        </p:txBody>
+      </p:sp>
+      <p:sp>
+        <p:nvSpPr>
+          <p:cNvPr id="31" name="正方形/長方形 30"/>
+          <p:cNvSpPr/>
+          <p:nvPr/>
+        </p:nvSpPr>
+        <p:spPr>
+          <a:xfrm>
+            <a:off x="2602625" y="4372397"/>
+            <a:ext cx="645062" cy="289607"/>
+          </a:xfrm>
+          <a:prstGeom prst="rect">
+            <a:avLst/>
+          </a:prstGeom>
+          <a:solidFill>
+            <a:schemeClr val="bg1">
+              <a:lumMod val="75000"/>
+            </a:schemeClr>
+          </a:solidFill>
+          <a:ln w="12700"/>
+        </p:spPr>
+        <p:style>
+          <a:lnRef idx="2">
+            <a:schemeClr val="accent1">
+              <a:shade val="50000"/>
+            </a:schemeClr>
+          </a:lnRef>
+          <a:fillRef idx="1">
+            <a:schemeClr val="accent1"/>
+          </a:fillRef>
+          <a:effectRef idx="0">
+            <a:schemeClr val="accent1"/>
+          </a:effectRef>
+          <a:fontRef idx="minor">
+            <a:schemeClr val="lt1"/>
+          </a:fontRef>
+        </p:style>
+        <p:txBody>
+          <a:bodyPr rtlCol="0" anchor="ctr"/>
+          <a:lstStyle/>
+          <a:p>
+            <a:pPr algn="ctr"/>
+            <a:r>
               <a:rPr lang="en-US" altLang="ja-JP" sz="800" dirty="0" smtClean="0">
                 <a:solidFill>
                   <a:schemeClr val="tx1"/>
                 </a:solidFill>
               </a:rPr>
-              <a:t>n </a:t>
-            </a:r>
-            <a:r>
-              <a:rPr kumimoji="1" lang="en-US" altLang="ja-JP" sz="800" dirty="0" smtClean="0">
-                <a:solidFill>
-                  <a:schemeClr val="tx1"/>
-                </a:solidFill>
-              </a:rPr>
-              <a:t>byte</a:t>
-            </a:r>
-          </a:p>
-          <a:p>
-            <a:pPr algn="ctr"/>
-            <a:r>
-              <a:rPr lang="en-US" altLang="ja-JP" sz="800" dirty="0" smtClean="0">
-                <a:solidFill>
-                  <a:schemeClr val="tx1"/>
-                </a:solidFill>
-              </a:rPr>
-              <a:t>(</a:t>
-            </a:r>
-            <a:r>
-              <a:rPr lang="ja-JP" altLang="en-US" sz="800" dirty="0" smtClean="0">
-                <a:solidFill>
-                  <a:schemeClr val="tx1"/>
-                </a:solidFill>
-              </a:rPr>
-              <a:t>渡す必要あれば</a:t>
-            </a:r>
-            <a:r>
-              <a:rPr lang="en-US" altLang="ja-JP" sz="800" dirty="0">
-                <a:solidFill>
-                  <a:schemeClr val="tx1"/>
-                </a:solidFill>
-              </a:rPr>
-              <a:t>249byte</a:t>
-            </a:r>
-            <a:r>
-              <a:rPr lang="ja-JP" altLang="en-US" sz="800" dirty="0">
-                <a:solidFill>
-                  <a:schemeClr val="tx1"/>
-                </a:solidFill>
-              </a:rPr>
-              <a:t>以内</a:t>
-            </a:r>
-            <a:r>
-              <a:rPr lang="ja-JP" altLang="en-US" sz="800" dirty="0" smtClean="0">
-                <a:solidFill>
-                  <a:schemeClr val="tx1"/>
-                </a:solidFill>
-              </a:rPr>
-              <a:t>で</a:t>
-            </a:r>
-            <a:r>
-              <a:rPr lang="en-US" altLang="ja-JP" sz="800" dirty="0" smtClean="0">
-                <a:solidFill>
-                  <a:schemeClr val="tx1"/>
-                </a:solidFill>
-              </a:rPr>
-              <a:t>)</a:t>
+              <a:t>Reserve</a:t>
             </a:r>
             <a:endParaRPr kumimoji="1" lang="en-US" altLang="ja-JP" sz="800" dirty="0" smtClean="0">
               <a:solidFill>
@@ -10549,76 +11950,16 @@
           </a:p>
         </p:txBody>
       </p:sp>
-      <p:cxnSp>
-        <p:nvCxnSpPr>
-          <p:cNvPr id="27" name="直線コネクタ 26"/>
-          <p:cNvCxnSpPr/>
-          <p:nvPr/>
-        </p:nvCxnSpPr>
-        <p:spPr>
-          <a:xfrm flipH="1">
-            <a:off x="6590382" y="3668017"/>
-            <a:ext cx="1255948" cy="704380"/>
-          </a:xfrm>
-          <a:prstGeom prst="line">
-            <a:avLst/>
-          </a:prstGeom>
-        </p:spPr>
-        <p:style>
-          <a:lnRef idx="1">
-            <a:schemeClr val="accent1"/>
-          </a:lnRef>
-          <a:fillRef idx="0">
-            <a:schemeClr val="accent1"/>
-          </a:fillRef>
-          <a:effectRef idx="0">
-            <a:schemeClr val="accent1"/>
-          </a:effectRef>
-          <a:fontRef idx="minor">
-            <a:schemeClr val="tx1"/>
-          </a:fontRef>
-        </p:style>
-      </p:cxnSp>
-      <p:cxnSp>
-        <p:nvCxnSpPr>
-          <p:cNvPr id="28" name="直線コネクタ 27"/>
-          <p:cNvCxnSpPr/>
-          <p:nvPr/>
-        </p:nvCxnSpPr>
-        <p:spPr>
-          <a:xfrm>
-            <a:off x="2987824" y="3668017"/>
-            <a:ext cx="1539726" cy="704380"/>
-          </a:xfrm>
-          <a:prstGeom prst="line">
-            <a:avLst/>
-          </a:prstGeom>
-        </p:spPr>
-        <p:style>
-          <a:lnRef idx="1">
-            <a:schemeClr val="accent1"/>
-          </a:lnRef>
-          <a:fillRef idx="0">
-            <a:schemeClr val="accent1"/>
-          </a:fillRef>
-          <a:effectRef idx="0">
-            <a:schemeClr val="accent1"/>
-          </a:effectRef>
-          <a:fontRef idx="minor">
-            <a:schemeClr val="tx1"/>
-          </a:fontRef>
-        </p:style>
-      </p:cxnSp>
-      <p:sp>
-        <p:nvSpPr>
-          <p:cNvPr id="29" name="正方形/長方形 28"/>
+      <p:sp>
+        <p:nvSpPr>
+          <p:cNvPr id="32" name="正方形/長方形 31"/>
           <p:cNvSpPr/>
           <p:nvPr/>
         </p:nvSpPr>
         <p:spPr>
           <a:xfrm>
-            <a:off x="276671" y="1052099"/>
-            <a:ext cx="1054969" cy="287680"/>
+            <a:off x="3353033" y="4673128"/>
+            <a:ext cx="419299" cy="287259"/>
           </a:xfrm>
           <a:prstGeom prst="rect">
             <a:avLst/>
@@ -10650,82 +11991,26 @@
           <a:p>
             <a:pPr algn="ctr"/>
             <a:r>
-              <a:rPr lang="en-US" altLang="ja-JP" sz="1100" dirty="0" smtClean="0">
-                <a:solidFill>
-                  <a:schemeClr val="tx1"/>
-                </a:solidFill>
-              </a:rPr>
-              <a:t>packet  format</a:t>
-            </a:r>
-            <a:endParaRPr kumimoji="1" lang="en-US" altLang="ja-JP" sz="1100" dirty="0" smtClean="0">
-              <a:solidFill>
-                <a:schemeClr val="tx1"/>
-              </a:solidFill>
-            </a:endParaRPr>
-          </a:p>
-        </p:txBody>
-      </p:sp>
-      <p:sp>
-        <p:nvSpPr>
-          <p:cNvPr id="30" name="正方形/長方形 29"/>
+              <a:rPr kumimoji="1" lang="en-US" altLang="ja-JP" sz="800" dirty="0" smtClean="0">
+                <a:solidFill>
+                  <a:schemeClr val="tx1"/>
+                </a:solidFill>
+              </a:rPr>
+              <a:t>1byte</a:t>
+            </a:r>
+          </a:p>
+        </p:txBody>
+      </p:sp>
+      <p:sp>
+        <p:nvSpPr>
+          <p:cNvPr id="33" name="正方形/長方形 32"/>
           <p:cNvSpPr/>
           <p:nvPr/>
         </p:nvSpPr>
         <p:spPr>
           <a:xfrm>
-            <a:off x="2708542" y="4674703"/>
-            <a:ext cx="419299" cy="287259"/>
-          </a:xfrm>
-          <a:prstGeom prst="rect">
-            <a:avLst/>
-          </a:prstGeom>
-          <a:noFill/>
-          <a:ln w="12700">
-            <a:noFill/>
-          </a:ln>
-        </p:spPr>
-        <p:style>
-          <a:lnRef idx="2">
-            <a:schemeClr val="accent1">
-              <a:shade val="50000"/>
-            </a:schemeClr>
-          </a:lnRef>
-          <a:fillRef idx="1">
-            <a:schemeClr val="accent1"/>
-          </a:fillRef>
-          <a:effectRef idx="0">
-            <a:schemeClr val="accent1"/>
-          </a:effectRef>
-          <a:fontRef idx="minor">
-            <a:schemeClr val="lt1"/>
-          </a:fontRef>
-        </p:style>
-        <p:txBody>
-          <a:bodyPr rtlCol="0" anchor="ctr"/>
-          <a:lstStyle/>
-          <a:p>
-            <a:pPr algn="ctr"/>
-            <a:r>
-              <a:rPr kumimoji="1" lang="en-US" altLang="ja-JP" sz="800" dirty="0" smtClean="0">
-                <a:solidFill>
-                  <a:schemeClr val="tx1"/>
-                </a:solidFill>
-              </a:rPr>
-              <a:t>1byte</a:t>
-            </a:r>
-          </a:p>
-        </p:txBody>
-      </p:sp>
-      <p:sp>
-        <p:nvSpPr>
-          <p:cNvPr id="31" name="正方形/長方形 30"/>
-          <p:cNvSpPr/>
-          <p:nvPr/>
-        </p:nvSpPr>
-        <p:spPr>
-          <a:xfrm>
-            <a:off x="2602625" y="4372397"/>
-            <a:ext cx="645062" cy="289607"/>
+            <a:off x="3242805" y="4372946"/>
+            <a:ext cx="645062" cy="287481"/>
           </a:xfrm>
           <a:prstGeom prst="rect">
             <a:avLst/>
@@ -10776,13 +12061,13 @@
       </p:sp>
       <p:sp>
         <p:nvSpPr>
-          <p:cNvPr id="32" name="正方形/長方形 31"/>
+          <p:cNvPr id="34" name="正方形/長方形 33"/>
           <p:cNvSpPr/>
           <p:nvPr/>
         </p:nvSpPr>
         <p:spPr>
           <a:xfrm>
-            <a:off x="3353033" y="4673128"/>
+            <a:off x="5043037" y="3668016"/>
             <a:ext cx="419299" cy="287259"/>
           </a:xfrm>
           <a:prstGeom prst="rect">
@@ -10827,14 +12112,14 @@
       </p:sp>
       <p:sp>
         <p:nvSpPr>
-          <p:cNvPr id="33" name="正方形/長方形 32"/>
+          <p:cNvPr id="35" name="正方形/長方形 34"/>
           <p:cNvSpPr/>
           <p:nvPr/>
         </p:nvSpPr>
         <p:spPr>
           <a:xfrm>
-            <a:off x="3242805" y="4372946"/>
-            <a:ext cx="645062" cy="287481"/>
+            <a:off x="4924420" y="3365710"/>
+            <a:ext cx="645062" cy="285969"/>
           </a:xfrm>
           <a:prstGeom prst="rect">
             <a:avLst/>
@@ -10885,13 +12170,13 @@
       </p:sp>
       <p:sp>
         <p:nvSpPr>
-          <p:cNvPr id="34" name="正方形/長方形 33"/>
+          <p:cNvPr id="36" name="正方形/長方形 35"/>
           <p:cNvSpPr/>
           <p:nvPr/>
         </p:nvSpPr>
         <p:spPr>
           <a:xfrm>
-            <a:off x="5043037" y="3668016"/>
+            <a:off x="5687528" y="3666441"/>
             <a:ext cx="419299" cy="287259"/>
           </a:xfrm>
           <a:prstGeom prst="rect">
@@ -10936,14 +12221,14 @@
       </p:sp>
       <p:sp>
         <p:nvSpPr>
-          <p:cNvPr id="35" name="正方形/長方形 34"/>
+          <p:cNvPr id="37" name="正方形/長方形 36"/>
           <p:cNvSpPr/>
           <p:nvPr/>
         </p:nvSpPr>
         <p:spPr>
           <a:xfrm>
-            <a:off x="4924420" y="3365710"/>
-            <a:ext cx="645062" cy="285969"/>
+            <a:off x="5568911" y="3365709"/>
+            <a:ext cx="645062" cy="285970"/>
           </a:xfrm>
           <a:prstGeom prst="rect">
             <a:avLst/>
@@ -10994,123 +12279,14 @@
       </p:sp>
       <p:sp>
         <p:nvSpPr>
-          <p:cNvPr id="36" name="正方形/長方形 35"/>
-          <p:cNvSpPr/>
-          <p:nvPr/>
-        </p:nvSpPr>
-        <p:spPr>
-          <a:xfrm>
-            <a:off x="5687528" y="3666441"/>
-            <a:ext cx="419299" cy="287259"/>
-          </a:xfrm>
-          <a:prstGeom prst="rect">
-            <a:avLst/>
-          </a:prstGeom>
-          <a:noFill/>
-          <a:ln w="12700">
-            <a:noFill/>
-          </a:ln>
-        </p:spPr>
-        <p:style>
-          <a:lnRef idx="2">
-            <a:schemeClr val="accent1">
-              <a:shade val="50000"/>
-            </a:schemeClr>
-          </a:lnRef>
-          <a:fillRef idx="1">
-            <a:schemeClr val="accent1"/>
-          </a:fillRef>
-          <a:effectRef idx="0">
-            <a:schemeClr val="accent1"/>
-          </a:effectRef>
-          <a:fontRef idx="minor">
-            <a:schemeClr val="lt1"/>
-          </a:fontRef>
-        </p:style>
-        <p:txBody>
-          <a:bodyPr rtlCol="0" anchor="ctr"/>
-          <a:lstStyle/>
-          <a:p>
-            <a:pPr algn="ctr"/>
-            <a:r>
-              <a:rPr kumimoji="1" lang="en-US" altLang="ja-JP" sz="800" dirty="0" smtClean="0">
-                <a:solidFill>
-                  <a:schemeClr val="tx1"/>
-                </a:solidFill>
-              </a:rPr>
-              <a:t>1byte</a:t>
-            </a:r>
-          </a:p>
-        </p:txBody>
-      </p:sp>
-      <p:sp>
-        <p:nvSpPr>
-          <p:cNvPr id="37" name="正方形/長方形 36"/>
-          <p:cNvSpPr/>
-          <p:nvPr/>
-        </p:nvSpPr>
-        <p:spPr>
-          <a:xfrm>
-            <a:off x="5568911" y="3365709"/>
-            <a:ext cx="645062" cy="285970"/>
-          </a:xfrm>
-          <a:prstGeom prst="rect">
-            <a:avLst/>
-          </a:prstGeom>
-          <a:solidFill>
-            <a:schemeClr val="bg1">
-              <a:lumMod val="75000"/>
-            </a:schemeClr>
-          </a:solidFill>
-          <a:ln w="12700"/>
-        </p:spPr>
-        <p:style>
-          <a:lnRef idx="2">
-            <a:schemeClr val="accent1">
-              <a:shade val="50000"/>
-            </a:schemeClr>
-          </a:lnRef>
-          <a:fillRef idx="1">
-            <a:schemeClr val="accent1"/>
-          </a:fillRef>
-          <a:effectRef idx="0">
-            <a:schemeClr val="accent1"/>
-          </a:effectRef>
-          <a:fontRef idx="minor">
-            <a:schemeClr val="lt1"/>
-          </a:fontRef>
-        </p:style>
-        <p:txBody>
-          <a:bodyPr rtlCol="0" anchor="ctr"/>
-          <a:lstStyle/>
-          <a:p>
-            <a:pPr algn="ctr"/>
-            <a:r>
-              <a:rPr lang="en-US" altLang="ja-JP" sz="800" dirty="0" smtClean="0">
-                <a:solidFill>
-                  <a:schemeClr val="tx1"/>
-                </a:solidFill>
-              </a:rPr>
-              <a:t>Reserve</a:t>
-            </a:r>
-            <a:endParaRPr kumimoji="1" lang="en-US" altLang="ja-JP" sz="800" dirty="0" smtClean="0">
-              <a:solidFill>
-                <a:schemeClr val="tx1"/>
-              </a:solidFill>
-            </a:endParaRPr>
-          </a:p>
-        </p:txBody>
-      </p:sp>
-      <p:sp>
-        <p:nvSpPr>
           <p:cNvPr id="52" name="テキスト ボックス 51"/>
           <p:cNvSpPr txBox="1"/>
           <p:nvPr/>
         </p:nvSpPr>
         <p:spPr>
           <a:xfrm>
-            <a:off x="3667206" y="2895327"/>
-            <a:ext cx="570990" cy="461665"/>
+            <a:off x="3907459" y="3038237"/>
+            <a:ext cx="473206" cy="369332"/>
           </a:xfrm>
           <a:prstGeom prst="rect">
             <a:avLst/>
@@ -11127,35 +12303,68 @@
           <a:lstStyle/>
           <a:p>
             <a:r>
-              <a:rPr kumimoji="1" lang="en-US" altLang="ja-JP" sz="800" dirty="0" smtClean="0"/>
+              <a:rPr kumimoji="1" lang="en-US" altLang="ja-JP" sz="600" dirty="0" smtClean="0"/>
               <a:t>REQUEST</a:t>
             </a:r>
           </a:p>
           <a:p>
             <a:r>
-              <a:rPr lang="en-US" altLang="ja-JP" sz="800" dirty="0" smtClean="0"/>
+              <a:rPr lang="en-US" altLang="ja-JP" sz="600" dirty="0" smtClean="0"/>
               <a:t>REPLY</a:t>
             </a:r>
           </a:p>
           <a:p>
             <a:r>
-              <a:rPr kumimoji="1" lang="en-US" altLang="ja-JP" sz="800" dirty="0" smtClean="0"/>
+              <a:rPr kumimoji="1" lang="en-US" altLang="ja-JP" sz="600" dirty="0" smtClean="0"/>
               <a:t>NOTIFY</a:t>
             </a:r>
-            <a:endParaRPr kumimoji="1" lang="ja-JP" altLang="en-US" sz="800" dirty="0"/>
-          </a:p>
-        </p:txBody>
-      </p:sp>
-      <p:sp>
-        <p:nvSpPr>
-          <p:cNvPr id="62" name="テキスト ボックス 61"/>
+            <a:endParaRPr kumimoji="1" lang="ja-JP" altLang="en-US" sz="600" dirty="0"/>
+          </a:p>
+        </p:txBody>
+      </p:sp>
+      <p:cxnSp>
+        <p:nvCxnSpPr>
+          <p:cNvPr id="79" name="直線コネクタ 78"/>
+          <p:cNvCxnSpPr/>
+          <p:nvPr/>
+        </p:nvCxnSpPr>
+        <p:spPr>
+          <a:xfrm flipH="1">
+            <a:off x="611560" y="4101075"/>
+            <a:ext cx="7560840" cy="0"/>
+          </a:xfrm>
+          <a:prstGeom prst="line">
+            <a:avLst/>
+          </a:prstGeom>
+          <a:ln>
+            <a:prstDash val="sysDash"/>
+          </a:ln>
+        </p:spPr>
+        <p:style>
+          <a:lnRef idx="1">
+            <a:schemeClr val="accent1"/>
+          </a:lnRef>
+          <a:fillRef idx="0">
+            <a:schemeClr val="accent1"/>
+          </a:fillRef>
+          <a:effectRef idx="0">
+            <a:schemeClr val="accent1"/>
+          </a:effectRef>
+          <a:fontRef idx="minor">
+            <a:schemeClr val="tx1"/>
+          </a:fontRef>
+        </p:style>
+      </p:cxnSp>
+      <p:sp>
+        <p:nvSpPr>
+          <p:cNvPr id="82" name="テキスト ボックス 81"/>
           <p:cNvSpPr txBox="1"/>
           <p:nvPr/>
         </p:nvSpPr>
         <p:spPr>
           <a:xfrm>
-            <a:off x="3026713" y="3141548"/>
-            <a:ext cx="478016" cy="215444"/>
+            <a:off x="467544" y="4221088"/>
+            <a:ext cx="1473480" cy="553998"/>
           </a:xfrm>
           <a:prstGeom prst="rect">
             <a:avLst/>
@@ -11172,60 +12381,61 @@
           <a:lstStyle/>
           <a:p>
             <a:r>
-              <a:rPr kumimoji="1" lang="ja-JP" altLang="en-US" sz="800" dirty="0" smtClean="0"/>
-              <a:t>通信</a:t>
-            </a:r>
-            <a:r>
-              <a:rPr kumimoji="1" lang="en-US" altLang="ja-JP" sz="800" dirty="0" smtClean="0"/>
-              <a:t>ID</a:t>
-            </a:r>
-            <a:endParaRPr kumimoji="1" lang="ja-JP" altLang="en-US" sz="800" dirty="0"/>
-          </a:p>
-        </p:txBody>
-      </p:sp>
-      <p:cxnSp>
-        <p:nvCxnSpPr>
-          <p:cNvPr id="79" name="直線コネクタ 78"/>
-          <p:cNvCxnSpPr/>
-          <p:nvPr/>
-        </p:nvCxnSpPr>
-        <p:spPr>
-          <a:xfrm flipH="1">
-            <a:off x="611560" y="4101075"/>
-            <a:ext cx="7560840" cy="0"/>
-          </a:xfrm>
-          <a:prstGeom prst="line">
-            <a:avLst/>
-          </a:prstGeom>
-          <a:ln>
-            <a:prstDash val="sysDash"/>
-          </a:ln>
-        </p:spPr>
-        <p:style>
-          <a:lnRef idx="1">
-            <a:schemeClr val="accent1"/>
-          </a:lnRef>
-          <a:fillRef idx="0">
-            <a:schemeClr val="accent1"/>
-          </a:fillRef>
-          <a:effectRef idx="0">
-            <a:schemeClr val="accent1"/>
-          </a:effectRef>
-          <a:fontRef idx="minor">
-            <a:schemeClr val="tx1"/>
-          </a:fontRef>
-        </p:style>
-      </p:cxnSp>
-      <p:sp>
-        <p:nvSpPr>
-          <p:cNvPr id="82" name="テキスト ボックス 81"/>
+              <a:rPr kumimoji="1" lang="en-US" altLang="ja-JP" sz="1000" dirty="0" smtClean="0"/>
+              <a:t>Socket</a:t>
+            </a:r>
+            <a:r>
+              <a:rPr kumimoji="1" lang="ja-JP" altLang="en-US" sz="1000" dirty="0" smtClean="0"/>
+              <a:t>通信層</a:t>
+            </a:r>
+            <a:endParaRPr kumimoji="1" lang="en-US" altLang="ja-JP" sz="1000" dirty="0" smtClean="0"/>
+          </a:p>
+          <a:p>
+            <a:r>
+              <a:rPr lang="ja-JP" altLang="en-US" sz="1000" dirty="0"/>
+              <a:t>　</a:t>
+            </a:r>
+            <a:r>
+              <a:rPr lang="en-US" altLang="ja-JP" sz="1000" dirty="0" smtClean="0"/>
+              <a:t>namespace </a:t>
+            </a:r>
+            <a:r>
+              <a:rPr lang="en-US" altLang="ja-JP" sz="1000" dirty="0" err="1" smtClean="0"/>
+              <a:t>ImmSocket</a:t>
+            </a:r>
+            <a:endParaRPr lang="en-US" altLang="ja-JP" sz="1000" dirty="0" smtClean="0"/>
+          </a:p>
+          <a:p>
+            <a:r>
+              <a:rPr lang="ja-JP" altLang="en-US" sz="1000" dirty="0" smtClean="0"/>
+              <a:t>　</a:t>
+            </a:r>
+            <a:r>
+              <a:rPr lang="en-US" altLang="ja-JP" sz="1000" dirty="0" smtClean="0"/>
+              <a:t>(</a:t>
+            </a:r>
+            <a:r>
+              <a:rPr lang="en-US" altLang="ja-JP" sz="1000" dirty="0"/>
+              <a:t>libimmsocket.so</a:t>
+            </a:r>
+            <a:r>
+              <a:rPr lang="en-US" altLang="ja-JP" sz="1000" dirty="0" smtClean="0"/>
+              <a:t>)</a:t>
+            </a:r>
+            <a:endParaRPr lang="en-US" altLang="ja-JP" sz="1000" dirty="0"/>
+          </a:p>
+        </p:txBody>
+      </p:sp>
+      <p:sp>
+        <p:nvSpPr>
+          <p:cNvPr id="84" name="テキスト ボックス 83"/>
           <p:cNvSpPr txBox="1"/>
           <p:nvPr/>
         </p:nvSpPr>
         <p:spPr>
           <a:xfrm>
-            <a:off x="467544" y="4221088"/>
-            <a:ext cx="1473480" cy="553998"/>
+            <a:off x="1751403" y="1623185"/>
+            <a:ext cx="1157689" cy="246221"/>
           </a:xfrm>
           <a:prstGeom prst="rect">
             <a:avLst/>
@@ -11242,77 +12452,6 @@
           <a:lstStyle/>
           <a:p>
             <a:r>
-              <a:rPr kumimoji="1" lang="en-US" altLang="ja-JP" sz="1000" dirty="0" smtClean="0"/>
-              <a:t>Socket</a:t>
-            </a:r>
-            <a:r>
-              <a:rPr kumimoji="1" lang="ja-JP" altLang="en-US" sz="1000" dirty="0" smtClean="0"/>
-              <a:t>通信層</a:t>
-            </a:r>
-            <a:endParaRPr kumimoji="1" lang="en-US" altLang="ja-JP" sz="1000" dirty="0" smtClean="0"/>
-          </a:p>
-          <a:p>
-            <a:r>
-              <a:rPr lang="ja-JP" altLang="en-US" sz="1000" dirty="0"/>
-              <a:t>　</a:t>
-            </a:r>
-            <a:r>
-              <a:rPr lang="en-US" altLang="ja-JP" sz="1000" dirty="0" smtClean="0"/>
-              <a:t>namespace </a:t>
-            </a:r>
-            <a:r>
-              <a:rPr lang="en-US" altLang="ja-JP" sz="1000" dirty="0" err="1" smtClean="0"/>
-              <a:t>ImmSocket</a:t>
-            </a:r>
-            <a:endParaRPr lang="en-US" altLang="ja-JP" sz="1000" dirty="0" smtClean="0"/>
-          </a:p>
-          <a:p>
-            <a:r>
-              <a:rPr lang="ja-JP" altLang="en-US" sz="1000" dirty="0" smtClean="0"/>
-              <a:t>　</a:t>
-            </a:r>
-            <a:r>
-              <a:rPr lang="en-US" altLang="ja-JP" sz="1000" dirty="0" smtClean="0"/>
-              <a:t>(</a:t>
-            </a:r>
-            <a:r>
-              <a:rPr lang="en-US" altLang="ja-JP" sz="1000" dirty="0"/>
-              <a:t>libimmsocket.so</a:t>
-            </a:r>
-            <a:r>
-              <a:rPr lang="en-US" altLang="ja-JP" sz="1000" dirty="0" smtClean="0"/>
-              <a:t>)</a:t>
-            </a:r>
-            <a:endParaRPr lang="en-US" altLang="ja-JP" sz="1000" dirty="0"/>
-          </a:p>
-        </p:txBody>
-      </p:sp>
-      <p:sp>
-        <p:nvSpPr>
-          <p:cNvPr id="84" name="テキスト ボックス 83"/>
-          <p:cNvSpPr txBox="1"/>
-          <p:nvPr/>
-        </p:nvSpPr>
-        <p:spPr>
-          <a:xfrm>
-            <a:off x="1751403" y="1623185"/>
-            <a:ext cx="1157689" cy="246221"/>
-          </a:xfrm>
-          <a:prstGeom prst="rect">
-            <a:avLst/>
-          </a:prstGeom>
-          <a:noFill/>
-          <a:ln>
-            <a:noFill/>
-          </a:ln>
-        </p:spPr>
-        <p:txBody>
-          <a:bodyPr wrap="none" rtlCol="0">
-            <a:spAutoFit/>
-          </a:bodyPr>
-          <a:lstStyle/>
-          <a:p>
-            <a:r>
               <a:rPr lang="ja-JP" altLang="en-US" sz="1000" dirty="0" smtClean="0"/>
               <a:t>ユーザアプリ</a:t>
             </a:r>
@@ -11331,7 +12470,7 @@
         </p:nvSpPr>
         <p:spPr>
           <a:xfrm>
-            <a:off x="395536" y="2730986"/>
+            <a:off x="264270" y="2420888"/>
             <a:ext cx="2271776" cy="553998"/>
           </a:xfrm>
           <a:prstGeom prst="rect">
@@ -11626,36 +12765,12 @@
           <a:lstStyle/>
           <a:p>
             <a:r>
-              <a:rPr lang="fr-FR" altLang="ja-JP" sz="1050" dirty="0" err="1" smtClean="0"/>
-              <a:t>bool</a:t>
-            </a:r>
-            <a:r>
               <a:rPr lang="fr-FR" altLang="ja-JP" sz="1050" dirty="0" smtClean="0"/>
-              <a:t> </a:t>
-            </a:r>
-            <a:r>
-              <a:rPr lang="fr-FR" altLang="ja-JP" sz="1050" dirty="0" err="1"/>
-              <a:t>sendRequestSync</a:t>
+              <a:t>sendRequestSync </a:t>
             </a:r>
             <a:r>
               <a:rPr lang="fr-FR" altLang="ja-JP" sz="1050" dirty="0"/>
-              <a:t> (uint8_t command, uint8_t *</a:t>
-            </a:r>
-            <a:r>
-              <a:rPr lang="fr-FR" altLang="ja-JP" sz="1050" dirty="0" err="1"/>
-              <a:t>pData</a:t>
-            </a:r>
-            <a:r>
-              <a:rPr lang="fr-FR" altLang="ja-JP" sz="1050" dirty="0"/>
-              <a:t>, </a:t>
-            </a:r>
-            <a:r>
-              <a:rPr lang="fr-FR" altLang="ja-JP" sz="1050" dirty="0" err="1"/>
-              <a:t>int</a:t>
-            </a:r>
-            <a:r>
-              <a:rPr lang="fr-FR" altLang="ja-JP" sz="1050" dirty="0"/>
-              <a:t> size);</a:t>
+              <a:t>(uint8_t command, uint8_t *pData, int size);</a:t>
             </a:r>
             <a:endParaRPr lang="ja-JP" altLang="en-US" sz="1050" dirty="0"/>
           </a:p>
@@ -11665,14 +12780,15 @@
         <p:nvCxnSpPr>
           <p:cNvPr id="6" name="直線矢印コネクタ 5"/>
           <p:cNvCxnSpPr>
-            <a:stCxn id="43" idx="2"/>
+            <a:stCxn id="54" idx="2"/>
+            <a:endCxn id="8" idx="0"/>
           </p:cNvCxnSpPr>
           <p:nvPr/>
         </p:nvCxnSpPr>
         <p:spPr>
-          <a:xfrm flipH="1">
-            <a:off x="4627547" y="2543175"/>
-            <a:ext cx="242156" cy="719770"/>
+          <a:xfrm>
+            <a:off x="4572127" y="2677330"/>
+            <a:ext cx="30376" cy="687537"/>
           </a:xfrm>
           <a:prstGeom prst="straightConnector1">
             <a:avLst/>
@@ -11700,14 +12816,15 @@
         <p:nvCxnSpPr>
           <p:cNvPr id="38" name="直線矢印コネクタ 37"/>
           <p:cNvCxnSpPr>
-            <a:stCxn id="76" idx="2"/>
+            <a:stCxn id="5" idx="2"/>
+            <a:endCxn id="9" idx="0"/>
           </p:cNvCxnSpPr>
           <p:nvPr/>
         </p:nvCxnSpPr>
         <p:spPr>
           <a:xfrm>
-            <a:off x="6034845" y="2543175"/>
-            <a:ext cx="834199" cy="761128"/>
+            <a:off x="5538595" y="2679070"/>
+            <a:ext cx="1812191" cy="685797"/>
           </a:xfrm>
           <a:prstGeom prst="straightConnector1">
             <a:avLst/>
@@ -11731,92 +12848,6 @@
           </a:fontRef>
         </p:style>
       </p:cxnSp>
-      <p:sp>
-        <p:nvSpPr>
-          <p:cNvPr id="43" name="正方形/長方形 42"/>
-          <p:cNvSpPr/>
-          <p:nvPr/>
-        </p:nvSpPr>
-        <p:spPr>
-          <a:xfrm>
-            <a:off x="4371974" y="2363358"/>
-            <a:ext cx="995457" cy="179817"/>
-          </a:xfrm>
-          <a:prstGeom prst="rect">
-            <a:avLst/>
-          </a:prstGeom>
-          <a:noFill/>
-          <a:ln w="19050">
-            <a:prstDash val="solid"/>
-          </a:ln>
-        </p:spPr>
-        <p:style>
-          <a:lnRef idx="2">
-            <a:schemeClr val="accent1">
-              <a:shade val="50000"/>
-            </a:schemeClr>
-          </a:lnRef>
-          <a:fillRef idx="1">
-            <a:schemeClr val="accent1"/>
-          </a:fillRef>
-          <a:effectRef idx="0">
-            <a:schemeClr val="accent1"/>
-          </a:effectRef>
-          <a:fontRef idx="minor">
-            <a:schemeClr val="lt1"/>
-          </a:fontRef>
-        </p:style>
-        <p:txBody>
-          <a:bodyPr rtlCol="0" anchor="ctr"/>
-          <a:lstStyle/>
-          <a:p>
-            <a:pPr algn="ctr"/>
-            <a:endParaRPr kumimoji="1" lang="ja-JP" altLang="en-US"/>
-          </a:p>
-        </p:txBody>
-      </p:sp>
-      <p:sp>
-        <p:nvSpPr>
-          <p:cNvPr id="76" name="正方形/長方形 75"/>
-          <p:cNvSpPr/>
-          <p:nvPr/>
-        </p:nvSpPr>
-        <p:spPr>
-          <a:xfrm>
-            <a:off x="5421239" y="2363358"/>
-            <a:ext cx="1227212" cy="179817"/>
-          </a:xfrm>
-          <a:prstGeom prst="rect">
-            <a:avLst/>
-          </a:prstGeom>
-          <a:noFill/>
-          <a:ln w="19050"/>
-        </p:spPr>
-        <p:style>
-          <a:lnRef idx="2">
-            <a:schemeClr val="accent1">
-              <a:shade val="50000"/>
-            </a:schemeClr>
-          </a:lnRef>
-          <a:fillRef idx="1">
-            <a:schemeClr val="accent1"/>
-          </a:fillRef>
-          <a:effectRef idx="0">
-            <a:schemeClr val="accent1"/>
-          </a:effectRef>
-          <a:fontRef idx="minor">
-            <a:schemeClr val="lt1"/>
-          </a:fontRef>
-        </p:style>
-        <p:txBody>
-          <a:bodyPr rtlCol="0" anchor="ctr"/>
-          <a:lstStyle/>
-          <a:p>
-            <a:pPr algn="ctr"/>
-            <a:endParaRPr kumimoji="1" lang="ja-JP" altLang="en-US"/>
-          </a:p>
-        </p:txBody>
-      </p:sp>
       <p:cxnSp>
         <p:nvCxnSpPr>
           <p:cNvPr id="4" name="直線矢印コネクタ 3"/>
@@ -11895,7 +12926,7 @@
         <p:spPr>
           <a:xfrm>
             <a:off x="5868144" y="1848721"/>
-            <a:ext cx="2593980" cy="215444"/>
+            <a:ext cx="2406428" cy="215444"/>
           </a:xfrm>
           <a:prstGeom prst="rect">
             <a:avLst/>
@@ -11921,9 +12952,686 @@
             </a:r>
             <a:r>
               <a:rPr lang="ja-JP" altLang="en-US" sz="800" dirty="0" smtClean="0"/>
-              <a:t>ユーザ側で実装する</a:t>
+              <a:t>ユーザ側で</a:t>
+            </a:r>
+            <a:r>
+              <a:rPr lang="ja-JP" altLang="en-US" sz="800" dirty="0" smtClean="0"/>
+              <a:t>実装</a:t>
             </a:r>
             <a:endParaRPr kumimoji="1" lang="en-US" altLang="ja-JP" sz="800" dirty="0" smtClean="0"/>
+          </a:p>
+        </p:txBody>
+      </p:sp>
+      <p:sp>
+        <p:nvSpPr>
+          <p:cNvPr id="5" name="右大かっこ 4"/>
+          <p:cNvSpPr/>
+          <p:nvPr/>
+        </p:nvSpPr>
+        <p:spPr>
+          <a:xfrm rot="16200000" flipH="1">
+            <a:off x="5501912" y="2259463"/>
+            <a:ext cx="73366" cy="765848"/>
+          </a:xfrm>
+          <a:prstGeom prst="rightBracket">
+            <a:avLst/>
+          </a:prstGeom>
+        </p:spPr>
+        <p:style>
+          <a:lnRef idx="1">
+            <a:schemeClr val="accent1"/>
+          </a:lnRef>
+          <a:fillRef idx="0">
+            <a:schemeClr val="accent1"/>
+          </a:fillRef>
+          <a:effectRef idx="0">
+            <a:schemeClr val="accent1"/>
+          </a:effectRef>
+          <a:fontRef idx="minor">
+            <a:schemeClr val="tx1"/>
+          </a:fontRef>
+        </p:style>
+        <p:txBody>
+          <a:bodyPr rtlCol="0" anchor="ctr"/>
+          <a:lstStyle/>
+          <a:p>
+            <a:pPr algn="ctr"/>
+            <a:endParaRPr kumimoji="1" lang="ja-JP" altLang="en-US"/>
+          </a:p>
+        </p:txBody>
+      </p:sp>
+      <p:sp>
+        <p:nvSpPr>
+          <p:cNvPr id="54" name="右大かっこ 53"/>
+          <p:cNvSpPr/>
+          <p:nvPr/>
+        </p:nvSpPr>
+        <p:spPr>
+          <a:xfrm rot="16200000" flipH="1">
+            <a:off x="4536208" y="2158178"/>
+            <a:ext cx="71836" cy="966467"/>
+          </a:xfrm>
+          <a:prstGeom prst="rightBracket">
+            <a:avLst/>
+          </a:prstGeom>
+        </p:spPr>
+        <p:style>
+          <a:lnRef idx="1">
+            <a:schemeClr val="accent1"/>
+          </a:lnRef>
+          <a:fillRef idx="0">
+            <a:schemeClr val="accent1"/>
+          </a:fillRef>
+          <a:effectRef idx="0">
+            <a:schemeClr val="accent1"/>
+          </a:effectRef>
+          <a:fontRef idx="minor">
+            <a:schemeClr val="tx1"/>
+          </a:fontRef>
+        </p:style>
+        <p:txBody>
+          <a:bodyPr rtlCol="0" anchor="ctr"/>
+          <a:lstStyle/>
+          <a:p>
+            <a:pPr algn="ctr"/>
+            <a:endParaRPr kumimoji="1" lang="ja-JP" altLang="en-US"/>
+          </a:p>
+        </p:txBody>
+      </p:sp>
+      <p:sp>
+        <p:nvSpPr>
+          <p:cNvPr id="59" name="正方形/長方形 58"/>
+          <p:cNvSpPr/>
+          <p:nvPr/>
+        </p:nvSpPr>
+        <p:spPr>
+          <a:xfrm>
+            <a:off x="3631587" y="3364135"/>
+            <a:ext cx="76317" cy="288032"/>
+          </a:xfrm>
+          <a:prstGeom prst="rect">
+            <a:avLst/>
+          </a:prstGeom>
+          <a:solidFill>
+            <a:schemeClr val="bg1">
+              <a:lumMod val="75000"/>
+            </a:schemeClr>
+          </a:solidFill>
+          <a:ln w="12700"/>
+        </p:spPr>
+        <p:style>
+          <a:lnRef idx="2">
+            <a:schemeClr val="accent1">
+              <a:shade val="50000"/>
+            </a:schemeClr>
+          </a:lnRef>
+          <a:fillRef idx="1">
+            <a:schemeClr val="accent1"/>
+          </a:fillRef>
+          <a:effectRef idx="0">
+            <a:schemeClr val="accent1"/>
+          </a:effectRef>
+          <a:fontRef idx="minor">
+            <a:schemeClr val="lt1"/>
+          </a:fontRef>
+        </p:style>
+        <p:txBody>
+          <a:bodyPr rtlCol="0" anchor="ctr"/>
+          <a:lstStyle/>
+          <a:p>
+            <a:pPr algn="ctr"/>
+            <a:endParaRPr kumimoji="1" lang="en-US" altLang="ja-JP" sz="500" dirty="0" smtClean="0">
+              <a:solidFill>
+                <a:schemeClr val="tx1"/>
+              </a:solidFill>
+            </a:endParaRPr>
+          </a:p>
+        </p:txBody>
+      </p:sp>
+      <p:sp>
+        <p:nvSpPr>
+          <p:cNvPr id="61" name="右大かっこ 60"/>
+          <p:cNvSpPr/>
+          <p:nvPr/>
+        </p:nvSpPr>
+        <p:spPr>
+          <a:xfrm rot="16200000" flipH="1">
+            <a:off x="3918448" y="3382404"/>
+            <a:ext cx="71836" cy="651211"/>
+          </a:xfrm>
+          <a:prstGeom prst="rightBracket">
+            <a:avLst/>
+          </a:prstGeom>
+        </p:spPr>
+        <p:style>
+          <a:lnRef idx="1">
+            <a:schemeClr val="accent1"/>
+          </a:lnRef>
+          <a:fillRef idx="0">
+            <a:schemeClr val="accent1"/>
+          </a:fillRef>
+          <a:effectRef idx="0">
+            <a:schemeClr val="accent1"/>
+          </a:effectRef>
+          <a:fontRef idx="minor">
+            <a:schemeClr val="tx1"/>
+          </a:fontRef>
+        </p:style>
+        <p:txBody>
+          <a:bodyPr rtlCol="0" anchor="ctr"/>
+          <a:lstStyle/>
+          <a:p>
+            <a:pPr algn="ctr"/>
+            <a:endParaRPr kumimoji="1" lang="ja-JP" altLang="en-US"/>
+          </a:p>
+        </p:txBody>
+      </p:sp>
+      <p:sp>
+        <p:nvSpPr>
+          <p:cNvPr id="64" name="正方形/長方形 63"/>
+          <p:cNvSpPr/>
+          <p:nvPr/>
+        </p:nvSpPr>
+        <p:spPr>
+          <a:xfrm>
+            <a:off x="3710286" y="3364135"/>
+            <a:ext cx="241762" cy="288032"/>
+          </a:xfrm>
+          <a:prstGeom prst="rect">
+            <a:avLst/>
+          </a:prstGeom>
+          <a:solidFill>
+            <a:schemeClr val="bg1">
+              <a:lumMod val="75000"/>
+            </a:schemeClr>
+          </a:solidFill>
+          <a:ln w="12700"/>
+        </p:spPr>
+        <p:style>
+          <a:lnRef idx="2">
+            <a:schemeClr val="accent1">
+              <a:shade val="50000"/>
+            </a:schemeClr>
+          </a:lnRef>
+          <a:fillRef idx="1">
+            <a:schemeClr val="accent1"/>
+          </a:fillRef>
+          <a:effectRef idx="0">
+            <a:schemeClr val="accent1"/>
+          </a:effectRef>
+          <a:fontRef idx="minor">
+            <a:schemeClr val="lt1"/>
+          </a:fontRef>
+        </p:style>
+        <p:txBody>
+          <a:bodyPr rtlCol="0" anchor="ctr"/>
+          <a:lstStyle/>
+          <a:p>
+            <a:pPr algn="ctr"/>
+            <a:endParaRPr kumimoji="1" lang="en-US" altLang="ja-JP" sz="500" dirty="0" smtClean="0">
+              <a:solidFill>
+                <a:schemeClr val="tx1"/>
+              </a:solidFill>
+            </a:endParaRPr>
+          </a:p>
+        </p:txBody>
+      </p:sp>
+      <p:cxnSp>
+        <p:nvCxnSpPr>
+          <p:cNvPr id="47" name="直線コネクタ 46"/>
+          <p:cNvCxnSpPr/>
+          <p:nvPr/>
+        </p:nvCxnSpPr>
+        <p:spPr>
+          <a:xfrm flipV="1">
+            <a:off x="3669231" y="2917289"/>
+            <a:ext cx="0" cy="423036"/>
+          </a:xfrm>
+          <a:prstGeom prst="line">
+            <a:avLst/>
+          </a:prstGeom>
+        </p:spPr>
+        <p:style>
+          <a:lnRef idx="1">
+            <a:schemeClr val="accent1"/>
+          </a:lnRef>
+          <a:fillRef idx="0">
+            <a:schemeClr val="accent1"/>
+          </a:fillRef>
+          <a:effectRef idx="0">
+            <a:schemeClr val="accent1"/>
+          </a:effectRef>
+          <a:fontRef idx="minor">
+            <a:schemeClr val="tx1"/>
+          </a:fontRef>
+        </p:style>
+      </p:cxnSp>
+      <p:sp>
+        <p:nvSpPr>
+          <p:cNvPr id="70" name="テキスト ボックス 69"/>
+          <p:cNvSpPr txBox="1"/>
+          <p:nvPr/>
+        </p:nvSpPr>
+        <p:spPr>
+          <a:xfrm>
+            <a:off x="3426416" y="2782491"/>
+            <a:ext cx="562975" cy="184666"/>
+          </a:xfrm>
+          <a:prstGeom prst="rect">
+            <a:avLst/>
+          </a:prstGeom>
+          <a:noFill/>
+          <a:ln>
+            <a:noFill/>
+          </a:ln>
+        </p:spPr>
+        <p:txBody>
+          <a:bodyPr wrap="none" rtlCol="0">
+            <a:spAutoFit/>
+          </a:bodyPr>
+          <a:lstStyle/>
+          <a:p>
+            <a:r>
+              <a:rPr kumimoji="1" lang="en-US" altLang="ja-JP" sz="600" dirty="0" err="1" smtClean="0"/>
+              <a:t>isSync</a:t>
+            </a:r>
+            <a:r>
+              <a:rPr kumimoji="1" lang="en-US" altLang="ja-JP" sz="600" dirty="0" smtClean="0"/>
+              <a:t> (</a:t>
+            </a:r>
+            <a:r>
+              <a:rPr lang="en-US" altLang="ja-JP" sz="600" dirty="0" smtClean="0"/>
+              <a:t>1</a:t>
+            </a:r>
+            <a:r>
+              <a:rPr kumimoji="1" lang="en-US" altLang="ja-JP" sz="600" dirty="0" smtClean="0"/>
+              <a:t>bit)</a:t>
+            </a:r>
+            <a:endParaRPr kumimoji="1" lang="ja-JP" altLang="en-US" sz="600" dirty="0"/>
+          </a:p>
+        </p:txBody>
+      </p:sp>
+      <p:cxnSp>
+        <p:nvCxnSpPr>
+          <p:cNvPr id="71" name="直線コネクタ 70"/>
+          <p:cNvCxnSpPr/>
+          <p:nvPr/>
+        </p:nvCxnSpPr>
+        <p:spPr>
+          <a:xfrm flipH="1" flipV="1">
+            <a:off x="3827781" y="3028711"/>
+            <a:ext cx="326" cy="302088"/>
+          </a:xfrm>
+          <a:prstGeom prst="line">
+            <a:avLst/>
+          </a:prstGeom>
+        </p:spPr>
+        <p:style>
+          <a:lnRef idx="1">
+            <a:schemeClr val="accent1"/>
+          </a:lnRef>
+          <a:fillRef idx="0">
+            <a:schemeClr val="accent1"/>
+          </a:fillRef>
+          <a:effectRef idx="0">
+            <a:schemeClr val="accent1"/>
+          </a:effectRef>
+          <a:fontRef idx="minor">
+            <a:schemeClr val="tx1"/>
+          </a:fontRef>
+        </p:style>
+      </p:cxnSp>
+      <p:sp>
+        <p:nvSpPr>
+          <p:cNvPr id="73" name="テキスト ボックス 72"/>
+          <p:cNvSpPr txBox="1"/>
+          <p:nvPr/>
+        </p:nvSpPr>
+        <p:spPr>
+          <a:xfrm>
+            <a:off x="3635896" y="2884294"/>
+            <a:ext cx="728084" cy="184666"/>
+          </a:xfrm>
+          <a:prstGeom prst="rect">
+            <a:avLst/>
+          </a:prstGeom>
+          <a:noFill/>
+          <a:ln>
+            <a:noFill/>
+          </a:ln>
+        </p:spPr>
+        <p:txBody>
+          <a:bodyPr wrap="none" rtlCol="0">
+            <a:spAutoFit/>
+          </a:bodyPr>
+          <a:lstStyle/>
+          <a:p>
+            <a:r>
+              <a:rPr kumimoji="1" lang="en-US" altLang="ja-JP" sz="600" dirty="0" smtClean="0"/>
+              <a:t>reply result (3bit)</a:t>
+            </a:r>
+            <a:endParaRPr kumimoji="1" lang="ja-JP" altLang="en-US" sz="600" dirty="0"/>
+          </a:p>
+        </p:txBody>
+      </p:sp>
+      <p:sp>
+        <p:nvSpPr>
+          <p:cNvPr id="75" name="正方形/長方形 74"/>
+          <p:cNvSpPr/>
+          <p:nvPr/>
+        </p:nvSpPr>
+        <p:spPr>
+          <a:xfrm>
+            <a:off x="1053716" y="3364707"/>
+            <a:ext cx="2577450" cy="288032"/>
+          </a:xfrm>
+          <a:prstGeom prst="rect">
+            <a:avLst/>
+          </a:prstGeom>
+          <a:solidFill>
+            <a:schemeClr val="bg1">
+              <a:lumMod val="75000"/>
+            </a:schemeClr>
+          </a:solidFill>
+          <a:ln w="12700"/>
+        </p:spPr>
+        <p:style>
+          <a:lnRef idx="2">
+            <a:schemeClr val="accent1">
+              <a:shade val="50000"/>
+            </a:schemeClr>
+          </a:lnRef>
+          <a:fillRef idx="1">
+            <a:schemeClr val="accent1"/>
+          </a:fillRef>
+          <a:effectRef idx="0">
+            <a:schemeClr val="accent1"/>
+          </a:effectRef>
+          <a:fontRef idx="minor">
+            <a:schemeClr val="lt1"/>
+          </a:fontRef>
+        </p:style>
+        <p:txBody>
+          <a:bodyPr rtlCol="0" anchor="ctr"/>
+          <a:lstStyle/>
+          <a:p>
+            <a:pPr algn="ctr"/>
+            <a:r>
+              <a:rPr kumimoji="1" lang="en-US" altLang="ja-JP" sz="800" dirty="0" smtClean="0">
+                <a:solidFill>
+                  <a:schemeClr val="tx1"/>
+                </a:solidFill>
+              </a:rPr>
+              <a:t>hash</a:t>
+            </a:r>
+            <a:r>
+              <a:rPr kumimoji="1" lang="ja-JP" altLang="en-US" sz="800" dirty="0" smtClean="0">
+                <a:solidFill>
+                  <a:schemeClr val="tx1"/>
+                </a:solidFill>
+              </a:rPr>
+              <a:t> </a:t>
+            </a:r>
+            <a:r>
+              <a:rPr kumimoji="1" lang="en-US" altLang="ja-JP" sz="800" dirty="0" smtClean="0">
+                <a:solidFill>
+                  <a:schemeClr val="tx1"/>
+                </a:solidFill>
+              </a:rPr>
+              <a:t>(4byte)</a:t>
+            </a:r>
+          </a:p>
+          <a:p>
+            <a:pPr algn="ctr"/>
+            <a:r>
+              <a:rPr kumimoji="1" lang="en-US" altLang="ja-JP" sz="800" dirty="0" smtClean="0">
+                <a:solidFill>
+                  <a:schemeClr val="tx1"/>
+                </a:solidFill>
+              </a:rPr>
+              <a:t>ID</a:t>
+            </a:r>
+            <a:r>
+              <a:rPr kumimoji="1" lang="ja-JP" altLang="en-US" sz="800" dirty="0" smtClean="0">
+                <a:solidFill>
+                  <a:schemeClr val="tx1"/>
+                </a:solidFill>
+              </a:rPr>
+              <a:t>一致</a:t>
+            </a:r>
+            <a:r>
+              <a:rPr lang="ja-JP" altLang="en-US" sz="800" dirty="0" smtClean="0">
+                <a:solidFill>
+                  <a:schemeClr val="tx1"/>
+                </a:solidFill>
+              </a:rPr>
+              <a:t>をとる</a:t>
+            </a:r>
+            <a:r>
+              <a:rPr kumimoji="1" lang="ja-JP" altLang="en-US" sz="800" dirty="0" smtClean="0">
+                <a:solidFill>
+                  <a:schemeClr val="tx1"/>
+                </a:solidFill>
+              </a:rPr>
+              <a:t>為の</a:t>
+            </a:r>
+            <a:r>
+              <a:rPr kumimoji="1" lang="en-US" altLang="ja-JP" sz="800" dirty="0" smtClean="0">
+                <a:solidFill>
+                  <a:schemeClr val="tx1"/>
+                </a:solidFill>
+              </a:rPr>
+              <a:t>hash</a:t>
+            </a:r>
+            <a:r>
+              <a:rPr kumimoji="1" lang="ja-JP" altLang="en-US" sz="800" dirty="0" smtClean="0">
+                <a:solidFill>
+                  <a:schemeClr val="tx1"/>
+                </a:solidFill>
+              </a:rPr>
+              <a:t>値</a:t>
+            </a:r>
+            <a:endParaRPr kumimoji="1" lang="en-US" altLang="ja-JP" sz="800" dirty="0" smtClean="0">
+              <a:solidFill>
+                <a:schemeClr val="tx1"/>
+              </a:solidFill>
+            </a:endParaRPr>
+          </a:p>
+        </p:txBody>
+      </p:sp>
+      <p:sp>
+        <p:nvSpPr>
+          <p:cNvPr id="80" name="右大かっこ 79"/>
+          <p:cNvSpPr/>
+          <p:nvPr/>
+        </p:nvSpPr>
+        <p:spPr>
+          <a:xfrm rot="16200000">
+            <a:off x="2306562" y="2032136"/>
+            <a:ext cx="45719" cy="2551413"/>
+          </a:xfrm>
+          <a:prstGeom prst="rightBracket">
+            <a:avLst/>
+          </a:prstGeom>
+        </p:spPr>
+        <p:style>
+          <a:lnRef idx="1">
+            <a:schemeClr val="accent1"/>
+          </a:lnRef>
+          <a:fillRef idx="0">
+            <a:schemeClr val="accent1"/>
+          </a:fillRef>
+          <a:effectRef idx="0">
+            <a:schemeClr val="accent1"/>
+          </a:effectRef>
+          <a:fontRef idx="minor">
+            <a:schemeClr val="tx1"/>
+          </a:fontRef>
+        </p:style>
+        <p:txBody>
+          <a:bodyPr rtlCol="0" anchor="ctr"/>
+          <a:lstStyle/>
+          <a:p>
+            <a:pPr algn="ctr"/>
+            <a:endParaRPr kumimoji="1" lang="ja-JP" altLang="en-US"/>
+          </a:p>
+        </p:txBody>
+      </p:sp>
+      <p:sp>
+        <p:nvSpPr>
+          <p:cNvPr id="81" name="正方形/長方形 80"/>
+          <p:cNvSpPr/>
+          <p:nvPr/>
+        </p:nvSpPr>
+        <p:spPr>
+          <a:xfrm>
+            <a:off x="1975408" y="3074234"/>
+            <a:ext cx="435742" cy="287259"/>
+          </a:xfrm>
+          <a:prstGeom prst="rect">
+            <a:avLst/>
+          </a:prstGeom>
+          <a:noFill/>
+          <a:ln w="12700">
+            <a:noFill/>
+          </a:ln>
+        </p:spPr>
+        <p:style>
+          <a:lnRef idx="2">
+            <a:schemeClr val="accent1">
+              <a:shade val="50000"/>
+            </a:schemeClr>
+          </a:lnRef>
+          <a:fillRef idx="1">
+            <a:schemeClr val="accent1"/>
+          </a:fillRef>
+          <a:effectRef idx="0">
+            <a:schemeClr val="accent1"/>
+          </a:effectRef>
+          <a:fontRef idx="minor">
+            <a:schemeClr val="lt1"/>
+          </a:fontRef>
+        </p:style>
+        <p:txBody>
+          <a:bodyPr rtlCol="0" anchor="ctr"/>
+          <a:lstStyle/>
+          <a:p>
+            <a:pPr algn="ctr"/>
+            <a:r>
+              <a:rPr lang="en-US" altLang="ja-JP" sz="800" dirty="0" smtClean="0">
+                <a:solidFill>
+                  <a:schemeClr val="tx1"/>
+                </a:solidFill>
+              </a:rPr>
+              <a:t>4byte</a:t>
+            </a:r>
+            <a:endParaRPr kumimoji="1" lang="en-US" altLang="ja-JP" sz="800" dirty="0" smtClean="0">
+              <a:solidFill>
+                <a:schemeClr val="tx1"/>
+              </a:solidFill>
+            </a:endParaRPr>
+          </a:p>
+        </p:txBody>
+      </p:sp>
+      <p:sp>
+        <p:nvSpPr>
+          <p:cNvPr id="83" name="正方形/長方形 82"/>
+          <p:cNvSpPr/>
+          <p:nvPr/>
+        </p:nvSpPr>
+        <p:spPr>
+          <a:xfrm>
+            <a:off x="522242" y="3126616"/>
+            <a:ext cx="435742" cy="287259"/>
+          </a:xfrm>
+          <a:prstGeom prst="rect">
+            <a:avLst/>
+          </a:prstGeom>
+          <a:noFill/>
+          <a:ln w="12700">
+            <a:noFill/>
+          </a:ln>
+        </p:spPr>
+        <p:style>
+          <a:lnRef idx="2">
+            <a:schemeClr val="accent1">
+              <a:shade val="50000"/>
+            </a:schemeClr>
+          </a:lnRef>
+          <a:fillRef idx="1">
+            <a:schemeClr val="accent1"/>
+          </a:fillRef>
+          <a:effectRef idx="0">
+            <a:schemeClr val="accent1"/>
+          </a:effectRef>
+          <a:fontRef idx="minor">
+            <a:schemeClr val="lt1"/>
+          </a:fontRef>
+        </p:style>
+        <p:txBody>
+          <a:bodyPr rtlCol="0" anchor="ctr"/>
+          <a:lstStyle/>
+          <a:p>
+            <a:pPr algn="ctr"/>
+            <a:r>
+              <a:rPr lang="en-US" altLang="ja-JP" sz="800" dirty="0">
+                <a:solidFill>
+                  <a:schemeClr val="tx1"/>
+                </a:solidFill>
+              </a:rPr>
+              <a:t>1</a:t>
+            </a:r>
+            <a:r>
+              <a:rPr lang="en-US" altLang="ja-JP" sz="800" dirty="0" smtClean="0">
+                <a:solidFill>
+                  <a:schemeClr val="tx1"/>
+                </a:solidFill>
+              </a:rPr>
+              <a:t>byte</a:t>
+            </a:r>
+            <a:endParaRPr kumimoji="1" lang="en-US" altLang="ja-JP" sz="800" dirty="0" smtClean="0">
+              <a:solidFill>
+                <a:schemeClr val="tx1"/>
+              </a:solidFill>
+            </a:endParaRPr>
+          </a:p>
+        </p:txBody>
+      </p:sp>
+      <p:sp>
+        <p:nvSpPr>
+          <p:cNvPr id="85" name="右大かっこ 84"/>
+          <p:cNvSpPr/>
+          <p:nvPr/>
+        </p:nvSpPr>
+        <p:spPr>
+          <a:xfrm rot="16200000">
+            <a:off x="1963066" y="1581020"/>
+            <a:ext cx="79990" cy="3183922"/>
+          </a:xfrm>
+          <a:prstGeom prst="rightBracket">
+            <a:avLst/>
+          </a:prstGeom>
+        </p:spPr>
+        <p:style>
+          <a:lnRef idx="1">
+            <a:schemeClr val="accent1"/>
+          </a:lnRef>
+          <a:fillRef idx="0">
+            <a:schemeClr val="accent1"/>
+          </a:fillRef>
+          <a:effectRef idx="0">
+            <a:schemeClr val="accent1"/>
+          </a:effectRef>
+          <a:fontRef idx="minor">
+            <a:schemeClr val="tx1"/>
+          </a:fontRef>
+        </p:style>
+        <p:txBody>
+          <a:bodyPr rtlCol="0" anchor="ctr"/>
+          <a:lstStyle/>
+          <a:p>
+            <a:pPr algn="ctr"/>
+            <a:endParaRPr kumimoji="1" lang="ja-JP" altLang="en-US"/>
           </a:p>
         </p:txBody>
       </p:sp>

--- a/etc/immsocket.pptx
+++ b/etc/immsocket.pptx
@@ -210,7 +210,7 @@
           <a:p>
             <a:fld id="{22CC3290-24F6-477F-95D9-2B730663FC8A}" type="datetimeFigureOut">
               <a:rPr kumimoji="1" lang="ja-JP" altLang="en-US" smtClean="0"/>
-              <a:t>2018/3/14</a:t>
+              <a:t>2018/3/16</a:t>
             </a:fld>
             <a:endParaRPr kumimoji="1" lang="ja-JP" altLang="en-US"/>
           </a:p>
@@ -510,6 +510,90 @@
 </p:notesMaster>
 </file>
 
+<file path=ppt/notesSlides/notesSlide1.xml><?xml version="1.0" encoding="utf-8"?>
+<p:notes xmlns:a="http://schemas.openxmlformats.org/drawingml/2006/main" xmlns:r="http://schemas.openxmlformats.org/officeDocument/2006/relationships" xmlns:p="http://schemas.openxmlformats.org/presentationml/2006/main">
+  <p:cSld>
+    <p:spTree>
+      <p:nvGrpSpPr>
+        <p:cNvPr id="1" name=""/>
+        <p:cNvGrpSpPr/>
+        <p:nvPr/>
+      </p:nvGrpSpPr>
+      <p:grpSpPr>
+        <a:xfrm>
+          <a:off x="0" y="0"/>
+          <a:ext cx="0" cy="0"/>
+          <a:chOff x="0" y="0"/>
+          <a:chExt cx="0" cy="0"/>
+        </a:xfrm>
+      </p:grpSpPr>
+      <p:sp>
+        <p:nvSpPr>
+          <p:cNvPr id="2" name="スライド イメージ プレースホルダー 1"/>
+          <p:cNvSpPr>
+            <a:spLocks noGrp="1" noRot="1" noChangeAspect="1"/>
+          </p:cNvSpPr>
+          <p:nvPr>
+            <p:ph type="sldImg"/>
+          </p:nvPr>
+        </p:nvSpPr>
+        <p:spPr/>
+      </p:sp>
+      <p:sp>
+        <p:nvSpPr>
+          <p:cNvPr id="3" name="ノート プレースホルダー 2"/>
+          <p:cNvSpPr>
+            <a:spLocks noGrp="1"/>
+          </p:cNvSpPr>
+          <p:nvPr>
+            <p:ph type="body" idx="1"/>
+          </p:nvPr>
+        </p:nvSpPr>
+        <p:spPr/>
+        <p:txBody>
+          <a:bodyPr/>
+          <a:lstStyle/>
+          <a:p>
+            <a:endParaRPr kumimoji="1" lang="ja-JP" altLang="en-US" dirty="0"/>
+          </a:p>
+        </p:txBody>
+      </p:sp>
+      <p:sp>
+        <p:nvSpPr>
+          <p:cNvPr id="4" name="スライド番号プレースホルダー 3"/>
+          <p:cNvSpPr>
+            <a:spLocks noGrp="1"/>
+          </p:cNvSpPr>
+          <p:nvPr>
+            <p:ph type="sldNum" sz="quarter" idx="10"/>
+          </p:nvPr>
+        </p:nvSpPr>
+        <p:spPr/>
+        <p:txBody>
+          <a:bodyPr/>
+          <a:lstStyle/>
+          <a:p>
+            <a:fld id="{B8143AA4-8ACA-4DAE-8955-FC8C47D78E43}" type="slidenum">
+              <a:rPr kumimoji="1" lang="ja-JP" altLang="en-US" smtClean="0"/>
+              <a:t>2</a:t>
+            </a:fld>
+            <a:endParaRPr kumimoji="1" lang="ja-JP" altLang="en-US"/>
+          </a:p>
+        </p:txBody>
+      </p:sp>
+    </p:spTree>
+    <p:extLst>
+      <p:ext uri="{BB962C8B-B14F-4D97-AF65-F5344CB8AC3E}">
+        <p14:creationId xmlns:p14="http://schemas.microsoft.com/office/powerpoint/2010/main" val="3670665297"/>
+      </p:ext>
+    </p:extLst>
+  </p:cSld>
+  <p:clrMapOvr>
+    <a:masterClrMapping/>
+  </p:clrMapOvr>
+</p:notes>
+</file>
+
 <file path=ppt/slideLayouts/slideLayout1.xml><?xml version="1.0" encoding="utf-8"?>
 <p:sldLayout xmlns:a="http://schemas.openxmlformats.org/drawingml/2006/main" xmlns:r="http://schemas.openxmlformats.org/officeDocument/2006/relationships" xmlns:p="http://schemas.openxmlformats.org/presentationml/2006/main" type="title" preserve="1">
   <p:cSld name="タイトル スライド">
@@ -691,7 +775,7 @@
           <a:p>
             <a:fld id="{58F1A61C-07EC-4CEE-80EB-D6F8CCBD6E84}" type="datetimeFigureOut">
               <a:rPr kumimoji="1" lang="ja-JP" altLang="en-US" smtClean="0"/>
-              <a:t>2018/3/14</a:t>
+              <a:t>2018/3/16</a:t>
             </a:fld>
             <a:endParaRPr kumimoji="1" lang="ja-JP" altLang="en-US"/>
           </a:p>
@@ -893,7 +977,7 @@
           <a:p>
             <a:fld id="{58F1A61C-07EC-4CEE-80EB-D6F8CCBD6E84}" type="datetimeFigureOut">
               <a:rPr kumimoji="1" lang="ja-JP" altLang="en-US" smtClean="0"/>
-              <a:t>2018/3/14</a:t>
+              <a:t>2018/3/16</a:t>
             </a:fld>
             <a:endParaRPr kumimoji="1" lang="ja-JP" altLang="en-US"/>
           </a:p>
@@ -1105,7 +1189,7 @@
           <a:p>
             <a:fld id="{58F1A61C-07EC-4CEE-80EB-D6F8CCBD6E84}" type="datetimeFigureOut">
               <a:rPr kumimoji="1" lang="ja-JP" altLang="en-US" smtClean="0"/>
-              <a:t>2018/3/14</a:t>
+              <a:t>2018/3/16</a:t>
             </a:fld>
             <a:endParaRPr kumimoji="1" lang="ja-JP" altLang="en-US"/>
           </a:p>
@@ -1307,7 +1391,7 @@
           <a:p>
             <a:fld id="{58F1A61C-07EC-4CEE-80EB-D6F8CCBD6E84}" type="datetimeFigureOut">
               <a:rPr kumimoji="1" lang="ja-JP" altLang="en-US" smtClean="0"/>
-              <a:t>2018/3/14</a:t>
+              <a:t>2018/3/16</a:t>
             </a:fld>
             <a:endParaRPr kumimoji="1" lang="ja-JP" altLang="en-US"/>
           </a:p>
@@ -1553,7 +1637,7 @@
           <a:p>
             <a:fld id="{58F1A61C-07EC-4CEE-80EB-D6F8CCBD6E84}" type="datetimeFigureOut">
               <a:rPr kumimoji="1" lang="ja-JP" altLang="en-US" smtClean="0"/>
-              <a:t>2018/3/14</a:t>
+              <a:t>2018/3/16</a:t>
             </a:fld>
             <a:endParaRPr kumimoji="1" lang="ja-JP" altLang="en-US"/>
           </a:p>
@@ -1905,7 +1989,7 @@
           <a:p>
             <a:fld id="{58F1A61C-07EC-4CEE-80EB-D6F8CCBD6E84}" type="datetimeFigureOut">
               <a:rPr kumimoji="1" lang="ja-JP" altLang="en-US" smtClean="0"/>
-              <a:t>2018/3/14</a:t>
+              <a:t>2018/3/16</a:t>
             </a:fld>
             <a:endParaRPr kumimoji="1" lang="ja-JP" altLang="en-US"/>
           </a:p>
@@ -2391,7 +2475,7 @@
           <a:p>
             <a:fld id="{58F1A61C-07EC-4CEE-80EB-D6F8CCBD6E84}" type="datetimeFigureOut">
               <a:rPr kumimoji="1" lang="ja-JP" altLang="en-US" smtClean="0"/>
-              <a:t>2018/3/14</a:t>
+              <a:t>2018/3/16</a:t>
             </a:fld>
             <a:endParaRPr kumimoji="1" lang="ja-JP" altLang="en-US"/>
           </a:p>
@@ -2509,7 +2593,7 @@
           <a:p>
             <a:fld id="{58F1A61C-07EC-4CEE-80EB-D6F8CCBD6E84}" type="datetimeFigureOut">
               <a:rPr kumimoji="1" lang="ja-JP" altLang="en-US" smtClean="0"/>
-              <a:t>2018/3/14</a:t>
+              <a:t>2018/3/16</a:t>
             </a:fld>
             <a:endParaRPr kumimoji="1" lang="ja-JP" altLang="en-US"/>
           </a:p>
@@ -2604,7 +2688,7 @@
           <a:p>
             <a:fld id="{58F1A61C-07EC-4CEE-80EB-D6F8CCBD6E84}" type="datetimeFigureOut">
               <a:rPr kumimoji="1" lang="ja-JP" altLang="en-US" smtClean="0"/>
-              <a:t>2018/3/14</a:t>
+              <a:t>2018/3/16</a:t>
             </a:fld>
             <a:endParaRPr kumimoji="1" lang="ja-JP" altLang="en-US"/>
           </a:p>
@@ -2913,7 +2997,7 @@
           <a:p>
             <a:fld id="{58F1A61C-07EC-4CEE-80EB-D6F8CCBD6E84}" type="datetimeFigureOut">
               <a:rPr kumimoji="1" lang="ja-JP" altLang="en-US" smtClean="0"/>
-              <a:t>2018/3/14</a:t>
+              <a:t>2018/3/16</a:t>
             </a:fld>
             <a:endParaRPr kumimoji="1" lang="ja-JP" altLang="en-US"/>
           </a:p>
@@ -3166,7 +3250,7 @@
           <a:p>
             <a:fld id="{58F1A61C-07EC-4CEE-80EB-D6F8CCBD6E84}" type="datetimeFigureOut">
               <a:rPr kumimoji="1" lang="ja-JP" altLang="en-US" smtClean="0"/>
-              <a:t>2018/3/14</a:t>
+              <a:t>2018/3/16</a:t>
             </a:fld>
             <a:endParaRPr kumimoji="1" lang="ja-JP" altLang="en-US"/>
           </a:p>
@@ -3411,7 +3495,7 @@
           <a:p>
             <a:fld id="{58F1A61C-07EC-4CEE-80EB-D6F8CCBD6E84}" type="datetimeFigureOut">
               <a:rPr kumimoji="1" lang="ja-JP" altLang="en-US" smtClean="0"/>
-              <a:t>2018/3/14</a:t>
+              <a:t>2018/3/16</a:t>
             </a:fld>
             <a:endParaRPr kumimoji="1" lang="ja-JP" altLang="en-US"/>
           </a:p>
@@ -4265,7 +4349,7 @@
                   <a:schemeClr val="tx1"/>
                 </a:solidFill>
               </a:rPr>
-              <a:t>c</a:t>
+              <a:t>C</a:t>
             </a:r>
             <a:r>
               <a:rPr kumimoji="1" lang="en-US" altLang="ja-JP" sz="1100" dirty="0" smtClean="0">
@@ -4273,7 +4357,15 @@
                   <a:schemeClr val="tx1"/>
                 </a:solidFill>
               </a:rPr>
-              <a:t>omponent diagram</a:t>
+              <a:t>omponent </a:t>
+            </a:r>
+            <a:r>
+              <a:rPr kumimoji="1" lang="en-US" altLang="ja-JP" sz="1100" dirty="0" smtClean="0">
+                <a:solidFill>
+                  <a:schemeClr val="tx1"/>
+                </a:solidFill>
+              </a:rPr>
+              <a:t>diagram</a:t>
             </a:r>
           </a:p>
         </p:txBody>
@@ -7157,7 +7249,7 @@
         </p:nvSpPr>
         <p:spPr>
           <a:xfrm>
-            <a:off x="628613" y="1964837"/>
+            <a:off x="628613" y="1604797"/>
             <a:ext cx="1440160" cy="591783"/>
           </a:xfrm>
           <a:prstGeom prst="rect">
@@ -7220,7 +7312,7 @@
         </p:nvSpPr>
         <p:spPr>
           <a:xfrm>
-            <a:off x="2483768" y="692696"/>
+            <a:off x="2491976" y="599388"/>
             <a:ext cx="1440160" cy="576064"/>
           </a:xfrm>
           <a:prstGeom prst="rect">
@@ -7283,7 +7375,7 @@
         </p:nvSpPr>
         <p:spPr>
           <a:xfrm>
-            <a:off x="3347864" y="1964837"/>
+            <a:off x="3347864" y="1604797"/>
             <a:ext cx="1440160" cy="591783"/>
           </a:xfrm>
           <a:prstGeom prst="rect">
@@ -7346,7 +7438,7 @@
         </p:nvSpPr>
         <p:spPr>
           <a:xfrm>
-            <a:off x="2658901" y="1268760"/>
+            <a:off x="2660395" y="1172749"/>
             <a:ext cx="144016" cy="192021"/>
           </a:xfrm>
           <a:prstGeom prst="triangle">
@@ -7397,8 +7489,8 @@
         </p:nvCxnSpPr>
         <p:spPr>
           <a:xfrm rot="5400000">
-            <a:off x="1787773" y="1021701"/>
-            <a:ext cx="504056" cy="1382216"/>
+            <a:off x="1920535" y="792928"/>
+            <a:ext cx="240027" cy="1383710"/>
           </a:xfrm>
           <a:prstGeom prst="bentConnector3">
             <a:avLst/>
@@ -7427,7 +7519,7 @@
         </p:nvSpPr>
         <p:spPr>
           <a:xfrm>
-            <a:off x="3131840" y="1268760"/>
+            <a:off x="3128246" y="1176897"/>
             <a:ext cx="144016" cy="192021"/>
           </a:xfrm>
           <a:prstGeom prst="triangle">
@@ -7478,12 +7570,12 @@
         </p:nvCxnSpPr>
         <p:spPr>
           <a:xfrm rot="16200000" flipH="1">
-            <a:off x="3383868" y="1280761"/>
-            <a:ext cx="504056" cy="864096"/>
+            <a:off x="3516160" y="1053012"/>
+            <a:ext cx="235879" cy="867690"/>
           </a:xfrm>
           <a:prstGeom prst="bentConnector3">
             <a:avLst>
-              <a:gd name="adj1" fmla="val 65117"/>
+              <a:gd name="adj1" fmla="val 63461"/>
             </a:avLst>
           </a:prstGeom>
         </p:spPr>
@@ -7502,63 +7594,19 @@
           </a:fontRef>
         </p:style>
       </p:cxnSp>
-      <p:sp>
-        <p:nvSpPr>
-          <p:cNvPr id="42" name="ひし形 41"/>
-          <p:cNvSpPr/>
-          <p:nvPr/>
-        </p:nvSpPr>
-        <p:spPr>
-          <a:xfrm>
-            <a:off x="2068772" y="2181258"/>
-            <a:ext cx="290293" cy="158040"/>
-          </a:xfrm>
-          <a:prstGeom prst="diamond">
-            <a:avLst/>
-          </a:prstGeom>
-          <a:solidFill>
-            <a:schemeClr val="accent1"/>
-          </a:solidFill>
-          <a:ln w="9525"/>
-        </p:spPr>
-        <p:style>
-          <a:lnRef idx="2">
-            <a:schemeClr val="accent1">
-              <a:shade val="50000"/>
-            </a:schemeClr>
-          </a:lnRef>
-          <a:fillRef idx="1">
-            <a:schemeClr val="accent1"/>
-          </a:fillRef>
-          <a:effectRef idx="0">
-            <a:schemeClr val="accent1"/>
-          </a:effectRef>
-          <a:fontRef idx="minor">
-            <a:schemeClr val="lt1"/>
-          </a:fontRef>
-        </p:style>
-        <p:txBody>
-          <a:bodyPr rtlCol="0" anchor="ctr"/>
-          <a:lstStyle/>
-          <a:p>
-            <a:pPr algn="ctr"/>
-            <a:endParaRPr kumimoji="1" lang="ja-JP" altLang="en-US"/>
-          </a:p>
-        </p:txBody>
-      </p:sp>
       <p:cxnSp>
         <p:nvCxnSpPr>
           <p:cNvPr id="45" name="直線矢印コネクタ 44"/>
           <p:cNvCxnSpPr>
-            <a:stCxn id="42" idx="3"/>
+            <a:stCxn id="83" idx="0"/>
             <a:endCxn id="53" idx="1"/>
           </p:cNvCxnSpPr>
           <p:nvPr/>
         </p:nvCxnSpPr>
         <p:spPr>
           <a:xfrm>
-            <a:off x="2359065" y="2260278"/>
-            <a:ext cx="988799" cy="451"/>
+            <a:off x="2275417" y="1900238"/>
+            <a:ext cx="1072447" cy="451"/>
           </a:xfrm>
           <a:prstGeom prst="straightConnector1">
             <a:avLst/>
@@ -7591,7 +7639,7 @@
         </p:nvSpPr>
         <p:spPr>
           <a:xfrm>
-            <a:off x="2370869" y="2277259"/>
+            <a:off x="2234679" y="1940470"/>
             <a:ext cx="167621" cy="143629"/>
           </a:xfrm>
           <a:prstGeom prst="rect">
@@ -7645,7 +7693,7 @@
         </p:nvSpPr>
         <p:spPr>
           <a:xfrm>
-            <a:off x="3128246" y="2293728"/>
+            <a:off x="3128246" y="1933688"/>
             <a:ext cx="167621" cy="143629"/>
           </a:xfrm>
           <a:prstGeom prst="rect">
@@ -7699,7 +7747,7 @@
         </p:nvSpPr>
         <p:spPr>
           <a:xfrm>
-            <a:off x="3337231" y="3068960"/>
+            <a:off x="3337231" y="2708920"/>
             <a:ext cx="1440160" cy="576064"/>
           </a:xfrm>
           <a:prstGeom prst="rect">
@@ -7792,7 +7840,7 @@
         </p:nvSpPr>
         <p:spPr>
           <a:xfrm>
-            <a:off x="3347864" y="4149080"/>
+            <a:off x="3347864" y="3789040"/>
             <a:ext cx="1440160" cy="576064"/>
           </a:xfrm>
           <a:prstGeom prst="rect">
@@ -7863,7 +7911,7 @@
         </p:nvSpPr>
         <p:spPr>
           <a:xfrm>
-            <a:off x="2950984" y="5157192"/>
+            <a:off x="628613" y="5121188"/>
             <a:ext cx="2232248" cy="1080120"/>
           </a:xfrm>
           <a:prstGeom prst="rect">
@@ -8014,7 +8062,7 @@
         </p:nvSpPr>
         <p:spPr>
           <a:xfrm>
-            <a:off x="3995937" y="4725144"/>
+            <a:off x="3995937" y="4365104"/>
             <a:ext cx="144016" cy="192021"/>
           </a:xfrm>
           <a:prstGeom prst="triangle">
@@ -8065,11 +8113,13 @@
         </p:nvCxnSpPr>
         <p:spPr>
           <a:xfrm rot="5400000">
-            <a:off x="3947514" y="5036760"/>
-            <a:ext cx="240027" cy="837"/>
+            <a:off x="2624310" y="3677552"/>
+            <a:ext cx="564063" cy="2323208"/>
           </a:xfrm>
           <a:prstGeom prst="bentConnector3">
-            <a:avLst/>
+            <a:avLst>
+              <a:gd name="adj1" fmla="val 64635"/>
+            </a:avLst>
           </a:prstGeom>
         </p:spPr>
         <p:style>
@@ -8095,7 +8145,7 @@
         </p:nvSpPr>
         <p:spPr>
           <a:xfrm>
-            <a:off x="3999407" y="3645024"/>
+            <a:off x="3999407" y="3284984"/>
             <a:ext cx="144016" cy="192021"/>
           </a:xfrm>
           <a:prstGeom prst="triangle">
@@ -8146,7 +8196,7 @@
         </p:nvCxnSpPr>
         <p:spPr>
           <a:xfrm flipH="1">
-            <a:off x="4067944" y="3837045"/>
+            <a:off x="4067944" y="3477005"/>
             <a:ext cx="3471" cy="312035"/>
           </a:xfrm>
           <a:prstGeom prst="line">
@@ -8179,7 +8229,7 @@
         </p:nvSpPr>
         <p:spPr>
           <a:xfrm>
-            <a:off x="4102283" y="2708920"/>
+            <a:off x="4102283" y="2348880"/>
             <a:ext cx="109677" cy="180797"/>
           </a:xfrm>
           <a:prstGeom prst="rect">
@@ -8233,7 +8283,7 @@
         </p:nvSpPr>
         <p:spPr>
           <a:xfrm>
-            <a:off x="4036045" y="2893045"/>
+            <a:off x="4036045" y="2533005"/>
             <a:ext cx="391939" cy="180797"/>
           </a:xfrm>
           <a:prstGeom prst="rect">
@@ -8287,7 +8337,7 @@
         </p:nvSpPr>
         <p:spPr>
           <a:xfrm>
-            <a:off x="3980235" y="2556620"/>
+            <a:off x="3980235" y="2196580"/>
             <a:ext cx="149697" cy="211657"/>
           </a:xfrm>
           <a:prstGeom prst="diamond">
@@ -8334,7 +8384,7 @@
         </p:nvCxnSpPr>
         <p:spPr>
           <a:xfrm>
-            <a:off x="4055084" y="2768277"/>
+            <a:off x="4055084" y="2408237"/>
             <a:ext cx="2227" cy="300683"/>
           </a:xfrm>
           <a:prstGeom prst="straightConnector1">
@@ -8368,7 +8418,7 @@
         </p:nvSpPr>
         <p:spPr>
           <a:xfrm>
-            <a:off x="7197718" y="5242521"/>
+            <a:off x="7116966" y="3831907"/>
             <a:ext cx="1440160" cy="576064"/>
           </a:xfrm>
           <a:prstGeom prst="rect">
@@ -8439,7 +8489,7 @@
         </p:nvSpPr>
         <p:spPr>
           <a:xfrm>
-            <a:off x="5123234" y="2483634"/>
+            <a:off x="5123234" y="2123594"/>
             <a:ext cx="1440160" cy="576064"/>
           </a:xfrm>
           <a:prstGeom prst="rect">
@@ -8502,7 +8552,7 @@
         </p:nvSpPr>
         <p:spPr>
           <a:xfrm>
-            <a:off x="6052050" y="4442573"/>
+            <a:off x="6935870" y="2118324"/>
             <a:ext cx="1440160" cy="576064"/>
           </a:xfrm>
           <a:prstGeom prst="rect">
@@ -8584,7 +8634,7 @@
         </p:nvSpPr>
         <p:spPr>
           <a:xfrm>
-            <a:off x="3635896" y="1268760"/>
+            <a:off x="3612058" y="1172749"/>
             <a:ext cx="144016" cy="192021"/>
           </a:xfrm>
           <a:prstGeom prst="triangle">
@@ -8629,19 +8679,18 @@
           <p:cNvPr id="47" name="カギ線コネクタ 46"/>
           <p:cNvCxnSpPr>
             <a:stCxn id="46" idx="3"/>
-            <a:endCxn id="44" idx="3"/>
+            <a:endCxn id="44" idx="0"/>
           </p:cNvCxnSpPr>
           <p:nvPr/>
         </p:nvCxnSpPr>
         <p:spPr>
           <a:xfrm rot="16200000" flipH="1">
-            <a:off x="3965145" y="1203540"/>
-            <a:ext cx="3269824" cy="3784306"/>
-          </a:xfrm>
-          <a:prstGeom prst="bentConnector4">
+            <a:off x="5293231" y="-244395"/>
+            <a:ext cx="753554" cy="3971884"/>
+          </a:xfrm>
+          <a:prstGeom prst="bentConnector3">
             <a:avLst>
-              <a:gd name="adj1" fmla="val 4814"/>
-              <a:gd name="adj2" fmla="val 106041"/>
+              <a:gd name="adj1" fmla="val 12922"/>
             </a:avLst>
           </a:prstGeom>
         </p:spPr>
@@ -8660,68 +8709,23 @@
           </a:fontRef>
         </p:style>
       </p:cxnSp>
-      <p:sp>
-        <p:nvSpPr>
-          <p:cNvPr id="50" name="ひし形 49"/>
-          <p:cNvSpPr/>
-          <p:nvPr/>
-        </p:nvSpPr>
-        <p:spPr>
-          <a:xfrm>
-            <a:off x="6570385" y="2719221"/>
-            <a:ext cx="318758" cy="161661"/>
-          </a:xfrm>
-          <a:prstGeom prst="diamond">
-            <a:avLst/>
-          </a:prstGeom>
-          <a:solidFill>
-            <a:schemeClr val="accent1"/>
-          </a:solidFill>
-          <a:ln w="9525"/>
-        </p:spPr>
-        <p:style>
-          <a:lnRef idx="2">
-            <a:schemeClr val="accent1">
-              <a:shade val="50000"/>
-            </a:schemeClr>
-          </a:lnRef>
-          <a:fillRef idx="1">
-            <a:schemeClr val="accent1"/>
-          </a:fillRef>
-          <a:effectRef idx="0">
-            <a:schemeClr val="accent1"/>
-          </a:effectRef>
-          <a:fontRef idx="minor">
-            <a:schemeClr val="lt1"/>
-          </a:fontRef>
-        </p:style>
-        <p:txBody>
-          <a:bodyPr rtlCol="0" anchor="ctr"/>
-          <a:lstStyle/>
-          <a:p>
-            <a:pPr algn="ctr"/>
-            <a:endParaRPr kumimoji="1" lang="ja-JP" altLang="en-US"/>
-          </a:p>
-        </p:txBody>
-      </p:sp>
       <p:cxnSp>
         <p:nvCxnSpPr>
           <p:cNvPr id="21" name="カギ線コネクタ 20"/>
           <p:cNvCxnSpPr>
-            <a:stCxn id="50" idx="3"/>
-            <a:endCxn id="44" idx="0"/>
+            <a:stCxn id="80" idx="0"/>
+            <a:endCxn id="44" idx="1"/>
           </p:cNvCxnSpPr>
           <p:nvPr/>
         </p:nvCxnSpPr>
         <p:spPr>
-          <a:xfrm flipH="1">
-            <a:off x="6772130" y="2800052"/>
-            <a:ext cx="117013" cy="1642521"/>
-          </a:xfrm>
-          <a:prstGeom prst="bentConnector4">
+          <a:xfrm flipV="1">
+            <a:off x="6771227" y="2406356"/>
+            <a:ext cx="164643" cy="1881"/>
+          </a:xfrm>
+          <a:prstGeom prst="bentConnector3">
             <a:avLst>
-              <a:gd name="adj1" fmla="val -195363"/>
-              <a:gd name="adj2" fmla="val 89575"/>
+              <a:gd name="adj1" fmla="val 50000"/>
             </a:avLst>
           </a:prstGeom>
           <a:ln>
@@ -8746,57 +8750,13 @@
       </p:cxnSp>
       <p:sp>
         <p:nvSpPr>
-          <p:cNvPr id="62" name="ひし形 61"/>
-          <p:cNvSpPr/>
-          <p:nvPr/>
-        </p:nvSpPr>
-        <p:spPr>
-          <a:xfrm>
-            <a:off x="4788024" y="4207064"/>
-            <a:ext cx="290293" cy="158040"/>
-          </a:xfrm>
-          <a:prstGeom prst="diamond">
-            <a:avLst/>
-          </a:prstGeom>
-          <a:solidFill>
-            <a:schemeClr val="accent1"/>
-          </a:solidFill>
-          <a:ln w="9525"/>
-        </p:spPr>
-        <p:style>
-          <a:lnRef idx="2">
-            <a:schemeClr val="accent1">
-              <a:shade val="50000"/>
-            </a:schemeClr>
-          </a:lnRef>
-          <a:fillRef idx="1">
-            <a:schemeClr val="accent1"/>
-          </a:fillRef>
-          <a:effectRef idx="0">
-            <a:schemeClr val="accent1"/>
-          </a:effectRef>
-          <a:fontRef idx="minor">
-            <a:schemeClr val="lt1"/>
-          </a:fontRef>
-        </p:style>
-        <p:txBody>
-          <a:bodyPr rtlCol="0" anchor="ctr"/>
-          <a:lstStyle/>
-          <a:p>
-            <a:pPr algn="ctr"/>
-            <a:endParaRPr kumimoji="1" lang="ja-JP" altLang="en-US"/>
-          </a:p>
-        </p:txBody>
-      </p:sp>
-      <p:sp>
-        <p:nvSpPr>
           <p:cNvPr id="65" name="正方形/長方形 64"/>
           <p:cNvSpPr/>
           <p:nvPr/>
         </p:nvSpPr>
         <p:spPr>
           <a:xfrm>
-            <a:off x="4980443" y="4077459"/>
+            <a:off x="4836426" y="3691818"/>
             <a:ext cx="167621" cy="143629"/>
           </a:xfrm>
           <a:prstGeom prst="rect">
@@ -8850,7 +8810,7 @@
         </p:nvSpPr>
         <p:spPr>
           <a:xfrm>
-            <a:off x="5105936" y="3107652"/>
+            <a:off x="5105936" y="2747612"/>
             <a:ext cx="167621" cy="143629"/>
           </a:xfrm>
           <a:prstGeom prst="rect">
@@ -8908,14 +8868,14 @@
         <p:nvCxnSpPr>
           <p:cNvPr id="30" name="カギ線コネクタ 29"/>
           <p:cNvCxnSpPr>
-            <a:stCxn id="62" idx="3"/>
+            <a:stCxn id="70" idx="0"/>
           </p:cNvCxnSpPr>
           <p:nvPr/>
         </p:nvCxnSpPr>
         <p:spPr>
           <a:xfrm flipV="1">
-            <a:off x="5078317" y="3074222"/>
-            <a:ext cx="192972" cy="1211862"/>
+            <a:off x="4997875" y="2714182"/>
+            <a:ext cx="273414" cy="1219743"/>
           </a:xfrm>
           <a:prstGeom prst="bentConnector2">
             <a:avLst/>
@@ -8948,7 +8908,7 @@
         </p:nvSpPr>
         <p:spPr>
           <a:xfrm>
-            <a:off x="6657049" y="2534579"/>
+            <a:off x="6557468" y="2180068"/>
             <a:ext cx="167621" cy="143629"/>
           </a:xfrm>
           <a:prstGeom prst="rect">
@@ -9010,7 +8970,7 @@
         </p:nvSpPr>
         <p:spPr>
           <a:xfrm>
-            <a:off x="6492611" y="4291914"/>
+            <a:off x="6657049" y="2427619"/>
             <a:ext cx="383645" cy="143629"/>
           </a:xfrm>
           <a:prstGeom prst="rect">
@@ -9185,7 +9145,7 @@
         </p:nvSpPr>
         <p:spPr>
           <a:xfrm>
-            <a:off x="7841991" y="5030688"/>
+            <a:off x="7762197" y="3617382"/>
             <a:ext cx="149697" cy="211657"/>
           </a:xfrm>
           <a:prstGeom prst="diamond">
@@ -9232,8 +9192,8 @@
         </p:nvCxnSpPr>
         <p:spPr>
           <a:xfrm rot="16200000" flipV="1">
-            <a:off x="4967453" y="2081301"/>
-            <a:ext cx="2769959" cy="3128816"/>
+            <a:off x="5454189" y="1234525"/>
+            <a:ext cx="1716693" cy="3049022"/>
           </a:xfrm>
           <a:prstGeom prst="bentConnector2">
             <a:avLst/>
@@ -9266,7 +9226,7 @@
         </p:nvSpPr>
         <p:spPr>
           <a:xfrm>
-            <a:off x="4825693" y="2275145"/>
+            <a:off x="4825693" y="1915105"/>
             <a:ext cx="109677" cy="180797"/>
           </a:xfrm>
           <a:prstGeom prst="rect">
@@ -9320,7 +9280,7 @@
         </p:nvSpPr>
         <p:spPr>
           <a:xfrm>
-            <a:off x="628613" y="3068960"/>
+            <a:off x="628613" y="2708920"/>
             <a:ext cx="1440160" cy="576064"/>
           </a:xfrm>
           <a:prstGeom prst="rect">
@@ -9426,7 +9386,7 @@
         </p:nvSpPr>
         <p:spPr>
           <a:xfrm>
-            <a:off x="1276685" y="3645024"/>
+            <a:off x="1276685" y="3284984"/>
             <a:ext cx="144016" cy="192021"/>
           </a:xfrm>
           <a:prstGeom prst="triangle">
@@ -9477,8 +9437,8 @@
         </p:nvCxnSpPr>
         <p:spPr>
           <a:xfrm rot="16200000" flipH="1">
-            <a:off x="1337804" y="3847934"/>
-            <a:ext cx="264121" cy="242342"/>
+            <a:off x="1364267" y="3461431"/>
+            <a:ext cx="218072" cy="249220"/>
           </a:xfrm>
           <a:prstGeom prst="bentConnector3">
             <a:avLst/>
@@ -9510,7 +9470,7 @@
         </p:nvSpPr>
         <p:spPr>
           <a:xfrm>
-            <a:off x="626292" y="4101166"/>
+            <a:off x="633170" y="3695077"/>
             <a:ext cx="1929485" cy="1054069"/>
           </a:xfrm>
           <a:prstGeom prst="rect">
@@ -9595,15 +9555,7 @@
                   <a:schemeClr val="tx1"/>
                 </a:solidFill>
               </a:rPr>
-              <a:t>に対応</a:t>
-            </a:r>
-            <a:r>
-              <a:rPr lang="ja-JP" altLang="en-US" sz="1000" dirty="0" smtClean="0">
-                <a:solidFill>
-                  <a:schemeClr val="tx1"/>
-                </a:solidFill>
-              </a:rPr>
-              <a:t>する</a:t>
+              <a:t>に対応する</a:t>
             </a:r>
             <a:endParaRPr lang="en-US" altLang="ja-JP" sz="1000" dirty="0" smtClean="0">
               <a:solidFill>
@@ -9677,7 +9629,7 @@
         </p:nvSpPr>
         <p:spPr>
           <a:xfrm>
-            <a:off x="1264582" y="2556620"/>
+            <a:off x="1264582" y="2196580"/>
             <a:ext cx="156119" cy="231039"/>
           </a:xfrm>
           <a:prstGeom prst="diamond">
@@ -9724,7 +9676,7 @@
         </p:nvCxnSpPr>
         <p:spPr>
           <a:xfrm>
-            <a:off x="1342642" y="2787659"/>
+            <a:off x="1342642" y="2427619"/>
             <a:ext cx="6051" cy="281301"/>
           </a:xfrm>
           <a:prstGeom prst="straightConnector1">
@@ -9758,7 +9710,7 @@
         </p:nvSpPr>
         <p:spPr>
           <a:xfrm>
-            <a:off x="1362757" y="2709307"/>
+            <a:off x="1362757" y="2349267"/>
             <a:ext cx="167621" cy="143629"/>
           </a:xfrm>
           <a:prstGeom prst="rect">
@@ -9812,7 +9764,7 @@
         </p:nvSpPr>
         <p:spPr>
           <a:xfrm>
-            <a:off x="1362757" y="2904065"/>
+            <a:off x="1362757" y="2544025"/>
             <a:ext cx="360040" cy="143629"/>
           </a:xfrm>
           <a:prstGeom prst="rect">
@@ -9874,7 +9826,7 @@
         </p:nvSpPr>
         <p:spPr>
           <a:xfrm>
-            <a:off x="5459865" y="3498471"/>
+            <a:off x="5459865" y="3138431"/>
             <a:ext cx="1440160" cy="576064"/>
           </a:xfrm>
           <a:prstGeom prst="rect">
@@ -9967,7 +9919,7 @@
         </p:nvSpPr>
         <p:spPr>
           <a:xfrm>
-            <a:off x="5703336" y="4090235"/>
+            <a:off x="5703336" y="3730195"/>
             <a:ext cx="144016" cy="192021"/>
           </a:xfrm>
           <a:prstGeom prst="triangle">
@@ -10018,7 +9970,7 @@
         </p:nvCxnSpPr>
         <p:spPr>
           <a:xfrm rot="5400000">
-            <a:off x="5204256" y="3866024"/>
+            <a:off x="5204256" y="3505984"/>
             <a:ext cx="154856" cy="987320"/>
           </a:xfrm>
           <a:prstGeom prst="bentConnector2">
@@ -10051,7 +10003,7 @@
         </p:nvSpPr>
         <p:spPr>
           <a:xfrm>
-            <a:off x="5821741" y="3072873"/>
+            <a:off x="5812986" y="2697690"/>
             <a:ext cx="149697" cy="211657"/>
           </a:xfrm>
           <a:prstGeom prst="diamond">
@@ -10098,8 +10050,8 @@
         </p:nvCxnSpPr>
         <p:spPr>
           <a:xfrm rot="16200000" flipV="1">
-            <a:off x="5931298" y="3249823"/>
-            <a:ext cx="213941" cy="283355"/>
+            <a:off x="5919348" y="2877834"/>
+            <a:ext cx="229084" cy="292110"/>
           </a:xfrm>
           <a:prstGeom prst="bentConnector3">
             <a:avLst>
@@ -10134,7 +10086,7 @@
         </p:nvSpPr>
         <p:spPr>
           <a:xfrm>
-            <a:off x="5940152" y="3069347"/>
+            <a:off x="5940152" y="2709307"/>
             <a:ext cx="167621" cy="143629"/>
           </a:xfrm>
           <a:prstGeom prst="rect">
@@ -10196,7 +10148,7 @@
         </p:nvSpPr>
         <p:spPr>
           <a:xfrm>
-            <a:off x="6204579" y="3357379"/>
+            <a:off x="6204579" y="2997339"/>
             <a:ext cx="167621" cy="143629"/>
           </a:xfrm>
           <a:prstGeom prst="rect">
@@ -10258,7 +10210,7 @@
         </p:nvSpPr>
         <p:spPr>
           <a:xfrm>
-            <a:off x="7943881" y="4928064"/>
+            <a:off x="7885449" y="3618688"/>
             <a:ext cx="383645" cy="143629"/>
           </a:xfrm>
           <a:prstGeom prst="rect">
@@ -10312,66 +10264,22 @@
           </a:p>
         </p:txBody>
       </p:sp>
-      <p:sp>
-        <p:nvSpPr>
-          <p:cNvPr id="100" name="ひし形 99"/>
-          <p:cNvSpPr/>
-          <p:nvPr/>
-        </p:nvSpPr>
-        <p:spPr>
-          <a:xfrm>
-            <a:off x="4788024" y="4495096"/>
-            <a:ext cx="290293" cy="158040"/>
-          </a:xfrm>
-          <a:prstGeom prst="diamond">
-            <a:avLst/>
-          </a:prstGeom>
-          <a:solidFill>
-            <a:schemeClr val="accent1"/>
-          </a:solidFill>
-          <a:ln w="9525"/>
-        </p:spPr>
-        <p:style>
-          <a:lnRef idx="2">
-            <a:schemeClr val="accent1">
-              <a:shade val="50000"/>
-            </a:schemeClr>
-          </a:lnRef>
-          <a:fillRef idx="1">
-            <a:schemeClr val="accent1"/>
-          </a:fillRef>
-          <a:effectRef idx="0">
-            <a:schemeClr val="accent1"/>
-          </a:effectRef>
-          <a:fontRef idx="minor">
-            <a:schemeClr val="lt1"/>
-          </a:fontRef>
-        </p:style>
-        <p:txBody>
-          <a:bodyPr rtlCol="0" anchor="ctr"/>
-          <a:lstStyle/>
-          <a:p>
-            <a:pPr algn="ctr"/>
-            <a:endParaRPr kumimoji="1" lang="ja-JP" altLang="en-US"/>
-          </a:p>
-        </p:txBody>
-      </p:sp>
       <p:cxnSp>
         <p:nvCxnSpPr>
           <p:cNvPr id="101" name="カギ線コネクタ 100"/>
           <p:cNvCxnSpPr>
-            <a:stCxn id="100" idx="3"/>
+            <a:stCxn id="63" idx="0"/>
           </p:cNvCxnSpPr>
           <p:nvPr/>
         </p:nvCxnSpPr>
         <p:spPr>
-          <a:xfrm>
-            <a:off x="5078317" y="4574116"/>
-            <a:ext cx="2115603" cy="820704"/>
+          <a:xfrm flipV="1">
+            <a:off x="5004126" y="3969239"/>
+            <a:ext cx="2112840" cy="244982"/>
           </a:xfrm>
           <a:prstGeom prst="bentConnector3">
             <a:avLst>
-              <a:gd name="adj1" fmla="val 32892"/>
+              <a:gd name="adj1" fmla="val 50000"/>
             </a:avLst>
           </a:prstGeom>
           <a:ln>
@@ -10402,7 +10310,7 @@
         </p:nvSpPr>
         <p:spPr>
           <a:xfrm>
-            <a:off x="5004048" y="4653523"/>
+            <a:off x="4812822" y="4293705"/>
             <a:ext cx="167621" cy="143629"/>
           </a:xfrm>
           <a:prstGeom prst="rect">
@@ -10456,8 +10364,8 @@
         </p:nvSpPr>
         <p:spPr>
           <a:xfrm>
-            <a:off x="6958089" y="5224439"/>
-            <a:ext cx="167621" cy="143629"/>
+            <a:off x="6736590" y="3789928"/>
+            <a:ext cx="468661" cy="200230"/>
           </a:xfrm>
           <a:prstGeom prst="rect">
             <a:avLst/>
@@ -10497,14 +10405,502 @@
                 <a:ea typeface="Tahoma" panose="020B0604030504040204" pitchFamily="34" charset="0"/>
                 <a:cs typeface="Tahoma" panose="020B0604030504040204" pitchFamily="34" charset="0"/>
               </a:rPr>
-              <a:t>1</a:t>
-            </a:r>
+              <a:t>1..</a:t>
+            </a:r>
+            <a:r>
+              <a:rPr kumimoji="1" lang="ja-JP" altLang="en-US" sz="800" dirty="0" smtClean="0">
+                <a:solidFill>
+                  <a:schemeClr val="tx1"/>
+                </a:solidFill>
+                <a:latin typeface="Tahoma" panose="020B0604030504040204" pitchFamily="34" charset="0"/>
+                <a:ea typeface="Tahoma" panose="020B0604030504040204" pitchFamily="34" charset="0"/>
+                <a:cs typeface="Tahoma" panose="020B0604030504040204" pitchFamily="34" charset="0"/>
+              </a:rPr>
+              <a:t>＊</a:t>
+            </a:r>
+            <a:endParaRPr kumimoji="1" lang="en-US" altLang="ja-JP" sz="800" dirty="0" smtClean="0">
+              <a:solidFill>
+                <a:schemeClr val="tx1"/>
+              </a:solidFill>
+              <a:latin typeface="Tahoma" panose="020B0604030504040204" pitchFamily="34" charset="0"/>
+              <a:ea typeface="Tahoma" panose="020B0604030504040204" pitchFamily="34" charset="0"/>
+              <a:cs typeface="Tahoma" panose="020B0604030504040204" pitchFamily="34" charset="0"/>
+            </a:endParaRPr>
           </a:p>
         </p:txBody>
       </p:sp>
       <p:cxnSp>
         <p:nvCxnSpPr>
           <p:cNvPr id="111" name="カギ線コネクタ 110"/>
+          <p:cNvCxnSpPr/>
+          <p:nvPr/>
+        </p:nvCxnSpPr>
+        <p:spPr>
+          <a:xfrm rot="10800000" flipV="1">
+            <a:off x="2865506" y="4328272"/>
+            <a:ext cx="4251462" cy="1104279"/>
+          </a:xfrm>
+          <a:prstGeom prst="bentConnector3">
+            <a:avLst>
+              <a:gd name="adj1" fmla="val 44772"/>
+            </a:avLst>
+          </a:prstGeom>
+          <a:ln>
+            <a:prstDash val="dash"/>
+            <a:headEnd type="arrow" w="med" len="med"/>
+            <a:tailEnd type="none" w="med" len="med"/>
+          </a:ln>
+        </p:spPr>
+        <p:style>
+          <a:lnRef idx="1">
+            <a:schemeClr val="accent1"/>
+          </a:lnRef>
+          <a:fillRef idx="0">
+            <a:schemeClr val="accent1"/>
+          </a:fillRef>
+          <a:effectRef idx="0">
+            <a:schemeClr val="accent1"/>
+          </a:effectRef>
+          <a:fontRef idx="minor">
+            <a:schemeClr val="tx1"/>
+          </a:fontRef>
+        </p:style>
+      </p:cxnSp>
+      <p:sp>
+        <p:nvSpPr>
+          <p:cNvPr id="63" name="ひし形 62"/>
+          <p:cNvSpPr/>
+          <p:nvPr/>
+        </p:nvSpPr>
+        <p:spPr>
+          <a:xfrm rot="5400000">
+            <a:off x="4823449" y="4108392"/>
+            <a:ext cx="149697" cy="211657"/>
+          </a:xfrm>
+          <a:prstGeom prst="diamond">
+            <a:avLst/>
+          </a:prstGeom>
+          <a:solidFill>
+            <a:schemeClr val="accent1"/>
+          </a:solidFill>
+          <a:ln w="9525"/>
+        </p:spPr>
+        <p:style>
+          <a:lnRef idx="2">
+            <a:schemeClr val="accent1">
+              <a:shade val="50000"/>
+            </a:schemeClr>
+          </a:lnRef>
+          <a:fillRef idx="1">
+            <a:schemeClr val="accent1"/>
+          </a:fillRef>
+          <a:effectRef idx="0">
+            <a:schemeClr val="accent1"/>
+          </a:effectRef>
+          <a:fontRef idx="minor">
+            <a:schemeClr val="lt1"/>
+          </a:fontRef>
+        </p:style>
+        <p:txBody>
+          <a:bodyPr rtlCol="0" anchor="ctr"/>
+          <a:lstStyle/>
+          <a:p>
+            <a:pPr algn="ctr"/>
+            <a:endParaRPr kumimoji="1" lang="ja-JP" altLang="en-US"/>
+          </a:p>
+        </p:txBody>
+      </p:sp>
+      <p:sp>
+        <p:nvSpPr>
+          <p:cNvPr id="70" name="ひし形 69"/>
+          <p:cNvSpPr/>
+          <p:nvPr/>
+        </p:nvSpPr>
+        <p:spPr>
+          <a:xfrm rot="5400000">
+            <a:off x="4817198" y="3828096"/>
+            <a:ext cx="149697" cy="211657"/>
+          </a:xfrm>
+          <a:prstGeom prst="diamond">
+            <a:avLst/>
+          </a:prstGeom>
+          <a:solidFill>
+            <a:schemeClr val="accent1"/>
+          </a:solidFill>
+          <a:ln w="9525"/>
+        </p:spPr>
+        <p:style>
+          <a:lnRef idx="2">
+            <a:schemeClr val="accent1">
+              <a:shade val="50000"/>
+            </a:schemeClr>
+          </a:lnRef>
+          <a:fillRef idx="1">
+            <a:schemeClr val="accent1"/>
+          </a:fillRef>
+          <a:effectRef idx="0">
+            <a:schemeClr val="accent1"/>
+          </a:effectRef>
+          <a:fontRef idx="minor">
+            <a:schemeClr val="lt1"/>
+          </a:fontRef>
+        </p:style>
+        <p:txBody>
+          <a:bodyPr rtlCol="0" anchor="ctr"/>
+          <a:lstStyle/>
+          <a:p>
+            <a:pPr algn="ctr"/>
+            <a:endParaRPr kumimoji="1" lang="ja-JP" altLang="en-US"/>
+          </a:p>
+        </p:txBody>
+      </p:sp>
+      <p:sp>
+        <p:nvSpPr>
+          <p:cNvPr id="80" name="ひし形 79"/>
+          <p:cNvSpPr/>
+          <p:nvPr/>
+        </p:nvSpPr>
+        <p:spPr>
+          <a:xfrm rot="5400000">
+            <a:off x="6590550" y="2302408"/>
+            <a:ext cx="149697" cy="211657"/>
+          </a:xfrm>
+          <a:prstGeom prst="diamond">
+            <a:avLst/>
+          </a:prstGeom>
+          <a:solidFill>
+            <a:schemeClr val="accent1"/>
+          </a:solidFill>
+          <a:ln w="9525"/>
+        </p:spPr>
+        <p:style>
+          <a:lnRef idx="2">
+            <a:schemeClr val="accent1">
+              <a:shade val="50000"/>
+            </a:schemeClr>
+          </a:lnRef>
+          <a:fillRef idx="1">
+            <a:schemeClr val="accent1"/>
+          </a:fillRef>
+          <a:effectRef idx="0">
+            <a:schemeClr val="accent1"/>
+          </a:effectRef>
+          <a:fontRef idx="minor">
+            <a:schemeClr val="lt1"/>
+          </a:fontRef>
+        </p:style>
+        <p:txBody>
+          <a:bodyPr rtlCol="0" anchor="ctr"/>
+          <a:lstStyle/>
+          <a:p>
+            <a:pPr algn="ctr"/>
+            <a:endParaRPr kumimoji="1" lang="ja-JP" altLang="en-US"/>
+          </a:p>
+        </p:txBody>
+      </p:sp>
+      <p:sp>
+        <p:nvSpPr>
+          <p:cNvPr id="83" name="ひし形 82"/>
+          <p:cNvSpPr/>
+          <p:nvPr/>
+        </p:nvSpPr>
+        <p:spPr>
+          <a:xfrm rot="5400000">
+            <a:off x="2094740" y="1794409"/>
+            <a:ext cx="149697" cy="211657"/>
+          </a:xfrm>
+          <a:prstGeom prst="diamond">
+            <a:avLst/>
+          </a:prstGeom>
+          <a:solidFill>
+            <a:schemeClr val="accent1"/>
+          </a:solidFill>
+          <a:ln w="9525"/>
+        </p:spPr>
+        <p:style>
+          <a:lnRef idx="2">
+            <a:schemeClr val="accent1">
+              <a:shade val="50000"/>
+            </a:schemeClr>
+          </a:lnRef>
+          <a:fillRef idx="1">
+            <a:schemeClr val="accent1"/>
+          </a:fillRef>
+          <a:effectRef idx="0">
+            <a:schemeClr val="accent1"/>
+          </a:effectRef>
+          <a:fontRef idx="minor">
+            <a:schemeClr val="lt1"/>
+          </a:fontRef>
+        </p:style>
+        <p:txBody>
+          <a:bodyPr rtlCol="0" anchor="ctr"/>
+          <a:lstStyle/>
+          <a:p>
+            <a:pPr algn="ctr"/>
+            <a:endParaRPr kumimoji="1" lang="ja-JP" altLang="en-US"/>
+          </a:p>
+        </p:txBody>
+      </p:sp>
+      <p:sp>
+        <p:nvSpPr>
+          <p:cNvPr id="84" name="正方形/長方形 83"/>
+          <p:cNvSpPr/>
+          <p:nvPr/>
+        </p:nvSpPr>
+        <p:spPr>
+          <a:xfrm>
+            <a:off x="7110246" y="4820111"/>
+            <a:ext cx="1440160" cy="576064"/>
+          </a:xfrm>
+          <a:prstGeom prst="rect">
+            <a:avLst/>
+          </a:prstGeom>
+          <a:solidFill>
+            <a:schemeClr val="accent6">
+              <a:lumMod val="20000"/>
+              <a:lumOff val="80000"/>
+            </a:schemeClr>
+          </a:solidFill>
+          <a:ln w="9525">
+            <a:solidFill>
+              <a:schemeClr val="tx1"/>
+            </a:solidFill>
+          </a:ln>
+        </p:spPr>
+        <p:style>
+          <a:lnRef idx="2">
+            <a:schemeClr val="accent1">
+              <a:shade val="50000"/>
+            </a:schemeClr>
+          </a:lnRef>
+          <a:fillRef idx="1">
+            <a:schemeClr val="accent1"/>
+          </a:fillRef>
+          <a:effectRef idx="0">
+            <a:schemeClr val="accent1"/>
+          </a:effectRef>
+          <a:fontRef idx="minor">
+            <a:schemeClr val="lt1"/>
+          </a:fontRef>
+        </p:style>
+        <p:txBody>
+          <a:bodyPr rtlCol="0" anchor="ctr"/>
+          <a:lstStyle/>
+          <a:p>
+            <a:pPr algn="ctr"/>
+            <a:r>
+              <a:rPr lang="en-US" altLang="ja-JP" sz="1000" dirty="0" err="1" smtClean="0">
+                <a:solidFill>
+                  <a:schemeClr val="tx1"/>
+                </a:solidFill>
+              </a:rPr>
+              <a:t>C</a:t>
+            </a:r>
+            <a:r>
+              <a:rPr kumimoji="1" lang="en-US" altLang="ja-JP" sz="1000" dirty="0" err="1" smtClean="0">
+                <a:solidFill>
+                  <a:schemeClr val="tx1"/>
+                </a:solidFill>
+              </a:rPr>
+              <a:t>MessageId</a:t>
+            </a:r>
+            <a:endParaRPr kumimoji="1" lang="ja-JP" altLang="en-US" sz="1000" dirty="0">
+              <a:solidFill>
+                <a:schemeClr val="tx1"/>
+              </a:solidFill>
+            </a:endParaRPr>
+          </a:p>
+        </p:txBody>
+      </p:sp>
+      <p:sp>
+        <p:nvSpPr>
+          <p:cNvPr id="85" name="ひし形 84"/>
+          <p:cNvSpPr/>
+          <p:nvPr/>
+        </p:nvSpPr>
+        <p:spPr>
+          <a:xfrm>
+            <a:off x="7756515" y="4413849"/>
+            <a:ext cx="149697" cy="211657"/>
+          </a:xfrm>
+          <a:prstGeom prst="diamond">
+            <a:avLst/>
+          </a:prstGeom>
+          <a:solidFill>
+            <a:schemeClr val="accent1"/>
+          </a:solidFill>
+          <a:ln w="9525"/>
+        </p:spPr>
+        <p:style>
+          <a:lnRef idx="2">
+            <a:schemeClr val="accent1">
+              <a:shade val="50000"/>
+            </a:schemeClr>
+          </a:lnRef>
+          <a:fillRef idx="1">
+            <a:schemeClr val="accent1"/>
+          </a:fillRef>
+          <a:effectRef idx="0">
+            <a:schemeClr val="accent1"/>
+          </a:effectRef>
+          <a:fontRef idx="minor">
+            <a:schemeClr val="lt1"/>
+          </a:fontRef>
+        </p:style>
+        <p:txBody>
+          <a:bodyPr rtlCol="0" anchor="ctr"/>
+          <a:lstStyle/>
+          <a:p>
+            <a:pPr algn="ctr"/>
+            <a:endParaRPr kumimoji="1" lang="ja-JP" altLang="en-US"/>
+          </a:p>
+        </p:txBody>
+      </p:sp>
+      <p:cxnSp>
+        <p:nvCxnSpPr>
+          <p:cNvPr id="86" name="カギ線コネクタ 85"/>
+          <p:cNvCxnSpPr>
+            <a:stCxn id="85" idx="2"/>
+            <a:endCxn id="84" idx="0"/>
+          </p:cNvCxnSpPr>
+          <p:nvPr/>
+        </p:nvCxnSpPr>
+        <p:spPr>
+          <a:xfrm rot="5400000">
+            <a:off x="7733543" y="4722289"/>
+            <a:ext cx="194605" cy="1038"/>
+          </a:xfrm>
+          <a:prstGeom prst="bentConnector3">
+            <a:avLst/>
+          </a:prstGeom>
+        </p:spPr>
+        <p:style>
+          <a:lnRef idx="1">
+            <a:schemeClr val="accent1"/>
+          </a:lnRef>
+          <a:fillRef idx="0">
+            <a:schemeClr val="accent1"/>
+          </a:fillRef>
+          <a:effectRef idx="0">
+            <a:schemeClr val="accent1"/>
+          </a:effectRef>
+          <a:fontRef idx="minor">
+            <a:schemeClr val="tx1"/>
+          </a:fontRef>
+        </p:style>
+      </p:cxnSp>
+      <p:sp>
+        <p:nvSpPr>
+          <p:cNvPr id="88" name="正方形/長方形 87"/>
+          <p:cNvSpPr/>
+          <p:nvPr/>
+        </p:nvSpPr>
+        <p:spPr>
+          <a:xfrm>
+            <a:off x="7594575" y="4392119"/>
+            <a:ext cx="167621" cy="143629"/>
+          </a:xfrm>
+          <a:prstGeom prst="rect">
+            <a:avLst/>
+          </a:prstGeom>
+          <a:noFill/>
+          <a:ln w="12700">
+            <a:noFill/>
+          </a:ln>
+        </p:spPr>
+        <p:style>
+          <a:lnRef idx="2">
+            <a:schemeClr val="accent1">
+              <a:shade val="50000"/>
+            </a:schemeClr>
+          </a:lnRef>
+          <a:fillRef idx="1">
+            <a:schemeClr val="accent1"/>
+          </a:fillRef>
+          <a:effectRef idx="0">
+            <a:schemeClr val="accent1"/>
+          </a:effectRef>
+          <a:fontRef idx="minor">
+            <a:schemeClr val="lt1"/>
+          </a:fontRef>
+        </p:style>
+        <p:txBody>
+          <a:bodyPr rtlCol="0" anchor="ctr"/>
+          <a:lstStyle/>
+          <a:p>
+            <a:pPr algn="ctr"/>
+            <a:r>
+              <a:rPr kumimoji="1" lang="en-US" altLang="ja-JP" sz="800" dirty="0" smtClean="0">
+                <a:solidFill>
+                  <a:schemeClr val="tx1"/>
+                </a:solidFill>
+                <a:latin typeface="Tahoma" panose="020B0604030504040204" pitchFamily="34" charset="0"/>
+                <a:ea typeface="Tahoma" panose="020B0604030504040204" pitchFamily="34" charset="0"/>
+                <a:cs typeface="Tahoma" panose="020B0604030504040204" pitchFamily="34" charset="0"/>
+              </a:rPr>
+              <a:t>1</a:t>
+            </a:r>
+          </a:p>
+        </p:txBody>
+      </p:sp>
+      <p:sp>
+        <p:nvSpPr>
+          <p:cNvPr id="89" name="正方形/長方形 88"/>
+          <p:cNvSpPr/>
+          <p:nvPr/>
+        </p:nvSpPr>
+        <p:spPr>
+          <a:xfrm>
+            <a:off x="7644395" y="4676306"/>
+            <a:ext cx="167621" cy="143629"/>
+          </a:xfrm>
+          <a:prstGeom prst="rect">
+            <a:avLst/>
+          </a:prstGeom>
+          <a:noFill/>
+          <a:ln w="12700">
+            <a:noFill/>
+          </a:ln>
+        </p:spPr>
+        <p:style>
+          <a:lnRef idx="2">
+            <a:schemeClr val="accent1">
+              <a:shade val="50000"/>
+            </a:schemeClr>
+          </a:lnRef>
+          <a:fillRef idx="1">
+            <a:schemeClr val="accent1"/>
+          </a:fillRef>
+          <a:effectRef idx="0">
+            <a:schemeClr val="accent1"/>
+          </a:effectRef>
+          <a:fontRef idx="minor">
+            <a:schemeClr val="lt1"/>
+          </a:fontRef>
+        </p:style>
+        <p:txBody>
+          <a:bodyPr rtlCol="0" anchor="ctr"/>
+          <a:lstStyle/>
+          <a:p>
+            <a:pPr algn="ctr"/>
+            <a:r>
+              <a:rPr kumimoji="1" lang="en-US" altLang="ja-JP" sz="800" dirty="0" smtClean="0">
+                <a:solidFill>
+                  <a:schemeClr val="tx1"/>
+                </a:solidFill>
+                <a:latin typeface="Tahoma" panose="020B0604030504040204" pitchFamily="34" charset="0"/>
+                <a:ea typeface="Tahoma" panose="020B0604030504040204" pitchFamily="34" charset="0"/>
+                <a:cs typeface="Tahoma" panose="020B0604030504040204" pitchFamily="34" charset="0"/>
+              </a:rPr>
+              <a:t>1</a:t>
+            </a:r>
+          </a:p>
+        </p:txBody>
+      </p:sp>
+      <p:cxnSp>
+        <p:nvCxnSpPr>
+          <p:cNvPr id="92" name="カギ線コネクタ 91"/>
           <p:cNvCxnSpPr>
             <a:endCxn id="90" idx="3"/>
           </p:cNvCxnSpPr>
@@ -10512,8 +10908,135 @@
         </p:nvCxnSpPr>
         <p:spPr>
           <a:xfrm rot="10800000" flipV="1">
-            <a:off x="5183232" y="5645146"/>
-            <a:ext cx="2010688" cy="52106"/>
+            <a:off x="2860862" y="5245636"/>
+            <a:ext cx="4256105" cy="415612"/>
+          </a:xfrm>
+          <a:prstGeom prst="bentConnector3">
+            <a:avLst>
+              <a:gd name="adj1" fmla="val 38810"/>
+            </a:avLst>
+          </a:prstGeom>
+          <a:ln>
+            <a:prstDash val="dash"/>
+            <a:headEnd type="arrow" w="med" len="med"/>
+            <a:tailEnd type="none" w="med" len="med"/>
+          </a:ln>
+        </p:spPr>
+        <p:style>
+          <a:lnRef idx="1">
+            <a:schemeClr val="accent1"/>
+          </a:lnRef>
+          <a:fillRef idx="0">
+            <a:schemeClr val="accent1"/>
+          </a:fillRef>
+          <a:effectRef idx="0">
+            <a:schemeClr val="accent1"/>
+          </a:effectRef>
+          <a:fontRef idx="minor">
+            <a:schemeClr val="tx1"/>
+          </a:fontRef>
+        </p:style>
+      </p:cxnSp>
+      <p:sp>
+        <p:nvSpPr>
+          <p:cNvPr id="102" name="正方形/長方形 101"/>
+          <p:cNvSpPr/>
+          <p:nvPr/>
+        </p:nvSpPr>
+        <p:spPr>
+          <a:xfrm>
+            <a:off x="7110616" y="5753597"/>
+            <a:ext cx="1440160" cy="576064"/>
+          </a:xfrm>
+          <a:prstGeom prst="rect">
+            <a:avLst/>
+          </a:prstGeom>
+          <a:solidFill>
+            <a:schemeClr val="accent6">
+              <a:lumMod val="20000"/>
+              <a:lumOff val="80000"/>
+            </a:schemeClr>
+          </a:solidFill>
+          <a:ln w="9525">
+            <a:solidFill>
+              <a:schemeClr val="tx1"/>
+            </a:solidFill>
+          </a:ln>
+        </p:spPr>
+        <p:style>
+          <a:lnRef idx="2">
+            <a:schemeClr val="accent1">
+              <a:shade val="50000"/>
+            </a:schemeClr>
+          </a:lnRef>
+          <a:fillRef idx="1">
+            <a:schemeClr val="accent1"/>
+          </a:fillRef>
+          <a:effectRef idx="0">
+            <a:schemeClr val="accent1"/>
+          </a:effectRef>
+          <a:fontRef idx="minor">
+            <a:schemeClr val="lt1"/>
+          </a:fontRef>
+        </p:style>
+        <p:txBody>
+          <a:bodyPr rtlCol="0" anchor="ctr"/>
+          <a:lstStyle/>
+          <a:p>
+            <a:pPr algn="ctr"/>
+            <a:r>
+              <a:rPr lang="en-US" altLang="ja-JP" sz="1000" dirty="0" err="1" smtClean="0">
+                <a:solidFill>
+                  <a:schemeClr val="tx1"/>
+                </a:solidFill>
+              </a:rPr>
+              <a:t>C</a:t>
+            </a:r>
+            <a:r>
+              <a:rPr kumimoji="1" lang="en-US" altLang="ja-JP" sz="1000" dirty="0" err="1" smtClean="0">
+                <a:solidFill>
+                  <a:schemeClr val="tx1"/>
+                </a:solidFill>
+              </a:rPr>
+              <a:t>MessageId</a:t>
+            </a:r>
+            <a:r>
+              <a:rPr kumimoji="1" lang="en-US" altLang="ja-JP" sz="1000" dirty="0" smtClean="0">
+                <a:solidFill>
+                  <a:schemeClr val="tx1"/>
+                </a:solidFill>
+              </a:rPr>
+              <a:t>::</a:t>
+            </a:r>
+            <a:r>
+              <a:rPr kumimoji="1" lang="en-US" altLang="ja-JP" sz="1000" dirty="0" err="1" smtClean="0">
+                <a:solidFill>
+                  <a:schemeClr val="tx1"/>
+                </a:solidFill>
+              </a:rPr>
+              <a:t>CId</a:t>
+            </a:r>
+            <a:endParaRPr kumimoji="1" lang="ja-JP" altLang="en-US" sz="1000" dirty="0">
+              <a:solidFill>
+                <a:schemeClr val="tx1"/>
+              </a:solidFill>
+            </a:endParaRPr>
+          </a:p>
+        </p:txBody>
+      </p:sp>
+      <p:cxnSp>
+        <p:nvCxnSpPr>
+          <p:cNvPr id="143" name="カギ線コネクタ 142"/>
+          <p:cNvCxnSpPr>
+            <a:stCxn id="102" idx="0"/>
+            <a:endCxn id="84" idx="2"/>
+          </p:cNvCxnSpPr>
+          <p:nvPr/>
+        </p:nvCxnSpPr>
+        <p:spPr>
+          <a:xfrm rot="16200000" flipV="1">
+            <a:off x="7651800" y="5574701"/>
+            <a:ext cx="357422" cy="370"/>
           </a:xfrm>
           <a:prstGeom prst="bentConnector3">
             <a:avLst>
@@ -10523,6 +11046,117 @@
           <a:ln>
             <a:prstDash val="dash"/>
             <a:tailEnd type="arrow"/>
+          </a:ln>
+        </p:spPr>
+        <p:style>
+          <a:lnRef idx="1">
+            <a:schemeClr val="accent1"/>
+          </a:lnRef>
+          <a:fillRef idx="0">
+            <a:schemeClr val="accent1"/>
+          </a:fillRef>
+          <a:effectRef idx="0">
+            <a:schemeClr val="accent1"/>
+          </a:effectRef>
+          <a:fontRef idx="minor">
+            <a:schemeClr val="tx1"/>
+          </a:fontRef>
+        </p:style>
+      </p:cxnSp>
+      <p:cxnSp>
+        <p:nvCxnSpPr>
+          <p:cNvPr id="152" name="カギ線コネクタ 151"/>
+          <p:cNvCxnSpPr/>
+          <p:nvPr/>
+        </p:nvCxnSpPr>
+        <p:spPr>
+          <a:xfrm rot="10800000">
+            <a:off x="4311409" y="4365105"/>
+            <a:ext cx="2794192" cy="1561379"/>
+          </a:xfrm>
+          <a:prstGeom prst="bentConnector3">
+            <a:avLst>
+              <a:gd name="adj1" fmla="val 99315"/>
+            </a:avLst>
+          </a:prstGeom>
+          <a:ln>
+            <a:prstDash val="dash"/>
+            <a:headEnd type="arrow" w="med" len="med"/>
+            <a:tailEnd type="none" w="med" len="med"/>
+          </a:ln>
+        </p:spPr>
+        <p:style>
+          <a:lnRef idx="1">
+            <a:schemeClr val="accent1"/>
+          </a:lnRef>
+          <a:fillRef idx="0">
+            <a:schemeClr val="accent1"/>
+          </a:fillRef>
+          <a:effectRef idx="0">
+            <a:schemeClr val="accent1"/>
+          </a:effectRef>
+          <a:fontRef idx="minor">
+            <a:schemeClr val="tx1"/>
+          </a:fontRef>
+        </p:style>
+      </p:cxnSp>
+      <p:cxnSp>
+        <p:nvCxnSpPr>
+          <p:cNvPr id="168" name="カギ線コネクタ 167"/>
+          <p:cNvCxnSpPr/>
+          <p:nvPr/>
+        </p:nvCxnSpPr>
+        <p:spPr>
+          <a:xfrm rot="10800000">
+            <a:off x="2860679" y="5965452"/>
+            <a:ext cx="4249567" cy="220533"/>
+          </a:xfrm>
+          <a:prstGeom prst="bentConnector3">
+            <a:avLst>
+              <a:gd name="adj1" fmla="val 72563"/>
+            </a:avLst>
+          </a:prstGeom>
+          <a:ln>
+            <a:prstDash val="dash"/>
+            <a:headEnd type="arrow" w="med" len="med"/>
+            <a:tailEnd type="none" w="med" len="med"/>
+          </a:ln>
+        </p:spPr>
+        <p:style>
+          <a:lnRef idx="1">
+            <a:schemeClr val="accent1"/>
+          </a:lnRef>
+          <a:fillRef idx="0">
+            <a:schemeClr val="accent1"/>
+          </a:fillRef>
+          <a:effectRef idx="0">
+            <a:schemeClr val="accent1"/>
+          </a:effectRef>
+          <a:fontRef idx="minor">
+            <a:schemeClr val="tx1"/>
+          </a:fontRef>
+        </p:style>
+      </p:cxnSp>
+      <p:cxnSp>
+        <p:nvCxnSpPr>
+          <p:cNvPr id="175" name="カギ線コネクタ 174"/>
+          <p:cNvCxnSpPr/>
+          <p:nvPr/>
+        </p:nvCxnSpPr>
+        <p:spPr>
+          <a:xfrm rot="10800000">
+            <a:off x="4520329" y="4357899"/>
+            <a:ext cx="2596636" cy="618668"/>
+          </a:xfrm>
+          <a:prstGeom prst="bentConnector3">
+            <a:avLst>
+              <a:gd name="adj1" fmla="val 98909"/>
+            </a:avLst>
+          </a:prstGeom>
+          <a:ln>
+            <a:prstDash val="dash"/>
+            <a:headEnd type="arrow" w="med" len="med"/>
+            <a:tailEnd type="none" w="med" len="med"/>
           </a:ln>
         </p:spPr>
         <p:style>
@@ -10585,7 +11219,7 @@
         </p:nvSpPr>
         <p:spPr>
           <a:xfrm>
-            <a:off x="4279972" y="3364867"/>
+            <a:off x="4568004" y="3364867"/>
             <a:ext cx="645062" cy="286812"/>
           </a:xfrm>
           <a:prstGeom prst="rect">
@@ -10643,7 +11277,7 @@
         </p:nvSpPr>
         <p:spPr>
           <a:xfrm>
-            <a:off x="6857842" y="3364867"/>
+            <a:off x="7145874" y="3364867"/>
             <a:ext cx="985887" cy="286812"/>
           </a:xfrm>
           <a:prstGeom prst="rect">
@@ -10701,7 +11335,7 @@
         </p:nvSpPr>
         <p:spPr>
           <a:xfrm>
-            <a:off x="1312588" y="2944769"/>
+            <a:off x="1600620" y="2944769"/>
             <a:ext cx="843375" cy="287259"/>
           </a:xfrm>
           <a:prstGeom prst="rect">
@@ -10765,7 +11399,7 @@
         </p:nvSpPr>
         <p:spPr>
           <a:xfrm>
-            <a:off x="3759925" y="3654515"/>
+            <a:off x="4047957" y="3654515"/>
             <a:ext cx="419299" cy="287259"/>
           </a:xfrm>
           <a:prstGeom prst="rect">
@@ -10816,7 +11450,7 @@
         </p:nvSpPr>
         <p:spPr>
           <a:xfrm>
-            <a:off x="4398471" y="3653741"/>
+            <a:off x="4686503" y="3653741"/>
             <a:ext cx="419299" cy="287259"/>
           </a:xfrm>
           <a:prstGeom prst="rect">
@@ -10867,7 +11501,7 @@
         </p:nvSpPr>
         <p:spPr>
           <a:xfrm>
-            <a:off x="6325211" y="3654515"/>
+            <a:off x="6613243" y="3654515"/>
             <a:ext cx="419299" cy="287259"/>
           </a:xfrm>
           <a:prstGeom prst="rect">
@@ -10918,7 +11552,7 @@
         </p:nvSpPr>
         <p:spPr>
           <a:xfrm>
-            <a:off x="5076056" y="4655848"/>
+            <a:off x="5364088" y="4776055"/>
             <a:ext cx="982194" cy="285960"/>
           </a:xfrm>
           <a:prstGeom prst="rect">
@@ -11055,7 +11689,7 @@
         </p:nvSpPr>
         <p:spPr>
           <a:xfrm>
-            <a:off x="411099" y="3364707"/>
+            <a:off x="699131" y="3364707"/>
             <a:ext cx="645062" cy="288032"/>
           </a:xfrm>
           <a:prstGeom prst="rect">
@@ -11108,7 +11742,7 @@
         </p:nvSpPr>
         <p:spPr>
           <a:xfrm>
-            <a:off x="1957769" y="4372947"/>
+            <a:off x="2245801" y="4493154"/>
             <a:ext cx="645062" cy="288032"/>
           </a:xfrm>
           <a:prstGeom prst="rect">
@@ -11161,7 +11795,7 @@
         </p:nvSpPr>
         <p:spPr>
           <a:xfrm>
-            <a:off x="6588224" y="4372947"/>
+            <a:off x="6876256" y="4493154"/>
             <a:ext cx="645062" cy="289056"/>
           </a:xfrm>
           <a:prstGeom prst="rect">
@@ -11214,7 +11848,7 @@
         </p:nvSpPr>
         <p:spPr>
           <a:xfrm>
-            <a:off x="3954802" y="3363648"/>
+            <a:off x="4242834" y="3363648"/>
             <a:ext cx="325169" cy="288032"/>
           </a:xfrm>
           <a:prstGeom prst="rect">
@@ -11267,11 +11901,6 @@
               </a:rPr>
               <a:t>(4bit)</a:t>
             </a:r>
-            <a:endParaRPr kumimoji="1" lang="en-US" altLang="ja-JP" sz="500" dirty="0" smtClean="0">
-              <a:solidFill>
-                <a:schemeClr val="tx1"/>
-              </a:solidFill>
-            </a:endParaRPr>
           </a:p>
         </p:txBody>
       </p:sp>
@@ -11283,7 +11912,7 @@
         </p:nvSpPr>
         <p:spPr>
           <a:xfrm>
-            <a:off x="2060105" y="4654548"/>
+            <a:off x="2348137" y="4774755"/>
             <a:ext cx="419299" cy="287259"/>
           </a:xfrm>
           <a:prstGeom prst="rect">
@@ -11347,7 +11976,7 @@
         </p:nvSpPr>
         <p:spPr>
           <a:xfrm>
-            <a:off x="6212944" y="3363647"/>
+            <a:off x="6500976" y="3363647"/>
             <a:ext cx="645062" cy="288032"/>
           </a:xfrm>
           <a:prstGeom prst="rect">
@@ -11400,7 +12029,7 @@
         </p:nvSpPr>
         <p:spPr>
           <a:xfrm>
-            <a:off x="3989587" y="4673679"/>
+            <a:off x="4277619" y="4793886"/>
             <a:ext cx="419299" cy="287259"/>
           </a:xfrm>
           <a:prstGeom prst="rect">
@@ -11451,7 +12080,7 @@
         </p:nvSpPr>
         <p:spPr>
           <a:xfrm>
-            <a:off x="3882488" y="4372947"/>
+            <a:off x="4170520" y="4493154"/>
             <a:ext cx="645062" cy="288032"/>
           </a:xfrm>
           <a:prstGeom prst="rect">
@@ -11509,7 +12138,7 @@
         </p:nvSpPr>
         <p:spPr>
           <a:xfrm>
-            <a:off x="4527550" y="4372947"/>
+            <a:off x="4815582" y="4493154"/>
             <a:ext cx="2062832" cy="288032"/>
           </a:xfrm>
           <a:prstGeom prst="rect">
@@ -11567,7 +12196,7 @@
         </p:nvSpPr>
         <p:spPr>
           <a:xfrm>
-            <a:off x="6694141" y="4677912"/>
+            <a:off x="6982173" y="4798119"/>
             <a:ext cx="419299" cy="287259"/>
           </a:xfrm>
           <a:prstGeom prst="rect">
@@ -11618,7 +12247,7 @@
         </p:nvSpPr>
         <p:spPr>
           <a:xfrm>
-            <a:off x="6444208" y="3743927"/>
+            <a:off x="6732240" y="3743927"/>
             <a:ext cx="1944216" cy="211348"/>
           </a:xfrm>
           <a:prstGeom prst="rect">
@@ -11733,8 +12362,8 @@
         </p:nvCxnSpPr>
         <p:spPr>
           <a:xfrm flipH="1">
-            <a:off x="6590382" y="3668017"/>
-            <a:ext cx="1255948" cy="704380"/>
+            <a:off x="6876256" y="3668017"/>
+            <a:ext cx="1258106" cy="824587"/>
           </a:xfrm>
           <a:prstGeom prst="line">
             <a:avLst/>
@@ -11763,8 +12392,8 @@
         </p:nvCxnSpPr>
         <p:spPr>
           <a:xfrm>
-            <a:off x="411099" y="3664378"/>
-            <a:ext cx="4116451" cy="708019"/>
+            <a:off x="699131" y="3664378"/>
+            <a:ext cx="4161028" cy="828226"/>
           </a:xfrm>
           <a:prstGeom prst="line">
             <a:avLst/>
@@ -11793,8 +12422,8 @@
         </p:nvSpPr>
         <p:spPr>
           <a:xfrm>
-            <a:off x="276671" y="1052099"/>
-            <a:ext cx="1054969" cy="287680"/>
+            <a:off x="251520" y="980728"/>
+            <a:ext cx="643870" cy="359050"/>
           </a:xfrm>
           <a:prstGeom prst="rect">
             <a:avLst/>
@@ -11826,12 +12455,31 @@
           <a:p>
             <a:pPr algn="ctr"/>
             <a:r>
+              <a:rPr lang="en-US" altLang="ja-JP" sz="1100" dirty="0">
+                <a:solidFill>
+                  <a:schemeClr val="tx1"/>
+                </a:solidFill>
+              </a:rPr>
+              <a:t>P</a:t>
+            </a:r>
+            <a:r>
               <a:rPr lang="en-US" altLang="ja-JP" sz="1100" dirty="0" smtClean="0">
                 <a:solidFill>
                   <a:schemeClr val="tx1"/>
                 </a:solidFill>
               </a:rPr>
-              <a:t>packet  format</a:t>
+              <a:t>acket</a:t>
+            </a:r>
+          </a:p>
+          <a:p>
+            <a:pPr algn="ctr"/>
+            <a:r>
+              <a:rPr lang="en-US" altLang="ja-JP" sz="1100" dirty="0" smtClean="0">
+                <a:solidFill>
+                  <a:schemeClr val="tx1"/>
+                </a:solidFill>
+              </a:rPr>
+              <a:t> format</a:t>
             </a:r>
             <a:endParaRPr kumimoji="1" lang="en-US" altLang="ja-JP" sz="1100" dirty="0" smtClean="0">
               <a:solidFill>
@@ -11849,7 +12497,7 @@
         </p:nvSpPr>
         <p:spPr>
           <a:xfrm>
-            <a:off x="2708542" y="4674703"/>
+            <a:off x="2996574" y="4794910"/>
             <a:ext cx="419299" cy="287259"/>
           </a:xfrm>
           <a:prstGeom prst="rect">
@@ -11900,7 +12548,7 @@
         </p:nvSpPr>
         <p:spPr>
           <a:xfrm>
-            <a:off x="2602625" y="4372397"/>
+            <a:off x="2890657" y="4492604"/>
             <a:ext cx="645062" cy="289607"/>
           </a:xfrm>
           <a:prstGeom prst="rect">
@@ -11958,7 +12606,7 @@
         </p:nvSpPr>
         <p:spPr>
           <a:xfrm>
-            <a:off x="3353033" y="4673128"/>
+            <a:off x="3641065" y="4793335"/>
             <a:ext cx="419299" cy="287259"/>
           </a:xfrm>
           <a:prstGeom prst="rect">
@@ -12009,7 +12657,7 @@
         </p:nvSpPr>
         <p:spPr>
           <a:xfrm>
-            <a:off x="3242805" y="4372946"/>
+            <a:off x="3530837" y="4493153"/>
             <a:ext cx="645062" cy="287481"/>
           </a:xfrm>
           <a:prstGeom prst="rect">
@@ -12067,7 +12715,7 @@
         </p:nvSpPr>
         <p:spPr>
           <a:xfrm>
-            <a:off x="5043037" y="3668016"/>
+            <a:off x="5331069" y="3668016"/>
             <a:ext cx="419299" cy="287259"/>
           </a:xfrm>
           <a:prstGeom prst="rect">
@@ -12118,7 +12766,7 @@
         </p:nvSpPr>
         <p:spPr>
           <a:xfrm>
-            <a:off x="4924420" y="3365710"/>
+            <a:off x="5212452" y="3365710"/>
             <a:ext cx="645062" cy="285969"/>
           </a:xfrm>
           <a:prstGeom prst="rect">
@@ -12176,7 +12824,7 @@
         </p:nvSpPr>
         <p:spPr>
           <a:xfrm>
-            <a:off x="5687528" y="3666441"/>
+            <a:off x="5975560" y="3666441"/>
             <a:ext cx="419299" cy="287259"/>
           </a:xfrm>
           <a:prstGeom prst="rect">
@@ -12227,7 +12875,7 @@
         </p:nvSpPr>
         <p:spPr>
           <a:xfrm>
-            <a:off x="5568911" y="3365709"/>
+            <a:off x="5856943" y="3365709"/>
             <a:ext cx="645062" cy="285970"/>
           </a:xfrm>
           <a:prstGeom prst="rect">
@@ -12285,7 +12933,7 @@
         </p:nvSpPr>
         <p:spPr>
           <a:xfrm>
-            <a:off x="3907459" y="3038237"/>
+            <a:off x="4195491" y="3038237"/>
             <a:ext cx="473206" cy="369332"/>
           </a:xfrm>
           <a:prstGeom prst="rect">
@@ -12330,8 +12978,8 @@
         </p:nvCxnSpPr>
         <p:spPr>
           <a:xfrm flipH="1">
-            <a:off x="611560" y="4101075"/>
-            <a:ext cx="7560840" cy="0"/>
+            <a:off x="552302" y="4101075"/>
+            <a:ext cx="7908130" cy="0"/>
           </a:xfrm>
           <a:prstGeom prst="line">
             <a:avLst/>
@@ -12363,7 +13011,7 @@
         </p:nvSpPr>
         <p:spPr>
           <a:xfrm>
-            <a:off x="467544" y="4221088"/>
+            <a:off x="755576" y="4341295"/>
             <a:ext cx="1473480" cy="553998"/>
           </a:xfrm>
           <a:prstGeom prst="rect">
@@ -12434,7 +13082,7 @@
         </p:nvSpPr>
         <p:spPr>
           <a:xfrm>
-            <a:off x="1751403" y="1623185"/>
+            <a:off x="2039435" y="1623185"/>
             <a:ext cx="1157689" cy="246221"/>
           </a:xfrm>
           <a:prstGeom prst="rect">
@@ -12470,7 +13118,7 @@
         </p:nvSpPr>
         <p:spPr>
           <a:xfrm>
-            <a:off x="264270" y="2420888"/>
+            <a:off x="552302" y="2420888"/>
             <a:ext cx="2271776" cy="553998"/>
           </a:xfrm>
           <a:prstGeom prst="rect">
@@ -12549,7 +13197,7 @@
         </p:nvSpPr>
         <p:spPr>
           <a:xfrm>
-            <a:off x="1835696" y="4869547"/>
+            <a:off x="2123728" y="4989754"/>
             <a:ext cx="996423" cy="143629"/>
           </a:xfrm>
           <a:prstGeom prst="rect">
@@ -12603,7 +13251,7 @@
         </p:nvSpPr>
         <p:spPr>
           <a:xfrm>
-            <a:off x="6405578" y="4893356"/>
+            <a:off x="6693610" y="5013563"/>
             <a:ext cx="996423" cy="143629"/>
           </a:xfrm>
           <a:prstGeom prst="rect">
@@ -12668,7 +13316,7 @@
         </p:nvSpPr>
         <p:spPr>
           <a:xfrm>
-            <a:off x="2020384" y="1815207"/>
+            <a:off x="2308416" y="1815207"/>
             <a:ext cx="1255472" cy="461665"/>
           </a:xfrm>
           <a:prstGeom prst="rect">
@@ -12745,7 +13393,7 @@
         </p:nvSpPr>
         <p:spPr>
           <a:xfrm>
-            <a:off x="2987824" y="2322360"/>
+            <a:off x="3275856" y="2322360"/>
             <a:ext cx="3867360" cy="253916"/>
           </a:xfrm>
           <a:prstGeom prst="rect">
@@ -12787,7 +13435,7 @@
         </p:nvCxnSpPr>
         <p:spPr>
           <a:xfrm>
-            <a:off x="4572127" y="2677330"/>
+            <a:off x="4860159" y="2677330"/>
             <a:ext cx="30376" cy="687537"/>
           </a:xfrm>
           <a:prstGeom prst="straightConnector1">
@@ -12823,7 +13471,7 @@
         </p:nvCxnSpPr>
         <p:spPr>
           <a:xfrm>
-            <a:off x="5538595" y="2679070"/>
+            <a:off x="5826627" y="2679070"/>
             <a:ext cx="1812191" cy="685797"/>
           </a:xfrm>
           <a:prstGeom prst="straightConnector1">
@@ -12859,7 +13507,7 @@
         </p:nvCxnSpPr>
         <p:spPr>
           <a:xfrm>
-            <a:off x="2648120" y="2276872"/>
+            <a:off x="2936152" y="2276872"/>
             <a:ext cx="339704" cy="172446"/>
           </a:xfrm>
           <a:prstGeom prst="straightConnector1">
@@ -12892,7 +13540,7 @@
         </p:nvSpPr>
         <p:spPr>
           <a:xfrm>
-            <a:off x="4684136" y="2106916"/>
+            <a:off x="4972168" y="2106916"/>
             <a:ext cx="691215" cy="215444"/>
           </a:xfrm>
           <a:prstGeom prst="rect">
@@ -12925,7 +13573,7 @@
         </p:nvSpPr>
         <p:spPr>
           <a:xfrm>
-            <a:off x="5868144" y="1848721"/>
+            <a:off x="6156176" y="1848721"/>
             <a:ext cx="2406428" cy="215444"/>
           </a:xfrm>
           <a:prstGeom prst="rect">
@@ -12952,11 +13600,7 @@
             </a:r>
             <a:r>
               <a:rPr lang="ja-JP" altLang="en-US" sz="800" dirty="0" smtClean="0"/>
-              <a:t>ユーザ側で</a:t>
-            </a:r>
-            <a:r>
-              <a:rPr lang="ja-JP" altLang="en-US" sz="800" dirty="0" smtClean="0"/>
-              <a:t>実装</a:t>
+              <a:t>ユーザ側で実装</a:t>
             </a:r>
             <a:endParaRPr kumimoji="1" lang="en-US" altLang="ja-JP" sz="800" dirty="0" smtClean="0"/>
           </a:p>
@@ -12970,7 +13614,7 @@
         </p:nvSpPr>
         <p:spPr>
           <a:xfrm rot="16200000" flipH="1">
-            <a:off x="5501912" y="2259463"/>
+            <a:off x="5789944" y="2259463"/>
             <a:ext cx="73366" cy="765848"/>
           </a:xfrm>
           <a:prstGeom prst="rightBracket">
@@ -13008,7 +13652,7 @@
         </p:nvSpPr>
         <p:spPr>
           <a:xfrm rot="16200000" flipH="1">
-            <a:off x="4536208" y="2158178"/>
+            <a:off x="4824240" y="2158178"/>
             <a:ext cx="71836" cy="966467"/>
           </a:xfrm>
           <a:prstGeom prst="rightBracket">
@@ -13046,7 +13690,7 @@
         </p:nvSpPr>
         <p:spPr>
           <a:xfrm>
-            <a:off x="3631587" y="3364135"/>
+            <a:off x="3919619" y="3364135"/>
             <a:ext cx="76317" cy="288032"/>
           </a:xfrm>
           <a:prstGeom prst="rect">
@@ -13096,7 +13740,7 @@
         </p:nvSpPr>
         <p:spPr>
           <a:xfrm rot="16200000" flipH="1">
-            <a:off x="3918448" y="3382404"/>
+            <a:off x="4206480" y="3382404"/>
             <a:ext cx="71836" cy="651211"/>
           </a:xfrm>
           <a:prstGeom prst="rightBracket">
@@ -13134,7 +13778,7 @@
         </p:nvSpPr>
         <p:spPr>
           <a:xfrm>
-            <a:off x="3710286" y="3364135"/>
+            <a:off x="3998318" y="3364135"/>
             <a:ext cx="241762" cy="288032"/>
           </a:xfrm>
           <a:prstGeom prst="rect">
@@ -13184,7 +13828,7 @@
         </p:nvCxnSpPr>
         <p:spPr>
           <a:xfrm flipV="1">
-            <a:off x="3669231" y="2917289"/>
+            <a:off x="3957263" y="2917289"/>
             <a:ext cx="0" cy="423036"/>
           </a:xfrm>
           <a:prstGeom prst="line">
@@ -13214,7 +13858,7 @@
         </p:nvSpPr>
         <p:spPr>
           <a:xfrm>
-            <a:off x="3426416" y="2782491"/>
+            <a:off x="3714448" y="2782491"/>
             <a:ext cx="562975" cy="184666"/>
           </a:xfrm>
           <a:prstGeom prst="rect">
@@ -13259,7 +13903,7 @@
         </p:nvCxnSpPr>
         <p:spPr>
           <a:xfrm flipH="1" flipV="1">
-            <a:off x="3827781" y="3028711"/>
+            <a:off x="4115813" y="3028711"/>
             <a:ext cx="326" cy="302088"/>
           </a:xfrm>
           <a:prstGeom prst="line">
@@ -13289,7 +13933,7 @@
         </p:nvSpPr>
         <p:spPr>
           <a:xfrm>
-            <a:off x="3635896" y="2884294"/>
+            <a:off x="3923928" y="2884294"/>
             <a:ext cx="728084" cy="184666"/>
           </a:xfrm>
           <a:prstGeom prst="rect">
@@ -13322,7 +13966,7 @@
         </p:nvSpPr>
         <p:spPr>
           <a:xfrm>
-            <a:off x="1053716" y="3364707"/>
+            <a:off x="1341748" y="3364707"/>
             <a:ext cx="2577450" cy="288032"/>
           </a:xfrm>
           <a:prstGeom prst="rect">
@@ -13447,7 +14091,7 @@
         </p:nvSpPr>
         <p:spPr>
           <a:xfrm rot="16200000">
-            <a:off x="2306562" y="2032136"/>
+            <a:off x="2594594" y="2032136"/>
             <a:ext cx="45719" cy="2551413"/>
           </a:xfrm>
           <a:prstGeom prst="rightBracket">
@@ -13485,7 +14129,7 @@
         </p:nvSpPr>
         <p:spPr>
           <a:xfrm>
-            <a:off x="1975408" y="3074234"/>
+            <a:off x="2263440" y="3074234"/>
             <a:ext cx="435742" cy="287259"/>
           </a:xfrm>
           <a:prstGeom prst="rect">
@@ -13541,7 +14185,7 @@
         </p:nvSpPr>
         <p:spPr>
           <a:xfrm>
-            <a:off x="522242" y="3126616"/>
+            <a:off x="810274" y="3126616"/>
             <a:ext cx="435742" cy="287259"/>
           </a:xfrm>
           <a:prstGeom prst="rect">
@@ -13605,7 +14249,7 @@
         </p:nvSpPr>
         <p:spPr>
           <a:xfrm rot="16200000">
-            <a:off x="1963066" y="1581020"/>
+            <a:off x="2251098" y="1581020"/>
             <a:ext cx="79990" cy="3183922"/>
           </a:xfrm>
           <a:prstGeom prst="rightBracket">

--- a/etc/immsocket.pptx
+++ b/etc/immsocket.pptx
@@ -210,7 +210,7 @@
           <a:p>
             <a:fld id="{22CC3290-24F6-477F-95D9-2B730663FC8A}" type="datetimeFigureOut">
               <a:rPr kumimoji="1" lang="ja-JP" altLang="en-US" smtClean="0"/>
-              <a:t>2018/3/16</a:t>
+              <a:t>2018/10/3</a:t>
             </a:fld>
             <a:endParaRPr kumimoji="1" lang="ja-JP" altLang="en-US"/>
           </a:p>
@@ -775,7 +775,7 @@
           <a:p>
             <a:fld id="{58F1A61C-07EC-4CEE-80EB-D6F8CCBD6E84}" type="datetimeFigureOut">
               <a:rPr kumimoji="1" lang="ja-JP" altLang="en-US" smtClean="0"/>
-              <a:t>2018/3/16</a:t>
+              <a:t>2018/10/3</a:t>
             </a:fld>
             <a:endParaRPr kumimoji="1" lang="ja-JP" altLang="en-US"/>
           </a:p>
@@ -977,7 +977,7 @@
           <a:p>
             <a:fld id="{58F1A61C-07EC-4CEE-80EB-D6F8CCBD6E84}" type="datetimeFigureOut">
               <a:rPr kumimoji="1" lang="ja-JP" altLang="en-US" smtClean="0"/>
-              <a:t>2018/3/16</a:t>
+              <a:t>2018/10/3</a:t>
             </a:fld>
             <a:endParaRPr kumimoji="1" lang="ja-JP" altLang="en-US"/>
           </a:p>
@@ -1189,7 +1189,7 @@
           <a:p>
             <a:fld id="{58F1A61C-07EC-4CEE-80EB-D6F8CCBD6E84}" type="datetimeFigureOut">
               <a:rPr kumimoji="1" lang="ja-JP" altLang="en-US" smtClean="0"/>
-              <a:t>2018/3/16</a:t>
+              <a:t>2018/10/3</a:t>
             </a:fld>
             <a:endParaRPr kumimoji="1" lang="ja-JP" altLang="en-US"/>
           </a:p>
@@ -1391,7 +1391,7 @@
           <a:p>
             <a:fld id="{58F1A61C-07EC-4CEE-80EB-D6F8CCBD6E84}" type="datetimeFigureOut">
               <a:rPr kumimoji="1" lang="ja-JP" altLang="en-US" smtClean="0"/>
-              <a:t>2018/3/16</a:t>
+              <a:t>2018/10/3</a:t>
             </a:fld>
             <a:endParaRPr kumimoji="1" lang="ja-JP" altLang="en-US"/>
           </a:p>
@@ -1637,7 +1637,7 @@
           <a:p>
             <a:fld id="{58F1A61C-07EC-4CEE-80EB-D6F8CCBD6E84}" type="datetimeFigureOut">
               <a:rPr kumimoji="1" lang="ja-JP" altLang="en-US" smtClean="0"/>
-              <a:t>2018/3/16</a:t>
+              <a:t>2018/10/3</a:t>
             </a:fld>
             <a:endParaRPr kumimoji="1" lang="ja-JP" altLang="en-US"/>
           </a:p>
@@ -1989,7 +1989,7 @@
           <a:p>
             <a:fld id="{58F1A61C-07EC-4CEE-80EB-D6F8CCBD6E84}" type="datetimeFigureOut">
               <a:rPr kumimoji="1" lang="ja-JP" altLang="en-US" smtClean="0"/>
-              <a:t>2018/3/16</a:t>
+              <a:t>2018/10/3</a:t>
             </a:fld>
             <a:endParaRPr kumimoji="1" lang="ja-JP" altLang="en-US"/>
           </a:p>
@@ -2475,7 +2475,7 @@
           <a:p>
             <a:fld id="{58F1A61C-07EC-4CEE-80EB-D6F8CCBD6E84}" type="datetimeFigureOut">
               <a:rPr kumimoji="1" lang="ja-JP" altLang="en-US" smtClean="0"/>
-              <a:t>2018/3/16</a:t>
+              <a:t>2018/10/3</a:t>
             </a:fld>
             <a:endParaRPr kumimoji="1" lang="ja-JP" altLang="en-US"/>
           </a:p>
@@ -2593,7 +2593,7 @@
           <a:p>
             <a:fld id="{58F1A61C-07EC-4CEE-80EB-D6F8CCBD6E84}" type="datetimeFigureOut">
               <a:rPr kumimoji="1" lang="ja-JP" altLang="en-US" smtClean="0"/>
-              <a:t>2018/3/16</a:t>
+              <a:t>2018/10/3</a:t>
             </a:fld>
             <a:endParaRPr kumimoji="1" lang="ja-JP" altLang="en-US"/>
           </a:p>
@@ -2688,7 +2688,7 @@
           <a:p>
             <a:fld id="{58F1A61C-07EC-4CEE-80EB-D6F8CCBD6E84}" type="datetimeFigureOut">
               <a:rPr kumimoji="1" lang="ja-JP" altLang="en-US" smtClean="0"/>
-              <a:t>2018/3/16</a:t>
+              <a:t>2018/10/3</a:t>
             </a:fld>
             <a:endParaRPr kumimoji="1" lang="ja-JP" altLang="en-US"/>
           </a:p>
@@ -2997,7 +2997,7 @@
           <a:p>
             <a:fld id="{58F1A61C-07EC-4CEE-80EB-D6F8CCBD6E84}" type="datetimeFigureOut">
               <a:rPr kumimoji="1" lang="ja-JP" altLang="en-US" smtClean="0"/>
-              <a:t>2018/3/16</a:t>
+              <a:t>2018/10/3</a:t>
             </a:fld>
             <a:endParaRPr kumimoji="1" lang="ja-JP" altLang="en-US"/>
           </a:p>
@@ -3250,7 +3250,7 @@
           <a:p>
             <a:fld id="{58F1A61C-07EC-4CEE-80EB-D6F8CCBD6E84}" type="datetimeFigureOut">
               <a:rPr kumimoji="1" lang="ja-JP" altLang="en-US" smtClean="0"/>
-              <a:t>2018/3/16</a:t>
+              <a:t>2018/10/3</a:t>
             </a:fld>
             <a:endParaRPr kumimoji="1" lang="ja-JP" altLang="en-US"/>
           </a:p>
@@ -3495,7 +3495,7 @@
           <a:p>
             <a:fld id="{58F1A61C-07EC-4CEE-80EB-D6F8CCBD6E84}" type="datetimeFigureOut">
               <a:rPr kumimoji="1" lang="ja-JP" altLang="en-US" smtClean="0"/>
-              <a:t>2018/3/16</a:t>
+              <a:t>2018/10/3</a:t>
             </a:fld>
             <a:endParaRPr kumimoji="1" lang="ja-JP" altLang="en-US"/>
           </a:p>
@@ -4357,15 +4357,7 @@
                   <a:schemeClr val="tx1"/>
                 </a:solidFill>
               </a:rPr>
-              <a:t>omponent </a:t>
-            </a:r>
-            <a:r>
-              <a:rPr kumimoji="1" lang="en-US" altLang="ja-JP" sz="1100" dirty="0" smtClean="0">
-                <a:solidFill>
-                  <a:schemeClr val="tx1"/>
-                </a:solidFill>
-              </a:rPr>
-              <a:t>diagram</a:t>
+              <a:t>omponent diagram</a:t>
             </a:r>
           </a:p>
         </p:txBody>
@@ -7243,13 +7235,63 @@
       </p:grpSpPr>
       <p:sp>
         <p:nvSpPr>
+          <p:cNvPr id="176" name="角丸四角形 175"/>
+          <p:cNvSpPr/>
+          <p:nvPr/>
+        </p:nvSpPr>
+        <p:spPr>
+          <a:xfrm>
+            <a:off x="4543143" y="1975087"/>
+            <a:ext cx="4205321" cy="1309897"/>
+          </a:xfrm>
+          <a:prstGeom prst="roundRect">
+            <a:avLst>
+              <a:gd name="adj" fmla="val 10850"/>
+            </a:avLst>
+          </a:prstGeom>
+          <a:noFill/>
+          <a:ln>
+            <a:solidFill>
+              <a:schemeClr val="bg1">
+                <a:lumMod val="65000"/>
+              </a:schemeClr>
+            </a:solidFill>
+          </a:ln>
+        </p:spPr>
+        <p:style>
+          <a:lnRef idx="2">
+            <a:schemeClr val="accent1">
+              <a:shade val="50000"/>
+            </a:schemeClr>
+          </a:lnRef>
+          <a:fillRef idx="1">
+            <a:schemeClr val="accent1"/>
+          </a:fillRef>
+          <a:effectRef idx="0">
+            <a:schemeClr val="accent1"/>
+          </a:effectRef>
+          <a:fontRef idx="minor">
+            <a:schemeClr val="lt1"/>
+          </a:fontRef>
+        </p:style>
+        <p:txBody>
+          <a:bodyPr rtlCol="0" anchor="ctr"/>
+          <a:lstStyle/>
+          <a:p>
+            <a:pPr algn="ctr"/>
+            <a:endParaRPr kumimoji="1" lang="ja-JP" altLang="en-US"/>
+          </a:p>
+        </p:txBody>
+      </p:sp>
+      <p:sp>
+        <p:nvSpPr>
           <p:cNvPr id="3" name="正方形/長方形 2"/>
           <p:cNvSpPr/>
           <p:nvPr/>
         </p:nvSpPr>
         <p:spPr>
           <a:xfrm>
-            <a:off x="628613" y="1604797"/>
+            <a:off x="251520" y="1604797"/>
             <a:ext cx="1440160" cy="591783"/>
           </a:xfrm>
           <a:prstGeom prst="rect">
@@ -7266,6 +7308,13 @@
               <a:schemeClr val="tx1"/>
             </a:solidFill>
           </a:ln>
+          <a:effectLst>
+            <a:outerShdw blurRad="50800" dist="38100" dir="2700000" algn="tl" rotWithShape="0">
+              <a:prstClr val="black">
+                <a:alpha val="40000"/>
+              </a:prstClr>
+            </a:outerShdw>
+          </a:effectLst>
         </p:spPr>
         <p:style>
           <a:lnRef idx="2">
@@ -7312,7 +7361,7 @@
         </p:nvSpPr>
         <p:spPr>
           <a:xfrm>
-            <a:off x="2491976" y="599388"/>
+            <a:off x="2114883" y="599388"/>
             <a:ext cx="1440160" cy="576064"/>
           </a:xfrm>
           <a:prstGeom prst="rect">
@@ -7375,7 +7424,7 @@
         </p:nvSpPr>
         <p:spPr>
           <a:xfrm>
-            <a:off x="3347864" y="1604797"/>
+            <a:off x="2970771" y="1604797"/>
             <a:ext cx="1440160" cy="591783"/>
           </a:xfrm>
           <a:prstGeom prst="rect">
@@ -7392,6 +7441,13 @@
               <a:schemeClr val="tx1"/>
             </a:solidFill>
           </a:ln>
+          <a:effectLst>
+            <a:outerShdw blurRad="50800" dist="38100" dir="2700000" algn="tl" rotWithShape="0">
+              <a:prstClr val="black">
+                <a:alpha val="40000"/>
+              </a:prstClr>
+            </a:outerShdw>
+          </a:effectLst>
         </p:spPr>
         <p:style>
           <a:lnRef idx="2">
@@ -7438,7 +7494,7 @@
         </p:nvSpPr>
         <p:spPr>
           <a:xfrm>
-            <a:off x="2660395" y="1172749"/>
+            <a:off x="2283302" y="1172749"/>
             <a:ext cx="144016" cy="192021"/>
           </a:xfrm>
           <a:prstGeom prst="triangle">
@@ -7489,7 +7545,7 @@
         </p:nvCxnSpPr>
         <p:spPr>
           <a:xfrm rot="5400000">
-            <a:off x="1920535" y="792928"/>
+            <a:off x="1543442" y="792928"/>
             <a:ext cx="240027" cy="1383710"/>
           </a:xfrm>
           <a:prstGeom prst="bentConnector3">
@@ -7519,7 +7575,7 @@
         </p:nvSpPr>
         <p:spPr>
           <a:xfrm>
-            <a:off x="3128246" y="1176897"/>
+            <a:off x="2751153" y="1176897"/>
             <a:ext cx="144016" cy="192021"/>
           </a:xfrm>
           <a:prstGeom prst="triangle">
@@ -7570,7 +7626,7 @@
         </p:nvCxnSpPr>
         <p:spPr>
           <a:xfrm rot="16200000" flipH="1">
-            <a:off x="3516160" y="1053012"/>
+            <a:off x="3139067" y="1053012"/>
             <a:ext cx="235879" cy="867690"/>
           </a:xfrm>
           <a:prstGeom prst="bentConnector3">
@@ -7605,7 +7661,7 @@
         </p:nvCxnSpPr>
         <p:spPr>
           <a:xfrm>
-            <a:off x="2275417" y="1900238"/>
+            <a:off x="1898324" y="1900238"/>
             <a:ext cx="1072447" cy="451"/>
           </a:xfrm>
           <a:prstGeom prst="straightConnector1">
@@ -7639,7 +7695,7 @@
         </p:nvSpPr>
         <p:spPr>
           <a:xfrm>
-            <a:off x="2234679" y="1940470"/>
+            <a:off x="1857586" y="1940470"/>
             <a:ext cx="167621" cy="143629"/>
           </a:xfrm>
           <a:prstGeom prst="rect">
@@ -7693,7 +7749,7 @@
         </p:nvSpPr>
         <p:spPr>
           <a:xfrm>
-            <a:off x="3128246" y="1933688"/>
+            <a:off x="2751153" y="1933688"/>
             <a:ext cx="167621" cy="143629"/>
           </a:xfrm>
           <a:prstGeom prst="rect">
@@ -7747,7 +7803,7 @@
         </p:nvSpPr>
         <p:spPr>
           <a:xfrm>
-            <a:off x="3337231" y="2708920"/>
+            <a:off x="2960138" y="2708920"/>
             <a:ext cx="1440160" cy="576064"/>
           </a:xfrm>
           <a:prstGeom prst="rect">
@@ -7764,6 +7820,13 @@
               <a:schemeClr val="tx1"/>
             </a:solidFill>
           </a:ln>
+          <a:effectLst>
+            <a:outerShdw blurRad="50800" dist="38100" dir="2700000" algn="tl" rotWithShape="0">
+              <a:prstClr val="black">
+                <a:alpha val="40000"/>
+              </a:prstClr>
+            </a:outerShdw>
+          </a:effectLst>
         </p:spPr>
         <p:style>
           <a:lnRef idx="2">
@@ -7840,7 +7903,7 @@
         </p:nvSpPr>
         <p:spPr>
           <a:xfrm>
-            <a:off x="3347864" y="3789040"/>
+            <a:off x="2970771" y="3789040"/>
             <a:ext cx="1440160" cy="576064"/>
           </a:xfrm>
           <a:prstGeom prst="rect">
@@ -7857,6 +7920,13 @@
               <a:schemeClr val="tx1"/>
             </a:solidFill>
           </a:ln>
+          <a:effectLst>
+            <a:outerShdw blurRad="50800" dist="38100" dir="2700000" algn="tl" rotWithShape="0">
+              <a:prstClr val="black">
+                <a:alpha val="40000"/>
+              </a:prstClr>
+            </a:outerShdw>
+          </a:effectLst>
         </p:spPr>
         <p:style>
           <a:lnRef idx="2">
@@ -7880,7 +7950,7 @@
           <a:p>
             <a:pPr algn="ctr"/>
             <a:r>
-              <a:rPr lang="en-US" altLang="ja-JP" sz="1000" dirty="0" err="1">
+              <a:rPr lang="en-US" altLang="ja-JP" sz="1000" smtClean="0">
                 <a:solidFill>
                   <a:schemeClr val="tx1"/>
                 </a:solidFill>
@@ -7888,13 +7958,21 @@
               <a:t>C</a:t>
             </a:r>
             <a:r>
-              <a:rPr kumimoji="1" lang="en-US" altLang="ja-JP" sz="1000" dirty="0" err="1" smtClean="0">
+              <a:rPr kumimoji="1" lang="en-US" altLang="ja-JP" sz="1000" smtClean="0">
                 <a:solidFill>
                   <a:schemeClr val="tx1"/>
                 </a:solidFill>
               </a:rPr>
               <a:t>PacketHandler</a:t>
             </a:r>
+            <a:endParaRPr kumimoji="1" lang="en-US" altLang="ja-JP" sz="1000" dirty="0" smtClean="0">
+              <a:solidFill>
+                <a:schemeClr val="tx1"/>
+              </a:solidFill>
+            </a:endParaRPr>
+          </a:p>
+          <a:p>
+            <a:pPr algn="ctr"/>
             <a:endParaRPr kumimoji="1" lang="ja-JP" altLang="en-US" sz="1000" dirty="0">
               <a:solidFill>
                 <a:schemeClr val="tx1"/>
@@ -7911,16 +7989,16 @@
         </p:nvSpPr>
         <p:spPr>
           <a:xfrm>
-            <a:off x="628613" y="5121188"/>
+            <a:off x="251520" y="5121188"/>
             <a:ext cx="2232248" cy="1080120"/>
           </a:xfrm>
           <a:prstGeom prst="rect">
             <a:avLst/>
           </a:prstGeom>
           <a:solidFill>
-            <a:schemeClr val="accent6">
-              <a:lumMod val="20000"/>
-              <a:lumOff val="80000"/>
+            <a:schemeClr val="accent5">
+              <a:lumMod val="60000"/>
+              <a:lumOff val="40000"/>
             </a:schemeClr>
           </a:solidFill>
           <a:ln w="9525">
@@ -7928,6 +8006,13 @@
               <a:schemeClr val="tx1"/>
             </a:solidFill>
           </a:ln>
+          <a:effectLst>
+            <a:outerShdw blurRad="50800" dist="38100" dir="2700000" algn="tl" rotWithShape="0">
+              <a:prstClr val="black">
+                <a:alpha val="40000"/>
+              </a:prstClr>
+            </a:outerShdw>
+          </a:effectLst>
         </p:spPr>
         <p:style>
           <a:lnRef idx="2">
@@ -7951,7 +8036,7 @@
           <a:p>
             <a:pPr algn="ctr"/>
             <a:r>
-              <a:rPr lang="en-US" altLang="ja-JP" sz="1000" dirty="0" smtClean="0">
+              <a:rPr lang="en-US" altLang="ja-JP" sz="1000" b="1" i="1" dirty="0" smtClean="0">
                 <a:solidFill>
                   <a:schemeClr val="tx1"/>
                 </a:solidFill>
@@ -7959,14 +8044,25 @@
               <a:t>User </a:t>
             </a:r>
             <a:r>
-              <a:rPr lang="ja-JP" altLang="en-US" sz="1000" dirty="0" smtClean="0">
-                <a:solidFill>
-                  <a:schemeClr val="tx1"/>
-                </a:solidFill>
-              </a:rPr>
-              <a:t>実装クラス</a:t>
-            </a:r>
-            <a:endParaRPr lang="en-US" altLang="ja-JP" sz="1000" dirty="0" smtClean="0">
+              <a:rPr lang="en-US" altLang="ja-JP" sz="1000" b="1" i="1" dirty="0" err="1" smtClean="0">
+                <a:solidFill>
+                  <a:schemeClr val="tx1"/>
+                </a:solidFill>
+              </a:rPr>
+              <a:t>impl</a:t>
+            </a:r>
+            <a:r>
+              <a:rPr lang="en-US" altLang="ja-JP" sz="1000" b="1" i="1" dirty="0" smtClean="0">
+                <a:solidFill>
+                  <a:schemeClr val="tx1"/>
+                </a:solidFill>
+              </a:rPr>
+              <a:t> class</a:t>
+            </a:r>
+          </a:p>
+          <a:p>
+            <a:pPr algn="ctr"/>
+            <a:endParaRPr lang="en-US" altLang="ja-JP" sz="1000" b="1" u="sng" dirty="0" smtClean="0">
               <a:solidFill>
                 <a:schemeClr val="tx1"/>
               </a:solidFill>
@@ -7974,7 +8070,15 @@
           </a:p>
           <a:p>
             <a:pPr algn="ctr"/>
-            <a:endParaRPr lang="en-US" altLang="ja-JP" sz="1000" dirty="0" smtClean="0">
+            <a:r>
+              <a:rPr lang="en-US" altLang="ja-JP" sz="1000" u="sng" dirty="0" err="1" smtClean="0">
+                <a:solidFill>
+                  <a:schemeClr val="tx1"/>
+                </a:solidFill>
+              </a:rPr>
+              <a:t>onHandleRequest</a:t>
+            </a:r>
+            <a:endParaRPr lang="en-US" altLang="ja-JP" sz="1000" u="sng" dirty="0">
               <a:solidFill>
                 <a:schemeClr val="tx1"/>
               </a:solidFill>
@@ -7983,22 +8087,14 @@
           <a:p>
             <a:pPr algn="ctr"/>
             <a:r>
-              <a:rPr lang="en-US" altLang="ja-JP" sz="1000" dirty="0" smtClean="0">
-                <a:solidFill>
-                  <a:schemeClr val="tx1"/>
-                </a:solidFill>
-              </a:rPr>
-              <a:t>Request/Reply/Notify</a:t>
-            </a:r>
-            <a:r>
-              <a:rPr lang="ja-JP" altLang="en-US" sz="1000" dirty="0" smtClean="0">
-                <a:solidFill>
-                  <a:schemeClr val="tx1"/>
-                </a:solidFill>
-              </a:rPr>
-              <a:t>のハンドリング</a:t>
-            </a:r>
-            <a:endParaRPr lang="en-US" altLang="ja-JP" sz="1000" dirty="0" smtClean="0">
+              <a:rPr lang="en-US" altLang="ja-JP" sz="1000" u="sng" dirty="0" err="1" smtClean="0">
+                <a:solidFill>
+                  <a:schemeClr val="tx1"/>
+                </a:solidFill>
+              </a:rPr>
+              <a:t>onHandleReply</a:t>
+            </a:r>
+            <a:endParaRPr lang="en-US" altLang="ja-JP" sz="1000" u="sng" dirty="0">
               <a:solidFill>
                 <a:schemeClr val="tx1"/>
               </a:solidFill>
@@ -8007,51 +8103,19 @@
           <a:p>
             <a:pPr algn="ctr"/>
             <a:r>
-              <a:rPr lang="en-US" altLang="ja-JP" sz="1000" dirty="0" err="1">
-                <a:solidFill>
-                  <a:schemeClr val="tx1"/>
-                </a:solidFill>
-              </a:rPr>
-              <a:t>onHandleRequest</a:t>
-            </a:r>
-            <a:endParaRPr lang="en-US" altLang="ja-JP" sz="1000" dirty="0">
+              <a:rPr lang="en-US" altLang="ja-JP" sz="1000" u="sng" dirty="0" err="1">
+                <a:solidFill>
+                  <a:schemeClr val="tx1"/>
+                </a:solidFill>
+              </a:rPr>
+              <a:t>onHandleNotify</a:t>
+            </a:r>
+            <a:endParaRPr lang="en-US" altLang="ja-JP" sz="1000" u="sng" dirty="0" smtClean="0">
               <a:solidFill>
                 <a:schemeClr val="tx1"/>
               </a:solidFill>
             </a:endParaRPr>
           </a:p>
-          <a:p>
-            <a:pPr algn="ctr"/>
-            <a:r>
-              <a:rPr lang="en-US" altLang="ja-JP" sz="1000" dirty="0" err="1" smtClean="0">
-                <a:solidFill>
-                  <a:schemeClr val="tx1"/>
-                </a:solidFill>
-              </a:rPr>
-              <a:t>onHandleReply</a:t>
-            </a:r>
-            <a:endParaRPr lang="en-US" altLang="ja-JP" sz="1000" dirty="0">
-              <a:solidFill>
-                <a:schemeClr val="tx1"/>
-              </a:solidFill>
-            </a:endParaRPr>
-          </a:p>
-          <a:p>
-            <a:pPr algn="ctr"/>
-            <a:r>
-              <a:rPr lang="en-US" altLang="ja-JP" sz="1000" dirty="0" err="1">
-                <a:solidFill>
-                  <a:schemeClr val="tx1"/>
-                </a:solidFill>
-              </a:rPr>
-              <a:t>onHandleNotify</a:t>
-            </a:r>
-            <a:endParaRPr lang="en-US" altLang="ja-JP" sz="1000" dirty="0" smtClean="0">
-              <a:solidFill>
-                <a:schemeClr val="tx1"/>
-              </a:solidFill>
-            </a:endParaRPr>
-          </a:p>
         </p:txBody>
       </p:sp>
       <p:sp>
@@ -8062,7 +8126,7 @@
         </p:nvSpPr>
         <p:spPr>
           <a:xfrm>
-            <a:off x="3995937" y="4365104"/>
+            <a:off x="3131840" y="4365104"/>
             <a:ext cx="144016" cy="192021"/>
           </a:xfrm>
           <a:prstGeom prst="triangle">
@@ -8113,12 +8177,12 @@
         </p:nvCxnSpPr>
         <p:spPr>
           <a:xfrm rot="5400000">
-            <a:off x="2624310" y="3677552"/>
-            <a:ext cx="564063" cy="2323208"/>
+            <a:off x="2003715" y="3921054"/>
+            <a:ext cx="564063" cy="1836204"/>
           </a:xfrm>
           <a:prstGeom prst="bentConnector3">
             <a:avLst>
-              <a:gd name="adj1" fmla="val 64635"/>
+              <a:gd name="adj1" fmla="val 50000"/>
             </a:avLst>
           </a:prstGeom>
         </p:spPr>
@@ -8145,7 +8209,7 @@
         </p:nvSpPr>
         <p:spPr>
           <a:xfrm>
-            <a:off x="3999407" y="3284984"/>
+            <a:off x="3622314" y="3284984"/>
             <a:ext cx="144016" cy="192021"/>
           </a:xfrm>
           <a:prstGeom prst="triangle">
@@ -8196,14 +8260,14 @@
         </p:nvCxnSpPr>
         <p:spPr>
           <a:xfrm flipH="1">
-            <a:off x="4067944" y="3477005"/>
+            <a:off x="3690851" y="3477005"/>
             <a:ext cx="3471" cy="312035"/>
           </a:xfrm>
           <a:prstGeom prst="line">
             <a:avLst/>
           </a:prstGeom>
           <a:ln>
-            <a:prstDash val="dash"/>
+            <a:prstDash val="solid"/>
           </a:ln>
         </p:spPr>
         <p:style>
@@ -8229,7 +8293,7 @@
         </p:nvSpPr>
         <p:spPr>
           <a:xfrm>
-            <a:off x="4102283" y="2348880"/>
+            <a:off x="3725190" y="2348880"/>
             <a:ext cx="109677" cy="180797"/>
           </a:xfrm>
           <a:prstGeom prst="rect">
@@ -8283,7 +8347,7 @@
         </p:nvSpPr>
         <p:spPr>
           <a:xfrm>
-            <a:off x="4036045" y="2533005"/>
+            <a:off x="3658952" y="2533005"/>
             <a:ext cx="391939" cy="180797"/>
           </a:xfrm>
           <a:prstGeom prst="rect">
@@ -8337,7 +8401,7 @@
         </p:nvSpPr>
         <p:spPr>
           <a:xfrm>
-            <a:off x="3980235" y="2196580"/>
+            <a:off x="3603142" y="2196580"/>
             <a:ext cx="149697" cy="211657"/>
           </a:xfrm>
           <a:prstGeom prst="diamond">
@@ -8384,7 +8448,7 @@
         </p:nvCxnSpPr>
         <p:spPr>
           <a:xfrm>
-            <a:off x="4055084" y="2408237"/>
+            <a:off x="3677991" y="2408237"/>
             <a:ext cx="2227" cy="300683"/>
           </a:xfrm>
           <a:prstGeom prst="straightConnector1">
@@ -8418,8 +8482,8 @@
         </p:nvSpPr>
         <p:spPr>
           <a:xfrm>
-            <a:off x="7116966" y="3831907"/>
-            <a:ext cx="1440160" cy="576064"/>
+            <a:off x="6876255" y="4346054"/>
+            <a:ext cx="775035" cy="266200"/>
           </a:xfrm>
           <a:prstGeom prst="rect">
             <a:avLst/>
@@ -8435,6 +8499,13 @@
               <a:schemeClr val="tx1"/>
             </a:solidFill>
           </a:ln>
+          <a:effectLst>
+            <a:outerShdw blurRad="50800" dist="38100" dir="2700000" algn="tl" rotWithShape="0">
+              <a:prstClr val="black">
+                <a:alpha val="40000"/>
+              </a:prstClr>
+            </a:outerShdw>
+          </a:effectLst>
         </p:spPr>
         <p:style>
           <a:lnRef idx="2">
@@ -8489,8 +8560,8 @@
         </p:nvSpPr>
         <p:spPr>
           <a:xfrm>
-            <a:off x="5123234" y="2123594"/>
-            <a:ext cx="1440160" cy="576064"/>
+            <a:off x="4746141" y="2123594"/>
+            <a:ext cx="1440160" cy="369302"/>
           </a:xfrm>
           <a:prstGeom prst="rect">
             <a:avLst/>
@@ -8506,6 +8577,13 @@
               <a:schemeClr val="tx1"/>
             </a:solidFill>
           </a:ln>
+          <a:effectLst>
+            <a:outerShdw blurRad="50800" dist="38100" dir="2700000" algn="tl" rotWithShape="0">
+              <a:prstClr val="black">
+                <a:alpha val="40000"/>
+              </a:prstClr>
+            </a:outerShdw>
+          </a:effectLst>
         </p:spPr>
         <p:style>
           <a:lnRef idx="2">
@@ -8552,8 +8630,8 @@
         </p:nvSpPr>
         <p:spPr>
           <a:xfrm>
-            <a:off x="6935870" y="2118324"/>
-            <a:ext cx="1440160" cy="576064"/>
+            <a:off x="6558776" y="2118324"/>
+            <a:ext cx="1973849" cy="374572"/>
           </a:xfrm>
           <a:prstGeom prst="rect">
             <a:avLst/>
@@ -8569,6 +8647,13 @@
               <a:schemeClr val="tx1"/>
             </a:solidFill>
           </a:ln>
+          <a:effectLst>
+            <a:outerShdw blurRad="50800" dist="38100" dir="2700000" algn="tl" rotWithShape="0">
+              <a:prstClr val="black">
+                <a:alpha val="40000"/>
+              </a:prstClr>
+            </a:outerShdw>
+          </a:effectLst>
         </p:spPr>
         <p:style>
           <a:lnRef idx="2">
@@ -8607,9 +8692,6 @@
               </a:rPr>
               <a:t>::</a:t>
             </a:r>
-          </a:p>
-          <a:p>
-            <a:pPr algn="ctr"/>
             <a:r>
               <a:rPr lang="en-US" altLang="ja-JP" sz="1000" dirty="0" err="1" smtClean="0">
                 <a:solidFill>
@@ -8634,7 +8716,7 @@
         </p:nvSpPr>
         <p:spPr>
           <a:xfrm>
-            <a:off x="3612058" y="1172749"/>
+            <a:off x="3234965" y="1172749"/>
             <a:ext cx="144016" cy="192021"/>
           </a:xfrm>
           <a:prstGeom prst="triangle">
@@ -8685,12 +8767,12 @@
         </p:nvCxnSpPr>
         <p:spPr>
           <a:xfrm rot="16200000" flipH="1">
-            <a:off x="5293231" y="-244395"/>
-            <a:ext cx="753554" cy="3971884"/>
+            <a:off x="5049560" y="-377817"/>
+            <a:ext cx="753554" cy="4238728"/>
           </a:xfrm>
           <a:prstGeom prst="bentConnector3">
             <a:avLst>
-              <a:gd name="adj1" fmla="val 12922"/>
+              <a:gd name="adj1" fmla="val 9552"/>
             </a:avLst>
           </a:prstGeom>
         </p:spPr>
@@ -8720,8 +8802,8 @@
         </p:nvCxnSpPr>
         <p:spPr>
           <a:xfrm flipV="1">
-            <a:off x="6771227" y="2406356"/>
-            <a:ext cx="164643" cy="1881"/>
+            <a:off x="6385784" y="2305610"/>
+            <a:ext cx="172992" cy="54682"/>
           </a:xfrm>
           <a:prstGeom prst="bentConnector3">
             <a:avLst>
@@ -8756,7 +8838,7 @@
         </p:nvSpPr>
         <p:spPr>
           <a:xfrm>
-            <a:off x="4836426" y="3691818"/>
+            <a:off x="4459333" y="3691818"/>
             <a:ext cx="167621" cy="143629"/>
           </a:xfrm>
           <a:prstGeom prst="rect">
@@ -8810,7 +8892,7 @@
         </p:nvSpPr>
         <p:spPr>
           <a:xfrm>
-            <a:off x="5105936" y="2747612"/>
+            <a:off x="5081741" y="2528973"/>
             <a:ext cx="167621" cy="143629"/>
           </a:xfrm>
           <a:prstGeom prst="rect">
@@ -8874,8 +8956,8 @@
         </p:nvCxnSpPr>
         <p:spPr>
           <a:xfrm flipV="1">
-            <a:off x="4997875" y="2714182"/>
-            <a:ext cx="273414" cy="1219743"/>
+            <a:off x="4620782" y="2508140"/>
+            <a:ext cx="600278" cy="1425785"/>
           </a:xfrm>
           <a:prstGeom prst="bentConnector2">
             <a:avLst/>
@@ -8908,7 +8990,7 @@
         </p:nvSpPr>
         <p:spPr>
           <a:xfrm>
-            <a:off x="6557468" y="2180068"/>
+            <a:off x="6180375" y="2133243"/>
             <a:ext cx="167621" cy="143629"/>
           </a:xfrm>
           <a:prstGeom prst="rect">
@@ -8970,7 +9052,7 @@
         </p:nvSpPr>
         <p:spPr>
           <a:xfrm>
-            <a:off x="6657049" y="2427619"/>
+            <a:off x="6279956" y="2427619"/>
             <a:ext cx="383645" cy="143629"/>
           </a:xfrm>
           <a:prstGeom prst="rect">
@@ -9032,8 +9114,8 @@
         </p:nvSpPr>
         <p:spPr>
           <a:xfrm>
-            <a:off x="323528" y="476672"/>
-            <a:ext cx="8496944" cy="5976664"/>
+            <a:off x="88900" y="476672"/>
+            <a:ext cx="8915400" cy="5976664"/>
           </a:xfrm>
           <a:prstGeom prst="rect">
             <a:avLst/>
@@ -9139,148 +9221,13 @@
       </p:sp>
       <p:sp>
         <p:nvSpPr>
-          <p:cNvPr id="76" name="ひし形 75"/>
-          <p:cNvSpPr/>
-          <p:nvPr/>
-        </p:nvSpPr>
-        <p:spPr>
-          <a:xfrm>
-            <a:off x="7762197" y="3617382"/>
-            <a:ext cx="149697" cy="211657"/>
-          </a:xfrm>
-          <a:prstGeom prst="diamond">
-            <a:avLst/>
-          </a:prstGeom>
-          <a:solidFill>
-            <a:schemeClr val="accent1"/>
-          </a:solidFill>
-          <a:ln w="9525"/>
-        </p:spPr>
-        <p:style>
-          <a:lnRef idx="2">
-            <a:schemeClr val="accent1">
-              <a:shade val="50000"/>
-            </a:schemeClr>
-          </a:lnRef>
-          <a:fillRef idx="1">
-            <a:schemeClr val="accent1"/>
-          </a:fillRef>
-          <a:effectRef idx="0">
-            <a:schemeClr val="accent1"/>
-          </a:effectRef>
-          <a:fontRef idx="minor">
-            <a:schemeClr val="lt1"/>
-          </a:fontRef>
-        </p:style>
-        <p:txBody>
-          <a:bodyPr rtlCol="0" anchor="ctr"/>
-          <a:lstStyle/>
-          <a:p>
-            <a:pPr algn="ctr"/>
-            <a:endParaRPr kumimoji="1" lang="ja-JP" altLang="en-US"/>
-          </a:p>
-        </p:txBody>
-      </p:sp>
-      <p:cxnSp>
-        <p:nvCxnSpPr>
-          <p:cNvPr id="35" name="カギ線コネクタ 34"/>
-          <p:cNvCxnSpPr>
-            <a:stCxn id="76" idx="0"/>
-            <a:endCxn id="53" idx="3"/>
-          </p:cNvCxnSpPr>
-          <p:nvPr/>
-        </p:nvCxnSpPr>
-        <p:spPr>
-          <a:xfrm rot="16200000" flipV="1">
-            <a:off x="5454189" y="1234525"/>
-            <a:ext cx="1716693" cy="3049022"/>
-          </a:xfrm>
-          <a:prstGeom prst="bentConnector2">
-            <a:avLst/>
-          </a:prstGeom>
-          <a:ln>
-            <a:headEnd type="none" w="med" len="med"/>
-            <a:tailEnd type="none" w="med" len="med"/>
-          </a:ln>
-        </p:spPr>
-        <p:style>
-          <a:lnRef idx="1">
-            <a:schemeClr val="accent1"/>
-          </a:lnRef>
-          <a:fillRef idx="0">
-            <a:schemeClr val="accent1"/>
-          </a:fillRef>
-          <a:effectRef idx="0">
-            <a:schemeClr val="accent1"/>
-          </a:effectRef>
-          <a:fontRef idx="minor">
-            <a:schemeClr val="tx1"/>
-          </a:fontRef>
-        </p:style>
-      </p:cxnSp>
-      <p:sp>
-        <p:nvSpPr>
-          <p:cNvPr id="82" name="正方形/長方形 81"/>
-          <p:cNvSpPr/>
-          <p:nvPr/>
-        </p:nvSpPr>
-        <p:spPr>
-          <a:xfrm>
-            <a:off x="4825693" y="1915105"/>
-            <a:ext cx="109677" cy="180797"/>
-          </a:xfrm>
-          <a:prstGeom prst="rect">
-            <a:avLst/>
-          </a:prstGeom>
-          <a:noFill/>
-          <a:ln w="12700">
-            <a:noFill/>
-          </a:ln>
-        </p:spPr>
-        <p:style>
-          <a:lnRef idx="2">
-            <a:schemeClr val="accent1">
-              <a:shade val="50000"/>
-            </a:schemeClr>
-          </a:lnRef>
-          <a:fillRef idx="1">
-            <a:schemeClr val="accent1"/>
-          </a:fillRef>
-          <a:effectRef idx="0">
-            <a:schemeClr val="accent1"/>
-          </a:effectRef>
-          <a:fontRef idx="minor">
-            <a:schemeClr val="lt1"/>
-          </a:fontRef>
-        </p:style>
-        <p:txBody>
-          <a:bodyPr rtlCol="0" anchor="ctr"/>
-          <a:lstStyle/>
-          <a:p>
-            <a:pPr algn="ctr"/>
-            <a:r>
-              <a:rPr kumimoji="1" lang="en-US" altLang="ja-JP" sz="800" dirty="0" smtClean="0">
-                <a:solidFill>
-                  <a:schemeClr val="tx1"/>
-                </a:solidFill>
-                <a:latin typeface="Tahoma" panose="020B0604030504040204" pitchFamily="34" charset="0"/>
-                <a:ea typeface="Tahoma" panose="020B0604030504040204" pitchFamily="34" charset="0"/>
-                <a:cs typeface="Tahoma" panose="020B0604030504040204" pitchFamily="34" charset="0"/>
-              </a:rPr>
-              <a:t>1</a:t>
-            </a:r>
-          </a:p>
-        </p:txBody>
-      </p:sp>
-      <p:sp>
-        <p:nvSpPr>
           <p:cNvPr id="48" name="正方形/長方形 47"/>
           <p:cNvSpPr/>
           <p:nvPr/>
         </p:nvSpPr>
         <p:spPr>
           <a:xfrm>
-            <a:off x="628613" y="2708920"/>
+            <a:off x="251520" y="2708920"/>
             <a:ext cx="1440160" cy="576064"/>
           </a:xfrm>
           <a:prstGeom prst="rect">
@@ -9297,6 +9244,13 @@
               <a:schemeClr val="tx1"/>
             </a:solidFill>
           </a:ln>
+          <a:effectLst>
+            <a:outerShdw blurRad="50800" dist="38100" dir="2700000" algn="tl" rotWithShape="0">
+              <a:prstClr val="black">
+                <a:alpha val="40000"/>
+              </a:prstClr>
+            </a:outerShdw>
+          </a:effectLst>
         </p:spPr>
         <p:style>
           <a:lnRef idx="2">
@@ -9386,7 +9340,7 @@
         </p:nvSpPr>
         <p:spPr>
           <a:xfrm>
-            <a:off x="1276685" y="3284984"/>
+            <a:off x="899592" y="3284984"/>
             <a:ext cx="144016" cy="192021"/>
           </a:xfrm>
           <a:prstGeom prst="triangle">
@@ -9437,14 +9391,14 @@
         </p:nvCxnSpPr>
         <p:spPr>
           <a:xfrm rot="16200000" flipH="1">
-            <a:off x="1364267" y="3461431"/>
+            <a:off x="987174" y="3461431"/>
             <a:ext cx="218072" cy="249220"/>
           </a:xfrm>
           <a:prstGeom prst="bentConnector3">
             <a:avLst/>
           </a:prstGeom>
           <a:ln>
-            <a:prstDash val="dash"/>
+            <a:prstDash val="solid"/>
           </a:ln>
         </p:spPr>
         <p:style>
@@ -9470,7 +9424,7 @@
         </p:nvSpPr>
         <p:spPr>
           <a:xfrm>
-            <a:off x="633170" y="3695077"/>
+            <a:off x="256077" y="3695077"/>
             <a:ext cx="1929485" cy="1054069"/>
           </a:xfrm>
           <a:prstGeom prst="rect">
@@ -9487,6 +9441,13 @@
               <a:schemeClr val="tx1"/>
             </a:solidFill>
           </a:ln>
+          <a:effectLst>
+            <a:outerShdw blurRad="50800" dist="38100" dir="2700000" algn="tl" rotWithShape="0">
+              <a:prstClr val="black">
+                <a:alpha val="40000"/>
+              </a:prstClr>
+            </a:outerShdw>
+          </a:effectLst>
         </p:spPr>
         <p:style>
           <a:lnRef idx="2">
@@ -9515,15 +9476,39 @@
                   <a:schemeClr val="tx1"/>
                 </a:solidFill>
               </a:rPr>
-              <a:t>User </a:t>
-            </a:r>
-            <a:r>
-              <a:rPr lang="ja-JP" altLang="en-US" sz="1000" dirty="0" smtClean="0">
-                <a:solidFill>
-                  <a:schemeClr val="tx1"/>
-                </a:solidFill>
-              </a:rPr>
-              <a:t>実装クラス</a:t>
+              <a:t>inner </a:t>
+            </a:r>
+            <a:r>
+              <a:rPr lang="en-US" altLang="ja-JP" sz="1000" dirty="0" err="1" smtClean="0">
+                <a:solidFill>
+                  <a:schemeClr val="tx1"/>
+                </a:solidFill>
+              </a:rPr>
+              <a:t>proccess</a:t>
+            </a:r>
+            <a:r>
+              <a:rPr lang="en-US" altLang="ja-JP" sz="1000" dirty="0" smtClean="0">
+                <a:solidFill>
+                  <a:schemeClr val="tx1"/>
+                </a:solidFill>
+              </a:rPr>
+              <a:t> </a:t>
+            </a:r>
+            <a:r>
+              <a:rPr lang="en-US" altLang="ja-JP" sz="1000" dirty="0" err="1" smtClean="0">
+                <a:solidFill>
+                  <a:schemeClr val="tx1"/>
+                </a:solidFill>
+              </a:rPr>
+              <a:t>impl</a:t>
+            </a:r>
+            <a:r>
+              <a:rPr lang="en-US" altLang="ja-JP" sz="1000" dirty="0" smtClean="0">
+                <a:solidFill>
+                  <a:schemeClr val="tx1"/>
+                </a:solidFill>
+              </a:rPr>
+              <a:t> class</a:t>
             </a:r>
             <a:endParaRPr lang="en-US" altLang="ja-JP" sz="1000" dirty="0" smtClean="0">
               <a:solidFill>
@@ -9533,7 +9518,34 @@
           </a:p>
           <a:p>
             <a:pPr algn="ctr"/>
-            <a:endParaRPr lang="en-US" altLang="ja-JP" sz="1000" dirty="0" smtClean="0">
+            <a:r>
+              <a:rPr lang="en-US" altLang="ja-JP" sz="1000" dirty="0">
+                <a:solidFill>
+                  <a:schemeClr val="tx1"/>
+                </a:solidFill>
+              </a:rPr>
+              <a:t>Create / delete class instance corresponding to socket </a:t>
+            </a:r>
+            <a:r>
+              <a:rPr lang="en-US" altLang="ja-JP" sz="1000" dirty="0" smtClean="0">
+                <a:solidFill>
+                  <a:schemeClr val="tx1"/>
+                </a:solidFill>
+              </a:rPr>
+              <a:t>accept</a:t>
+            </a:r>
+          </a:p>
+          <a:p>
+            <a:pPr algn="ctr"/>
+            <a:r>
+              <a:rPr lang="en-US" altLang="ja-JP" sz="1000" u="sng" dirty="0" err="1" smtClean="0">
+                <a:solidFill>
+                  <a:schemeClr val="tx1"/>
+                </a:solidFill>
+              </a:rPr>
+              <a:t>onAcceptClient</a:t>
+            </a:r>
+            <a:endParaRPr lang="en-US" altLang="ja-JP" sz="1000" u="sng" dirty="0" smtClean="0">
               <a:solidFill>
                 <a:schemeClr val="tx1"/>
               </a:solidFill>
@@ -9542,83 +9554,19 @@
           <a:p>
             <a:pPr algn="ctr"/>
             <a:r>
-              <a:rPr lang="en-US" altLang="ja-JP" sz="1000" dirty="0" smtClean="0">
-                <a:solidFill>
-                  <a:schemeClr val="tx1"/>
-                </a:solidFill>
-              </a:rPr>
-              <a:t>Accept</a:t>
-            </a:r>
-            <a:r>
-              <a:rPr lang="ja-JP" altLang="en-US" sz="1000" dirty="0" smtClean="0">
-                <a:solidFill>
-                  <a:schemeClr val="tx1"/>
-                </a:solidFill>
-              </a:rPr>
-              <a:t>に対応する</a:t>
-            </a:r>
-            <a:endParaRPr lang="en-US" altLang="ja-JP" sz="1000" dirty="0" smtClean="0">
+              <a:rPr lang="en-US" altLang="ja-JP" sz="1000" u="sng" dirty="0" err="1" smtClean="0">
+                <a:solidFill>
+                  <a:schemeClr val="tx1"/>
+                </a:solidFill>
+              </a:rPr>
+              <a:t>onRemoveClient</a:t>
+            </a:r>
+            <a:endParaRPr lang="en-US" altLang="ja-JP" sz="1000" u="sng" dirty="0" smtClean="0">
               <a:solidFill>
                 <a:schemeClr val="tx1"/>
               </a:solidFill>
             </a:endParaRPr>
           </a:p>
-          <a:p>
-            <a:pPr algn="ctr"/>
-            <a:r>
-              <a:rPr lang="en-US" altLang="ja-JP" sz="1000" dirty="0" smtClean="0">
-                <a:solidFill>
-                  <a:schemeClr val="tx1"/>
-                </a:solidFill>
-              </a:rPr>
-              <a:t>client</a:t>
-            </a:r>
-            <a:r>
-              <a:rPr lang="ja-JP" altLang="en-US" sz="1000" dirty="0" smtClean="0">
-                <a:solidFill>
-                  <a:schemeClr val="tx1"/>
-                </a:solidFill>
-              </a:rPr>
-              <a:t>インスタンスの生成</a:t>
-            </a:r>
-            <a:endParaRPr lang="en-US" altLang="ja-JP" sz="1000" dirty="0" smtClean="0">
-              <a:solidFill>
-                <a:schemeClr val="tx1"/>
-              </a:solidFill>
-            </a:endParaRPr>
-          </a:p>
-          <a:p>
-            <a:pPr algn="ctr"/>
-            <a:r>
-              <a:rPr lang="en-US" altLang="ja-JP" sz="1000" dirty="0" err="1" smtClean="0">
-                <a:solidFill>
-                  <a:schemeClr val="tx1"/>
-                </a:solidFill>
-              </a:rPr>
-              <a:t>onAcceptClient</a:t>
-            </a:r>
-            <a:endParaRPr lang="en-US" altLang="ja-JP" sz="1000" dirty="0" smtClean="0">
-              <a:solidFill>
-                <a:schemeClr val="tx1"/>
-              </a:solidFill>
-            </a:endParaRPr>
-          </a:p>
-          <a:p>
-            <a:pPr algn="ctr"/>
-            <a:r>
-              <a:rPr lang="en-US" altLang="ja-JP" sz="1000" dirty="0" err="1">
-                <a:solidFill>
-                  <a:schemeClr val="tx1"/>
-                </a:solidFill>
-              </a:rPr>
-              <a:t>onRemoveClient</a:t>
-            </a:r>
-            <a:endParaRPr lang="en-US" altLang="ja-JP" sz="1000" dirty="0" smtClean="0">
-              <a:solidFill>
-                <a:schemeClr val="tx1"/>
-              </a:solidFill>
-            </a:endParaRPr>
-          </a:p>
         </p:txBody>
       </p:sp>
       <p:sp>
@@ -9629,7 +9577,7 @@
         </p:nvSpPr>
         <p:spPr>
           <a:xfrm>
-            <a:off x="1264582" y="2196580"/>
+            <a:off x="887489" y="2196580"/>
             <a:ext cx="156119" cy="231039"/>
           </a:xfrm>
           <a:prstGeom prst="diamond">
@@ -9676,7 +9624,7 @@
         </p:nvCxnSpPr>
         <p:spPr>
           <a:xfrm>
-            <a:off x="1342642" y="2427619"/>
+            <a:off x="965549" y="2427619"/>
             <a:ext cx="6051" cy="281301"/>
           </a:xfrm>
           <a:prstGeom prst="straightConnector1">
@@ -9710,7 +9658,7 @@
         </p:nvSpPr>
         <p:spPr>
           <a:xfrm>
-            <a:off x="1362757" y="2349267"/>
+            <a:off x="985664" y="2349267"/>
             <a:ext cx="167621" cy="143629"/>
           </a:xfrm>
           <a:prstGeom prst="rect">
@@ -9764,7 +9712,7 @@
         </p:nvSpPr>
         <p:spPr>
           <a:xfrm>
-            <a:off x="1362757" y="2544025"/>
+            <a:off x="985664" y="2544025"/>
             <a:ext cx="360040" cy="143629"/>
           </a:xfrm>
           <a:prstGeom prst="rect">
@@ -9826,8 +9774,8 @@
         </p:nvSpPr>
         <p:spPr>
           <a:xfrm>
-            <a:off x="5459865" y="3138431"/>
-            <a:ext cx="1440160" cy="576064"/>
+            <a:off x="5649853" y="2815176"/>
+            <a:ext cx="1990546" cy="325792"/>
           </a:xfrm>
           <a:prstGeom prst="rect">
             <a:avLst/>
@@ -9843,6 +9791,13 @@
               <a:schemeClr val="tx1"/>
             </a:solidFill>
           </a:ln>
+          <a:effectLst>
+            <a:outerShdw blurRad="50800" dist="38100" dir="2700000" algn="tl" rotWithShape="0">
+              <a:prstClr val="black">
+                <a:alpha val="40000"/>
+              </a:prstClr>
+            </a:outerShdw>
+          </a:effectLst>
         </p:spPr>
         <p:style>
           <a:lnRef idx="2">
@@ -9892,9 +9847,6 @@
               </a:rPr>
               <a:t>::</a:t>
             </a:r>
-          </a:p>
-          <a:p>
-            <a:pPr algn="ctr"/>
             <a:r>
               <a:rPr kumimoji="1" lang="en-US" altLang="ja-JP" sz="1000" dirty="0" err="1" smtClean="0">
                 <a:solidFill>
@@ -9913,13 +9865,878 @@
       </p:sp>
       <p:sp>
         <p:nvSpPr>
-          <p:cNvPr id="67" name="二等辺三角形 66"/>
+          <p:cNvPr id="75" name="ひし形 74"/>
           <p:cNvSpPr/>
           <p:nvPr/>
         </p:nvSpPr>
         <p:spPr>
           <a:xfrm>
-            <a:off x="5703336" y="3730195"/>
+            <a:off x="5691962" y="2497024"/>
+            <a:ext cx="149697" cy="211657"/>
+          </a:xfrm>
+          <a:prstGeom prst="diamond">
+            <a:avLst/>
+          </a:prstGeom>
+          <a:solidFill>
+            <a:schemeClr val="accent1"/>
+          </a:solidFill>
+          <a:ln w="9525"/>
+        </p:spPr>
+        <p:style>
+          <a:lnRef idx="2">
+            <a:schemeClr val="accent1">
+              <a:shade val="50000"/>
+            </a:schemeClr>
+          </a:lnRef>
+          <a:fillRef idx="1">
+            <a:schemeClr val="accent1"/>
+          </a:fillRef>
+          <a:effectRef idx="0">
+            <a:schemeClr val="accent1"/>
+          </a:effectRef>
+          <a:fontRef idx="minor">
+            <a:schemeClr val="lt1"/>
+          </a:fontRef>
+        </p:style>
+        <p:txBody>
+          <a:bodyPr rtlCol="0" anchor="ctr"/>
+          <a:lstStyle/>
+          <a:p>
+            <a:pPr algn="ctr"/>
+            <a:endParaRPr kumimoji="1" lang="ja-JP" altLang="en-US"/>
+          </a:p>
+        </p:txBody>
+      </p:sp>
+      <p:cxnSp>
+        <p:nvCxnSpPr>
+          <p:cNvPr id="77" name="カギ線コネクタ 76"/>
+          <p:cNvCxnSpPr>
+            <a:stCxn id="60" idx="0"/>
+            <a:endCxn id="75" idx="2"/>
+          </p:cNvCxnSpPr>
+          <p:nvPr/>
+        </p:nvCxnSpPr>
+        <p:spPr>
+          <a:xfrm rot="16200000" flipV="1">
+            <a:off x="6152722" y="2322771"/>
+            <a:ext cx="106495" cy="878315"/>
+          </a:xfrm>
+          <a:prstGeom prst="bentConnector3">
+            <a:avLst>
+              <a:gd name="adj1" fmla="val 50000"/>
+            </a:avLst>
+          </a:prstGeom>
+          <a:ln>
+            <a:headEnd type="none" w="med" len="med"/>
+            <a:tailEnd type="none" w="med" len="med"/>
+          </a:ln>
+        </p:spPr>
+        <p:style>
+          <a:lnRef idx="1">
+            <a:schemeClr val="accent1"/>
+          </a:lnRef>
+          <a:fillRef idx="0">
+            <a:schemeClr val="accent1"/>
+          </a:fillRef>
+          <a:effectRef idx="0">
+            <a:schemeClr val="accent1"/>
+          </a:effectRef>
+          <a:fontRef idx="minor">
+            <a:schemeClr val="tx1"/>
+          </a:fontRef>
+        </p:style>
+      </p:cxnSp>
+      <p:sp>
+        <p:nvSpPr>
+          <p:cNvPr id="78" name="正方形/長方形 77"/>
+          <p:cNvSpPr/>
+          <p:nvPr/>
+        </p:nvSpPr>
+        <p:spPr>
+          <a:xfrm>
+            <a:off x="5816904" y="2603982"/>
+            <a:ext cx="167621" cy="143629"/>
+          </a:xfrm>
+          <a:prstGeom prst="rect">
+            <a:avLst/>
+          </a:prstGeom>
+          <a:noFill/>
+          <a:ln w="12700">
+            <a:noFill/>
+          </a:ln>
+        </p:spPr>
+        <p:style>
+          <a:lnRef idx="2">
+            <a:schemeClr val="accent1">
+              <a:shade val="50000"/>
+            </a:schemeClr>
+          </a:lnRef>
+          <a:fillRef idx="1">
+            <a:schemeClr val="accent1"/>
+          </a:fillRef>
+          <a:effectRef idx="0">
+            <a:schemeClr val="accent1"/>
+          </a:effectRef>
+          <a:fontRef idx="minor">
+            <a:schemeClr val="lt1"/>
+          </a:fontRef>
+        </p:style>
+        <p:txBody>
+          <a:bodyPr rtlCol="0" anchor="ctr"/>
+          <a:lstStyle/>
+          <a:p>
+            <a:pPr algn="ctr"/>
+            <a:r>
+              <a:rPr lang="en-US" altLang="ja-JP" sz="800" dirty="0">
+                <a:solidFill>
+                  <a:schemeClr val="tx1"/>
+                </a:solidFill>
+                <a:latin typeface="Tahoma" panose="020B0604030504040204" pitchFamily="34" charset="0"/>
+                <a:ea typeface="Tahoma" panose="020B0604030504040204" pitchFamily="34" charset="0"/>
+                <a:cs typeface="Tahoma" panose="020B0604030504040204" pitchFamily="34" charset="0"/>
+              </a:rPr>
+              <a:t>1</a:t>
+            </a:r>
+            <a:endParaRPr kumimoji="1" lang="en-US" altLang="ja-JP" sz="800" dirty="0" smtClean="0">
+              <a:solidFill>
+                <a:schemeClr val="tx1"/>
+              </a:solidFill>
+              <a:latin typeface="Tahoma" panose="020B0604030504040204" pitchFamily="34" charset="0"/>
+              <a:ea typeface="Tahoma" panose="020B0604030504040204" pitchFamily="34" charset="0"/>
+              <a:cs typeface="Tahoma" panose="020B0604030504040204" pitchFamily="34" charset="0"/>
+            </a:endParaRPr>
+          </a:p>
+        </p:txBody>
+      </p:sp>
+      <p:sp>
+        <p:nvSpPr>
+          <p:cNvPr id="79" name="正方形/長方形 78"/>
+          <p:cNvSpPr/>
+          <p:nvPr/>
+        </p:nvSpPr>
+        <p:spPr>
+          <a:xfrm>
+            <a:off x="6660232" y="2661825"/>
+            <a:ext cx="167621" cy="143629"/>
+          </a:xfrm>
+          <a:prstGeom prst="rect">
+            <a:avLst/>
+          </a:prstGeom>
+          <a:noFill/>
+          <a:ln w="12700">
+            <a:noFill/>
+          </a:ln>
+        </p:spPr>
+        <p:style>
+          <a:lnRef idx="2">
+            <a:schemeClr val="accent1">
+              <a:shade val="50000"/>
+            </a:schemeClr>
+          </a:lnRef>
+          <a:fillRef idx="1">
+            <a:schemeClr val="accent1"/>
+          </a:fillRef>
+          <a:effectRef idx="0">
+            <a:schemeClr val="accent1"/>
+          </a:effectRef>
+          <a:fontRef idx="minor">
+            <a:schemeClr val="lt1"/>
+          </a:fontRef>
+        </p:style>
+        <p:txBody>
+          <a:bodyPr rtlCol="0" anchor="ctr"/>
+          <a:lstStyle/>
+          <a:p>
+            <a:pPr algn="ctr"/>
+            <a:r>
+              <a:rPr lang="en-US" altLang="ja-JP" sz="800" dirty="0">
+                <a:solidFill>
+                  <a:schemeClr val="tx1"/>
+                </a:solidFill>
+                <a:latin typeface="Tahoma" panose="020B0604030504040204" pitchFamily="34" charset="0"/>
+                <a:ea typeface="Tahoma" panose="020B0604030504040204" pitchFamily="34" charset="0"/>
+                <a:cs typeface="Tahoma" panose="020B0604030504040204" pitchFamily="34" charset="0"/>
+              </a:rPr>
+              <a:t>1</a:t>
+            </a:r>
+            <a:endParaRPr kumimoji="1" lang="en-US" altLang="ja-JP" sz="800" dirty="0" smtClean="0">
+              <a:solidFill>
+                <a:schemeClr val="tx1"/>
+              </a:solidFill>
+              <a:latin typeface="Tahoma" panose="020B0604030504040204" pitchFamily="34" charset="0"/>
+              <a:ea typeface="Tahoma" panose="020B0604030504040204" pitchFamily="34" charset="0"/>
+              <a:cs typeface="Tahoma" panose="020B0604030504040204" pitchFamily="34" charset="0"/>
+            </a:endParaRPr>
+          </a:p>
+        </p:txBody>
+      </p:sp>
+      <p:cxnSp>
+        <p:nvCxnSpPr>
+          <p:cNvPr id="111" name="カギ線コネクタ 110"/>
+          <p:cNvCxnSpPr/>
+          <p:nvPr/>
+        </p:nvCxnSpPr>
+        <p:spPr>
+          <a:xfrm rot="10800000" flipV="1">
+            <a:off x="2488420" y="4476750"/>
+            <a:ext cx="4388631" cy="955798"/>
+          </a:xfrm>
+          <a:prstGeom prst="bentConnector3">
+            <a:avLst>
+              <a:gd name="adj1" fmla="val 50000"/>
+            </a:avLst>
+          </a:prstGeom>
+          <a:ln>
+            <a:prstDash val="dash"/>
+            <a:headEnd type="arrow" w="med" len="med"/>
+            <a:tailEnd type="none" w="med" len="med"/>
+          </a:ln>
+        </p:spPr>
+        <p:style>
+          <a:lnRef idx="1">
+            <a:schemeClr val="accent1"/>
+          </a:lnRef>
+          <a:fillRef idx="0">
+            <a:schemeClr val="accent1"/>
+          </a:fillRef>
+          <a:effectRef idx="0">
+            <a:schemeClr val="accent1"/>
+          </a:effectRef>
+          <a:fontRef idx="minor">
+            <a:schemeClr val="tx1"/>
+          </a:fontRef>
+        </p:style>
+      </p:cxnSp>
+      <p:sp>
+        <p:nvSpPr>
+          <p:cNvPr id="70" name="ひし形 69"/>
+          <p:cNvSpPr/>
+          <p:nvPr/>
+        </p:nvSpPr>
+        <p:spPr>
+          <a:xfrm rot="5400000">
+            <a:off x="4440105" y="3828096"/>
+            <a:ext cx="149697" cy="211657"/>
+          </a:xfrm>
+          <a:prstGeom prst="diamond">
+            <a:avLst/>
+          </a:prstGeom>
+          <a:solidFill>
+            <a:schemeClr val="accent1"/>
+          </a:solidFill>
+          <a:ln w="9525"/>
+        </p:spPr>
+        <p:style>
+          <a:lnRef idx="2">
+            <a:schemeClr val="accent1">
+              <a:shade val="50000"/>
+            </a:schemeClr>
+          </a:lnRef>
+          <a:fillRef idx="1">
+            <a:schemeClr val="accent1"/>
+          </a:fillRef>
+          <a:effectRef idx="0">
+            <a:schemeClr val="accent1"/>
+          </a:effectRef>
+          <a:fontRef idx="minor">
+            <a:schemeClr val="lt1"/>
+          </a:fontRef>
+        </p:style>
+        <p:txBody>
+          <a:bodyPr rtlCol="0" anchor="ctr"/>
+          <a:lstStyle/>
+          <a:p>
+            <a:pPr algn="ctr"/>
+            <a:endParaRPr kumimoji="1" lang="ja-JP" altLang="en-US"/>
+          </a:p>
+        </p:txBody>
+      </p:sp>
+      <p:sp>
+        <p:nvSpPr>
+          <p:cNvPr id="80" name="ひし形 79"/>
+          <p:cNvSpPr/>
+          <p:nvPr/>
+        </p:nvSpPr>
+        <p:spPr>
+          <a:xfrm rot="5400000">
+            <a:off x="6205107" y="2254463"/>
+            <a:ext cx="149697" cy="211657"/>
+          </a:xfrm>
+          <a:prstGeom prst="diamond">
+            <a:avLst/>
+          </a:prstGeom>
+          <a:solidFill>
+            <a:schemeClr val="accent1"/>
+          </a:solidFill>
+          <a:ln w="9525"/>
+        </p:spPr>
+        <p:style>
+          <a:lnRef idx="2">
+            <a:schemeClr val="accent1">
+              <a:shade val="50000"/>
+            </a:schemeClr>
+          </a:lnRef>
+          <a:fillRef idx="1">
+            <a:schemeClr val="accent1"/>
+          </a:fillRef>
+          <a:effectRef idx="0">
+            <a:schemeClr val="accent1"/>
+          </a:effectRef>
+          <a:fontRef idx="minor">
+            <a:schemeClr val="lt1"/>
+          </a:fontRef>
+        </p:style>
+        <p:txBody>
+          <a:bodyPr rtlCol="0" anchor="ctr"/>
+          <a:lstStyle/>
+          <a:p>
+            <a:pPr algn="ctr"/>
+            <a:endParaRPr kumimoji="1" lang="ja-JP" altLang="en-US"/>
+          </a:p>
+        </p:txBody>
+      </p:sp>
+      <p:sp>
+        <p:nvSpPr>
+          <p:cNvPr id="83" name="ひし形 82"/>
+          <p:cNvSpPr/>
+          <p:nvPr/>
+        </p:nvSpPr>
+        <p:spPr>
+          <a:xfrm rot="5400000">
+            <a:off x="1717647" y="1794409"/>
+            <a:ext cx="149697" cy="211657"/>
+          </a:xfrm>
+          <a:prstGeom prst="diamond">
+            <a:avLst/>
+          </a:prstGeom>
+          <a:solidFill>
+            <a:schemeClr val="accent1"/>
+          </a:solidFill>
+          <a:ln w="9525"/>
+        </p:spPr>
+        <p:style>
+          <a:lnRef idx="2">
+            <a:schemeClr val="accent1">
+              <a:shade val="50000"/>
+            </a:schemeClr>
+          </a:lnRef>
+          <a:fillRef idx="1">
+            <a:schemeClr val="accent1"/>
+          </a:fillRef>
+          <a:effectRef idx="0">
+            <a:schemeClr val="accent1"/>
+          </a:effectRef>
+          <a:fontRef idx="minor">
+            <a:schemeClr val="lt1"/>
+          </a:fontRef>
+        </p:style>
+        <p:txBody>
+          <a:bodyPr rtlCol="0" anchor="ctr"/>
+          <a:lstStyle/>
+          <a:p>
+            <a:pPr algn="ctr"/>
+            <a:endParaRPr kumimoji="1" lang="ja-JP" altLang="en-US"/>
+          </a:p>
+        </p:txBody>
+      </p:sp>
+      <p:sp>
+        <p:nvSpPr>
+          <p:cNvPr id="84" name="正方形/長方形 83"/>
+          <p:cNvSpPr/>
+          <p:nvPr/>
+        </p:nvSpPr>
+        <p:spPr>
+          <a:xfrm>
+            <a:off x="7568564" y="4744041"/>
+            <a:ext cx="1047924" cy="374915"/>
+          </a:xfrm>
+          <a:prstGeom prst="rect">
+            <a:avLst/>
+          </a:prstGeom>
+          <a:solidFill>
+            <a:schemeClr val="accent6">
+              <a:lumMod val="20000"/>
+              <a:lumOff val="80000"/>
+            </a:schemeClr>
+          </a:solidFill>
+          <a:ln w="9525">
+            <a:solidFill>
+              <a:schemeClr val="tx1"/>
+            </a:solidFill>
+          </a:ln>
+          <a:effectLst>
+            <a:outerShdw blurRad="50800" dist="38100" dir="2700000" algn="tl" rotWithShape="0">
+              <a:prstClr val="black">
+                <a:alpha val="40000"/>
+              </a:prstClr>
+            </a:outerShdw>
+          </a:effectLst>
+        </p:spPr>
+        <p:style>
+          <a:lnRef idx="2">
+            <a:schemeClr val="accent1">
+              <a:shade val="50000"/>
+            </a:schemeClr>
+          </a:lnRef>
+          <a:fillRef idx="1">
+            <a:schemeClr val="accent1"/>
+          </a:fillRef>
+          <a:effectRef idx="0">
+            <a:schemeClr val="accent1"/>
+          </a:effectRef>
+          <a:fontRef idx="minor">
+            <a:schemeClr val="lt1"/>
+          </a:fontRef>
+        </p:style>
+        <p:txBody>
+          <a:bodyPr rtlCol="0" anchor="ctr"/>
+          <a:lstStyle/>
+          <a:p>
+            <a:pPr algn="ctr"/>
+            <a:r>
+              <a:rPr lang="en-US" altLang="ja-JP" sz="1000" dirty="0" err="1" smtClean="0">
+                <a:solidFill>
+                  <a:schemeClr val="tx1"/>
+                </a:solidFill>
+              </a:rPr>
+              <a:t>C</a:t>
+            </a:r>
+            <a:r>
+              <a:rPr kumimoji="1" lang="en-US" altLang="ja-JP" sz="1000" dirty="0" err="1" smtClean="0">
+                <a:solidFill>
+                  <a:schemeClr val="tx1"/>
+                </a:solidFill>
+              </a:rPr>
+              <a:t>MessageId</a:t>
+            </a:r>
+            <a:r>
+              <a:rPr kumimoji="1" lang="en-US" altLang="ja-JP" sz="1000" dirty="0" smtClean="0">
+                <a:solidFill>
+                  <a:schemeClr val="tx1"/>
+                </a:solidFill>
+              </a:rPr>
+              <a:t> /</a:t>
+            </a:r>
+          </a:p>
+          <a:p>
+            <a:pPr algn="ctr"/>
+            <a:r>
+              <a:rPr lang="en-US" altLang="ja-JP" sz="1000" dirty="0" err="1" smtClean="0">
+                <a:solidFill>
+                  <a:schemeClr val="tx1"/>
+                </a:solidFill>
+              </a:rPr>
+              <a:t>CMessageId</a:t>
+            </a:r>
+            <a:r>
+              <a:rPr lang="en-US" altLang="ja-JP" sz="1000" dirty="0" smtClean="0">
+                <a:solidFill>
+                  <a:schemeClr val="tx1"/>
+                </a:solidFill>
+              </a:rPr>
+              <a:t>::</a:t>
+            </a:r>
+            <a:r>
+              <a:rPr lang="en-US" altLang="ja-JP" sz="1000" dirty="0" err="1" smtClean="0">
+                <a:solidFill>
+                  <a:schemeClr val="tx1"/>
+                </a:solidFill>
+              </a:rPr>
+              <a:t>CId</a:t>
+            </a:r>
+            <a:endParaRPr kumimoji="1" lang="ja-JP" altLang="en-US" sz="1000" dirty="0">
+              <a:solidFill>
+                <a:schemeClr val="tx1"/>
+              </a:solidFill>
+            </a:endParaRPr>
+          </a:p>
+        </p:txBody>
+      </p:sp>
+      <p:cxnSp>
+        <p:nvCxnSpPr>
+          <p:cNvPr id="168" name="カギ線コネクタ 167"/>
+          <p:cNvCxnSpPr>
+            <a:stCxn id="126" idx="1"/>
+          </p:cNvCxnSpPr>
+          <p:nvPr/>
+        </p:nvCxnSpPr>
+        <p:spPr>
+          <a:xfrm rot="10800000" flipV="1">
+            <a:off x="2483280" y="5738995"/>
+            <a:ext cx="4176953" cy="153792"/>
+          </a:xfrm>
+          <a:prstGeom prst="bentConnector3">
+            <a:avLst>
+              <a:gd name="adj1" fmla="val 50000"/>
+            </a:avLst>
+          </a:prstGeom>
+          <a:ln>
+            <a:prstDash val="dash"/>
+            <a:headEnd type="arrow" w="med" len="med"/>
+            <a:tailEnd type="none" w="med" len="med"/>
+          </a:ln>
+        </p:spPr>
+        <p:style>
+          <a:lnRef idx="1">
+            <a:schemeClr val="accent1"/>
+          </a:lnRef>
+          <a:fillRef idx="0">
+            <a:schemeClr val="accent1"/>
+          </a:fillRef>
+          <a:effectRef idx="0">
+            <a:schemeClr val="accent1"/>
+          </a:effectRef>
+          <a:fontRef idx="minor">
+            <a:schemeClr val="tx1"/>
+          </a:fontRef>
+        </p:style>
+      </p:cxnSp>
+      <p:sp>
+        <p:nvSpPr>
+          <p:cNvPr id="95" name="正方形/長方形 94"/>
+          <p:cNvSpPr/>
+          <p:nvPr/>
+        </p:nvSpPr>
+        <p:spPr>
+          <a:xfrm>
+            <a:off x="5673995" y="4799138"/>
+            <a:ext cx="1435582" cy="374078"/>
+          </a:xfrm>
+          <a:prstGeom prst="rect">
+            <a:avLst/>
+          </a:prstGeom>
+          <a:solidFill>
+            <a:schemeClr val="accent6">
+              <a:lumMod val="20000"/>
+              <a:lumOff val="80000"/>
+            </a:schemeClr>
+          </a:solidFill>
+          <a:ln w="9525">
+            <a:solidFill>
+              <a:schemeClr val="tx1"/>
+            </a:solidFill>
+          </a:ln>
+          <a:effectLst>
+            <a:outerShdw blurRad="50800" dist="38100" dir="2700000" algn="tl" rotWithShape="0">
+              <a:prstClr val="black">
+                <a:alpha val="40000"/>
+              </a:prstClr>
+            </a:outerShdw>
+          </a:effectLst>
+        </p:spPr>
+        <p:style>
+          <a:lnRef idx="2">
+            <a:schemeClr val="accent1">
+              <a:shade val="50000"/>
+            </a:schemeClr>
+          </a:lnRef>
+          <a:fillRef idx="1">
+            <a:schemeClr val="accent1"/>
+          </a:fillRef>
+          <a:effectRef idx="0">
+            <a:schemeClr val="accent1"/>
+          </a:effectRef>
+          <a:fontRef idx="minor">
+            <a:schemeClr val="lt1"/>
+          </a:fontRef>
+        </p:style>
+        <p:txBody>
+          <a:bodyPr rtlCol="0" anchor="ctr"/>
+          <a:lstStyle/>
+          <a:p>
+            <a:pPr algn="ctr"/>
+            <a:r>
+              <a:rPr lang="en-US" altLang="ja-JP" sz="1000" dirty="0" err="1" smtClean="0">
+                <a:solidFill>
+                  <a:schemeClr val="tx1"/>
+                </a:solidFill>
+              </a:rPr>
+              <a:t>CSyncRequestManager</a:t>
+            </a:r>
+            <a:endParaRPr kumimoji="1" lang="ja-JP" altLang="en-US" sz="1000" dirty="0">
+              <a:solidFill>
+                <a:schemeClr val="tx1"/>
+              </a:solidFill>
+            </a:endParaRPr>
+          </a:p>
+        </p:txBody>
+      </p:sp>
+      <p:sp>
+        <p:nvSpPr>
+          <p:cNvPr id="97" name="正方形/長方形 96"/>
+          <p:cNvSpPr/>
+          <p:nvPr/>
+        </p:nvSpPr>
+        <p:spPr>
+          <a:xfrm>
+            <a:off x="6328012" y="3503646"/>
+            <a:ext cx="1440160" cy="477804"/>
+          </a:xfrm>
+          <a:prstGeom prst="rect">
+            <a:avLst/>
+          </a:prstGeom>
+          <a:solidFill>
+            <a:schemeClr val="accent6">
+              <a:lumMod val="20000"/>
+              <a:lumOff val="80000"/>
+            </a:schemeClr>
+          </a:solidFill>
+          <a:ln w="9525">
+            <a:solidFill>
+              <a:schemeClr val="tx1"/>
+            </a:solidFill>
+          </a:ln>
+          <a:effectLst>
+            <a:outerShdw blurRad="50800" dist="38100" dir="2700000" algn="tl" rotWithShape="0">
+              <a:prstClr val="black">
+                <a:alpha val="40000"/>
+              </a:prstClr>
+            </a:outerShdw>
+          </a:effectLst>
+        </p:spPr>
+        <p:style>
+          <a:lnRef idx="2">
+            <a:schemeClr val="accent1">
+              <a:shade val="50000"/>
+            </a:schemeClr>
+          </a:lnRef>
+          <a:fillRef idx="1">
+            <a:schemeClr val="accent1"/>
+          </a:fillRef>
+          <a:effectRef idx="0">
+            <a:schemeClr val="accent1"/>
+          </a:effectRef>
+          <a:fontRef idx="minor">
+            <a:schemeClr val="lt1"/>
+          </a:fontRef>
+        </p:style>
+        <p:txBody>
+          <a:bodyPr rtlCol="0" anchor="ctr"/>
+          <a:lstStyle/>
+          <a:p>
+            <a:pPr algn="ctr"/>
+            <a:r>
+              <a:rPr lang="en-US" altLang="ja-JP" sz="1000" dirty="0" err="1" smtClean="0">
+                <a:solidFill>
+                  <a:schemeClr val="tx1"/>
+                </a:solidFill>
+              </a:rPr>
+              <a:t>CSenderManager</a:t>
+            </a:r>
+            <a:endParaRPr lang="en-US" altLang="ja-JP" sz="1000" dirty="0" smtClean="0">
+              <a:solidFill>
+                <a:schemeClr val="tx1"/>
+              </a:solidFill>
+            </a:endParaRPr>
+          </a:p>
+          <a:p>
+            <a:pPr algn="ctr"/>
+            <a:endParaRPr kumimoji="1" lang="ja-JP" altLang="en-US" sz="1000" dirty="0">
+              <a:solidFill>
+                <a:schemeClr val="tx1"/>
+              </a:solidFill>
+            </a:endParaRPr>
+          </a:p>
+        </p:txBody>
+      </p:sp>
+      <p:cxnSp>
+        <p:nvCxnSpPr>
+          <p:cNvPr id="121" name="カギ線コネクタ 120"/>
+          <p:cNvCxnSpPr>
+            <a:stCxn id="38" idx="3"/>
+            <a:endCxn id="84" idx="0"/>
+          </p:cNvCxnSpPr>
+          <p:nvPr/>
+        </p:nvCxnSpPr>
+        <p:spPr>
+          <a:xfrm>
+            <a:off x="7651290" y="4479154"/>
+            <a:ext cx="441236" cy="264887"/>
+          </a:xfrm>
+          <a:prstGeom prst="bentConnector2">
+            <a:avLst/>
+          </a:prstGeom>
+          <a:ln>
+            <a:prstDash val="dash"/>
+            <a:tailEnd type="arrow"/>
+          </a:ln>
+        </p:spPr>
+        <p:style>
+          <a:lnRef idx="1">
+            <a:schemeClr val="accent1"/>
+          </a:lnRef>
+          <a:fillRef idx="0">
+            <a:schemeClr val="accent1"/>
+          </a:fillRef>
+          <a:effectRef idx="0">
+            <a:schemeClr val="accent1"/>
+          </a:effectRef>
+          <a:fontRef idx="minor">
+            <a:schemeClr val="tx1"/>
+          </a:fontRef>
+        </p:style>
+      </p:cxnSp>
+      <p:sp>
+        <p:nvSpPr>
+          <p:cNvPr id="126" name="正方形/長方形 125"/>
+          <p:cNvSpPr/>
+          <p:nvPr/>
+        </p:nvSpPr>
+        <p:spPr>
+          <a:xfrm>
+            <a:off x="6660232" y="5439610"/>
+            <a:ext cx="1240313" cy="598770"/>
+          </a:xfrm>
+          <a:prstGeom prst="rect">
+            <a:avLst/>
+          </a:prstGeom>
+          <a:solidFill>
+            <a:schemeClr val="accent6">
+              <a:lumMod val="20000"/>
+              <a:lumOff val="80000"/>
+            </a:schemeClr>
+          </a:solidFill>
+          <a:ln w="9525">
+            <a:solidFill>
+              <a:schemeClr val="tx1"/>
+            </a:solidFill>
+          </a:ln>
+          <a:effectLst>
+            <a:outerShdw blurRad="50800" dist="38100" dir="2700000" algn="tl" rotWithShape="0">
+              <a:prstClr val="black">
+                <a:alpha val="40000"/>
+              </a:prstClr>
+            </a:outerShdw>
+          </a:effectLst>
+        </p:spPr>
+        <p:style>
+          <a:lnRef idx="2">
+            <a:schemeClr val="accent1">
+              <a:shade val="50000"/>
+            </a:schemeClr>
+          </a:lnRef>
+          <a:fillRef idx="1">
+            <a:schemeClr val="accent1"/>
+          </a:fillRef>
+          <a:effectRef idx="0">
+            <a:schemeClr val="accent1"/>
+          </a:effectRef>
+          <a:fontRef idx="minor">
+            <a:schemeClr val="lt1"/>
+          </a:fontRef>
+        </p:style>
+        <p:txBody>
+          <a:bodyPr rtlCol="0" anchor="ctr"/>
+          <a:lstStyle/>
+          <a:p>
+            <a:pPr algn="ctr"/>
+            <a:r>
+              <a:rPr lang="en-US" altLang="ja-JP" sz="1000" dirty="0" err="1" smtClean="0">
+                <a:solidFill>
+                  <a:schemeClr val="tx1"/>
+                </a:solidFill>
+              </a:rPr>
+              <a:t>CRequest</a:t>
+            </a:r>
+            <a:r>
+              <a:rPr kumimoji="1" lang="en-US" altLang="ja-JP" sz="1000" dirty="0" err="1" smtClean="0">
+                <a:solidFill>
+                  <a:schemeClr val="tx1"/>
+                </a:solidFill>
+              </a:rPr>
+              <a:t>Message</a:t>
+            </a:r>
+            <a:r>
+              <a:rPr kumimoji="1" lang="en-US" altLang="ja-JP" sz="1000" dirty="0" smtClean="0">
+                <a:solidFill>
+                  <a:schemeClr val="tx1"/>
+                </a:solidFill>
+              </a:rPr>
+              <a:t> /</a:t>
+            </a:r>
+          </a:p>
+          <a:p>
+            <a:pPr algn="ctr"/>
+            <a:r>
+              <a:rPr kumimoji="1" lang="en-US" altLang="ja-JP" sz="1000" dirty="0" err="1" smtClean="0">
+                <a:solidFill>
+                  <a:schemeClr val="tx1"/>
+                </a:solidFill>
+              </a:rPr>
+              <a:t>CReplyMessage</a:t>
+            </a:r>
+            <a:r>
+              <a:rPr kumimoji="1" lang="en-US" altLang="ja-JP" sz="1000" dirty="0" smtClean="0">
+                <a:solidFill>
+                  <a:schemeClr val="tx1"/>
+                </a:solidFill>
+              </a:rPr>
+              <a:t> /</a:t>
+            </a:r>
+          </a:p>
+          <a:p>
+            <a:pPr algn="ctr"/>
+            <a:r>
+              <a:rPr lang="en-US" altLang="ja-JP" sz="1000" dirty="0" err="1" smtClean="0">
+                <a:solidFill>
+                  <a:schemeClr val="tx1"/>
+                </a:solidFill>
+              </a:rPr>
+              <a:t>CNotifyMessage</a:t>
+            </a:r>
+            <a:endParaRPr kumimoji="1" lang="ja-JP" altLang="en-US" sz="1000" dirty="0">
+              <a:solidFill>
+                <a:schemeClr val="tx1"/>
+              </a:solidFill>
+            </a:endParaRPr>
+          </a:p>
+        </p:txBody>
+      </p:sp>
+      <p:cxnSp>
+        <p:nvCxnSpPr>
+          <p:cNvPr id="129" name="カギ線コネクタ 128"/>
+          <p:cNvCxnSpPr/>
+          <p:nvPr/>
+        </p:nvCxnSpPr>
+        <p:spPr>
+          <a:xfrm rot="10800000">
+            <a:off x="4419601" y="4095749"/>
+            <a:ext cx="2466975" cy="295276"/>
+          </a:xfrm>
+          <a:prstGeom prst="bentConnector3">
+            <a:avLst>
+              <a:gd name="adj1" fmla="val 25676"/>
+            </a:avLst>
+          </a:prstGeom>
+          <a:ln>
+            <a:prstDash val="dash"/>
+            <a:tailEnd type="arrow"/>
+          </a:ln>
+        </p:spPr>
+        <p:style>
+          <a:lnRef idx="1">
+            <a:schemeClr val="accent1"/>
+          </a:lnRef>
+          <a:fillRef idx="0">
+            <a:schemeClr val="accent1"/>
+          </a:fillRef>
+          <a:effectRef idx="0">
+            <a:schemeClr val="accent1"/>
+          </a:effectRef>
+          <a:fontRef idx="minor">
+            <a:schemeClr val="tx1"/>
+          </a:fontRef>
+        </p:style>
+      </p:cxnSp>
+      <p:sp>
+        <p:nvSpPr>
+          <p:cNvPr id="134" name="二等辺三角形 133"/>
+          <p:cNvSpPr/>
+          <p:nvPr/>
+        </p:nvSpPr>
+        <p:spPr>
+          <a:xfrm>
+            <a:off x="7205967" y="4614907"/>
             <a:ext cx="144016" cy="192021"/>
           </a:xfrm>
           <a:prstGeom prst="triangle">
@@ -9961,97 +10778,17 @@
       </p:sp>
       <p:cxnSp>
         <p:nvCxnSpPr>
-          <p:cNvPr id="69" name="カギ線コネクタ 68"/>
+          <p:cNvPr id="135" name="カギ線コネクタ 134"/>
           <p:cNvCxnSpPr>
-            <a:stCxn id="67" idx="3"/>
-            <a:endCxn id="87" idx="3"/>
+            <a:stCxn id="134" idx="3"/>
+            <a:endCxn id="126" idx="0"/>
           </p:cNvCxnSpPr>
           <p:nvPr/>
         </p:nvCxnSpPr>
         <p:spPr>
-          <a:xfrm rot="5400000">
-            <a:off x="5204256" y="3505984"/>
-            <a:ext cx="154856" cy="987320"/>
-          </a:xfrm>
-          <a:prstGeom prst="bentConnector2">
-            <a:avLst/>
-          </a:prstGeom>
-          <a:ln>
-            <a:prstDash val="dash"/>
-          </a:ln>
-        </p:spPr>
-        <p:style>
-          <a:lnRef idx="1">
-            <a:schemeClr val="accent1"/>
-          </a:lnRef>
-          <a:fillRef idx="0">
-            <a:schemeClr val="accent1"/>
-          </a:fillRef>
-          <a:effectRef idx="0">
-            <a:schemeClr val="accent1"/>
-          </a:effectRef>
-          <a:fontRef idx="minor">
-            <a:schemeClr val="tx1"/>
-          </a:fontRef>
-        </p:style>
-      </p:cxnSp>
-      <p:sp>
-        <p:nvSpPr>
-          <p:cNvPr id="75" name="ひし形 74"/>
-          <p:cNvSpPr/>
-          <p:nvPr/>
-        </p:nvSpPr>
-        <p:spPr>
-          <a:xfrm>
-            <a:off x="5812986" y="2697690"/>
-            <a:ext cx="149697" cy="211657"/>
-          </a:xfrm>
-          <a:prstGeom prst="diamond">
-            <a:avLst/>
-          </a:prstGeom>
-          <a:solidFill>
-            <a:schemeClr val="accent1"/>
-          </a:solidFill>
-          <a:ln w="9525"/>
-        </p:spPr>
-        <p:style>
-          <a:lnRef idx="2">
-            <a:schemeClr val="accent1">
-              <a:shade val="50000"/>
-            </a:schemeClr>
-          </a:lnRef>
-          <a:fillRef idx="1">
-            <a:schemeClr val="accent1"/>
-          </a:fillRef>
-          <a:effectRef idx="0">
-            <a:schemeClr val="accent1"/>
-          </a:effectRef>
-          <a:fontRef idx="minor">
-            <a:schemeClr val="lt1"/>
-          </a:fontRef>
-        </p:style>
-        <p:txBody>
-          <a:bodyPr rtlCol="0" anchor="ctr"/>
-          <a:lstStyle/>
-          <a:p>
-            <a:pPr algn="ctr"/>
-            <a:endParaRPr kumimoji="1" lang="ja-JP" altLang="en-US"/>
-          </a:p>
-        </p:txBody>
-      </p:sp>
-      <p:cxnSp>
-        <p:nvCxnSpPr>
-          <p:cNvPr id="77" name="カギ線コネクタ 76"/>
-          <p:cNvCxnSpPr>
-            <a:stCxn id="60" idx="0"/>
-            <a:endCxn id="75" idx="2"/>
-          </p:cNvCxnSpPr>
-          <p:nvPr/>
-        </p:nvCxnSpPr>
-        <p:spPr>
-          <a:xfrm rot="16200000" flipV="1">
-            <a:off x="5919348" y="2877834"/>
-            <a:ext cx="229084" cy="292110"/>
+          <a:xfrm rot="16200000" flipH="1">
+            <a:off x="6962841" y="5122062"/>
+            <a:ext cx="632682" cy="2414"/>
           </a:xfrm>
           <a:prstGeom prst="bentConnector3">
             <a:avLst>
@@ -10059,6 +10796,531 @@
             </a:avLst>
           </a:prstGeom>
           <a:ln>
+            <a:prstDash val="solid"/>
+          </a:ln>
+        </p:spPr>
+        <p:style>
+          <a:lnRef idx="1">
+            <a:schemeClr val="accent1"/>
+          </a:lnRef>
+          <a:fillRef idx="0">
+            <a:schemeClr val="accent1"/>
+          </a:fillRef>
+          <a:effectRef idx="0">
+            <a:schemeClr val="accent1"/>
+          </a:effectRef>
+          <a:fontRef idx="minor">
+            <a:schemeClr val="tx1"/>
+          </a:fontRef>
+        </p:style>
+      </p:cxnSp>
+      <p:sp>
+        <p:nvSpPr>
+          <p:cNvPr id="147" name="二等辺三角形 146"/>
+          <p:cNvSpPr/>
+          <p:nvPr/>
+        </p:nvSpPr>
+        <p:spPr>
+          <a:xfrm>
+            <a:off x="6023808" y="3146297"/>
+            <a:ext cx="144016" cy="192021"/>
+          </a:xfrm>
+          <a:prstGeom prst="triangle">
+            <a:avLst/>
+          </a:prstGeom>
+          <a:solidFill>
+            <a:schemeClr val="bg1"/>
+          </a:solidFill>
+          <a:ln w="9525">
+            <a:solidFill>
+              <a:schemeClr val="accent1"/>
+            </a:solidFill>
+          </a:ln>
+        </p:spPr>
+        <p:style>
+          <a:lnRef idx="2">
+            <a:schemeClr val="accent1">
+              <a:shade val="50000"/>
+            </a:schemeClr>
+          </a:lnRef>
+          <a:fillRef idx="1">
+            <a:schemeClr val="accent1"/>
+          </a:fillRef>
+          <a:effectRef idx="0">
+            <a:schemeClr val="accent1"/>
+          </a:effectRef>
+          <a:fontRef idx="minor">
+            <a:schemeClr val="lt1"/>
+          </a:fontRef>
+        </p:style>
+        <p:txBody>
+          <a:bodyPr rtlCol="0" anchor="ctr"/>
+          <a:lstStyle/>
+          <a:p>
+            <a:pPr algn="ctr"/>
+            <a:endParaRPr kumimoji="1" lang="ja-JP" altLang="en-US"/>
+          </a:p>
+        </p:txBody>
+      </p:sp>
+      <p:cxnSp>
+        <p:nvCxnSpPr>
+          <p:cNvPr id="148" name="カギ線コネクタ 147"/>
+          <p:cNvCxnSpPr>
+            <a:stCxn id="147" idx="3"/>
+            <a:endCxn id="149" idx="3"/>
+          </p:cNvCxnSpPr>
+          <p:nvPr/>
+        </p:nvCxnSpPr>
+        <p:spPr>
+          <a:xfrm rot="5400000">
+            <a:off x="5101703" y="3399249"/>
+            <a:ext cx="1055045" cy="933182"/>
+          </a:xfrm>
+          <a:prstGeom prst="bentConnector2">
+            <a:avLst/>
+          </a:prstGeom>
+          <a:ln>
+            <a:prstDash val="solid"/>
+          </a:ln>
+        </p:spPr>
+        <p:style>
+          <a:lnRef idx="1">
+            <a:schemeClr val="accent1"/>
+          </a:lnRef>
+          <a:fillRef idx="0">
+            <a:schemeClr val="accent1"/>
+          </a:fillRef>
+          <a:effectRef idx="0">
+            <a:schemeClr val="accent1"/>
+          </a:effectRef>
+          <a:fontRef idx="minor">
+            <a:schemeClr val="tx1"/>
+          </a:fontRef>
+        </p:style>
+      </p:cxnSp>
+      <p:sp>
+        <p:nvSpPr>
+          <p:cNvPr id="149" name="正方形/長方形 148"/>
+          <p:cNvSpPr/>
+          <p:nvPr/>
+        </p:nvSpPr>
+        <p:spPr>
+          <a:xfrm>
+            <a:off x="3707904" y="4205597"/>
+            <a:ext cx="1454730" cy="375531"/>
+          </a:xfrm>
+          <a:prstGeom prst="rect">
+            <a:avLst/>
+          </a:prstGeom>
+          <a:solidFill>
+            <a:schemeClr val="accent6">
+              <a:lumMod val="20000"/>
+              <a:lumOff val="80000"/>
+            </a:schemeClr>
+          </a:solidFill>
+          <a:ln w="9525">
+            <a:solidFill>
+              <a:schemeClr val="tx1"/>
+            </a:solidFill>
+          </a:ln>
+          <a:effectLst>
+            <a:outerShdw blurRad="50800" dist="38100" dir="2700000" algn="tl" rotWithShape="0">
+              <a:prstClr val="black">
+                <a:alpha val="40000"/>
+              </a:prstClr>
+            </a:outerShdw>
+          </a:effectLst>
+        </p:spPr>
+        <p:style>
+          <a:lnRef idx="2">
+            <a:schemeClr val="accent1">
+              <a:shade val="50000"/>
+            </a:schemeClr>
+          </a:lnRef>
+          <a:fillRef idx="1">
+            <a:schemeClr val="accent1"/>
+          </a:fillRef>
+          <a:effectRef idx="0">
+            <a:schemeClr val="accent1"/>
+          </a:effectRef>
+          <a:fontRef idx="minor">
+            <a:schemeClr val="lt1"/>
+          </a:fontRef>
+        </p:style>
+        <p:txBody>
+          <a:bodyPr rtlCol="0" anchor="ctr"/>
+          <a:lstStyle/>
+          <a:p>
+            <a:pPr algn="ctr"/>
+            <a:r>
+              <a:rPr lang="en-US" altLang="ja-JP" sz="1000" dirty="0" smtClean="0">
+                <a:solidFill>
+                  <a:schemeClr val="tx1"/>
+                </a:solidFill>
+              </a:rPr>
+              <a:t>inner </a:t>
+            </a:r>
+            <a:r>
+              <a:rPr lang="en-US" altLang="ja-JP" sz="1000" dirty="0" err="1" smtClean="0">
+                <a:solidFill>
+                  <a:schemeClr val="tx1"/>
+                </a:solidFill>
+              </a:rPr>
+              <a:t>proccess</a:t>
+            </a:r>
+            <a:r>
+              <a:rPr lang="en-US" altLang="ja-JP" sz="1000" dirty="0" smtClean="0">
+                <a:solidFill>
+                  <a:schemeClr val="tx1"/>
+                </a:solidFill>
+              </a:rPr>
+              <a:t> </a:t>
+            </a:r>
+            <a:r>
+              <a:rPr lang="en-US" altLang="ja-JP" sz="1000" dirty="0" err="1" smtClean="0">
+                <a:solidFill>
+                  <a:schemeClr val="tx1"/>
+                </a:solidFill>
+              </a:rPr>
+              <a:t>impl</a:t>
+            </a:r>
+            <a:r>
+              <a:rPr lang="en-US" altLang="ja-JP" sz="1000" dirty="0" smtClean="0">
+                <a:solidFill>
+                  <a:schemeClr val="tx1"/>
+                </a:solidFill>
+              </a:rPr>
+              <a:t> class</a:t>
+            </a:r>
+            <a:endParaRPr lang="en-US" altLang="ja-JP" sz="1000" dirty="0" smtClean="0">
+              <a:solidFill>
+                <a:schemeClr val="tx1"/>
+              </a:solidFill>
+            </a:endParaRPr>
+          </a:p>
+          <a:p>
+            <a:pPr algn="ctr"/>
+            <a:r>
+              <a:rPr lang="en-US" altLang="ja-JP" sz="1000" u="sng" dirty="0" err="1" smtClean="0">
+                <a:solidFill>
+                  <a:schemeClr val="tx1"/>
+                </a:solidFill>
+              </a:rPr>
+              <a:t>onAsyncHandled</a:t>
+            </a:r>
+            <a:endParaRPr lang="en-US" altLang="ja-JP" sz="1000" u="sng" dirty="0" smtClean="0">
+              <a:solidFill>
+                <a:schemeClr val="tx1"/>
+              </a:solidFill>
+            </a:endParaRPr>
+          </a:p>
+        </p:txBody>
+      </p:sp>
+      <p:sp>
+        <p:nvSpPr>
+          <p:cNvPr id="188" name="正方形/長方形 187"/>
+          <p:cNvSpPr/>
+          <p:nvPr/>
+        </p:nvSpPr>
+        <p:spPr>
+          <a:xfrm>
+            <a:off x="7331834" y="3795702"/>
+            <a:ext cx="1454730" cy="375531"/>
+          </a:xfrm>
+          <a:prstGeom prst="rect">
+            <a:avLst/>
+          </a:prstGeom>
+          <a:solidFill>
+            <a:schemeClr val="accent6">
+              <a:lumMod val="20000"/>
+              <a:lumOff val="80000"/>
+            </a:schemeClr>
+          </a:solidFill>
+          <a:ln w="9525">
+            <a:solidFill>
+              <a:schemeClr val="tx1"/>
+            </a:solidFill>
+          </a:ln>
+          <a:effectLst>
+            <a:outerShdw blurRad="50800" dist="38100" dir="2700000" algn="tl" rotWithShape="0">
+              <a:prstClr val="black">
+                <a:alpha val="40000"/>
+              </a:prstClr>
+            </a:outerShdw>
+          </a:effectLst>
+        </p:spPr>
+        <p:style>
+          <a:lnRef idx="2">
+            <a:schemeClr val="accent1">
+              <a:shade val="50000"/>
+            </a:schemeClr>
+          </a:lnRef>
+          <a:fillRef idx="1">
+            <a:schemeClr val="accent1"/>
+          </a:fillRef>
+          <a:effectRef idx="0">
+            <a:schemeClr val="accent1"/>
+          </a:effectRef>
+          <a:fontRef idx="minor">
+            <a:schemeClr val="lt1"/>
+          </a:fontRef>
+        </p:style>
+        <p:txBody>
+          <a:bodyPr rtlCol="0" anchor="ctr"/>
+          <a:lstStyle/>
+          <a:p>
+            <a:pPr algn="ctr"/>
+            <a:r>
+              <a:rPr lang="en-US" altLang="ja-JP" sz="1000" dirty="0" smtClean="0">
+                <a:solidFill>
+                  <a:schemeClr val="tx1"/>
+                </a:solidFill>
+              </a:rPr>
+              <a:t>inner </a:t>
+            </a:r>
+            <a:r>
+              <a:rPr lang="en-US" altLang="ja-JP" sz="1000" dirty="0" err="1" smtClean="0">
+                <a:solidFill>
+                  <a:schemeClr val="tx1"/>
+                </a:solidFill>
+              </a:rPr>
+              <a:t>proccess</a:t>
+            </a:r>
+            <a:r>
+              <a:rPr lang="en-US" altLang="ja-JP" sz="1000" dirty="0" smtClean="0">
+                <a:solidFill>
+                  <a:schemeClr val="tx1"/>
+                </a:solidFill>
+              </a:rPr>
+              <a:t> </a:t>
+            </a:r>
+            <a:r>
+              <a:rPr lang="en-US" altLang="ja-JP" sz="1000" dirty="0" err="1" smtClean="0">
+                <a:solidFill>
+                  <a:schemeClr val="tx1"/>
+                </a:solidFill>
+              </a:rPr>
+              <a:t>impl</a:t>
+            </a:r>
+            <a:r>
+              <a:rPr lang="en-US" altLang="ja-JP" sz="1000" dirty="0" smtClean="0">
+                <a:solidFill>
+                  <a:schemeClr val="tx1"/>
+                </a:solidFill>
+              </a:rPr>
+              <a:t> class</a:t>
+            </a:r>
+            <a:endParaRPr lang="en-US" altLang="ja-JP" sz="1000" dirty="0" smtClean="0">
+              <a:solidFill>
+                <a:schemeClr val="tx1"/>
+              </a:solidFill>
+            </a:endParaRPr>
+          </a:p>
+          <a:p>
+            <a:pPr algn="ctr"/>
+            <a:r>
+              <a:rPr lang="en-US" altLang="ja-JP" sz="1000" u="sng" dirty="0" err="1" smtClean="0">
+                <a:solidFill>
+                  <a:schemeClr val="tx1"/>
+                </a:solidFill>
+              </a:rPr>
+              <a:t>onAsyncHandled</a:t>
+            </a:r>
+            <a:endParaRPr lang="en-US" altLang="ja-JP" sz="1000" u="sng" dirty="0" smtClean="0">
+              <a:solidFill>
+                <a:schemeClr val="tx1"/>
+              </a:solidFill>
+            </a:endParaRPr>
+          </a:p>
+        </p:txBody>
+      </p:sp>
+      <p:cxnSp>
+        <p:nvCxnSpPr>
+          <p:cNvPr id="114" name="カギ線コネクタ 113"/>
+          <p:cNvCxnSpPr>
+            <a:stCxn id="38" idx="0"/>
+            <a:endCxn id="53" idx="3"/>
+          </p:cNvCxnSpPr>
+          <p:nvPr/>
+        </p:nvCxnSpPr>
+        <p:spPr>
+          <a:xfrm rot="16200000" flipV="1">
+            <a:off x="4614670" y="1696951"/>
+            <a:ext cx="2445365" cy="2852842"/>
+          </a:xfrm>
+          <a:prstGeom prst="bentConnector2">
+            <a:avLst/>
+          </a:prstGeom>
+          <a:ln>
+            <a:prstDash val="dash"/>
+            <a:tailEnd type="arrow"/>
+          </a:ln>
+        </p:spPr>
+        <p:style>
+          <a:lnRef idx="1">
+            <a:schemeClr val="accent1"/>
+          </a:lnRef>
+          <a:fillRef idx="0">
+            <a:schemeClr val="accent1"/>
+          </a:fillRef>
+          <a:effectRef idx="0">
+            <a:schemeClr val="accent1"/>
+          </a:effectRef>
+          <a:fontRef idx="minor">
+            <a:schemeClr val="tx1"/>
+          </a:fontRef>
+        </p:style>
+      </p:cxnSp>
+      <p:sp>
+        <p:nvSpPr>
+          <p:cNvPr id="192" name="二等辺三角形 191"/>
+          <p:cNvSpPr/>
+          <p:nvPr/>
+        </p:nvSpPr>
+        <p:spPr>
+          <a:xfrm>
+            <a:off x="7424548" y="3140968"/>
+            <a:ext cx="144016" cy="192021"/>
+          </a:xfrm>
+          <a:prstGeom prst="triangle">
+            <a:avLst/>
+          </a:prstGeom>
+          <a:solidFill>
+            <a:schemeClr val="bg1"/>
+          </a:solidFill>
+          <a:ln w="9525">
+            <a:solidFill>
+              <a:schemeClr val="accent1"/>
+            </a:solidFill>
+          </a:ln>
+        </p:spPr>
+        <p:style>
+          <a:lnRef idx="2">
+            <a:schemeClr val="accent1">
+              <a:shade val="50000"/>
+            </a:schemeClr>
+          </a:lnRef>
+          <a:fillRef idx="1">
+            <a:schemeClr val="accent1"/>
+          </a:fillRef>
+          <a:effectRef idx="0">
+            <a:schemeClr val="accent1"/>
+          </a:effectRef>
+          <a:fontRef idx="minor">
+            <a:schemeClr val="lt1"/>
+          </a:fontRef>
+        </p:style>
+        <p:txBody>
+          <a:bodyPr rtlCol="0" anchor="ctr"/>
+          <a:lstStyle/>
+          <a:p>
+            <a:pPr algn="ctr"/>
+            <a:endParaRPr kumimoji="1" lang="ja-JP" altLang="en-US"/>
+          </a:p>
+        </p:txBody>
+      </p:sp>
+      <p:cxnSp>
+        <p:nvCxnSpPr>
+          <p:cNvPr id="193" name="カギ線コネクタ 192"/>
+          <p:cNvCxnSpPr>
+            <a:stCxn id="192" idx="3"/>
+            <a:endCxn id="188" idx="0"/>
+          </p:cNvCxnSpPr>
+          <p:nvPr/>
+        </p:nvCxnSpPr>
+        <p:spPr>
+          <a:xfrm rot="16200000" flipH="1">
+            <a:off x="7546521" y="3283023"/>
+            <a:ext cx="462713" cy="562643"/>
+          </a:xfrm>
+          <a:prstGeom prst="bentConnector3">
+            <a:avLst>
+              <a:gd name="adj1" fmla="val 50000"/>
+            </a:avLst>
+          </a:prstGeom>
+          <a:ln>
+            <a:prstDash val="solid"/>
+          </a:ln>
+        </p:spPr>
+        <p:style>
+          <a:lnRef idx="1">
+            <a:schemeClr val="accent1"/>
+          </a:lnRef>
+          <a:fillRef idx="0">
+            <a:schemeClr val="accent1"/>
+          </a:fillRef>
+          <a:effectRef idx="0">
+            <a:schemeClr val="accent1"/>
+          </a:effectRef>
+          <a:fontRef idx="minor">
+            <a:schemeClr val="tx1"/>
+          </a:fontRef>
+        </p:style>
+      </p:cxnSp>
+      <p:sp>
+        <p:nvSpPr>
+          <p:cNvPr id="195" name="ひし形 194"/>
+          <p:cNvSpPr/>
+          <p:nvPr/>
+        </p:nvSpPr>
+        <p:spPr>
+          <a:xfrm>
+            <a:off x="6959880" y="4132214"/>
+            <a:ext cx="149697" cy="211657"/>
+          </a:xfrm>
+          <a:prstGeom prst="diamond">
+            <a:avLst/>
+          </a:prstGeom>
+          <a:solidFill>
+            <a:schemeClr val="accent1"/>
+          </a:solidFill>
+          <a:ln w="9525"/>
+        </p:spPr>
+        <p:style>
+          <a:lnRef idx="2">
+            <a:schemeClr val="accent1">
+              <a:shade val="50000"/>
+            </a:schemeClr>
+          </a:lnRef>
+          <a:fillRef idx="1">
+            <a:schemeClr val="accent1"/>
+          </a:fillRef>
+          <a:effectRef idx="0">
+            <a:schemeClr val="accent1"/>
+          </a:effectRef>
+          <a:fontRef idx="minor">
+            <a:schemeClr val="lt1"/>
+          </a:fontRef>
+        </p:style>
+        <p:txBody>
+          <a:bodyPr rtlCol="0" anchor="ctr"/>
+          <a:lstStyle/>
+          <a:p>
+            <a:pPr algn="ctr"/>
+            <a:endParaRPr kumimoji="1" lang="ja-JP" altLang="en-US"/>
+          </a:p>
+        </p:txBody>
+      </p:sp>
+      <p:cxnSp>
+        <p:nvCxnSpPr>
+          <p:cNvPr id="196" name="カギ線コネクタ 195"/>
+          <p:cNvCxnSpPr>
+            <a:stCxn id="195" idx="0"/>
+            <a:endCxn id="97" idx="2"/>
+          </p:cNvCxnSpPr>
+          <p:nvPr/>
+        </p:nvCxnSpPr>
+        <p:spPr>
+          <a:xfrm rot="5400000" flipH="1" flipV="1">
+            <a:off x="6966028" y="4050151"/>
+            <a:ext cx="150764" cy="13363"/>
+          </a:xfrm>
+          <a:prstGeom prst="bentConnector3">
+            <a:avLst>
+              <a:gd name="adj1" fmla="val 50000"/>
+            </a:avLst>
+          </a:prstGeom>
+          <a:ln>
             <a:headEnd type="none" w="med" len="med"/>
             <a:tailEnd type="none" w="med" len="med"/>
           </a:ln>
@@ -10080,13 +11342,13 @@
       </p:cxnSp>
       <p:sp>
         <p:nvSpPr>
-          <p:cNvPr id="78" name="正方形/長方形 77"/>
+          <p:cNvPr id="197" name="正方形/長方形 196"/>
           <p:cNvSpPr/>
           <p:nvPr/>
         </p:nvSpPr>
         <p:spPr>
           <a:xfrm>
-            <a:off x="5940152" y="2709307"/>
+            <a:off x="7092280" y="3933056"/>
             <a:ext cx="167621" cy="143629"/>
           </a:xfrm>
           <a:prstGeom prst="rect">
@@ -10142,13 +11404,13 @@
       </p:sp>
       <p:sp>
         <p:nvSpPr>
-          <p:cNvPr id="79" name="正方形/長方形 78"/>
+          <p:cNvPr id="198" name="正方形/長方形 197"/>
           <p:cNvSpPr/>
           <p:nvPr/>
         </p:nvSpPr>
         <p:spPr>
           <a:xfrm>
-            <a:off x="6204579" y="2997339"/>
+            <a:off x="7092280" y="4149080"/>
             <a:ext cx="167621" cy="143629"/>
           </a:xfrm>
           <a:prstGeom prst="rect">
@@ -10202,16 +11464,97 @@
           </a:p>
         </p:txBody>
       </p:sp>
-      <p:sp>
-        <p:nvSpPr>
-          <p:cNvPr id="99" name="正方形/長方形 98"/>
+      <p:cxnSp>
+        <p:nvCxnSpPr>
+          <p:cNvPr id="205" name="カギ線コネクタ 204"/>
+          <p:cNvCxnSpPr>
+            <a:stCxn id="209" idx="2"/>
+            <a:endCxn id="95" idx="1"/>
+          </p:cNvCxnSpPr>
+          <p:nvPr/>
+        </p:nvCxnSpPr>
+        <p:spPr>
+          <a:xfrm rot="16200000" flipH="1">
+            <a:off x="4394614" y="3706795"/>
+            <a:ext cx="405049" cy="2153714"/>
+          </a:xfrm>
+          <a:prstGeom prst="bentConnector2">
+            <a:avLst/>
+          </a:prstGeom>
+          <a:ln>
+            <a:headEnd type="none" w="med" len="med"/>
+            <a:tailEnd type="none" w="med" len="med"/>
+          </a:ln>
+        </p:spPr>
+        <p:style>
+          <a:lnRef idx="1">
+            <a:schemeClr val="accent1"/>
+          </a:lnRef>
+          <a:fillRef idx="0">
+            <a:schemeClr val="accent1"/>
+          </a:fillRef>
+          <a:effectRef idx="0">
+            <a:schemeClr val="accent1"/>
+          </a:effectRef>
+          <a:fontRef idx="minor">
+            <a:schemeClr val="tx1"/>
+          </a:fontRef>
+        </p:style>
+      </p:cxnSp>
+      <p:sp>
+        <p:nvSpPr>
+          <p:cNvPr id="209" name="ひし形 208"/>
           <p:cNvSpPr/>
           <p:nvPr/>
         </p:nvSpPr>
         <p:spPr>
           <a:xfrm>
-            <a:off x="7885449" y="3618688"/>
-            <a:ext cx="383645" cy="143629"/>
+            <a:off x="3445432" y="4369471"/>
+            <a:ext cx="149697" cy="211657"/>
+          </a:xfrm>
+          <a:prstGeom prst="diamond">
+            <a:avLst/>
+          </a:prstGeom>
+          <a:solidFill>
+            <a:schemeClr val="accent1"/>
+          </a:solidFill>
+          <a:ln w="9525"/>
+        </p:spPr>
+        <p:style>
+          <a:lnRef idx="2">
+            <a:schemeClr val="accent1">
+              <a:shade val="50000"/>
+            </a:schemeClr>
+          </a:lnRef>
+          <a:fillRef idx="1">
+            <a:schemeClr val="accent1"/>
+          </a:fillRef>
+          <a:effectRef idx="0">
+            <a:schemeClr val="accent1"/>
+          </a:effectRef>
+          <a:fontRef idx="minor">
+            <a:schemeClr val="lt1"/>
+          </a:fontRef>
+        </p:style>
+        <p:txBody>
+          <a:bodyPr rtlCol="0" anchor="ctr"/>
+          <a:lstStyle/>
+          <a:p>
+            <a:pPr algn="ctr"/>
+            <a:endParaRPr kumimoji="1" lang="ja-JP" altLang="en-US"/>
+          </a:p>
+        </p:txBody>
+      </p:sp>
+      <p:sp>
+        <p:nvSpPr>
+          <p:cNvPr id="213" name="正方形/長方形 212"/>
+          <p:cNvSpPr/>
+          <p:nvPr/>
+        </p:nvSpPr>
+        <p:spPr>
+          <a:xfrm>
+            <a:off x="3354291" y="4509507"/>
+            <a:ext cx="167621" cy="143629"/>
           </a:xfrm>
           <a:prstGeom prst="rect">
             <a:avLst/>
@@ -10243,7 +11586,7 @@
           <a:p>
             <a:pPr algn="ctr"/>
             <a:r>
-              <a:rPr lang="en-US" altLang="ja-JP" sz="800" dirty="0" smtClean="0">
+              <a:rPr kumimoji="1" lang="en-US" altLang="ja-JP" sz="800" dirty="0" smtClean="0">
                 <a:solidFill>
                   <a:schemeClr val="tx1"/>
                 </a:solidFill>
@@ -10251,66 +11594,20 @@
                 <a:ea typeface="Tahoma" panose="020B0604030504040204" pitchFamily="34" charset="0"/>
                 <a:cs typeface="Tahoma" panose="020B0604030504040204" pitchFamily="34" charset="0"/>
               </a:rPr>
-              <a:t>1..*</a:t>
-            </a:r>
-            <a:endParaRPr kumimoji="1" lang="en-US" altLang="ja-JP" sz="800" dirty="0" smtClean="0">
-              <a:solidFill>
-                <a:schemeClr val="tx1"/>
-              </a:solidFill>
-              <a:latin typeface="Tahoma" panose="020B0604030504040204" pitchFamily="34" charset="0"/>
-              <a:ea typeface="Tahoma" panose="020B0604030504040204" pitchFamily="34" charset="0"/>
-              <a:cs typeface="Tahoma" panose="020B0604030504040204" pitchFamily="34" charset="0"/>
-            </a:endParaRPr>
-          </a:p>
-        </p:txBody>
-      </p:sp>
-      <p:cxnSp>
-        <p:nvCxnSpPr>
-          <p:cNvPr id="101" name="カギ線コネクタ 100"/>
-          <p:cNvCxnSpPr>
-            <a:stCxn id="63" idx="0"/>
-          </p:cNvCxnSpPr>
-          <p:nvPr/>
-        </p:nvCxnSpPr>
-        <p:spPr>
-          <a:xfrm flipV="1">
-            <a:off x="5004126" y="3969239"/>
-            <a:ext cx="2112840" cy="244982"/>
-          </a:xfrm>
-          <a:prstGeom prst="bentConnector3">
-            <a:avLst>
-              <a:gd name="adj1" fmla="val 50000"/>
-            </a:avLst>
-          </a:prstGeom>
-          <a:ln>
-            <a:headEnd type="none" w="med" len="med"/>
-            <a:tailEnd type="none" w="med" len="med"/>
-          </a:ln>
-        </p:spPr>
-        <p:style>
-          <a:lnRef idx="1">
-            <a:schemeClr val="accent1"/>
-          </a:lnRef>
-          <a:fillRef idx="0">
-            <a:schemeClr val="accent1"/>
-          </a:fillRef>
-          <a:effectRef idx="0">
-            <a:schemeClr val="accent1"/>
-          </a:effectRef>
-          <a:fontRef idx="minor">
-            <a:schemeClr val="tx1"/>
-          </a:fontRef>
-        </p:style>
-      </p:cxnSp>
-      <p:sp>
-        <p:nvSpPr>
-          <p:cNvPr id="105" name="正方形/長方形 104"/>
+              <a:t>1</a:t>
+            </a:r>
+          </a:p>
+        </p:txBody>
+      </p:sp>
+      <p:sp>
+        <p:nvSpPr>
+          <p:cNvPr id="214" name="正方形/長方形 213"/>
           <p:cNvSpPr/>
           <p:nvPr/>
         </p:nvSpPr>
         <p:spPr>
           <a:xfrm>
-            <a:off x="4812822" y="4293705"/>
+            <a:off x="5508104" y="4797152"/>
             <a:ext cx="167621" cy="143629"/>
           </a:xfrm>
           <a:prstGeom prst="rect">
@@ -10356,94 +11653,21 @@
           </a:p>
         </p:txBody>
       </p:sp>
-      <p:sp>
-        <p:nvSpPr>
-          <p:cNvPr id="110" name="正方形/長方形 109"/>
-          <p:cNvSpPr/>
-          <p:nvPr/>
-        </p:nvSpPr>
-        <p:spPr>
-          <a:xfrm>
-            <a:off x="6736590" y="3789928"/>
-            <a:ext cx="468661" cy="200230"/>
-          </a:xfrm>
-          <a:prstGeom prst="rect">
-            <a:avLst/>
-          </a:prstGeom>
-          <a:noFill/>
-          <a:ln w="12700">
-            <a:noFill/>
-          </a:ln>
-        </p:spPr>
-        <p:style>
-          <a:lnRef idx="2">
-            <a:schemeClr val="accent1">
-              <a:shade val="50000"/>
-            </a:schemeClr>
-          </a:lnRef>
-          <a:fillRef idx="1">
-            <a:schemeClr val="accent1"/>
-          </a:fillRef>
-          <a:effectRef idx="0">
-            <a:schemeClr val="accent1"/>
-          </a:effectRef>
-          <a:fontRef idx="minor">
-            <a:schemeClr val="lt1"/>
-          </a:fontRef>
-        </p:style>
-        <p:txBody>
-          <a:bodyPr rtlCol="0" anchor="ctr"/>
-          <a:lstStyle/>
-          <a:p>
-            <a:pPr algn="ctr"/>
-            <a:r>
-              <a:rPr kumimoji="1" lang="en-US" altLang="ja-JP" sz="800" dirty="0" smtClean="0">
-                <a:solidFill>
-                  <a:schemeClr val="tx1"/>
-                </a:solidFill>
-                <a:latin typeface="Tahoma" panose="020B0604030504040204" pitchFamily="34" charset="0"/>
-                <a:ea typeface="Tahoma" panose="020B0604030504040204" pitchFamily="34" charset="0"/>
-                <a:cs typeface="Tahoma" panose="020B0604030504040204" pitchFamily="34" charset="0"/>
-              </a:rPr>
-              <a:t>1..</a:t>
-            </a:r>
-            <a:r>
-              <a:rPr kumimoji="1" lang="ja-JP" altLang="en-US" sz="800" dirty="0" smtClean="0">
-                <a:solidFill>
-                  <a:schemeClr val="tx1"/>
-                </a:solidFill>
-                <a:latin typeface="Tahoma" panose="020B0604030504040204" pitchFamily="34" charset="0"/>
-                <a:ea typeface="Tahoma" panose="020B0604030504040204" pitchFamily="34" charset="0"/>
-                <a:cs typeface="Tahoma" panose="020B0604030504040204" pitchFamily="34" charset="0"/>
-              </a:rPr>
-              <a:t>＊</a:t>
-            </a:r>
-            <a:endParaRPr kumimoji="1" lang="en-US" altLang="ja-JP" sz="800" dirty="0" smtClean="0">
-              <a:solidFill>
-                <a:schemeClr val="tx1"/>
-              </a:solidFill>
-              <a:latin typeface="Tahoma" panose="020B0604030504040204" pitchFamily="34" charset="0"/>
-              <a:ea typeface="Tahoma" panose="020B0604030504040204" pitchFamily="34" charset="0"/>
-              <a:cs typeface="Tahoma" panose="020B0604030504040204" pitchFamily="34" charset="0"/>
-            </a:endParaRPr>
-          </a:p>
-        </p:txBody>
-      </p:sp>
       <p:cxnSp>
         <p:nvCxnSpPr>
-          <p:cNvPr id="111" name="カギ線コネクタ 110"/>
-          <p:cNvCxnSpPr/>
+          <p:cNvPr id="215" name="カギ線コネクタ 214"/>
+          <p:cNvCxnSpPr>
+            <a:endCxn id="95" idx="0"/>
+          </p:cNvCxnSpPr>
           <p:nvPr/>
         </p:nvCxnSpPr>
         <p:spPr>
           <a:xfrm rot="10800000" flipV="1">
-            <a:off x="2865506" y="4328272"/>
-            <a:ext cx="4251462" cy="1104279"/>
-          </a:xfrm>
-          <a:prstGeom prst="bentConnector3">
-            <a:avLst>
-              <a:gd name="adj1" fmla="val 44772"/>
-            </a:avLst>
+            <a:off x="6391786" y="4572000"/>
+            <a:ext cx="485264" cy="227138"/>
+          </a:xfrm>
+          <a:prstGeom prst="bentConnector2">
+            <a:avLst/>
           </a:prstGeom>
           <a:ln>
             <a:prstDash val="dash"/>
@@ -10468,22 +11692,28 @@
       </p:cxnSp>
       <p:sp>
         <p:nvSpPr>
-          <p:cNvPr id="63" name="ひし形 62"/>
+          <p:cNvPr id="227" name="角丸四角形 226"/>
           <p:cNvSpPr/>
           <p:nvPr/>
         </p:nvSpPr>
         <p:spPr>
-          <a:xfrm rot="5400000">
-            <a:off x="4823449" y="4108392"/>
-            <a:ext cx="149697" cy="211657"/>
-          </a:xfrm>
-          <a:prstGeom prst="diamond">
-            <a:avLst/>
-          </a:prstGeom>
-          <a:solidFill>
-            <a:schemeClr val="accent1"/>
-          </a:solidFill>
-          <a:ln w="9525"/>
+          <a:xfrm>
+            <a:off x="5522674" y="3422417"/>
+            <a:ext cx="3369318" cy="2778892"/>
+          </a:xfrm>
+          <a:prstGeom prst="roundRect">
+            <a:avLst>
+              <a:gd name="adj" fmla="val 8898"/>
+            </a:avLst>
+          </a:prstGeom>
+          <a:noFill/>
+          <a:ln>
+            <a:solidFill>
+              <a:schemeClr val="bg1">
+                <a:lumMod val="65000"/>
+              </a:schemeClr>
+            </a:solidFill>
+          </a:ln>
         </p:spPr>
         <p:style>
           <a:lnRef idx="2">
@@ -10510,670 +11740,6 @@
           </a:p>
         </p:txBody>
       </p:sp>
-      <p:sp>
-        <p:nvSpPr>
-          <p:cNvPr id="70" name="ひし形 69"/>
-          <p:cNvSpPr/>
-          <p:nvPr/>
-        </p:nvSpPr>
-        <p:spPr>
-          <a:xfrm rot="5400000">
-            <a:off x="4817198" y="3828096"/>
-            <a:ext cx="149697" cy="211657"/>
-          </a:xfrm>
-          <a:prstGeom prst="diamond">
-            <a:avLst/>
-          </a:prstGeom>
-          <a:solidFill>
-            <a:schemeClr val="accent1"/>
-          </a:solidFill>
-          <a:ln w="9525"/>
-        </p:spPr>
-        <p:style>
-          <a:lnRef idx="2">
-            <a:schemeClr val="accent1">
-              <a:shade val="50000"/>
-            </a:schemeClr>
-          </a:lnRef>
-          <a:fillRef idx="1">
-            <a:schemeClr val="accent1"/>
-          </a:fillRef>
-          <a:effectRef idx="0">
-            <a:schemeClr val="accent1"/>
-          </a:effectRef>
-          <a:fontRef idx="minor">
-            <a:schemeClr val="lt1"/>
-          </a:fontRef>
-        </p:style>
-        <p:txBody>
-          <a:bodyPr rtlCol="0" anchor="ctr"/>
-          <a:lstStyle/>
-          <a:p>
-            <a:pPr algn="ctr"/>
-            <a:endParaRPr kumimoji="1" lang="ja-JP" altLang="en-US"/>
-          </a:p>
-        </p:txBody>
-      </p:sp>
-      <p:sp>
-        <p:nvSpPr>
-          <p:cNvPr id="80" name="ひし形 79"/>
-          <p:cNvSpPr/>
-          <p:nvPr/>
-        </p:nvSpPr>
-        <p:spPr>
-          <a:xfrm rot="5400000">
-            <a:off x="6590550" y="2302408"/>
-            <a:ext cx="149697" cy="211657"/>
-          </a:xfrm>
-          <a:prstGeom prst="diamond">
-            <a:avLst/>
-          </a:prstGeom>
-          <a:solidFill>
-            <a:schemeClr val="accent1"/>
-          </a:solidFill>
-          <a:ln w="9525"/>
-        </p:spPr>
-        <p:style>
-          <a:lnRef idx="2">
-            <a:schemeClr val="accent1">
-              <a:shade val="50000"/>
-            </a:schemeClr>
-          </a:lnRef>
-          <a:fillRef idx="1">
-            <a:schemeClr val="accent1"/>
-          </a:fillRef>
-          <a:effectRef idx="0">
-            <a:schemeClr val="accent1"/>
-          </a:effectRef>
-          <a:fontRef idx="minor">
-            <a:schemeClr val="lt1"/>
-          </a:fontRef>
-        </p:style>
-        <p:txBody>
-          <a:bodyPr rtlCol="0" anchor="ctr"/>
-          <a:lstStyle/>
-          <a:p>
-            <a:pPr algn="ctr"/>
-            <a:endParaRPr kumimoji="1" lang="ja-JP" altLang="en-US"/>
-          </a:p>
-        </p:txBody>
-      </p:sp>
-      <p:sp>
-        <p:nvSpPr>
-          <p:cNvPr id="83" name="ひし形 82"/>
-          <p:cNvSpPr/>
-          <p:nvPr/>
-        </p:nvSpPr>
-        <p:spPr>
-          <a:xfrm rot="5400000">
-            <a:off x="2094740" y="1794409"/>
-            <a:ext cx="149697" cy="211657"/>
-          </a:xfrm>
-          <a:prstGeom prst="diamond">
-            <a:avLst/>
-          </a:prstGeom>
-          <a:solidFill>
-            <a:schemeClr val="accent1"/>
-          </a:solidFill>
-          <a:ln w="9525"/>
-        </p:spPr>
-        <p:style>
-          <a:lnRef idx="2">
-            <a:schemeClr val="accent1">
-              <a:shade val="50000"/>
-            </a:schemeClr>
-          </a:lnRef>
-          <a:fillRef idx="1">
-            <a:schemeClr val="accent1"/>
-          </a:fillRef>
-          <a:effectRef idx="0">
-            <a:schemeClr val="accent1"/>
-          </a:effectRef>
-          <a:fontRef idx="minor">
-            <a:schemeClr val="lt1"/>
-          </a:fontRef>
-        </p:style>
-        <p:txBody>
-          <a:bodyPr rtlCol="0" anchor="ctr"/>
-          <a:lstStyle/>
-          <a:p>
-            <a:pPr algn="ctr"/>
-            <a:endParaRPr kumimoji="1" lang="ja-JP" altLang="en-US"/>
-          </a:p>
-        </p:txBody>
-      </p:sp>
-      <p:sp>
-        <p:nvSpPr>
-          <p:cNvPr id="84" name="正方形/長方形 83"/>
-          <p:cNvSpPr/>
-          <p:nvPr/>
-        </p:nvSpPr>
-        <p:spPr>
-          <a:xfrm>
-            <a:off x="7110246" y="4820111"/>
-            <a:ext cx="1440160" cy="576064"/>
-          </a:xfrm>
-          <a:prstGeom prst="rect">
-            <a:avLst/>
-          </a:prstGeom>
-          <a:solidFill>
-            <a:schemeClr val="accent6">
-              <a:lumMod val="20000"/>
-              <a:lumOff val="80000"/>
-            </a:schemeClr>
-          </a:solidFill>
-          <a:ln w="9525">
-            <a:solidFill>
-              <a:schemeClr val="tx1"/>
-            </a:solidFill>
-          </a:ln>
-        </p:spPr>
-        <p:style>
-          <a:lnRef idx="2">
-            <a:schemeClr val="accent1">
-              <a:shade val="50000"/>
-            </a:schemeClr>
-          </a:lnRef>
-          <a:fillRef idx="1">
-            <a:schemeClr val="accent1"/>
-          </a:fillRef>
-          <a:effectRef idx="0">
-            <a:schemeClr val="accent1"/>
-          </a:effectRef>
-          <a:fontRef idx="minor">
-            <a:schemeClr val="lt1"/>
-          </a:fontRef>
-        </p:style>
-        <p:txBody>
-          <a:bodyPr rtlCol="0" anchor="ctr"/>
-          <a:lstStyle/>
-          <a:p>
-            <a:pPr algn="ctr"/>
-            <a:r>
-              <a:rPr lang="en-US" altLang="ja-JP" sz="1000" dirty="0" err="1" smtClean="0">
-                <a:solidFill>
-                  <a:schemeClr val="tx1"/>
-                </a:solidFill>
-              </a:rPr>
-              <a:t>C</a:t>
-            </a:r>
-            <a:r>
-              <a:rPr kumimoji="1" lang="en-US" altLang="ja-JP" sz="1000" dirty="0" err="1" smtClean="0">
-                <a:solidFill>
-                  <a:schemeClr val="tx1"/>
-                </a:solidFill>
-              </a:rPr>
-              <a:t>MessageId</a:t>
-            </a:r>
-            <a:endParaRPr kumimoji="1" lang="ja-JP" altLang="en-US" sz="1000" dirty="0">
-              <a:solidFill>
-                <a:schemeClr val="tx1"/>
-              </a:solidFill>
-            </a:endParaRPr>
-          </a:p>
-        </p:txBody>
-      </p:sp>
-      <p:sp>
-        <p:nvSpPr>
-          <p:cNvPr id="85" name="ひし形 84"/>
-          <p:cNvSpPr/>
-          <p:nvPr/>
-        </p:nvSpPr>
-        <p:spPr>
-          <a:xfrm>
-            <a:off x="7756515" y="4413849"/>
-            <a:ext cx="149697" cy="211657"/>
-          </a:xfrm>
-          <a:prstGeom prst="diamond">
-            <a:avLst/>
-          </a:prstGeom>
-          <a:solidFill>
-            <a:schemeClr val="accent1"/>
-          </a:solidFill>
-          <a:ln w="9525"/>
-        </p:spPr>
-        <p:style>
-          <a:lnRef idx="2">
-            <a:schemeClr val="accent1">
-              <a:shade val="50000"/>
-            </a:schemeClr>
-          </a:lnRef>
-          <a:fillRef idx="1">
-            <a:schemeClr val="accent1"/>
-          </a:fillRef>
-          <a:effectRef idx="0">
-            <a:schemeClr val="accent1"/>
-          </a:effectRef>
-          <a:fontRef idx="minor">
-            <a:schemeClr val="lt1"/>
-          </a:fontRef>
-        </p:style>
-        <p:txBody>
-          <a:bodyPr rtlCol="0" anchor="ctr"/>
-          <a:lstStyle/>
-          <a:p>
-            <a:pPr algn="ctr"/>
-            <a:endParaRPr kumimoji="1" lang="ja-JP" altLang="en-US"/>
-          </a:p>
-        </p:txBody>
-      </p:sp>
-      <p:cxnSp>
-        <p:nvCxnSpPr>
-          <p:cNvPr id="86" name="カギ線コネクタ 85"/>
-          <p:cNvCxnSpPr>
-            <a:stCxn id="85" idx="2"/>
-            <a:endCxn id="84" idx="0"/>
-          </p:cNvCxnSpPr>
-          <p:nvPr/>
-        </p:nvCxnSpPr>
-        <p:spPr>
-          <a:xfrm rot="5400000">
-            <a:off x="7733543" y="4722289"/>
-            <a:ext cx="194605" cy="1038"/>
-          </a:xfrm>
-          <a:prstGeom prst="bentConnector3">
-            <a:avLst/>
-          </a:prstGeom>
-        </p:spPr>
-        <p:style>
-          <a:lnRef idx="1">
-            <a:schemeClr val="accent1"/>
-          </a:lnRef>
-          <a:fillRef idx="0">
-            <a:schemeClr val="accent1"/>
-          </a:fillRef>
-          <a:effectRef idx="0">
-            <a:schemeClr val="accent1"/>
-          </a:effectRef>
-          <a:fontRef idx="minor">
-            <a:schemeClr val="tx1"/>
-          </a:fontRef>
-        </p:style>
-      </p:cxnSp>
-      <p:sp>
-        <p:nvSpPr>
-          <p:cNvPr id="88" name="正方形/長方形 87"/>
-          <p:cNvSpPr/>
-          <p:nvPr/>
-        </p:nvSpPr>
-        <p:spPr>
-          <a:xfrm>
-            <a:off x="7594575" y="4392119"/>
-            <a:ext cx="167621" cy="143629"/>
-          </a:xfrm>
-          <a:prstGeom prst="rect">
-            <a:avLst/>
-          </a:prstGeom>
-          <a:noFill/>
-          <a:ln w="12700">
-            <a:noFill/>
-          </a:ln>
-        </p:spPr>
-        <p:style>
-          <a:lnRef idx="2">
-            <a:schemeClr val="accent1">
-              <a:shade val="50000"/>
-            </a:schemeClr>
-          </a:lnRef>
-          <a:fillRef idx="1">
-            <a:schemeClr val="accent1"/>
-          </a:fillRef>
-          <a:effectRef idx="0">
-            <a:schemeClr val="accent1"/>
-          </a:effectRef>
-          <a:fontRef idx="minor">
-            <a:schemeClr val="lt1"/>
-          </a:fontRef>
-        </p:style>
-        <p:txBody>
-          <a:bodyPr rtlCol="0" anchor="ctr"/>
-          <a:lstStyle/>
-          <a:p>
-            <a:pPr algn="ctr"/>
-            <a:r>
-              <a:rPr kumimoji="1" lang="en-US" altLang="ja-JP" sz="800" dirty="0" smtClean="0">
-                <a:solidFill>
-                  <a:schemeClr val="tx1"/>
-                </a:solidFill>
-                <a:latin typeface="Tahoma" panose="020B0604030504040204" pitchFamily="34" charset="0"/>
-                <a:ea typeface="Tahoma" panose="020B0604030504040204" pitchFamily="34" charset="0"/>
-                <a:cs typeface="Tahoma" panose="020B0604030504040204" pitchFamily="34" charset="0"/>
-              </a:rPr>
-              <a:t>1</a:t>
-            </a:r>
-          </a:p>
-        </p:txBody>
-      </p:sp>
-      <p:sp>
-        <p:nvSpPr>
-          <p:cNvPr id="89" name="正方形/長方形 88"/>
-          <p:cNvSpPr/>
-          <p:nvPr/>
-        </p:nvSpPr>
-        <p:spPr>
-          <a:xfrm>
-            <a:off x="7644395" y="4676306"/>
-            <a:ext cx="167621" cy="143629"/>
-          </a:xfrm>
-          <a:prstGeom prst="rect">
-            <a:avLst/>
-          </a:prstGeom>
-          <a:noFill/>
-          <a:ln w="12700">
-            <a:noFill/>
-          </a:ln>
-        </p:spPr>
-        <p:style>
-          <a:lnRef idx="2">
-            <a:schemeClr val="accent1">
-              <a:shade val="50000"/>
-            </a:schemeClr>
-          </a:lnRef>
-          <a:fillRef idx="1">
-            <a:schemeClr val="accent1"/>
-          </a:fillRef>
-          <a:effectRef idx="0">
-            <a:schemeClr val="accent1"/>
-          </a:effectRef>
-          <a:fontRef idx="minor">
-            <a:schemeClr val="lt1"/>
-          </a:fontRef>
-        </p:style>
-        <p:txBody>
-          <a:bodyPr rtlCol="0" anchor="ctr"/>
-          <a:lstStyle/>
-          <a:p>
-            <a:pPr algn="ctr"/>
-            <a:r>
-              <a:rPr kumimoji="1" lang="en-US" altLang="ja-JP" sz="800" dirty="0" smtClean="0">
-                <a:solidFill>
-                  <a:schemeClr val="tx1"/>
-                </a:solidFill>
-                <a:latin typeface="Tahoma" panose="020B0604030504040204" pitchFamily="34" charset="0"/>
-                <a:ea typeface="Tahoma" panose="020B0604030504040204" pitchFamily="34" charset="0"/>
-                <a:cs typeface="Tahoma" panose="020B0604030504040204" pitchFamily="34" charset="0"/>
-              </a:rPr>
-              <a:t>1</a:t>
-            </a:r>
-          </a:p>
-        </p:txBody>
-      </p:sp>
-      <p:cxnSp>
-        <p:nvCxnSpPr>
-          <p:cNvPr id="92" name="カギ線コネクタ 91"/>
-          <p:cNvCxnSpPr>
-            <a:endCxn id="90" idx="3"/>
-          </p:cNvCxnSpPr>
-          <p:nvPr/>
-        </p:nvCxnSpPr>
-        <p:spPr>
-          <a:xfrm rot="10800000" flipV="1">
-            <a:off x="2860862" y="5245636"/>
-            <a:ext cx="4256105" cy="415612"/>
-          </a:xfrm>
-          <a:prstGeom prst="bentConnector3">
-            <a:avLst>
-              <a:gd name="adj1" fmla="val 38810"/>
-            </a:avLst>
-          </a:prstGeom>
-          <a:ln>
-            <a:prstDash val="dash"/>
-            <a:headEnd type="arrow" w="med" len="med"/>
-            <a:tailEnd type="none" w="med" len="med"/>
-          </a:ln>
-        </p:spPr>
-        <p:style>
-          <a:lnRef idx="1">
-            <a:schemeClr val="accent1"/>
-          </a:lnRef>
-          <a:fillRef idx="0">
-            <a:schemeClr val="accent1"/>
-          </a:fillRef>
-          <a:effectRef idx="0">
-            <a:schemeClr val="accent1"/>
-          </a:effectRef>
-          <a:fontRef idx="minor">
-            <a:schemeClr val="tx1"/>
-          </a:fontRef>
-        </p:style>
-      </p:cxnSp>
-      <p:sp>
-        <p:nvSpPr>
-          <p:cNvPr id="102" name="正方形/長方形 101"/>
-          <p:cNvSpPr/>
-          <p:nvPr/>
-        </p:nvSpPr>
-        <p:spPr>
-          <a:xfrm>
-            <a:off x="7110616" y="5753597"/>
-            <a:ext cx="1440160" cy="576064"/>
-          </a:xfrm>
-          <a:prstGeom prst="rect">
-            <a:avLst/>
-          </a:prstGeom>
-          <a:solidFill>
-            <a:schemeClr val="accent6">
-              <a:lumMod val="20000"/>
-              <a:lumOff val="80000"/>
-            </a:schemeClr>
-          </a:solidFill>
-          <a:ln w="9525">
-            <a:solidFill>
-              <a:schemeClr val="tx1"/>
-            </a:solidFill>
-          </a:ln>
-        </p:spPr>
-        <p:style>
-          <a:lnRef idx="2">
-            <a:schemeClr val="accent1">
-              <a:shade val="50000"/>
-            </a:schemeClr>
-          </a:lnRef>
-          <a:fillRef idx="1">
-            <a:schemeClr val="accent1"/>
-          </a:fillRef>
-          <a:effectRef idx="0">
-            <a:schemeClr val="accent1"/>
-          </a:effectRef>
-          <a:fontRef idx="minor">
-            <a:schemeClr val="lt1"/>
-          </a:fontRef>
-        </p:style>
-        <p:txBody>
-          <a:bodyPr rtlCol="0" anchor="ctr"/>
-          <a:lstStyle/>
-          <a:p>
-            <a:pPr algn="ctr"/>
-            <a:r>
-              <a:rPr lang="en-US" altLang="ja-JP" sz="1000" dirty="0" err="1" smtClean="0">
-                <a:solidFill>
-                  <a:schemeClr val="tx1"/>
-                </a:solidFill>
-              </a:rPr>
-              <a:t>C</a:t>
-            </a:r>
-            <a:r>
-              <a:rPr kumimoji="1" lang="en-US" altLang="ja-JP" sz="1000" dirty="0" err="1" smtClean="0">
-                <a:solidFill>
-                  <a:schemeClr val="tx1"/>
-                </a:solidFill>
-              </a:rPr>
-              <a:t>MessageId</a:t>
-            </a:r>
-            <a:r>
-              <a:rPr kumimoji="1" lang="en-US" altLang="ja-JP" sz="1000" dirty="0" smtClean="0">
-                <a:solidFill>
-                  <a:schemeClr val="tx1"/>
-                </a:solidFill>
-              </a:rPr>
-              <a:t>::</a:t>
-            </a:r>
-            <a:r>
-              <a:rPr kumimoji="1" lang="en-US" altLang="ja-JP" sz="1000" dirty="0" err="1" smtClean="0">
-                <a:solidFill>
-                  <a:schemeClr val="tx1"/>
-                </a:solidFill>
-              </a:rPr>
-              <a:t>CId</a:t>
-            </a:r>
-            <a:endParaRPr kumimoji="1" lang="ja-JP" altLang="en-US" sz="1000" dirty="0">
-              <a:solidFill>
-                <a:schemeClr val="tx1"/>
-              </a:solidFill>
-            </a:endParaRPr>
-          </a:p>
-        </p:txBody>
-      </p:sp>
-      <p:cxnSp>
-        <p:nvCxnSpPr>
-          <p:cNvPr id="143" name="カギ線コネクタ 142"/>
-          <p:cNvCxnSpPr>
-            <a:stCxn id="102" idx="0"/>
-            <a:endCxn id="84" idx="2"/>
-          </p:cNvCxnSpPr>
-          <p:nvPr/>
-        </p:nvCxnSpPr>
-        <p:spPr>
-          <a:xfrm rot="16200000" flipV="1">
-            <a:off x="7651800" y="5574701"/>
-            <a:ext cx="357422" cy="370"/>
-          </a:xfrm>
-          <a:prstGeom prst="bentConnector3">
-            <a:avLst>
-              <a:gd name="adj1" fmla="val 50000"/>
-            </a:avLst>
-          </a:prstGeom>
-          <a:ln>
-            <a:prstDash val="dash"/>
-            <a:tailEnd type="arrow"/>
-          </a:ln>
-        </p:spPr>
-        <p:style>
-          <a:lnRef idx="1">
-            <a:schemeClr val="accent1"/>
-          </a:lnRef>
-          <a:fillRef idx="0">
-            <a:schemeClr val="accent1"/>
-          </a:fillRef>
-          <a:effectRef idx="0">
-            <a:schemeClr val="accent1"/>
-          </a:effectRef>
-          <a:fontRef idx="minor">
-            <a:schemeClr val="tx1"/>
-          </a:fontRef>
-        </p:style>
-      </p:cxnSp>
-      <p:cxnSp>
-        <p:nvCxnSpPr>
-          <p:cNvPr id="152" name="カギ線コネクタ 151"/>
-          <p:cNvCxnSpPr/>
-          <p:nvPr/>
-        </p:nvCxnSpPr>
-        <p:spPr>
-          <a:xfrm rot="10800000">
-            <a:off x="4311409" y="4365105"/>
-            <a:ext cx="2794192" cy="1561379"/>
-          </a:xfrm>
-          <a:prstGeom prst="bentConnector3">
-            <a:avLst>
-              <a:gd name="adj1" fmla="val 99315"/>
-            </a:avLst>
-          </a:prstGeom>
-          <a:ln>
-            <a:prstDash val="dash"/>
-            <a:headEnd type="arrow" w="med" len="med"/>
-            <a:tailEnd type="none" w="med" len="med"/>
-          </a:ln>
-        </p:spPr>
-        <p:style>
-          <a:lnRef idx="1">
-            <a:schemeClr val="accent1"/>
-          </a:lnRef>
-          <a:fillRef idx="0">
-            <a:schemeClr val="accent1"/>
-          </a:fillRef>
-          <a:effectRef idx="0">
-            <a:schemeClr val="accent1"/>
-          </a:effectRef>
-          <a:fontRef idx="minor">
-            <a:schemeClr val="tx1"/>
-          </a:fontRef>
-        </p:style>
-      </p:cxnSp>
-      <p:cxnSp>
-        <p:nvCxnSpPr>
-          <p:cNvPr id="168" name="カギ線コネクタ 167"/>
-          <p:cNvCxnSpPr/>
-          <p:nvPr/>
-        </p:nvCxnSpPr>
-        <p:spPr>
-          <a:xfrm rot="10800000">
-            <a:off x="2860679" y="5965452"/>
-            <a:ext cx="4249567" cy="220533"/>
-          </a:xfrm>
-          <a:prstGeom prst="bentConnector3">
-            <a:avLst>
-              <a:gd name="adj1" fmla="val 72563"/>
-            </a:avLst>
-          </a:prstGeom>
-          <a:ln>
-            <a:prstDash val="dash"/>
-            <a:headEnd type="arrow" w="med" len="med"/>
-            <a:tailEnd type="none" w="med" len="med"/>
-          </a:ln>
-        </p:spPr>
-        <p:style>
-          <a:lnRef idx="1">
-            <a:schemeClr val="accent1"/>
-          </a:lnRef>
-          <a:fillRef idx="0">
-            <a:schemeClr val="accent1"/>
-          </a:fillRef>
-          <a:effectRef idx="0">
-            <a:schemeClr val="accent1"/>
-          </a:effectRef>
-          <a:fontRef idx="minor">
-            <a:schemeClr val="tx1"/>
-          </a:fontRef>
-        </p:style>
-      </p:cxnSp>
-      <p:cxnSp>
-        <p:nvCxnSpPr>
-          <p:cNvPr id="175" name="カギ線コネクタ 174"/>
-          <p:cNvCxnSpPr/>
-          <p:nvPr/>
-        </p:nvCxnSpPr>
-        <p:spPr>
-          <a:xfrm rot="10800000">
-            <a:off x="4520329" y="4357899"/>
-            <a:ext cx="2596636" cy="618668"/>
-          </a:xfrm>
-          <a:prstGeom prst="bentConnector3">
-            <a:avLst>
-              <a:gd name="adj1" fmla="val 98909"/>
-            </a:avLst>
-          </a:prstGeom>
-          <a:ln>
-            <a:prstDash val="dash"/>
-            <a:headEnd type="arrow" w="med" len="med"/>
-            <a:tailEnd type="none" w="med" len="med"/>
-          </a:ln>
-        </p:spPr>
-        <p:style>
-          <a:lnRef idx="1">
-            <a:schemeClr val="accent1"/>
-          </a:lnRef>
-          <a:fillRef idx="0">
-            <a:schemeClr val="accent1"/>
-          </a:fillRef>
-          <a:effectRef idx="0">
-            <a:schemeClr val="accent1"/>
-          </a:effectRef>
-          <a:fontRef idx="minor">
-            <a:schemeClr val="tx1"/>
-          </a:fontRef>
-        </p:style>
-      </p:cxnSp>
     </p:spTree>
     <p:extLst>
       <p:ext uri="{BB962C8B-B14F-4D97-AF65-F5344CB8AC3E}">
@@ -13317,7 +13883,7 @@
         <p:spPr>
           <a:xfrm>
             <a:off x="2308416" y="1815207"/>
-            <a:ext cx="1255472" cy="461665"/>
+            <a:ext cx="1678665" cy="461665"/>
           </a:xfrm>
           <a:prstGeom prst="rect">
             <a:avLst/>
@@ -13335,7 +13901,7 @@
           <a:p>
             <a:r>
               <a:rPr kumimoji="1" lang="en-US" altLang="ja-JP" sz="800" dirty="0" err="1" smtClean="0"/>
-              <a:t>CMessage</a:t>
+              <a:t>CRequestMessage</a:t>
             </a:r>
             <a:r>
               <a:rPr lang="en-US" altLang="ja-JP" sz="800" dirty="0" smtClean="0"/>
@@ -13343,17 +13909,22 @@
             </a:r>
             <a:r>
               <a:rPr kumimoji="1" lang="en-US" altLang="ja-JP" sz="800" dirty="0" err="1" smtClean="0"/>
-              <a:t>sendRequest</a:t>
+              <a:t>sendSync</a:t>
             </a:r>
             <a:r>
               <a:rPr kumimoji="1" lang="en-US" altLang="ja-JP" sz="800" dirty="0" smtClean="0"/>
-              <a:t>*</a:t>
-            </a:r>
-          </a:p>
-          <a:p>
-            <a:r>
-              <a:rPr lang="en-US" altLang="ja-JP" sz="800" dirty="0" err="1"/>
-              <a:t>CMessage</a:t>
+              <a:t>/</a:t>
+            </a:r>
+            <a:r>
+              <a:rPr kumimoji="1" lang="en-US" altLang="ja-JP" sz="800" dirty="0" err="1" smtClean="0"/>
+              <a:t>Async</a:t>
+            </a:r>
+            <a:endParaRPr kumimoji="1" lang="en-US" altLang="ja-JP" sz="800" dirty="0" smtClean="0"/>
+          </a:p>
+          <a:p>
+            <a:r>
+              <a:rPr lang="en-US" altLang="ja-JP" sz="800" dirty="0" err="1" smtClean="0"/>
+              <a:t>CReplyMessage</a:t>
             </a:r>
             <a:r>
               <a:rPr lang="en-US" altLang="ja-JP" sz="800" dirty="0"/>
@@ -13361,25 +13932,26 @@
             </a:r>
             <a:r>
               <a:rPr lang="en-US" altLang="ja-JP" sz="800" dirty="0" err="1" smtClean="0"/>
-              <a:t>sendReply</a:t>
+              <a:t>sendOK</a:t>
             </a:r>
             <a:r>
               <a:rPr lang="en-US" altLang="ja-JP" sz="800" dirty="0" smtClean="0"/>
-              <a:t>*</a:t>
-            </a:r>
-          </a:p>
-          <a:p>
-            <a:r>
-              <a:rPr lang="en-US" altLang="ja-JP" sz="800" dirty="0" err="1"/>
-              <a:t>CMessage</a:t>
+              <a:t>/NG</a:t>
+            </a:r>
+            <a:endParaRPr lang="en-US" altLang="ja-JP" sz="800" dirty="0" smtClean="0"/>
+          </a:p>
+          <a:p>
+            <a:r>
+              <a:rPr lang="en-US" altLang="ja-JP" sz="800" dirty="0" err="1" smtClean="0"/>
+              <a:t>CNotifyMessage</a:t>
             </a:r>
             <a:r>
               <a:rPr lang="en-US" altLang="ja-JP" sz="800" dirty="0"/>
               <a:t>:: </a:t>
             </a:r>
             <a:r>
-              <a:rPr kumimoji="1" lang="en-US" altLang="ja-JP" sz="800" dirty="0" err="1" smtClean="0"/>
-              <a:t>sendNotify</a:t>
+              <a:rPr kumimoji="1" lang="en-US" altLang="ja-JP" sz="800" dirty="0" smtClean="0"/>
+              <a:t>send</a:t>
             </a:r>
             <a:endParaRPr kumimoji="1" lang="en-US" altLang="ja-JP" sz="800" dirty="0" smtClean="0"/>
           </a:p>
@@ -13393,7 +13965,7 @@
         </p:nvSpPr>
         <p:spPr>
           <a:xfrm>
-            <a:off x="3275856" y="2322360"/>
+            <a:off x="3728976" y="2322360"/>
             <a:ext cx="3867360" cy="253916"/>
           </a:xfrm>
           <a:prstGeom prst="rect">
@@ -13414,7 +13986,7 @@
           <a:p>
             <a:r>
               <a:rPr lang="fr-FR" altLang="ja-JP" sz="1050" dirty="0" smtClean="0"/>
-              <a:t>sendRequestSync </a:t>
+              <a:t>sendSync </a:t>
             </a:r>
             <a:r>
               <a:rPr lang="fr-FR" altLang="ja-JP" sz="1050" dirty="0"/>
@@ -13507,8 +14079,8 @@
         </p:nvCxnSpPr>
         <p:spPr>
           <a:xfrm>
-            <a:off x="2936152" y="2276872"/>
-            <a:ext cx="339704" cy="172446"/>
+            <a:off x="3147749" y="2276872"/>
+            <a:ext cx="581227" cy="172446"/>
           </a:xfrm>
           <a:prstGeom prst="straightConnector1">
             <a:avLst/>
@@ -13574,7 +14146,7 @@
         <p:spPr>
           <a:xfrm>
             <a:off x="6156176" y="1848721"/>
-            <a:ext cx="2406428" cy="215444"/>
+            <a:ext cx="2571538" cy="215444"/>
           </a:xfrm>
           <a:prstGeom prst="rect">
             <a:avLst/>
@@ -13600,7 +14172,7 @@
             </a:r>
             <a:r>
               <a:rPr lang="ja-JP" altLang="en-US" sz="800" dirty="0" smtClean="0"/>
-              <a:t>ユーザ側で実装</a:t>
+              <a:t>ユーザ側にて実装。</a:t>
             </a:r>
             <a:endParaRPr kumimoji="1" lang="en-US" altLang="ja-JP" sz="800" dirty="0" smtClean="0"/>
           </a:p>
